--- a/doc/06.藏书阁.pptx
+++ b/doc/06.藏书阁.pptx
@@ -11,8 +11,7 @@
     <p:sldId id="291" r:id="rId5"/>
     <p:sldId id="277" r:id="rId6"/>
     <p:sldId id="283" r:id="rId7"/>
-    <p:sldId id="293" r:id="rId8"/>
-    <p:sldId id="292" r:id="rId9"/>
+    <p:sldId id="292" r:id="rId8"/>
   </p:sldIdLst>
   <p:sldSz cx="12192000" cy="6858000"/>
   <p:notesSz cx="6858000" cy="9144000"/>
@@ -278,7 +277,7 @@
           <a:p>
             <a:fld id="{1B7BBEA4-24BC-4F9A-BA49-26A596A24E96}" type="datetimeFigureOut">
               <a:rPr lang="zh-CN" altLang="en-US" smtClean="0"/>
-              <a:t>2021/4/15</a:t>
+              <a:t>2021/4/17</a:t>
             </a:fld>
             <a:endParaRPr lang="zh-CN" altLang="en-US"/>
           </a:p>
@@ -476,7 +475,7 @@
           <a:p>
             <a:fld id="{1B7BBEA4-24BC-4F9A-BA49-26A596A24E96}" type="datetimeFigureOut">
               <a:rPr lang="zh-CN" altLang="en-US" smtClean="0"/>
-              <a:t>2021/4/15</a:t>
+              <a:t>2021/4/17</a:t>
             </a:fld>
             <a:endParaRPr lang="zh-CN" altLang="en-US"/>
           </a:p>
@@ -684,7 +683,7 @@
           <a:p>
             <a:fld id="{1B7BBEA4-24BC-4F9A-BA49-26A596A24E96}" type="datetimeFigureOut">
               <a:rPr lang="zh-CN" altLang="en-US" smtClean="0"/>
-              <a:t>2021/4/15</a:t>
+              <a:t>2021/4/17</a:t>
             </a:fld>
             <a:endParaRPr lang="zh-CN" altLang="en-US"/>
           </a:p>
@@ -882,7 +881,7 @@
           <a:p>
             <a:fld id="{1B7BBEA4-24BC-4F9A-BA49-26A596A24E96}" type="datetimeFigureOut">
               <a:rPr lang="zh-CN" altLang="en-US" smtClean="0"/>
-              <a:t>2021/4/15</a:t>
+              <a:t>2021/4/17</a:t>
             </a:fld>
             <a:endParaRPr lang="zh-CN" altLang="en-US"/>
           </a:p>
@@ -1157,7 +1156,7 @@
           <a:p>
             <a:fld id="{1B7BBEA4-24BC-4F9A-BA49-26A596A24E96}" type="datetimeFigureOut">
               <a:rPr lang="zh-CN" altLang="en-US" smtClean="0"/>
-              <a:t>2021/4/15</a:t>
+              <a:t>2021/4/17</a:t>
             </a:fld>
             <a:endParaRPr lang="zh-CN" altLang="en-US"/>
           </a:p>
@@ -1422,7 +1421,7 @@
           <a:p>
             <a:fld id="{1B7BBEA4-24BC-4F9A-BA49-26A596A24E96}" type="datetimeFigureOut">
               <a:rPr lang="zh-CN" altLang="en-US" smtClean="0"/>
-              <a:t>2021/4/15</a:t>
+              <a:t>2021/4/17</a:t>
             </a:fld>
             <a:endParaRPr lang="zh-CN" altLang="en-US"/>
           </a:p>
@@ -1834,7 +1833,7 @@
           <a:p>
             <a:fld id="{1B7BBEA4-24BC-4F9A-BA49-26A596A24E96}" type="datetimeFigureOut">
               <a:rPr lang="zh-CN" altLang="en-US" smtClean="0"/>
-              <a:t>2021/4/15</a:t>
+              <a:t>2021/4/17</a:t>
             </a:fld>
             <a:endParaRPr lang="zh-CN" altLang="en-US"/>
           </a:p>
@@ -1975,7 +1974,7 @@
           <a:p>
             <a:fld id="{1B7BBEA4-24BC-4F9A-BA49-26A596A24E96}" type="datetimeFigureOut">
               <a:rPr lang="zh-CN" altLang="en-US" smtClean="0"/>
-              <a:t>2021/4/15</a:t>
+              <a:t>2021/4/17</a:t>
             </a:fld>
             <a:endParaRPr lang="zh-CN" altLang="en-US"/>
           </a:p>
@@ -2088,7 +2087,7 @@
           <a:p>
             <a:fld id="{1B7BBEA4-24BC-4F9A-BA49-26A596A24E96}" type="datetimeFigureOut">
               <a:rPr lang="zh-CN" altLang="en-US" smtClean="0"/>
-              <a:t>2021/4/15</a:t>
+              <a:t>2021/4/17</a:t>
             </a:fld>
             <a:endParaRPr lang="zh-CN" altLang="en-US"/>
           </a:p>
@@ -2399,7 +2398,7 @@
           <a:p>
             <a:fld id="{1B7BBEA4-24BC-4F9A-BA49-26A596A24E96}" type="datetimeFigureOut">
               <a:rPr lang="zh-CN" altLang="en-US" smtClean="0"/>
-              <a:t>2021/4/15</a:t>
+              <a:t>2021/4/17</a:t>
             </a:fld>
             <a:endParaRPr lang="zh-CN" altLang="en-US"/>
           </a:p>
@@ -2687,7 +2686,7 @@
           <a:p>
             <a:fld id="{1B7BBEA4-24BC-4F9A-BA49-26A596A24E96}" type="datetimeFigureOut">
               <a:rPr lang="zh-CN" altLang="en-US" smtClean="0"/>
-              <a:t>2021/4/15</a:t>
+              <a:t>2021/4/17</a:t>
             </a:fld>
             <a:endParaRPr lang="zh-CN" altLang="en-US"/>
           </a:p>
@@ -2928,7 +2927,7 @@
           <a:p>
             <a:fld id="{1B7BBEA4-24BC-4F9A-BA49-26A596A24E96}" type="datetimeFigureOut">
               <a:rPr lang="zh-CN" altLang="en-US" smtClean="0"/>
-              <a:t>2021/4/15</a:t>
+              <a:t>2021/4/17</a:t>
             </a:fld>
             <a:endParaRPr lang="zh-CN" altLang="en-US"/>
           </a:p>
@@ -3761,7 +3760,7 @@
                   <a:ea typeface="微软雅黑" panose="020B0503020204020204" pitchFamily="34" charset="-122"/>
                   <a:hlinkClick r:id="rId2" action="ppaction://hlinksldjump"/>
                 </a:rPr>
-                <a:t>房间</a:t>
+                <a:t>作者</a:t>
               </a:r>
               <a:endParaRPr lang="zh-CN" altLang="en-US"/>
             </a:p>
@@ -3868,7 +3867,7 @@
                   <a:ea typeface="微软雅黑" panose="020B0503020204020204" pitchFamily="34" charset="-122"/>
                   <a:hlinkClick r:id="rId3" action="ppaction://hlinksldjump"/>
                 </a:rPr>
-                <a:t>供养</a:t>
+                <a:t>书籍</a:t>
               </a:r>
               <a:endParaRPr lang="zh-CN" altLang="en-US"/>
             </a:p>
@@ -3975,7 +3974,7 @@
                   <a:ea typeface="微软雅黑" panose="020B0503020204020204" pitchFamily="34" charset="-122"/>
                   <a:hlinkClick r:id="rId4" action="ppaction://hlinksldjump"/>
                 </a:rPr>
-                <a:t>关注</a:t>
+                <a:t>收藏</a:t>
               </a:r>
               <a:endParaRPr lang="zh-CN" altLang="en-US"/>
             </a:p>
@@ -4077,12 +4076,12 @@
             <a:lstStyle/>
             <a:p>
               <a:r>
-                <a:rPr lang="zh-CN" altLang="en-US" sz="1800" b="1">
+                <a:rPr lang="zh-CN" altLang="en-US" b="1">
                   <a:latin typeface="Consolas" panose="020B0609020204030204" pitchFamily="49" charset="0"/>
                   <a:ea typeface="微软雅黑" panose="020B0503020204020204" pitchFamily="34" charset="-122"/>
                   <a:hlinkClick r:id="rId5" action="ppaction://hlinksldjump"/>
                 </a:rPr>
-                <a:t>创建房间</a:t>
+                <a:t>创建作者</a:t>
               </a:r>
               <a:endParaRPr lang="zh-CN" altLang="en-US" sz="1800" b="1">
                 <a:latin typeface="Consolas" panose="020B0609020204030204" pitchFamily="49" charset="0"/>
@@ -4192,7 +4191,7 @@
                   <a:ea typeface="微软雅黑" panose="020B0503020204020204" pitchFamily="34" charset="-122"/>
                   <a:hlinkClick r:id="rId6" action="ppaction://hlinksldjump"/>
                 </a:rPr>
-                <a:t>供养</a:t>
+                <a:t>创建书籍</a:t>
               </a:r>
               <a:endParaRPr lang="zh-CN" altLang="en-US" sz="1800" b="1">
                 <a:latin typeface="Consolas" panose="020B0609020204030204" pitchFamily="49" charset="0"/>
@@ -4302,7 +4301,7 @@
                   <a:ea typeface="微软雅黑" panose="020B0503020204020204" pitchFamily="34" charset="-122"/>
                   <a:hlinkClick r:id="rId7" action="ppaction://hlinksldjump"/>
                 </a:rPr>
-                <a:t>查看供养</a:t>
+                <a:t>收藏</a:t>
               </a:r>
               <a:endParaRPr lang="zh-CN" altLang="en-US" sz="1800" b="1">
                 <a:latin typeface="Consolas" panose="020B0609020204030204" pitchFamily="49" charset="0"/>
@@ -4317,116 +4316,6 @@
               <a:extLst>
                 <a:ext uri="{FF2B5EF4-FFF2-40B4-BE49-F238E27FC236}">
                   <a16:creationId xmlns:a16="http://schemas.microsoft.com/office/drawing/2014/main" id="{B5A9643E-23CA-4A83-A438-BFD0A9FC20FF}"/>
-                </a:ext>
-              </a:extLst>
-            </p:cNvPr>
-            <p:cNvSpPr/>
-            <p:nvPr/>
-          </p:nvSpPr>
-          <p:spPr>
-            <a:xfrm>
-              <a:off x="1628272" y="4171796"/>
-              <a:ext cx="216000" cy="216000"/>
-            </a:xfrm>
-            <a:prstGeom prst="diamond">
-              <a:avLst/>
-            </a:prstGeom>
-          </p:spPr>
-          <p:style>
-            <a:lnRef idx="2">
-              <a:schemeClr val="accent1">
-                <a:shade val="50000"/>
-              </a:schemeClr>
-            </a:lnRef>
-            <a:fillRef idx="1">
-              <a:schemeClr val="accent1"/>
-            </a:fillRef>
-            <a:effectRef idx="0">
-              <a:schemeClr val="accent1"/>
-            </a:effectRef>
-            <a:fontRef idx="minor">
-              <a:schemeClr val="lt1"/>
-            </a:fontRef>
-          </p:style>
-          <p:txBody>
-            <a:bodyPr rtlCol="0" anchor="ctr"/>
-            <a:lstStyle/>
-            <a:p>
-              <a:pPr algn="ctr"/>
-              <a:endParaRPr lang="zh-CN" altLang="en-US"/>
-            </a:p>
-          </p:txBody>
-        </p:sp>
-      </p:grpSp>
-      <p:grpSp>
-        <p:nvGrpSpPr>
-          <p:cNvPr id="41" name="组合 40">
-            <a:extLst>
-              <a:ext uri="{FF2B5EF4-FFF2-40B4-BE49-F238E27FC236}">
-                <a16:creationId xmlns:a16="http://schemas.microsoft.com/office/drawing/2014/main" id="{EF82DC6B-B04D-4AC2-8882-EFC3B740D367}"/>
-              </a:ext>
-            </a:extLst>
-          </p:cNvPr>
-          <p:cNvGrpSpPr/>
-          <p:nvPr/>
-        </p:nvGrpSpPr>
-        <p:grpSpPr>
-          <a:xfrm>
-            <a:off x="1628272" y="4729652"/>
-            <a:ext cx="6485472" cy="369332"/>
-            <a:chOff x="1628272" y="4095130"/>
-            <a:chExt cx="6485472" cy="369332"/>
-          </a:xfrm>
-        </p:grpSpPr>
-        <p:sp>
-          <p:nvSpPr>
-            <p:cNvPr id="42" name="文本框 41">
-              <a:extLst>
-                <a:ext uri="{FF2B5EF4-FFF2-40B4-BE49-F238E27FC236}">
-                  <a16:creationId xmlns:a16="http://schemas.microsoft.com/office/drawing/2014/main" id="{AA2719A1-D609-4D19-99BC-846DB9C38ACC}"/>
-                </a:ext>
-              </a:extLst>
-            </p:cNvPr>
-            <p:cNvSpPr txBox="1"/>
-            <p:nvPr/>
-          </p:nvSpPr>
-          <p:spPr>
-            <a:xfrm>
-              <a:off x="2016190" y="4095130"/>
-              <a:ext cx="6097554" cy="369332"/>
-            </a:xfrm>
-            <a:prstGeom prst="rect">
-              <a:avLst/>
-            </a:prstGeom>
-            <a:noFill/>
-          </p:spPr>
-          <p:txBody>
-            <a:bodyPr wrap="square">
-              <a:spAutoFit/>
-            </a:bodyPr>
-            <a:lstStyle/>
-            <a:p>
-              <a:r>
-                <a:rPr lang="zh-CN" altLang="en-US" sz="1800" b="1">
-                  <a:latin typeface="Consolas" panose="020B0609020204030204" pitchFamily="49" charset="0"/>
-                  <a:ea typeface="微软雅黑" panose="020B0503020204020204" pitchFamily="34" charset="-122"/>
-                  <a:hlinkClick r:id="rId8" action="ppaction://hlinksldjump"/>
-                </a:rPr>
-                <a:t>关注</a:t>
-              </a:r>
-              <a:endParaRPr lang="zh-CN" altLang="en-US" sz="1800" b="1">
-                <a:latin typeface="Consolas" panose="020B0609020204030204" pitchFamily="49" charset="0"/>
-                <a:ea typeface="微软雅黑" panose="020B0503020204020204" pitchFamily="34" charset="-122"/>
-              </a:endParaRPr>
-            </a:p>
-          </p:txBody>
-        </p:sp>
-        <p:sp>
-          <p:nvSpPr>
-            <p:cNvPr id="43" name="菱形 42">
-              <a:extLst>
-                <a:ext uri="{FF2B5EF4-FFF2-40B4-BE49-F238E27FC236}">
-                  <a16:creationId xmlns:a16="http://schemas.microsoft.com/office/drawing/2014/main" id="{660B9148-313C-4828-8A62-2BEA5D62467F}"/>
                 </a:ext>
               </a:extLst>
             </p:cNvPr>
@@ -4632,7 +4521,7 @@
                 <a:latin typeface="Consolas" panose="020B0609020204030204" pitchFamily="49" charset="0"/>
                 <a:ea typeface="微软雅黑" panose="020B0503020204020204" pitchFamily="34" charset="-122"/>
               </a:rPr>
-              <a:t>房间</a:t>
+              <a:t>作者</a:t>
             </a:r>
           </a:p>
         </p:txBody>
@@ -4697,7 +4586,7 @@
                 <a:latin typeface="微软雅黑" panose="020B0503020204020204" pitchFamily="34" charset="-122"/>
                 <a:ea typeface="微软雅黑" panose="020B0503020204020204" pitchFamily="34" charset="-122"/>
               </a:rPr>
-              <a:t>房间表</a:t>
+              <a:t>作者表</a:t>
             </a:r>
             <a:endParaRPr lang="en-US" altLang="zh-CN" b="1">
               <a:solidFill>
@@ -4717,7 +4606,7 @@
                 <a:latin typeface="微软雅黑" panose="020B0503020204020204" pitchFamily="34" charset="-122"/>
                 <a:ea typeface="微软雅黑" panose="020B0503020204020204" pitchFamily="34" charset="-122"/>
               </a:rPr>
-              <a:t>Room</a:t>
+              <a:t>Author</a:t>
             </a:r>
             <a:endParaRPr lang="zh-CN" altLang="en-US" b="1">
               <a:solidFill>
@@ -4743,8 +4632,8 @@
         </p:nvSpPr>
         <p:spPr>
           <a:xfrm>
-            <a:off x="712379" y="2188136"/>
-            <a:ext cx="2124127" cy="1525447"/>
+            <a:off x="712379" y="2188137"/>
+            <a:ext cx="1728001" cy="648000"/>
           </a:xfrm>
           <a:prstGeom prst="roundRect">
             <a:avLst>
@@ -4787,7 +4676,7 @@
                 <a:latin typeface="微软雅黑" panose="020B0503020204020204" pitchFamily="34" charset="-122"/>
                 <a:ea typeface="微软雅黑" panose="020B0503020204020204" pitchFamily="34" charset="-122"/>
               </a:rPr>
-              <a:t>房间</a:t>
+              <a:t>作者</a:t>
             </a:r>
             <a:r>
               <a:rPr lang="en-US" altLang="zh-CN" sz="1400" b="1">
@@ -4809,213 +4698,15 @@
                 <a:latin typeface="微软雅黑" panose="020B0503020204020204" pitchFamily="34" charset="-122"/>
                 <a:ea typeface="微软雅黑" panose="020B0503020204020204" pitchFamily="34" charset="-122"/>
               </a:rPr>
-              <a:t>法师</a:t>
-            </a:r>
-            <a:r>
-              <a:rPr lang="en-US" altLang="zh-CN" sz="1400" b="1">
-                <a:solidFill>
-                  <a:schemeClr val="tx1"/>
-                </a:solidFill>
-                <a:latin typeface="微软雅黑" panose="020B0503020204020204" pitchFamily="34" charset="-122"/>
-                <a:ea typeface="微软雅黑" panose="020B0503020204020204" pitchFamily="34" charset="-122"/>
-              </a:rPr>
-              <a:t>id</a:t>
-            </a:r>
-            <a:br>
-              <a:rPr lang="en-US" altLang="zh-CN" sz="1400" b="1">
-                <a:solidFill>
-                  <a:schemeClr val="tx1"/>
-                </a:solidFill>
-                <a:latin typeface="微软雅黑" panose="020B0503020204020204" pitchFamily="34" charset="-122"/>
-                <a:ea typeface="微软雅黑" panose="020B0503020204020204" pitchFamily="34" charset="-122"/>
-              </a:rPr>
-            </a:br>
-            <a:r>
-              <a:rPr lang="zh-CN" altLang="en-US" sz="1400" b="1">
-                <a:solidFill>
-                  <a:schemeClr val="tx1"/>
-                </a:solidFill>
-                <a:latin typeface="微软雅黑" panose="020B0503020204020204" pitchFamily="34" charset="-122"/>
-                <a:ea typeface="微软雅黑" panose="020B0503020204020204" pitchFamily="34" charset="-122"/>
-              </a:rPr>
-              <a:t>房间类型 </a:t>
-            </a:r>
-            <a:r>
-              <a:rPr lang="en-US" altLang="zh-CN" sz="1400" b="1">
-                <a:solidFill>
-                  <a:schemeClr val="tx1"/>
-                </a:solidFill>
-                <a:latin typeface="微软雅黑" panose="020B0503020204020204" pitchFamily="34" charset="-122"/>
-                <a:ea typeface="微软雅黑" panose="020B0503020204020204" pitchFamily="34" charset="-122"/>
-              </a:rPr>
-              <a:t>[1</a:t>
-            </a:r>
-            <a:r>
-              <a:rPr lang="zh-CN" altLang="en-US" sz="1400" b="1">
-                <a:solidFill>
-                  <a:schemeClr val="tx1"/>
-                </a:solidFill>
-                <a:latin typeface="微软雅黑" panose="020B0503020204020204" pitchFamily="34" charset="-122"/>
-                <a:ea typeface="微软雅黑" panose="020B0503020204020204" pitchFamily="34" charset="-122"/>
-              </a:rPr>
-              <a:t>直播</a:t>
-            </a:r>
-            <a:r>
-              <a:rPr lang="en-US" altLang="zh-CN" sz="1400" b="1">
-                <a:solidFill>
-                  <a:schemeClr val="tx1"/>
-                </a:solidFill>
-                <a:latin typeface="微软雅黑" panose="020B0503020204020204" pitchFamily="34" charset="-122"/>
-                <a:ea typeface="微软雅黑" panose="020B0503020204020204" pitchFamily="34" charset="-122"/>
-              </a:rPr>
-              <a:t>,2</a:t>
-            </a:r>
-            <a:r>
-              <a:rPr lang="zh-CN" altLang="en-US" sz="1400" b="1">
-                <a:solidFill>
-                  <a:schemeClr val="tx1"/>
-                </a:solidFill>
-                <a:latin typeface="微软雅黑" panose="020B0503020204020204" pitchFamily="34" charset="-122"/>
-                <a:ea typeface="微软雅黑" panose="020B0503020204020204" pitchFamily="34" charset="-122"/>
-              </a:rPr>
-              <a:t>回放</a:t>
-            </a:r>
-            <a:r>
-              <a:rPr lang="en-US" altLang="zh-CN" sz="1400" b="1">
-                <a:solidFill>
-                  <a:schemeClr val="tx1"/>
-                </a:solidFill>
-                <a:latin typeface="微软雅黑" panose="020B0503020204020204" pitchFamily="34" charset="-122"/>
-                <a:ea typeface="微软雅黑" panose="020B0503020204020204" pitchFamily="34" charset="-122"/>
-              </a:rPr>
-              <a:t>]</a:t>
-            </a:r>
-          </a:p>
-          <a:p>
-            <a:r>
-              <a:rPr lang="zh-CN" altLang="en-US" sz="1400" b="1">
-                <a:solidFill>
-                  <a:schemeClr val="tx1"/>
-                </a:solidFill>
-                <a:latin typeface="微软雅黑" panose="020B0503020204020204" pitchFamily="34" charset="-122"/>
-                <a:ea typeface="微软雅黑" panose="020B0503020204020204" pitchFamily="34" charset="-122"/>
-              </a:rPr>
-              <a:t>愿力 </a:t>
-            </a:r>
-            <a:r>
-              <a:rPr lang="en-US" altLang="zh-CN" sz="1400" b="1">
-                <a:solidFill>
-                  <a:schemeClr val="tx1"/>
-                </a:solidFill>
-                <a:latin typeface="微软雅黑" panose="020B0503020204020204" pitchFamily="34" charset="-122"/>
-                <a:ea typeface="微软雅黑" panose="020B0503020204020204" pitchFamily="34" charset="-122"/>
-              </a:rPr>
-              <a:t>[</a:t>
-            </a:r>
-            <a:r>
-              <a:rPr lang="zh-CN" altLang="en-US" sz="1400" b="1">
-                <a:solidFill>
-                  <a:schemeClr val="tx1"/>
-                </a:solidFill>
-                <a:latin typeface="微软雅黑" panose="020B0503020204020204" pitchFamily="34" charset="-122"/>
-                <a:ea typeface="微软雅黑" panose="020B0503020204020204" pitchFamily="34" charset="-122"/>
-              </a:rPr>
-              <a:t>打赏总值</a:t>
-            </a:r>
-            <a:r>
-              <a:rPr lang="en-US" altLang="zh-CN" sz="1400" b="1">
-                <a:solidFill>
-                  <a:schemeClr val="tx1"/>
-                </a:solidFill>
-                <a:latin typeface="微软雅黑" panose="020B0503020204020204" pitchFamily="34" charset="-122"/>
-                <a:ea typeface="微软雅黑" panose="020B0503020204020204" pitchFamily="34" charset="-122"/>
-              </a:rPr>
-              <a:t>]</a:t>
-            </a:r>
-          </a:p>
-          <a:p>
-            <a:r>
-              <a:rPr lang="zh-CN" altLang="en-US" sz="1400" b="1">
-                <a:solidFill>
-                  <a:schemeClr val="tx1"/>
-                </a:solidFill>
-                <a:latin typeface="微软雅黑" panose="020B0503020204020204" pitchFamily="34" charset="-122"/>
-                <a:ea typeface="微软雅黑" panose="020B0503020204020204" pitchFamily="34" charset="-122"/>
-              </a:rPr>
-              <a:t>观众数量 </a:t>
-            </a:r>
-            <a:r>
-              <a:rPr lang="en-US" altLang="zh-CN" sz="1400" b="1">
-                <a:solidFill>
-                  <a:schemeClr val="tx1"/>
-                </a:solidFill>
-                <a:latin typeface="微软雅黑" panose="020B0503020204020204" pitchFamily="34" charset="-122"/>
-                <a:ea typeface="微软雅黑" panose="020B0503020204020204" pitchFamily="34" charset="-122"/>
-              </a:rPr>
-              <a:t>[</a:t>
-            </a:r>
-            <a:r>
-              <a:rPr lang="zh-CN" altLang="en-US" sz="1400" b="1">
-                <a:solidFill>
-                  <a:schemeClr val="tx1"/>
-                </a:solidFill>
-                <a:latin typeface="微软雅黑" panose="020B0503020204020204" pitchFamily="34" charset="-122"/>
-                <a:ea typeface="微软雅黑" panose="020B0503020204020204" pitchFamily="34" charset="-122"/>
-              </a:rPr>
-              <a:t>在线</a:t>
-            </a:r>
-            <a:r>
-              <a:rPr lang="en-US" altLang="zh-CN" sz="1400" b="1">
-                <a:solidFill>
-                  <a:schemeClr val="tx1"/>
-                </a:solidFill>
-                <a:latin typeface="微软雅黑" panose="020B0503020204020204" pitchFamily="34" charset="-122"/>
-                <a:ea typeface="微软雅黑" panose="020B0503020204020204" pitchFamily="34" charset="-122"/>
-              </a:rPr>
-              <a:t>]</a:t>
-            </a:r>
-          </a:p>
-          <a:p>
-            <a:r>
-              <a:rPr lang="zh-CN" altLang="en-US" sz="1400" b="1">
-                <a:solidFill>
-                  <a:schemeClr val="tx1"/>
-                </a:solidFill>
-                <a:latin typeface="微软雅黑" panose="020B0503020204020204" pitchFamily="34" charset="-122"/>
-                <a:ea typeface="微软雅黑" panose="020B0503020204020204" pitchFamily="34" charset="-122"/>
-              </a:rPr>
-              <a:t>关注数量 </a:t>
-            </a:r>
-            <a:r>
-              <a:rPr lang="en-US" altLang="zh-CN" sz="1400" b="1">
-                <a:solidFill>
-                  <a:schemeClr val="tx1"/>
-                </a:solidFill>
-                <a:latin typeface="微软雅黑" panose="020B0503020204020204" pitchFamily="34" charset="-122"/>
-                <a:ea typeface="微软雅黑" panose="020B0503020204020204" pitchFamily="34" charset="-122"/>
-              </a:rPr>
-              <a:t>[</a:t>
-            </a:r>
-            <a:r>
-              <a:rPr lang="zh-CN" altLang="en-US" sz="1400" b="1">
-                <a:solidFill>
-                  <a:schemeClr val="tx1"/>
-                </a:solidFill>
-                <a:latin typeface="微软雅黑" panose="020B0503020204020204" pitchFamily="34" charset="-122"/>
-                <a:ea typeface="微软雅黑" panose="020B0503020204020204" pitchFamily="34" charset="-122"/>
-              </a:rPr>
-              <a:t>人气</a:t>
-            </a:r>
-            <a:r>
-              <a:rPr lang="en-US" altLang="zh-CN" sz="1400" b="1">
-                <a:solidFill>
-                  <a:schemeClr val="tx1"/>
-                </a:solidFill>
-                <a:latin typeface="微软雅黑" panose="020B0503020204020204" pitchFamily="34" charset="-122"/>
-                <a:ea typeface="微软雅黑" panose="020B0503020204020204" pitchFamily="34" charset="-122"/>
-              </a:rPr>
-              <a:t>]</a:t>
-            </a:r>
+              <a:t>简介</a:t>
+            </a:r>
+            <a:endParaRPr lang="en-US" altLang="zh-CN" sz="1400" b="1">
+              <a:solidFill>
+                <a:schemeClr val="tx1"/>
+              </a:solidFill>
+              <a:latin typeface="微软雅黑" panose="020B0503020204020204" pitchFamily="34" charset="-122"/>
+              <a:ea typeface="微软雅黑" panose="020B0503020204020204" pitchFamily="34" charset="-122"/>
+            </a:endParaRPr>
           </a:p>
         </p:txBody>
       </p:sp>
@@ -5183,7 +4874,7 @@
                 <a:latin typeface="Consolas" panose="020B0609020204030204" pitchFamily="49" charset="0"/>
                 <a:ea typeface="微软雅黑" panose="020B0503020204020204" pitchFamily="34" charset="-122"/>
               </a:rPr>
-              <a:t>供养</a:t>
+              <a:t>书籍</a:t>
             </a:r>
           </a:p>
         </p:txBody>
@@ -5248,7 +4939,7 @@
                 <a:latin typeface="微软雅黑" panose="020B0503020204020204" pitchFamily="34" charset="-122"/>
                 <a:ea typeface="微软雅黑" panose="020B0503020204020204" pitchFamily="34" charset="-122"/>
               </a:rPr>
-              <a:t>供养表</a:t>
+              <a:t>书籍表</a:t>
             </a:r>
             <a:endParaRPr lang="en-US" altLang="zh-CN" b="1">
               <a:solidFill>
@@ -5268,7 +4959,7 @@
                 <a:latin typeface="微软雅黑" panose="020B0503020204020204" pitchFamily="34" charset="-122"/>
                 <a:ea typeface="微软雅黑" panose="020B0503020204020204" pitchFamily="34" charset="-122"/>
               </a:rPr>
-              <a:t>Fend</a:t>
+              <a:t>Book</a:t>
             </a:r>
             <a:endParaRPr lang="zh-CN" altLang="en-US" b="1">
               <a:solidFill>
@@ -5294,8 +4985,8 @@
         </p:nvSpPr>
         <p:spPr>
           <a:xfrm>
-            <a:off x="712378" y="2197468"/>
-            <a:ext cx="1728001" cy="1058916"/>
+            <a:off x="712377" y="2197467"/>
+            <a:ext cx="3934267" cy="3587511"/>
           </a:xfrm>
           <a:prstGeom prst="roundRect">
             <a:avLst>
@@ -5338,7 +5029,7 @@
                 <a:latin typeface="微软雅黑" panose="020B0503020204020204" pitchFamily="34" charset="-122"/>
                 <a:ea typeface="微软雅黑" panose="020B0503020204020204" pitchFamily="34" charset="-122"/>
               </a:rPr>
-              <a:t>博主</a:t>
+              <a:t>书籍</a:t>
             </a:r>
             <a:r>
               <a:rPr lang="en-US" altLang="zh-CN" sz="1400" b="1">
@@ -5360,7 +5051,45 @@
                 <a:latin typeface="微软雅黑" panose="020B0503020204020204" pitchFamily="34" charset="-122"/>
                 <a:ea typeface="微软雅黑" panose="020B0503020204020204" pitchFamily="34" charset="-122"/>
               </a:rPr>
-              <a:t>房间</a:t>
+              <a:t>书名</a:t>
+            </a:r>
+            <a:endParaRPr lang="en-US" altLang="zh-CN" sz="1400" b="1">
+              <a:solidFill>
+                <a:schemeClr val="tx1"/>
+              </a:solidFill>
+              <a:latin typeface="微软雅黑" panose="020B0503020204020204" pitchFamily="34" charset="-122"/>
+              <a:ea typeface="微软雅黑" panose="020B0503020204020204" pitchFamily="34" charset="-122"/>
+            </a:endParaRPr>
+          </a:p>
+          <a:p>
+            <a:r>
+              <a:rPr lang="zh-CN" altLang="en-US" sz="1400" b="1">
+                <a:solidFill>
+                  <a:schemeClr val="tx1"/>
+                </a:solidFill>
+                <a:latin typeface="微软雅黑" panose="020B0503020204020204" pitchFamily="34" charset="-122"/>
+                <a:ea typeface="微软雅黑" panose="020B0503020204020204" pitchFamily="34" charset="-122"/>
+              </a:rPr>
+              <a:t>书籍哈希</a:t>
+            </a:r>
+            <a:endParaRPr lang="en-US" altLang="zh-CN" sz="1400" b="1">
+              <a:solidFill>
+                <a:schemeClr val="tx1"/>
+              </a:solidFill>
+              <a:latin typeface="微软雅黑" panose="020B0503020204020204" pitchFamily="34" charset="-122"/>
+              <a:ea typeface="微软雅黑" panose="020B0503020204020204" pitchFamily="34" charset="-122"/>
+            </a:endParaRPr>
+          </a:p>
+          <a:p>
+            <a:r>
+              <a:rPr lang="zh-CN" altLang="en-US" sz="1400" b="1">
+                <a:solidFill>
+                  <a:schemeClr val="tx1"/>
+                </a:solidFill>
+                <a:latin typeface="微软雅黑" panose="020B0503020204020204" pitchFamily="34" charset="-122"/>
+                <a:ea typeface="微软雅黑" panose="020B0503020204020204" pitchFamily="34" charset="-122"/>
+              </a:rPr>
+              <a:t>作者</a:t>
             </a:r>
             <a:r>
               <a:rPr lang="en-US" altLang="zh-CN" sz="1400" b="1">
@@ -5382,17 +5111,64 @@
                 <a:latin typeface="微软雅黑" panose="020B0503020204020204" pitchFamily="34" charset="-122"/>
                 <a:ea typeface="微软雅黑" panose="020B0503020204020204" pitchFamily="34" charset="-122"/>
               </a:rPr>
-              <a:t>用户</a:t>
-            </a:r>
-            <a:r>
-              <a:rPr lang="en-US" altLang="zh-CN" sz="1400" b="1">
+              <a:t>简介</a:t>
+            </a:r>
+            <a:endParaRPr lang="en-US" altLang="zh-CN" sz="1400" b="1">
+              <a:solidFill>
+                <a:schemeClr val="tx1"/>
+              </a:solidFill>
+              <a:latin typeface="微软雅黑" panose="020B0503020204020204" pitchFamily="34" charset="-122"/>
+              <a:ea typeface="微软雅黑" panose="020B0503020204020204" pitchFamily="34" charset="-122"/>
+            </a:endParaRPr>
+          </a:p>
+          <a:p>
+            <a:r>
+              <a:rPr lang="zh-CN" altLang="en-US" sz="1400" b="1">
                 <a:solidFill>
                   <a:schemeClr val="tx1"/>
                 </a:solidFill>
                 <a:latin typeface="微软雅黑" panose="020B0503020204020204" pitchFamily="34" charset="-122"/>
                 <a:ea typeface="微软雅黑" panose="020B0503020204020204" pitchFamily="34" charset="-122"/>
               </a:rPr>
-              <a:t>id</a:t>
+              <a:t>出版社</a:t>
+            </a:r>
+            <a:endParaRPr lang="en-US" altLang="zh-CN" sz="1400" b="1">
+              <a:solidFill>
+                <a:schemeClr val="tx1"/>
+              </a:solidFill>
+              <a:latin typeface="微软雅黑" panose="020B0503020204020204" pitchFamily="34" charset="-122"/>
+              <a:ea typeface="微软雅黑" panose="020B0503020204020204" pitchFamily="34" charset="-122"/>
+            </a:endParaRPr>
+          </a:p>
+          <a:p>
+            <a:r>
+              <a:rPr lang="zh-CN" altLang="en-US" sz="1400" b="1">
+                <a:solidFill>
+                  <a:schemeClr val="tx1"/>
+                </a:solidFill>
+                <a:latin typeface="微软雅黑" panose="020B0503020204020204" pitchFamily="34" charset="-122"/>
+                <a:ea typeface="微软雅黑" panose="020B0503020204020204" pitchFamily="34" charset="-122"/>
+              </a:rPr>
+              <a:t>出版日期</a:t>
+            </a:r>
+            <a:endParaRPr lang="en-US" altLang="zh-CN" sz="1400" b="1">
+              <a:solidFill>
+                <a:schemeClr val="tx1"/>
+              </a:solidFill>
+              <a:latin typeface="微软雅黑" panose="020B0503020204020204" pitchFamily="34" charset="-122"/>
+              <a:ea typeface="微软雅黑" panose="020B0503020204020204" pitchFamily="34" charset="-122"/>
+            </a:endParaRPr>
+          </a:p>
+          <a:p>
+            <a:r>
+              <a:rPr lang="zh-CN" altLang="en-US" sz="1400" b="1">
+                <a:solidFill>
+                  <a:schemeClr val="tx1"/>
+                </a:solidFill>
+                <a:latin typeface="微软雅黑" panose="020B0503020204020204" pitchFamily="34" charset="-122"/>
+                <a:ea typeface="微软雅黑" panose="020B0503020204020204" pitchFamily="34" charset="-122"/>
+              </a:rPr>
+              <a:t>封面哈希</a:t>
             </a:r>
             <a:br>
               <a:rPr lang="en-US" altLang="zh-CN" sz="1400" b="1">
@@ -5411,7 +5187,69 @@
                 <a:latin typeface="微软雅黑" panose="020B0503020204020204" pitchFamily="34" charset="-122"/>
                 <a:ea typeface="微软雅黑" panose="020B0503020204020204" pitchFamily="34" charset="-122"/>
               </a:rPr>
-              <a:t>供养值</a:t>
+              <a:t>书籍类型 </a:t>
+            </a:r>
+            <a:r>
+              <a:rPr lang="en-US" altLang="zh-CN" sz="1400" b="1">
+                <a:solidFill>
+                  <a:schemeClr val="tx1"/>
+                </a:solidFill>
+                <a:latin typeface="微软雅黑" panose="020B0503020204020204" pitchFamily="34" charset="-122"/>
+                <a:ea typeface="微软雅黑" panose="020B0503020204020204" pitchFamily="34" charset="-122"/>
+              </a:rPr>
+              <a:t>[1</a:t>
+            </a:r>
+            <a:r>
+              <a:rPr lang="zh-CN" altLang="en-US" sz="1400" b="1">
+                <a:solidFill>
+                  <a:schemeClr val="tx1"/>
+                </a:solidFill>
+                <a:latin typeface="微软雅黑" panose="020B0503020204020204" pitchFamily="34" charset="-122"/>
+                <a:ea typeface="微软雅黑" panose="020B0503020204020204" pitchFamily="34" charset="-122"/>
+              </a:rPr>
+              <a:t>东方哲学</a:t>
+            </a:r>
+            <a:r>
+              <a:rPr lang="en-US" altLang="zh-CN" sz="1400" b="1">
+                <a:solidFill>
+                  <a:schemeClr val="tx1"/>
+                </a:solidFill>
+                <a:latin typeface="微软雅黑" panose="020B0503020204020204" pitchFamily="34" charset="-122"/>
+                <a:ea typeface="微软雅黑" panose="020B0503020204020204" pitchFamily="34" charset="-122"/>
+              </a:rPr>
+              <a:t>,2</a:t>
+            </a:r>
+            <a:r>
+              <a:rPr lang="zh-CN" altLang="en-US" sz="1400" b="1">
+                <a:solidFill>
+                  <a:schemeClr val="tx1"/>
+                </a:solidFill>
+                <a:latin typeface="微软雅黑" panose="020B0503020204020204" pitchFamily="34" charset="-122"/>
+                <a:ea typeface="微软雅黑" panose="020B0503020204020204" pitchFamily="34" charset="-122"/>
+              </a:rPr>
+              <a:t>西方哲学</a:t>
+            </a:r>
+            <a:r>
+              <a:rPr lang="en-US" altLang="zh-CN" sz="1400" b="1">
+                <a:solidFill>
+                  <a:schemeClr val="tx1"/>
+                </a:solidFill>
+                <a:latin typeface="微软雅黑" panose="020B0503020204020204" pitchFamily="34" charset="-122"/>
+                <a:ea typeface="微软雅黑" panose="020B0503020204020204" pitchFamily="34" charset="-122"/>
+              </a:rPr>
+              <a:t>…]</a:t>
+            </a:r>
+          </a:p>
+          <a:p>
+            <a:r>
+              <a:rPr lang="zh-CN" altLang="en-US" sz="1400" b="1">
+                <a:solidFill>
+                  <a:schemeClr val="tx1"/>
+                </a:solidFill>
+                <a:latin typeface="微软雅黑" panose="020B0503020204020204" pitchFamily="34" charset="-122"/>
+                <a:ea typeface="微软雅黑" panose="020B0503020204020204" pitchFamily="34" charset="-122"/>
+              </a:rPr>
+              <a:t>上架时间</a:t>
             </a:r>
             <a:endParaRPr lang="en-US" altLang="zh-CN" sz="1400" b="1">
               <a:solidFill>
@@ -5421,149 +5259,6 @@
               <a:ea typeface="微软雅黑" panose="020B0503020204020204" pitchFamily="34" charset="-122"/>
             </a:endParaRPr>
           </a:p>
-        </p:txBody>
-      </p:sp>
-      <p:sp>
-        <p:nvSpPr>
-          <p:cNvPr id="13" name="矩形: 圆角 12">
-            <a:extLst>
-              <a:ext uri="{FF2B5EF4-FFF2-40B4-BE49-F238E27FC236}">
-                <a16:creationId xmlns:a16="http://schemas.microsoft.com/office/drawing/2014/main" id="{B6299AA6-DB83-475C-82F1-EEF789561548}"/>
-              </a:ext>
-            </a:extLst>
-          </p:cNvPr>
-          <p:cNvSpPr/>
-          <p:nvPr/>
-        </p:nvSpPr>
-        <p:spPr>
-          <a:xfrm>
-            <a:off x="3934550" y="1549467"/>
-            <a:ext cx="1728000" cy="648000"/>
-          </a:xfrm>
-          <a:prstGeom prst="roundRect">
-            <a:avLst/>
-          </a:prstGeom>
-          <a:solidFill>
-            <a:schemeClr val="bg1">
-              <a:lumMod val="95000"/>
-            </a:schemeClr>
-          </a:solidFill>
-          <a:ln>
-            <a:solidFill>
-              <a:schemeClr val="tx1"/>
-            </a:solidFill>
-          </a:ln>
-        </p:spPr>
-        <p:style>
-          <a:lnRef idx="2">
-            <a:schemeClr val="accent1">
-              <a:shade val="50000"/>
-            </a:schemeClr>
-          </a:lnRef>
-          <a:fillRef idx="1">
-            <a:schemeClr val="accent1"/>
-          </a:fillRef>
-          <a:effectRef idx="0">
-            <a:schemeClr val="accent1"/>
-          </a:effectRef>
-          <a:fontRef idx="minor">
-            <a:schemeClr val="lt1"/>
-          </a:fontRef>
-        </p:style>
-        <p:txBody>
-          <a:bodyPr wrap="none" lIns="36000" tIns="36000" rIns="36000" bIns="36000" rtlCol="0" anchor="ctr" anchorCtr="0"/>
-          <a:lstStyle/>
-          <a:p>
-            <a:pPr algn="ctr"/>
-            <a:r>
-              <a:rPr lang="zh-CN" altLang="en-US" b="1">
-                <a:solidFill>
-                  <a:schemeClr val="tx1"/>
-                </a:solidFill>
-                <a:latin typeface="微软雅黑" panose="020B0503020204020204" pitchFamily="34" charset="-122"/>
-                <a:ea typeface="微软雅黑" panose="020B0503020204020204" pitchFamily="34" charset="-122"/>
-              </a:rPr>
-              <a:t>供养日志表</a:t>
-            </a:r>
-            <a:endParaRPr lang="en-US" altLang="zh-CN" b="1">
-              <a:solidFill>
-                <a:schemeClr val="tx1"/>
-              </a:solidFill>
-              <a:latin typeface="微软雅黑" panose="020B0503020204020204" pitchFamily="34" charset="-122"/>
-              <a:ea typeface="微软雅黑" panose="020B0503020204020204" pitchFamily="34" charset="-122"/>
-            </a:endParaRPr>
-          </a:p>
-          <a:p>
-            <a:pPr algn="ctr"/>
-            <a:r>
-              <a:rPr lang="en-US" altLang="zh-CN" b="1">
-                <a:solidFill>
-                  <a:schemeClr val="tx1"/>
-                </a:solidFill>
-                <a:latin typeface="微软雅黑" panose="020B0503020204020204" pitchFamily="34" charset="-122"/>
-                <a:ea typeface="微软雅黑" panose="020B0503020204020204" pitchFamily="34" charset="-122"/>
-              </a:rPr>
-              <a:t>FendLog</a:t>
-            </a:r>
-            <a:endParaRPr lang="zh-CN" altLang="en-US" b="1">
-              <a:solidFill>
-                <a:schemeClr val="tx1"/>
-              </a:solidFill>
-              <a:latin typeface="微软雅黑" panose="020B0503020204020204" pitchFamily="34" charset="-122"/>
-              <a:ea typeface="微软雅黑" panose="020B0503020204020204" pitchFamily="34" charset="-122"/>
-            </a:endParaRPr>
-          </a:p>
-        </p:txBody>
-      </p:sp>
-      <p:sp>
-        <p:nvSpPr>
-          <p:cNvPr id="14" name="矩形: 圆角 13">
-            <a:extLst>
-              <a:ext uri="{FF2B5EF4-FFF2-40B4-BE49-F238E27FC236}">
-                <a16:creationId xmlns:a16="http://schemas.microsoft.com/office/drawing/2014/main" id="{994CB801-B87D-4B8F-9A2F-69DBE5FBB147}"/>
-              </a:ext>
-            </a:extLst>
-          </p:cNvPr>
-          <p:cNvSpPr/>
-          <p:nvPr/>
-        </p:nvSpPr>
-        <p:spPr>
-          <a:xfrm>
-            <a:off x="3934549" y="2197467"/>
-            <a:ext cx="1728001" cy="1758713"/>
-          </a:xfrm>
-          <a:prstGeom prst="roundRect">
-            <a:avLst>
-              <a:gd name="adj" fmla="val 5494"/>
-            </a:avLst>
-          </a:prstGeom>
-          <a:noFill/>
-          <a:ln>
-            <a:solidFill>
-              <a:schemeClr val="tx2"/>
-            </a:solidFill>
-            <a:prstDash val="dash"/>
-          </a:ln>
-        </p:spPr>
-        <p:style>
-          <a:lnRef idx="2">
-            <a:schemeClr val="accent1">
-              <a:shade val="50000"/>
-            </a:schemeClr>
-          </a:lnRef>
-          <a:fillRef idx="1">
-            <a:schemeClr val="accent1"/>
-          </a:fillRef>
-          <a:effectRef idx="0">
-            <a:schemeClr val="accent1"/>
-          </a:effectRef>
-          <a:fontRef idx="minor">
-            <a:schemeClr val="lt1"/>
-          </a:fontRef>
-        </p:style>
-        <p:txBody>
-          <a:bodyPr rtlCol="0" anchor="b" anchorCtr="0"/>
-          <a:lstStyle/>
           <a:p>
             <a:r>
               <a:rPr lang="zh-CN" altLang="en-US" sz="1400" b="1">
@@ -5573,133 +5268,7 @@
                 <a:latin typeface="微软雅黑" panose="020B0503020204020204" pitchFamily="34" charset="-122"/>
                 <a:ea typeface="微软雅黑" panose="020B0503020204020204" pitchFamily="34" charset="-122"/>
               </a:rPr>
-              <a:t>供养</a:t>
-            </a:r>
-            <a:r>
-              <a:rPr lang="en-US" altLang="zh-CN" sz="1400" b="1">
-                <a:solidFill>
-                  <a:schemeClr val="tx1"/>
-                </a:solidFill>
-                <a:latin typeface="微软雅黑" panose="020B0503020204020204" pitchFamily="34" charset="-122"/>
-                <a:ea typeface="微软雅黑" panose="020B0503020204020204" pitchFamily="34" charset="-122"/>
-              </a:rPr>
-              <a:t>id</a:t>
-            </a:r>
-          </a:p>
-          <a:p>
-            <a:r>
-              <a:rPr lang="zh-CN" altLang="en-US" sz="1400" b="1">
-                <a:solidFill>
-                  <a:schemeClr val="tx1"/>
-                </a:solidFill>
-                <a:latin typeface="微软雅黑" panose="020B0503020204020204" pitchFamily="34" charset="-122"/>
-                <a:ea typeface="微软雅黑" panose="020B0503020204020204" pitchFamily="34" charset="-122"/>
-              </a:rPr>
-              <a:t>房间</a:t>
-            </a:r>
-            <a:r>
-              <a:rPr lang="en-US" altLang="zh-CN" sz="1400" b="1">
-                <a:solidFill>
-                  <a:schemeClr val="tx1"/>
-                </a:solidFill>
-                <a:latin typeface="微软雅黑" panose="020B0503020204020204" pitchFamily="34" charset="-122"/>
-                <a:ea typeface="微软雅黑" panose="020B0503020204020204" pitchFamily="34" charset="-122"/>
-              </a:rPr>
-              <a:t>id</a:t>
-            </a:r>
-          </a:p>
-          <a:p>
-            <a:r>
-              <a:rPr lang="zh-CN" altLang="en-US" sz="1400" b="1">
-                <a:solidFill>
-                  <a:schemeClr val="tx1"/>
-                </a:solidFill>
-                <a:latin typeface="微软雅黑" panose="020B0503020204020204" pitchFamily="34" charset="-122"/>
-                <a:ea typeface="微软雅黑" panose="020B0503020204020204" pitchFamily="34" charset="-122"/>
-              </a:rPr>
-              <a:t>用户</a:t>
-            </a:r>
-            <a:r>
-              <a:rPr lang="en-US" altLang="zh-CN" sz="1400" b="1">
-                <a:solidFill>
-                  <a:schemeClr val="tx1"/>
-                </a:solidFill>
-                <a:latin typeface="微软雅黑" panose="020B0503020204020204" pitchFamily="34" charset="-122"/>
-                <a:ea typeface="微软雅黑" panose="020B0503020204020204" pitchFamily="34" charset="-122"/>
-              </a:rPr>
-              <a:t>id</a:t>
-            </a:r>
-          </a:p>
-          <a:p>
-            <a:r>
-              <a:rPr lang="zh-CN" altLang="en-US" sz="1400" b="1">
-                <a:solidFill>
-                  <a:schemeClr val="tx1"/>
-                </a:solidFill>
-                <a:latin typeface="微软雅黑" panose="020B0503020204020204" pitchFamily="34" charset="-122"/>
-                <a:ea typeface="微软雅黑" panose="020B0503020204020204" pitchFamily="34" charset="-122"/>
-              </a:rPr>
-              <a:t>产品</a:t>
-            </a:r>
-            <a:r>
-              <a:rPr lang="en-US" altLang="zh-CN" sz="1400" b="1">
-                <a:solidFill>
-                  <a:schemeClr val="tx1"/>
-                </a:solidFill>
-                <a:latin typeface="微软雅黑" panose="020B0503020204020204" pitchFamily="34" charset="-122"/>
-                <a:ea typeface="微软雅黑" panose="020B0503020204020204" pitchFamily="34" charset="-122"/>
-              </a:rPr>
-              <a:t>id</a:t>
-            </a:r>
-          </a:p>
-          <a:p>
-            <a:r>
-              <a:rPr lang="zh-CN" altLang="en-US" sz="1400" b="1">
-                <a:solidFill>
-                  <a:schemeClr val="tx1"/>
-                </a:solidFill>
-                <a:latin typeface="微软雅黑" panose="020B0503020204020204" pitchFamily="34" charset="-122"/>
-                <a:ea typeface="微软雅黑" panose="020B0503020204020204" pitchFamily="34" charset="-122"/>
-              </a:rPr>
-              <a:t>产品数量</a:t>
-            </a:r>
-            <a:br>
-              <a:rPr lang="en-US" altLang="zh-CN" sz="1400" b="1">
-                <a:solidFill>
-                  <a:schemeClr val="tx1"/>
-                </a:solidFill>
-                <a:latin typeface="微软雅黑" panose="020B0503020204020204" pitchFamily="34" charset="-122"/>
-                <a:ea typeface="微软雅黑" panose="020B0503020204020204" pitchFamily="34" charset="-122"/>
-              </a:rPr>
-            </a:br>
-            <a:r>
-              <a:rPr lang="zh-CN" altLang="en-US" sz="1400" b="1">
-                <a:solidFill>
-                  <a:schemeClr val="tx1"/>
-                </a:solidFill>
-                <a:latin typeface="微软雅黑" panose="020B0503020204020204" pitchFamily="34" charset="-122"/>
-                <a:ea typeface="微软雅黑" panose="020B0503020204020204" pitchFamily="34" charset="-122"/>
-              </a:rPr>
-              <a:t>供养值</a:t>
-            </a:r>
-            <a:endParaRPr lang="en-US" altLang="zh-CN" sz="1400" b="1">
-              <a:solidFill>
-                <a:schemeClr val="tx1"/>
-              </a:solidFill>
-              <a:latin typeface="微软雅黑" panose="020B0503020204020204" pitchFamily="34" charset="-122"/>
-              <a:ea typeface="微软雅黑" panose="020B0503020204020204" pitchFamily="34" charset="-122"/>
-            </a:endParaRPr>
-          </a:p>
-          <a:p>
-            <a:r>
-              <a:rPr lang="zh-CN" altLang="en-US" sz="1400" b="1">
-                <a:solidFill>
-                  <a:schemeClr val="tx1"/>
-                </a:solidFill>
-                <a:latin typeface="微软雅黑" panose="020B0503020204020204" pitchFamily="34" charset="-122"/>
-                <a:ea typeface="微软雅黑" panose="020B0503020204020204" pitchFamily="34" charset="-122"/>
-              </a:rPr>
-              <a:t>日期</a:t>
+              <a:t>收藏数</a:t>
             </a:r>
             <a:endParaRPr lang="en-US" altLang="zh-CN" sz="1400" b="1">
               <a:solidFill>
@@ -5875,7 +5444,7 @@
                 <a:latin typeface="Consolas" panose="020B0609020204030204" pitchFamily="49" charset="0"/>
                 <a:ea typeface="微软雅黑" panose="020B0503020204020204" pitchFamily="34" charset="-122"/>
               </a:rPr>
-              <a:t>关注</a:t>
+              <a:t>收藏</a:t>
             </a:r>
           </a:p>
         </p:txBody>
@@ -5940,7 +5509,7 @@
                 <a:latin typeface="微软雅黑" panose="020B0503020204020204" pitchFamily="34" charset="-122"/>
                 <a:ea typeface="微软雅黑" panose="020B0503020204020204" pitchFamily="34" charset="-122"/>
               </a:rPr>
-              <a:t>关注表</a:t>
+              <a:t>收藏表</a:t>
             </a:r>
             <a:endParaRPr lang="en-US" altLang="zh-CN" b="1">
               <a:solidFill>
@@ -6030,7 +5599,7 @@
                 <a:latin typeface="微软雅黑" panose="020B0503020204020204" pitchFamily="34" charset="-122"/>
                 <a:ea typeface="微软雅黑" panose="020B0503020204020204" pitchFamily="34" charset="-122"/>
               </a:rPr>
-              <a:t>房间</a:t>
+              <a:t>用户</a:t>
             </a:r>
             <a:r>
               <a:rPr lang="en-US" altLang="zh-CN" sz="1400" b="1">
@@ -6052,7 +5621,7 @@
                 <a:latin typeface="微软雅黑" panose="020B0503020204020204" pitchFamily="34" charset="-122"/>
                 <a:ea typeface="微软雅黑" panose="020B0503020204020204" pitchFamily="34" charset="-122"/>
               </a:rPr>
-              <a:t>用户</a:t>
+              <a:t>书籍</a:t>
             </a:r>
             <a:r>
               <a:rPr lang="en-US" altLang="zh-CN" sz="1400" b="1">
@@ -6250,7 +5819,7 @@
                 <a:latin typeface="Consolas" panose="020B0609020204030204" pitchFamily="49" charset="0"/>
                 <a:ea typeface="微软雅黑" panose="020B0503020204020204" pitchFamily="34" charset="-122"/>
               </a:rPr>
-              <a:t>创建房间</a:t>
+              <a:t>创建作者</a:t>
             </a:r>
           </a:p>
         </p:txBody>
@@ -6313,7 +5882,7 @@
                 <a:latin typeface="微软雅黑" panose="020B0503020204020204" pitchFamily="34" charset="-122"/>
                 <a:ea typeface="微软雅黑" panose="020B0503020204020204" pitchFamily="34" charset="-122"/>
               </a:rPr>
-              <a:t>创建房间</a:t>
+              <a:t>创建作者</a:t>
             </a:r>
             <a:endParaRPr lang="en-US" altLang="zh-CN" sz="1600" b="1">
               <a:solidFill>
@@ -6333,7 +5902,7 @@
                 <a:latin typeface="微软雅黑" panose="020B0503020204020204" pitchFamily="34" charset="-122"/>
                 <a:ea typeface="微软雅黑" panose="020B0503020204020204" pitchFamily="34" charset="-122"/>
               </a:rPr>
-              <a:t>add_room</a:t>
+              <a:t>add_author</a:t>
             </a:r>
             <a:endParaRPr lang="zh-CN" altLang="en-US" sz="1600" b="1">
               <a:solidFill>
@@ -6356,15 +5925,15 @@
           </p:cNvPr>
           <p:cNvCxnSpPr>
             <a:cxnSpLocks/>
-            <a:stCxn id="29" idx="3"/>
+            <a:stCxn id="31" idx="3"/>
             <a:endCxn id="63" idx="1"/>
           </p:cNvCxnSpPr>
           <p:nvPr/>
         </p:nvCxnSpPr>
         <p:spPr>
-          <a:xfrm flipV="1">
-            <a:off x="3153747" y="1891461"/>
-            <a:ext cx="1423680" cy="1"/>
+          <a:xfrm>
+            <a:off x="1792379" y="1891461"/>
+            <a:ext cx="2785048" cy="0"/>
           </a:xfrm>
           <a:prstGeom prst="straightConnector1">
             <a:avLst/>
@@ -6372,188 +5941,6 @@
           <a:ln w="31750">
             <a:solidFill>
               <a:schemeClr val="tx1"/>
-            </a:solidFill>
-            <a:tailEnd type="triangle"/>
-          </a:ln>
-        </p:spPr>
-        <p:style>
-          <a:lnRef idx="1">
-            <a:schemeClr val="accent1"/>
-          </a:lnRef>
-          <a:fillRef idx="0">
-            <a:schemeClr val="accent1"/>
-          </a:fillRef>
-          <a:effectRef idx="0">
-            <a:schemeClr val="accent1"/>
-          </a:effectRef>
-          <a:fontRef idx="minor">
-            <a:schemeClr val="tx1"/>
-          </a:fontRef>
-        </p:style>
-      </p:cxnSp>
-      <p:sp>
-        <p:nvSpPr>
-          <p:cNvPr id="85" name="矩形: 圆角 84">
-            <a:extLst>
-              <a:ext uri="{FF2B5EF4-FFF2-40B4-BE49-F238E27FC236}">
-                <a16:creationId xmlns:a16="http://schemas.microsoft.com/office/drawing/2014/main" id="{6B72234E-EFD7-48A2-BE2C-7C425FF40E26}"/>
-              </a:ext>
-            </a:extLst>
-          </p:cNvPr>
-          <p:cNvSpPr/>
-          <p:nvPr/>
-        </p:nvSpPr>
-        <p:spPr>
-          <a:xfrm>
-            <a:off x="4577427" y="3682388"/>
-            <a:ext cx="2016000" cy="648000"/>
-          </a:xfrm>
-          <a:prstGeom prst="roundRect">
-            <a:avLst/>
-          </a:prstGeom>
-          <a:solidFill>
-            <a:srgbClr val="00B050"/>
-          </a:solidFill>
-          <a:ln>
-            <a:solidFill>
-              <a:schemeClr val="tx1"/>
-            </a:solidFill>
-          </a:ln>
-        </p:spPr>
-        <p:style>
-          <a:lnRef idx="2">
-            <a:schemeClr val="accent1">
-              <a:shade val="50000"/>
-            </a:schemeClr>
-          </a:lnRef>
-          <a:fillRef idx="1">
-            <a:schemeClr val="accent1"/>
-          </a:fillRef>
-          <a:effectRef idx="0">
-            <a:schemeClr val="accent1"/>
-          </a:effectRef>
-          <a:fontRef idx="minor">
-            <a:schemeClr val="lt1"/>
-          </a:fontRef>
-        </p:style>
-        <p:txBody>
-          <a:bodyPr wrap="none" lIns="36000" tIns="36000" rIns="36000" bIns="36000" rtlCol="0" anchor="ctr" anchorCtr="0"/>
-          <a:lstStyle/>
-          <a:p>
-            <a:pPr algn="ctr"/>
-            <a:r>
-              <a:rPr lang="zh-CN" altLang="en-US" sz="1600" b="1">
-                <a:solidFill>
-                  <a:schemeClr val="tx1"/>
-                </a:solidFill>
-                <a:latin typeface="微软雅黑" panose="020B0503020204020204" pitchFamily="34" charset="-122"/>
-                <a:ea typeface="微软雅黑" panose="020B0503020204020204" pitchFamily="34" charset="-122"/>
-              </a:rPr>
-              <a:t>查看所属</a:t>
-            </a:r>
-            <a:endParaRPr lang="en-US" altLang="zh-CN" sz="1600" b="1">
-              <a:solidFill>
-                <a:schemeClr val="tx1"/>
-              </a:solidFill>
-              <a:latin typeface="微软雅黑" panose="020B0503020204020204" pitchFamily="34" charset="-122"/>
-              <a:ea typeface="微软雅黑" panose="020B0503020204020204" pitchFamily="34" charset="-122"/>
-            </a:endParaRPr>
-          </a:p>
-          <a:p>
-            <a:pPr algn="ctr"/>
-            <a:r>
-              <a:rPr lang="en-US" altLang="zh-CN" sz="1600" b="1">
-                <a:solidFill>
-                  <a:schemeClr val="tx1"/>
-                </a:solidFill>
-                <a:latin typeface="微软雅黑" panose="020B0503020204020204" pitchFamily="34" charset="-122"/>
-                <a:ea typeface="微软雅黑" panose="020B0503020204020204" pitchFamily="34" charset="-122"/>
-              </a:rPr>
-              <a:t>list_room</a:t>
-            </a:r>
-            <a:endParaRPr lang="zh-CN" altLang="en-US" sz="1600" b="1">
-              <a:solidFill>
-                <a:schemeClr val="tx1"/>
-              </a:solidFill>
-              <a:latin typeface="微软雅黑" panose="020B0503020204020204" pitchFamily="34" charset="-122"/>
-              <a:ea typeface="微软雅黑" panose="020B0503020204020204" pitchFamily="34" charset="-122"/>
-            </a:endParaRPr>
-          </a:p>
-        </p:txBody>
-      </p:sp>
-      <p:cxnSp>
-        <p:nvCxnSpPr>
-          <p:cNvPr id="87" name="直接箭头连接符 86">
-            <a:extLst>
-              <a:ext uri="{FF2B5EF4-FFF2-40B4-BE49-F238E27FC236}">
-                <a16:creationId xmlns:a16="http://schemas.microsoft.com/office/drawing/2014/main" id="{F2BCC2F7-3617-4DE1-88E2-A5B406AA64F2}"/>
-              </a:ext>
-            </a:extLst>
-          </p:cNvPr>
-          <p:cNvCxnSpPr>
-            <a:cxnSpLocks/>
-            <a:stCxn id="38" idx="3"/>
-            <a:endCxn id="85" idx="1"/>
-          </p:cNvCxnSpPr>
-          <p:nvPr/>
-        </p:nvCxnSpPr>
-        <p:spPr>
-          <a:xfrm flipV="1">
-            <a:off x="3153747" y="4006388"/>
-            <a:ext cx="1423680" cy="1"/>
-          </a:xfrm>
-          <a:prstGeom prst="straightConnector1">
-            <a:avLst/>
-          </a:prstGeom>
-          <a:ln w="31750">
-            <a:solidFill>
-              <a:schemeClr val="tx1"/>
-            </a:solidFill>
-            <a:tailEnd type="triangle"/>
-          </a:ln>
-        </p:spPr>
-        <p:style>
-          <a:lnRef idx="1">
-            <a:schemeClr val="accent1"/>
-          </a:lnRef>
-          <a:fillRef idx="0">
-            <a:schemeClr val="accent1"/>
-          </a:fillRef>
-          <a:effectRef idx="0">
-            <a:schemeClr val="accent1"/>
-          </a:effectRef>
-          <a:fontRef idx="minor">
-            <a:schemeClr val="tx1"/>
-          </a:fontRef>
-        </p:style>
-      </p:cxnSp>
-      <p:cxnSp>
-        <p:nvCxnSpPr>
-          <p:cNvPr id="90" name="直接箭头连接符 89">
-            <a:extLst>
-              <a:ext uri="{FF2B5EF4-FFF2-40B4-BE49-F238E27FC236}">
-                <a16:creationId xmlns:a16="http://schemas.microsoft.com/office/drawing/2014/main" id="{F89483C9-B643-4531-9BEE-2BF03080F6F5}"/>
-              </a:ext>
-            </a:extLst>
-          </p:cNvPr>
-          <p:cNvCxnSpPr>
-            <a:cxnSpLocks/>
-            <a:stCxn id="142" idx="1"/>
-            <a:endCxn id="85" idx="3"/>
-          </p:cNvCxnSpPr>
-          <p:nvPr/>
-        </p:nvCxnSpPr>
-        <p:spPr>
-          <a:xfrm flipH="1" flipV="1">
-            <a:off x="6593427" y="4006388"/>
-            <a:ext cx="1672790" cy="565048"/>
-          </a:xfrm>
-          <a:prstGeom prst="straightConnector1">
-            <a:avLst/>
-          </a:prstGeom>
-          <a:ln w="57150">
-            <a:solidFill>
-              <a:srgbClr val="FF0000"/>
             </a:solidFill>
             <a:tailEnd type="triangle"/>
           </a:ln>
@@ -6679,7 +6066,7 @@
                 <a:latin typeface="微软雅黑" panose="020B0503020204020204" pitchFamily="34" charset="-122"/>
                 <a:ea typeface="微软雅黑" panose="020B0503020204020204" pitchFamily="34" charset="-122"/>
               </a:rPr>
-              <a:t>房间表</a:t>
+              <a:t>作者表</a:t>
             </a:r>
           </a:p>
         </p:txBody>
@@ -6698,7 +6085,7 @@
         </p:nvSpPr>
         <p:spPr>
           <a:xfrm>
-            <a:off x="8266217" y="4355436"/>
+            <a:off x="8266217" y="4644949"/>
             <a:ext cx="1728000" cy="432000"/>
           </a:xfrm>
           <a:prstGeom prst="roundRect">
@@ -6744,7 +6131,7 @@
                 <a:latin typeface="微软雅黑" panose="020B0503020204020204" pitchFamily="34" charset="-122"/>
                 <a:ea typeface="微软雅黑" panose="020B0503020204020204" pitchFamily="34" charset="-122"/>
               </a:rPr>
-              <a:t>房间表</a:t>
+              <a:t>作者表</a:t>
             </a:r>
           </a:p>
         </p:txBody>
@@ -6763,7 +6150,7 @@
         </p:nvSpPr>
         <p:spPr>
           <a:xfrm>
-            <a:off x="4577427" y="4718462"/>
+            <a:off x="4577427" y="4536949"/>
             <a:ext cx="2016000" cy="648000"/>
           </a:xfrm>
           <a:prstGeom prst="roundRect">
@@ -6807,7 +6194,7 @@
                 <a:latin typeface="微软雅黑" panose="020B0503020204020204" pitchFamily="34" charset="-122"/>
                 <a:ea typeface="微软雅黑" panose="020B0503020204020204" pitchFamily="34" charset="-122"/>
               </a:rPr>
-              <a:t>查看条件</a:t>
+              <a:t>按条件查看</a:t>
             </a:r>
             <a:endParaRPr lang="en-US" altLang="zh-CN" sz="1600" b="1">
               <a:solidFill>
@@ -6827,7 +6214,7 @@
                 <a:latin typeface="微软雅黑" panose="020B0503020204020204" pitchFamily="34" charset="-122"/>
                 <a:ea typeface="微软雅黑" panose="020B0503020204020204" pitchFamily="34" charset="-122"/>
               </a:rPr>
-              <a:t>list_room</a:t>
+              <a:t>list_author</a:t>
             </a:r>
             <a:endParaRPr lang="zh-CN" altLang="en-US" sz="1600" b="1">
               <a:solidFill>
@@ -6850,15 +6237,15 @@
           </p:cNvPr>
           <p:cNvCxnSpPr>
             <a:cxnSpLocks/>
-            <a:stCxn id="45" idx="3"/>
+            <a:stCxn id="43" idx="3"/>
             <a:endCxn id="144" idx="1"/>
           </p:cNvCxnSpPr>
           <p:nvPr/>
         </p:nvCxnSpPr>
         <p:spPr>
           <a:xfrm>
-            <a:off x="3153747" y="5042462"/>
-            <a:ext cx="1423680" cy="0"/>
+            <a:off x="1792379" y="4860949"/>
+            <a:ext cx="2785048" cy="0"/>
           </a:xfrm>
           <a:prstGeom prst="straightConnector1">
             <a:avLst/>
@@ -6903,8 +6290,8 @@
         </p:nvCxnSpPr>
         <p:spPr>
           <a:xfrm flipH="1">
-            <a:off x="6593427" y="4571436"/>
-            <a:ext cx="1672790" cy="471026"/>
+            <a:off x="6593427" y="4860949"/>
+            <a:ext cx="1672790" cy="0"/>
           </a:xfrm>
           <a:prstGeom prst="straightConnector1">
             <a:avLst/>
@@ -6931,810 +6318,132 @@
           </a:fontRef>
         </p:style>
       </p:cxnSp>
-      <p:grpSp>
-        <p:nvGrpSpPr>
-          <p:cNvPr id="3" name="组合 2">
-            <a:extLst>
-              <a:ext uri="{FF2B5EF4-FFF2-40B4-BE49-F238E27FC236}">
-                <a16:creationId xmlns:a16="http://schemas.microsoft.com/office/drawing/2014/main" id="{E0AE7003-8582-4FD4-B2E4-C89F6261123C}"/>
-              </a:ext>
-            </a:extLst>
-          </p:cNvPr>
-          <p:cNvGrpSpPr/>
+      <p:sp>
+        <p:nvSpPr>
+          <p:cNvPr id="31" name="矩形: 圆角 30">
+            <a:extLst>
+              <a:ext uri="{FF2B5EF4-FFF2-40B4-BE49-F238E27FC236}">
+                <a16:creationId xmlns:a16="http://schemas.microsoft.com/office/drawing/2014/main" id="{F0FA5229-4919-4E8C-8D28-86708259EE2B}"/>
+              </a:ext>
+            </a:extLst>
+          </p:cNvPr>
+          <p:cNvSpPr/>
           <p:nvPr/>
-        </p:nvGrpSpPr>
-        <p:grpSpPr>
+        </p:nvSpPr>
+        <p:spPr>
           <a:xfrm>
-            <a:off x="698519" y="1336611"/>
-            <a:ext cx="2455228" cy="1109701"/>
-            <a:chOff x="698519" y="1336611"/>
-            <a:chExt cx="2455228" cy="1109701"/>
-          </a:xfrm>
-        </p:grpSpPr>
-        <p:sp>
-          <p:nvSpPr>
-            <p:cNvPr id="26" name="矩形: 圆角 25">
-              <a:extLst>
-                <a:ext uri="{FF2B5EF4-FFF2-40B4-BE49-F238E27FC236}">
-                  <a16:creationId xmlns:a16="http://schemas.microsoft.com/office/drawing/2014/main" id="{D86494BA-F9E4-497C-B55B-7435DBC24329}"/>
-                </a:ext>
-              </a:extLst>
-            </p:cNvPr>
-            <p:cNvSpPr/>
-            <p:nvPr/>
-          </p:nvSpPr>
-          <p:spPr>
-            <a:xfrm>
-              <a:off x="807142" y="1414209"/>
-              <a:ext cx="1080000" cy="432000"/>
-            </a:xfrm>
-            <a:prstGeom prst="roundRect">
-              <a:avLst/>
-            </a:prstGeom>
+            <a:off x="712379" y="1675461"/>
+            <a:ext cx="1080000" cy="432000"/>
+          </a:xfrm>
+          <a:prstGeom prst="roundRect">
+            <a:avLst/>
+          </a:prstGeom>
+          <a:solidFill>
+            <a:srgbClr val="00B0F0"/>
+          </a:solidFill>
+          <a:ln>
             <a:solidFill>
-              <a:srgbClr val="00B0F0"/>
+              <a:schemeClr val="tx1"/>
             </a:solidFill>
-            <a:ln>
-              <a:solidFill>
-                <a:schemeClr val="tx1"/>
-              </a:solidFill>
-            </a:ln>
-          </p:spPr>
-          <p:style>
-            <a:lnRef idx="2">
-              <a:schemeClr val="accent1">
-                <a:shade val="50000"/>
-              </a:schemeClr>
-            </a:lnRef>
-            <a:fillRef idx="1">
-              <a:schemeClr val="accent1"/>
-            </a:fillRef>
-            <a:effectRef idx="0">
-              <a:schemeClr val="accent1"/>
-            </a:effectRef>
-            <a:fontRef idx="minor">
-              <a:schemeClr val="lt1"/>
-            </a:fontRef>
-          </p:style>
-          <p:txBody>
-            <a:bodyPr wrap="none" lIns="36000" tIns="36000" rIns="36000" bIns="36000" rtlCol="0" anchor="ctr" anchorCtr="0"/>
-            <a:lstStyle/>
-            <a:p>
-              <a:pPr algn="ctr"/>
-              <a:r>
-                <a:rPr lang="zh-CN" altLang="en-US" sz="1600" b="1">
-                  <a:solidFill>
-                    <a:schemeClr val="tx1"/>
-                  </a:solidFill>
-                  <a:latin typeface="微软雅黑" panose="020B0503020204020204" pitchFamily="34" charset="-122"/>
-                  <a:ea typeface="微软雅黑" panose="020B0503020204020204" pitchFamily="34" charset="-122"/>
-                </a:rPr>
-                <a:t>法师</a:t>
-              </a:r>
-            </a:p>
-          </p:txBody>
-        </p:sp>
-        <p:sp>
-          <p:nvSpPr>
-            <p:cNvPr id="27" name="矩形: 圆角 26">
-              <a:extLst>
-                <a:ext uri="{FF2B5EF4-FFF2-40B4-BE49-F238E27FC236}">
-                  <a16:creationId xmlns:a16="http://schemas.microsoft.com/office/drawing/2014/main" id="{D7209D15-01F7-463C-A810-F855130F87FF}"/>
-                </a:ext>
-              </a:extLst>
-            </p:cNvPr>
-            <p:cNvSpPr/>
-            <p:nvPr/>
-          </p:nvSpPr>
-          <p:spPr>
-            <a:xfrm>
-              <a:off x="1993026" y="1414209"/>
-              <a:ext cx="1080000" cy="432000"/>
-            </a:xfrm>
-            <a:prstGeom prst="roundRect">
-              <a:avLst/>
-            </a:prstGeom>
-            <a:solidFill>
-              <a:srgbClr val="00B0F0"/>
-            </a:solidFill>
-            <a:ln>
-              <a:solidFill>
-                <a:schemeClr val="tx1"/>
-              </a:solidFill>
-            </a:ln>
-          </p:spPr>
-          <p:style>
-            <a:lnRef idx="2">
-              <a:schemeClr val="accent1">
-                <a:shade val="50000"/>
-              </a:schemeClr>
-            </a:lnRef>
-            <a:fillRef idx="1">
-              <a:schemeClr val="accent1"/>
-            </a:fillRef>
-            <a:effectRef idx="0">
-              <a:schemeClr val="accent1"/>
-            </a:effectRef>
-            <a:fontRef idx="minor">
-              <a:schemeClr val="lt1"/>
-            </a:fontRef>
-          </p:style>
-          <p:txBody>
-            <a:bodyPr wrap="none" lIns="36000" tIns="36000" rIns="36000" bIns="36000" rtlCol="0" anchor="ctr" anchorCtr="0"/>
-            <a:lstStyle/>
-            <a:p>
-              <a:pPr algn="ctr"/>
-              <a:r>
-                <a:rPr lang="zh-CN" altLang="en-US" sz="1600" b="1">
-                  <a:solidFill>
-                    <a:schemeClr val="tx1"/>
-                  </a:solidFill>
-                  <a:latin typeface="微软雅黑" panose="020B0503020204020204" pitchFamily="34" charset="-122"/>
-                  <a:ea typeface="微软雅黑" panose="020B0503020204020204" pitchFamily="34" charset="-122"/>
-                </a:rPr>
-                <a:t>寺院</a:t>
-              </a:r>
-            </a:p>
-          </p:txBody>
-        </p:sp>
-        <p:sp>
-          <p:nvSpPr>
-            <p:cNvPr id="28" name="矩形: 圆角 27">
-              <a:extLst>
-                <a:ext uri="{FF2B5EF4-FFF2-40B4-BE49-F238E27FC236}">
-                  <a16:creationId xmlns:a16="http://schemas.microsoft.com/office/drawing/2014/main" id="{5CAF532F-0E90-43BB-A03D-B96E29A8B94D}"/>
-                </a:ext>
-              </a:extLst>
-            </p:cNvPr>
-            <p:cNvSpPr/>
-            <p:nvPr/>
-          </p:nvSpPr>
-          <p:spPr>
-            <a:xfrm>
-              <a:off x="807142" y="1924988"/>
-              <a:ext cx="1080000" cy="432000"/>
-            </a:xfrm>
-            <a:prstGeom prst="roundRect">
-              <a:avLst/>
-            </a:prstGeom>
-            <a:solidFill>
-              <a:srgbClr val="00B0F0"/>
-            </a:solidFill>
-            <a:ln>
-              <a:solidFill>
-                <a:schemeClr val="tx1"/>
-              </a:solidFill>
-            </a:ln>
-          </p:spPr>
-          <p:style>
-            <a:lnRef idx="2">
-              <a:schemeClr val="accent1">
-                <a:shade val="50000"/>
-              </a:schemeClr>
-            </a:lnRef>
-            <a:fillRef idx="1">
-              <a:schemeClr val="accent1"/>
-            </a:fillRef>
-            <a:effectRef idx="0">
-              <a:schemeClr val="accent1"/>
-            </a:effectRef>
-            <a:fontRef idx="minor">
-              <a:schemeClr val="lt1"/>
-            </a:fontRef>
-          </p:style>
-          <p:txBody>
-            <a:bodyPr wrap="none" lIns="36000" tIns="36000" rIns="36000" bIns="36000" rtlCol="0" anchor="ctr" anchorCtr="0"/>
-            <a:lstStyle/>
-            <a:p>
-              <a:pPr algn="ctr"/>
-              <a:r>
-                <a:rPr lang="zh-CN" altLang="en-US" sz="1600" b="1">
-                  <a:solidFill>
-                    <a:schemeClr val="tx1"/>
-                  </a:solidFill>
-                  <a:latin typeface="微软雅黑" panose="020B0503020204020204" pitchFamily="34" charset="-122"/>
-                  <a:ea typeface="微软雅黑" panose="020B0503020204020204" pitchFamily="34" charset="-122"/>
-                </a:rPr>
-                <a:t>认证用户</a:t>
-              </a:r>
-            </a:p>
-          </p:txBody>
-        </p:sp>
-        <p:sp>
-          <p:nvSpPr>
-            <p:cNvPr id="29" name="矩形: 圆角 28">
-              <a:extLst>
-                <a:ext uri="{FF2B5EF4-FFF2-40B4-BE49-F238E27FC236}">
-                  <a16:creationId xmlns:a16="http://schemas.microsoft.com/office/drawing/2014/main" id="{D9C81130-95F4-4C38-9A35-1BE2E559EEEB}"/>
-                </a:ext>
-              </a:extLst>
-            </p:cNvPr>
-            <p:cNvSpPr/>
-            <p:nvPr/>
-          </p:nvSpPr>
-          <p:spPr>
-            <a:xfrm>
-              <a:off x="698519" y="1336611"/>
-              <a:ext cx="2455228" cy="1109701"/>
-            </a:xfrm>
-            <a:prstGeom prst="roundRect">
-              <a:avLst>
-                <a:gd name="adj" fmla="val 5494"/>
-              </a:avLst>
-            </a:prstGeom>
-            <a:noFill/>
-            <a:ln>
-              <a:solidFill>
-                <a:schemeClr val="tx2"/>
-              </a:solidFill>
-              <a:prstDash val="dash"/>
-            </a:ln>
-          </p:spPr>
-          <p:style>
-            <a:lnRef idx="2">
-              <a:schemeClr val="accent1">
-                <a:shade val="50000"/>
-              </a:schemeClr>
-            </a:lnRef>
-            <a:fillRef idx="1">
-              <a:schemeClr val="accent1"/>
-            </a:fillRef>
-            <a:effectRef idx="0">
-              <a:schemeClr val="accent1"/>
-            </a:effectRef>
-            <a:fontRef idx="minor">
-              <a:schemeClr val="lt1"/>
-            </a:fontRef>
-          </p:style>
-          <p:txBody>
-            <a:bodyPr rtlCol="0" anchor="ctr"/>
-            <a:lstStyle/>
-            <a:p>
-              <a:pPr algn="ctr"/>
-              <a:endParaRPr lang="zh-CN" altLang="en-US" sz="1600">
+          </a:ln>
+        </p:spPr>
+        <p:style>
+          <a:lnRef idx="2">
+            <a:schemeClr val="accent1">
+              <a:shade val="50000"/>
+            </a:schemeClr>
+          </a:lnRef>
+          <a:fillRef idx="1">
+            <a:schemeClr val="accent1"/>
+          </a:fillRef>
+          <a:effectRef idx="0">
+            <a:schemeClr val="accent1"/>
+          </a:effectRef>
+          <a:fontRef idx="minor">
+            <a:schemeClr val="lt1"/>
+          </a:fontRef>
+        </p:style>
+        <p:txBody>
+          <a:bodyPr wrap="none" lIns="36000" tIns="36000" rIns="36000" bIns="36000" rtlCol="0" anchor="ctr" anchorCtr="0"/>
+          <a:lstStyle/>
+          <a:p>
+            <a:pPr algn="ctr"/>
+            <a:r>
+              <a:rPr lang="zh-CN" altLang="en-US" sz="1600" b="1">
+                <a:solidFill>
+                  <a:schemeClr val="tx1"/>
+                </a:solidFill>
                 <a:latin typeface="微软雅黑" panose="020B0503020204020204" pitchFamily="34" charset="-122"/>
                 <a:ea typeface="微软雅黑" panose="020B0503020204020204" pitchFamily="34" charset="-122"/>
-              </a:endParaRPr>
-            </a:p>
-          </p:txBody>
-        </p:sp>
-        <p:sp>
-          <p:nvSpPr>
-            <p:cNvPr id="31" name="矩形: 圆角 30">
-              <a:extLst>
-                <a:ext uri="{FF2B5EF4-FFF2-40B4-BE49-F238E27FC236}">
-                  <a16:creationId xmlns:a16="http://schemas.microsoft.com/office/drawing/2014/main" id="{F0FA5229-4919-4E8C-8D28-86708259EE2B}"/>
-                </a:ext>
-              </a:extLst>
-            </p:cNvPr>
-            <p:cNvSpPr/>
-            <p:nvPr/>
-          </p:nvSpPr>
-          <p:spPr>
-            <a:xfrm>
-              <a:off x="1993026" y="1924988"/>
-              <a:ext cx="1080000" cy="432000"/>
-            </a:xfrm>
-            <a:prstGeom prst="roundRect">
-              <a:avLst/>
-            </a:prstGeom>
+              </a:rPr>
+              <a:t>基金会会员</a:t>
+            </a:r>
+          </a:p>
+        </p:txBody>
+      </p:sp>
+      <p:sp>
+        <p:nvSpPr>
+          <p:cNvPr id="43" name="矩形: 圆角 42">
+            <a:extLst>
+              <a:ext uri="{FF2B5EF4-FFF2-40B4-BE49-F238E27FC236}">
+                <a16:creationId xmlns:a16="http://schemas.microsoft.com/office/drawing/2014/main" id="{21FB57CC-79C6-4CE3-8B08-70CA2C2E0998}"/>
+              </a:ext>
+            </a:extLst>
+          </p:cNvPr>
+          <p:cNvSpPr/>
+          <p:nvPr/>
+        </p:nvSpPr>
+        <p:spPr>
+          <a:xfrm>
+            <a:off x="712379" y="4644949"/>
+            <a:ext cx="1080000" cy="432000"/>
+          </a:xfrm>
+          <a:prstGeom prst="roundRect">
+            <a:avLst/>
+          </a:prstGeom>
+          <a:solidFill>
+            <a:srgbClr val="00B0F0"/>
+          </a:solidFill>
+          <a:ln>
             <a:solidFill>
-              <a:srgbClr val="00B0F0"/>
+              <a:schemeClr val="tx1"/>
             </a:solidFill>
-            <a:ln>
-              <a:solidFill>
-                <a:schemeClr val="tx1"/>
-              </a:solidFill>
-            </a:ln>
-          </p:spPr>
-          <p:style>
-            <a:lnRef idx="2">
-              <a:schemeClr val="accent1">
-                <a:shade val="50000"/>
-              </a:schemeClr>
-            </a:lnRef>
-            <a:fillRef idx="1">
-              <a:schemeClr val="accent1"/>
-            </a:fillRef>
-            <a:effectRef idx="0">
-              <a:schemeClr val="accent1"/>
-            </a:effectRef>
-            <a:fontRef idx="minor">
-              <a:schemeClr val="lt1"/>
-            </a:fontRef>
-          </p:style>
-          <p:txBody>
-            <a:bodyPr wrap="none" lIns="36000" tIns="36000" rIns="36000" bIns="36000" rtlCol="0" anchor="ctr" anchorCtr="0"/>
-            <a:lstStyle/>
-            <a:p>
-              <a:pPr algn="ctr"/>
-              <a:r>
-                <a:rPr lang="zh-CN" altLang="en-US" sz="1600" b="1">
-                  <a:solidFill>
-                    <a:schemeClr val="tx1"/>
-                  </a:solidFill>
-                  <a:latin typeface="微软雅黑" panose="020B0503020204020204" pitchFamily="34" charset="-122"/>
-                  <a:ea typeface="微软雅黑" panose="020B0503020204020204" pitchFamily="34" charset="-122"/>
-                </a:rPr>
-                <a:t>基金会会员</a:t>
-              </a:r>
-            </a:p>
-          </p:txBody>
-        </p:sp>
-      </p:grpSp>
-      <p:grpSp>
-        <p:nvGrpSpPr>
-          <p:cNvPr id="34" name="组合 33">
-            <a:extLst>
-              <a:ext uri="{FF2B5EF4-FFF2-40B4-BE49-F238E27FC236}">
-                <a16:creationId xmlns:a16="http://schemas.microsoft.com/office/drawing/2014/main" id="{8145C4CE-99AF-4EE4-882B-A4DC7EAD72D8}"/>
-              </a:ext>
-            </a:extLst>
-          </p:cNvPr>
-          <p:cNvGrpSpPr/>
-          <p:nvPr/>
-        </p:nvGrpSpPr>
-        <p:grpSpPr>
-          <a:xfrm>
-            <a:off x="698519" y="3451538"/>
-            <a:ext cx="2455228" cy="1109701"/>
-            <a:chOff x="698519" y="1336611"/>
-            <a:chExt cx="2455228" cy="1109701"/>
-          </a:xfrm>
-        </p:grpSpPr>
-        <p:sp>
-          <p:nvSpPr>
-            <p:cNvPr id="35" name="矩形: 圆角 34">
-              <a:extLst>
-                <a:ext uri="{FF2B5EF4-FFF2-40B4-BE49-F238E27FC236}">
-                  <a16:creationId xmlns:a16="http://schemas.microsoft.com/office/drawing/2014/main" id="{F51732F5-2962-4E0F-9F59-0EA2C24073A4}"/>
-                </a:ext>
-              </a:extLst>
-            </p:cNvPr>
-            <p:cNvSpPr/>
-            <p:nvPr/>
-          </p:nvSpPr>
-          <p:spPr>
-            <a:xfrm>
-              <a:off x="807142" y="1414209"/>
-              <a:ext cx="1080000" cy="432000"/>
-            </a:xfrm>
-            <a:prstGeom prst="roundRect">
-              <a:avLst/>
-            </a:prstGeom>
-            <a:solidFill>
-              <a:srgbClr val="00B0F0"/>
-            </a:solidFill>
-            <a:ln>
-              <a:solidFill>
-                <a:schemeClr val="tx1"/>
-              </a:solidFill>
-            </a:ln>
-          </p:spPr>
-          <p:style>
-            <a:lnRef idx="2">
-              <a:schemeClr val="accent1">
-                <a:shade val="50000"/>
-              </a:schemeClr>
-            </a:lnRef>
-            <a:fillRef idx="1">
-              <a:schemeClr val="accent1"/>
-            </a:fillRef>
-            <a:effectRef idx="0">
-              <a:schemeClr val="accent1"/>
-            </a:effectRef>
-            <a:fontRef idx="minor">
-              <a:schemeClr val="lt1"/>
-            </a:fontRef>
-          </p:style>
-          <p:txBody>
-            <a:bodyPr wrap="none" lIns="36000" tIns="36000" rIns="36000" bIns="36000" rtlCol="0" anchor="ctr" anchorCtr="0"/>
-            <a:lstStyle/>
-            <a:p>
-              <a:pPr algn="ctr"/>
-              <a:r>
-                <a:rPr lang="zh-CN" altLang="en-US" sz="1600" b="1">
-                  <a:solidFill>
-                    <a:schemeClr val="tx1"/>
-                  </a:solidFill>
-                  <a:latin typeface="微软雅黑" panose="020B0503020204020204" pitchFamily="34" charset="-122"/>
-                  <a:ea typeface="微软雅黑" panose="020B0503020204020204" pitchFamily="34" charset="-122"/>
-                </a:rPr>
-                <a:t>法师</a:t>
-              </a:r>
-            </a:p>
-          </p:txBody>
-        </p:sp>
-        <p:sp>
-          <p:nvSpPr>
-            <p:cNvPr id="36" name="矩形: 圆角 35">
-              <a:extLst>
-                <a:ext uri="{FF2B5EF4-FFF2-40B4-BE49-F238E27FC236}">
-                  <a16:creationId xmlns:a16="http://schemas.microsoft.com/office/drawing/2014/main" id="{FB344421-B7D6-4C7C-8718-83A9E088FEA7}"/>
-                </a:ext>
-              </a:extLst>
-            </p:cNvPr>
-            <p:cNvSpPr/>
-            <p:nvPr/>
-          </p:nvSpPr>
-          <p:spPr>
-            <a:xfrm>
-              <a:off x="1993026" y="1414209"/>
-              <a:ext cx="1080000" cy="432000"/>
-            </a:xfrm>
-            <a:prstGeom prst="roundRect">
-              <a:avLst/>
-            </a:prstGeom>
-            <a:solidFill>
-              <a:srgbClr val="00B0F0"/>
-            </a:solidFill>
-            <a:ln>
-              <a:solidFill>
-                <a:schemeClr val="tx1"/>
-              </a:solidFill>
-            </a:ln>
-          </p:spPr>
-          <p:style>
-            <a:lnRef idx="2">
-              <a:schemeClr val="accent1">
-                <a:shade val="50000"/>
-              </a:schemeClr>
-            </a:lnRef>
-            <a:fillRef idx="1">
-              <a:schemeClr val="accent1"/>
-            </a:fillRef>
-            <a:effectRef idx="0">
-              <a:schemeClr val="accent1"/>
-            </a:effectRef>
-            <a:fontRef idx="minor">
-              <a:schemeClr val="lt1"/>
-            </a:fontRef>
-          </p:style>
-          <p:txBody>
-            <a:bodyPr wrap="none" lIns="36000" tIns="36000" rIns="36000" bIns="36000" rtlCol="0" anchor="ctr" anchorCtr="0"/>
-            <a:lstStyle/>
-            <a:p>
-              <a:pPr algn="ctr"/>
-              <a:r>
-                <a:rPr lang="zh-CN" altLang="en-US" sz="1600" b="1">
-                  <a:solidFill>
-                    <a:schemeClr val="tx1"/>
-                  </a:solidFill>
-                  <a:latin typeface="微软雅黑" panose="020B0503020204020204" pitchFamily="34" charset="-122"/>
-                  <a:ea typeface="微软雅黑" panose="020B0503020204020204" pitchFamily="34" charset="-122"/>
-                </a:rPr>
-                <a:t>寺院</a:t>
-              </a:r>
-            </a:p>
-          </p:txBody>
-        </p:sp>
-        <p:sp>
-          <p:nvSpPr>
-            <p:cNvPr id="37" name="矩形: 圆角 36">
-              <a:extLst>
-                <a:ext uri="{FF2B5EF4-FFF2-40B4-BE49-F238E27FC236}">
-                  <a16:creationId xmlns:a16="http://schemas.microsoft.com/office/drawing/2014/main" id="{07B194D1-C84E-462E-B166-9CB6462B4819}"/>
-                </a:ext>
-              </a:extLst>
-            </p:cNvPr>
-            <p:cNvSpPr/>
-            <p:nvPr/>
-          </p:nvSpPr>
-          <p:spPr>
-            <a:xfrm>
-              <a:off x="807142" y="1924988"/>
-              <a:ext cx="1080000" cy="432000"/>
-            </a:xfrm>
-            <a:prstGeom prst="roundRect">
-              <a:avLst/>
-            </a:prstGeom>
-            <a:solidFill>
-              <a:srgbClr val="00B0F0"/>
-            </a:solidFill>
-            <a:ln>
-              <a:solidFill>
-                <a:schemeClr val="tx1"/>
-              </a:solidFill>
-            </a:ln>
-          </p:spPr>
-          <p:style>
-            <a:lnRef idx="2">
-              <a:schemeClr val="accent1">
-                <a:shade val="50000"/>
-              </a:schemeClr>
-            </a:lnRef>
-            <a:fillRef idx="1">
-              <a:schemeClr val="accent1"/>
-            </a:fillRef>
-            <a:effectRef idx="0">
-              <a:schemeClr val="accent1"/>
-            </a:effectRef>
-            <a:fontRef idx="minor">
-              <a:schemeClr val="lt1"/>
-            </a:fontRef>
-          </p:style>
-          <p:txBody>
-            <a:bodyPr wrap="none" lIns="36000" tIns="36000" rIns="36000" bIns="36000" rtlCol="0" anchor="ctr" anchorCtr="0"/>
-            <a:lstStyle/>
-            <a:p>
-              <a:pPr algn="ctr"/>
-              <a:r>
-                <a:rPr lang="zh-CN" altLang="en-US" sz="1600" b="1">
-                  <a:solidFill>
-                    <a:schemeClr val="tx1"/>
-                  </a:solidFill>
-                  <a:latin typeface="微软雅黑" panose="020B0503020204020204" pitchFamily="34" charset="-122"/>
-                  <a:ea typeface="微软雅黑" panose="020B0503020204020204" pitchFamily="34" charset="-122"/>
-                </a:rPr>
-                <a:t>认证用户</a:t>
-              </a:r>
-            </a:p>
-          </p:txBody>
-        </p:sp>
-        <p:sp>
-          <p:nvSpPr>
-            <p:cNvPr id="38" name="矩形: 圆角 37">
-              <a:extLst>
-                <a:ext uri="{FF2B5EF4-FFF2-40B4-BE49-F238E27FC236}">
-                  <a16:creationId xmlns:a16="http://schemas.microsoft.com/office/drawing/2014/main" id="{4F8217DC-C6D7-4FA8-B3B0-0044492C04E7}"/>
-                </a:ext>
-              </a:extLst>
-            </p:cNvPr>
-            <p:cNvSpPr/>
-            <p:nvPr/>
-          </p:nvSpPr>
-          <p:spPr>
-            <a:xfrm>
-              <a:off x="698519" y="1336611"/>
-              <a:ext cx="2455228" cy="1109701"/>
-            </a:xfrm>
-            <a:prstGeom prst="roundRect">
-              <a:avLst>
-                <a:gd name="adj" fmla="val 5494"/>
-              </a:avLst>
-            </a:prstGeom>
-            <a:noFill/>
-            <a:ln>
-              <a:solidFill>
-                <a:schemeClr val="tx2"/>
-              </a:solidFill>
-              <a:prstDash val="dash"/>
-            </a:ln>
-          </p:spPr>
-          <p:style>
-            <a:lnRef idx="2">
-              <a:schemeClr val="accent1">
-                <a:shade val="50000"/>
-              </a:schemeClr>
-            </a:lnRef>
-            <a:fillRef idx="1">
-              <a:schemeClr val="accent1"/>
-            </a:fillRef>
-            <a:effectRef idx="0">
-              <a:schemeClr val="accent1"/>
-            </a:effectRef>
-            <a:fontRef idx="minor">
-              <a:schemeClr val="lt1"/>
-            </a:fontRef>
-          </p:style>
-          <p:txBody>
-            <a:bodyPr rtlCol="0" anchor="ctr"/>
-            <a:lstStyle/>
-            <a:p>
-              <a:pPr algn="ctr"/>
-              <a:endParaRPr lang="zh-CN" altLang="en-US" sz="1600">
+          </a:ln>
+        </p:spPr>
+        <p:style>
+          <a:lnRef idx="2">
+            <a:schemeClr val="accent1">
+              <a:shade val="50000"/>
+            </a:schemeClr>
+          </a:lnRef>
+          <a:fillRef idx="1">
+            <a:schemeClr val="accent1"/>
+          </a:fillRef>
+          <a:effectRef idx="0">
+            <a:schemeClr val="accent1"/>
+          </a:effectRef>
+          <a:fontRef idx="minor">
+            <a:schemeClr val="lt1"/>
+          </a:fontRef>
+        </p:style>
+        <p:txBody>
+          <a:bodyPr wrap="none" lIns="36000" tIns="36000" rIns="36000" bIns="36000" rtlCol="0" anchor="ctr" anchorCtr="0"/>
+          <a:lstStyle/>
+          <a:p>
+            <a:pPr algn="ctr"/>
+            <a:r>
+              <a:rPr lang="zh-CN" altLang="en-US" sz="1600" b="1">
+                <a:solidFill>
+                  <a:schemeClr val="tx1"/>
+                </a:solidFill>
                 <a:latin typeface="微软雅黑" panose="020B0503020204020204" pitchFamily="34" charset="-122"/>
                 <a:ea typeface="微软雅黑" panose="020B0503020204020204" pitchFamily="34" charset="-122"/>
-              </a:endParaRPr>
-            </a:p>
-          </p:txBody>
-        </p:sp>
-      </p:grpSp>
-      <p:grpSp>
-        <p:nvGrpSpPr>
-          <p:cNvPr id="8" name="组合 7">
-            <a:extLst>
-              <a:ext uri="{FF2B5EF4-FFF2-40B4-BE49-F238E27FC236}">
-                <a16:creationId xmlns:a16="http://schemas.microsoft.com/office/drawing/2014/main" id="{D8860322-B7CC-4A70-8C6C-4153449150DD}"/>
-              </a:ext>
-            </a:extLst>
-          </p:cNvPr>
-          <p:cNvGrpSpPr/>
-          <p:nvPr/>
-        </p:nvGrpSpPr>
-        <p:grpSpPr>
-          <a:xfrm>
-            <a:off x="698519" y="4750880"/>
-            <a:ext cx="2455228" cy="583164"/>
-            <a:chOff x="838244" y="4426880"/>
-            <a:chExt cx="2455228" cy="583164"/>
-          </a:xfrm>
-        </p:grpSpPr>
-        <p:sp>
-          <p:nvSpPr>
-            <p:cNvPr id="42" name="矩形: 圆角 41">
-              <a:extLst>
-                <a:ext uri="{FF2B5EF4-FFF2-40B4-BE49-F238E27FC236}">
-                  <a16:creationId xmlns:a16="http://schemas.microsoft.com/office/drawing/2014/main" id="{DF1C3678-EB36-4BEE-8234-3A0DDF411EC4}"/>
-                </a:ext>
-              </a:extLst>
-            </p:cNvPr>
-            <p:cNvSpPr/>
-            <p:nvPr/>
-          </p:nvSpPr>
-          <p:spPr>
-            <a:xfrm>
-              <a:off x="946867" y="4504477"/>
-              <a:ext cx="1080000" cy="432000"/>
-            </a:xfrm>
-            <a:prstGeom prst="roundRect">
-              <a:avLst/>
-            </a:prstGeom>
-            <a:solidFill>
-              <a:srgbClr val="00B0F0"/>
-            </a:solidFill>
-            <a:ln>
-              <a:solidFill>
-                <a:schemeClr val="tx1"/>
-              </a:solidFill>
-            </a:ln>
-          </p:spPr>
-          <p:style>
-            <a:lnRef idx="2">
-              <a:schemeClr val="accent1">
-                <a:shade val="50000"/>
-              </a:schemeClr>
-            </a:lnRef>
-            <a:fillRef idx="1">
-              <a:schemeClr val="accent1"/>
-            </a:fillRef>
-            <a:effectRef idx="0">
-              <a:schemeClr val="accent1"/>
-            </a:effectRef>
-            <a:fontRef idx="minor">
-              <a:schemeClr val="lt1"/>
-            </a:fontRef>
-          </p:style>
-          <p:txBody>
-            <a:bodyPr wrap="none" lIns="36000" tIns="36000" rIns="36000" bIns="36000" rtlCol="0" anchor="ctr" anchorCtr="0"/>
-            <a:lstStyle/>
-            <a:p>
-              <a:pPr algn="ctr"/>
-              <a:r>
-                <a:rPr lang="zh-CN" altLang="en-US" sz="1600" b="1">
-                  <a:solidFill>
-                    <a:schemeClr val="tx1"/>
-                  </a:solidFill>
-                  <a:latin typeface="微软雅黑" panose="020B0503020204020204" pitchFamily="34" charset="-122"/>
-                  <a:ea typeface="微软雅黑" panose="020B0503020204020204" pitchFamily="34" charset="-122"/>
-                </a:rPr>
-                <a:t>基金会成员</a:t>
-              </a:r>
-            </a:p>
-          </p:txBody>
-        </p:sp>
-        <p:sp>
-          <p:nvSpPr>
-            <p:cNvPr id="43" name="矩形: 圆角 42">
-              <a:extLst>
-                <a:ext uri="{FF2B5EF4-FFF2-40B4-BE49-F238E27FC236}">
-                  <a16:creationId xmlns:a16="http://schemas.microsoft.com/office/drawing/2014/main" id="{21FB57CC-79C6-4CE3-8B08-70CA2C2E0998}"/>
-                </a:ext>
-              </a:extLst>
-            </p:cNvPr>
-            <p:cNvSpPr/>
-            <p:nvPr/>
-          </p:nvSpPr>
-          <p:spPr>
-            <a:xfrm>
-              <a:off x="2132751" y="4504477"/>
-              <a:ext cx="1080000" cy="432000"/>
-            </a:xfrm>
-            <a:prstGeom prst="roundRect">
-              <a:avLst/>
-            </a:prstGeom>
-            <a:solidFill>
-              <a:srgbClr val="00B0F0"/>
-            </a:solidFill>
-            <a:ln>
-              <a:solidFill>
-                <a:schemeClr val="tx1"/>
-              </a:solidFill>
-            </a:ln>
-          </p:spPr>
-          <p:style>
-            <a:lnRef idx="2">
-              <a:schemeClr val="accent1">
-                <a:shade val="50000"/>
-              </a:schemeClr>
-            </a:lnRef>
-            <a:fillRef idx="1">
-              <a:schemeClr val="accent1"/>
-            </a:fillRef>
-            <a:effectRef idx="0">
-              <a:schemeClr val="accent1"/>
-            </a:effectRef>
-            <a:fontRef idx="minor">
-              <a:schemeClr val="lt1"/>
-            </a:fontRef>
-          </p:style>
-          <p:txBody>
-            <a:bodyPr wrap="none" lIns="36000" tIns="36000" rIns="36000" bIns="36000" rtlCol="0" anchor="ctr" anchorCtr="0"/>
-            <a:lstStyle/>
-            <a:p>
-              <a:pPr algn="ctr"/>
-              <a:r>
-                <a:rPr lang="zh-CN" altLang="en-US" sz="1600" b="1">
-                  <a:solidFill>
-                    <a:schemeClr val="tx1"/>
-                  </a:solidFill>
-                  <a:latin typeface="微软雅黑" panose="020B0503020204020204" pitchFamily="34" charset="-122"/>
-                  <a:ea typeface="微软雅黑" panose="020B0503020204020204" pitchFamily="34" charset="-122"/>
-                </a:rPr>
-                <a:t>用户</a:t>
-              </a:r>
-            </a:p>
-          </p:txBody>
-        </p:sp>
-        <p:sp>
-          <p:nvSpPr>
-            <p:cNvPr id="45" name="矩形: 圆角 44">
-              <a:extLst>
-                <a:ext uri="{FF2B5EF4-FFF2-40B4-BE49-F238E27FC236}">
-                  <a16:creationId xmlns:a16="http://schemas.microsoft.com/office/drawing/2014/main" id="{9D5F09AC-8E16-4812-8FDA-576AF4CE2D4C}"/>
-                </a:ext>
-              </a:extLst>
-            </p:cNvPr>
-            <p:cNvSpPr/>
-            <p:nvPr/>
-          </p:nvSpPr>
-          <p:spPr>
-            <a:xfrm>
-              <a:off x="838244" y="4426880"/>
-              <a:ext cx="2455228" cy="583164"/>
-            </a:xfrm>
-            <a:prstGeom prst="roundRect">
-              <a:avLst>
-                <a:gd name="adj" fmla="val 5494"/>
-              </a:avLst>
-            </a:prstGeom>
-            <a:noFill/>
-            <a:ln>
-              <a:solidFill>
-                <a:schemeClr val="tx2"/>
-              </a:solidFill>
-              <a:prstDash val="dash"/>
-            </a:ln>
-          </p:spPr>
-          <p:style>
-            <a:lnRef idx="2">
-              <a:schemeClr val="accent1">
-                <a:shade val="50000"/>
-              </a:schemeClr>
-            </a:lnRef>
-            <a:fillRef idx="1">
-              <a:schemeClr val="accent1"/>
-            </a:fillRef>
-            <a:effectRef idx="0">
-              <a:schemeClr val="accent1"/>
-            </a:effectRef>
-            <a:fontRef idx="minor">
-              <a:schemeClr val="lt1"/>
-            </a:fontRef>
-          </p:style>
-          <p:txBody>
-            <a:bodyPr rtlCol="0" anchor="ctr"/>
-            <a:lstStyle/>
-            <a:p>
-              <a:pPr algn="ctr"/>
-              <a:endParaRPr lang="zh-CN" altLang="en-US" sz="1600">
-                <a:latin typeface="微软雅黑" panose="020B0503020204020204" pitchFamily="34" charset="-122"/>
-                <a:ea typeface="微软雅黑" panose="020B0503020204020204" pitchFamily="34" charset="-122"/>
-              </a:endParaRPr>
-            </a:p>
-          </p:txBody>
-        </p:sp>
-      </p:grpSp>
+              </a:rPr>
+              <a:t>用户</a:t>
+            </a:r>
+          </a:p>
+        </p:txBody>
+      </p:sp>
     </p:spTree>
     <p:extLst>
       <p:ext uri="{BB962C8B-B14F-4D97-AF65-F5344CB8AC3E}">
@@ -7881,7 +6590,7 @@
         <p:spPr>
           <a:xfrm>
             <a:off x="712379" y="173975"/>
-            <a:ext cx="1005403" cy="584775"/>
+            <a:ext cx="1826141" cy="584775"/>
           </a:xfrm>
           <a:prstGeom prst="rect">
             <a:avLst/>
@@ -7899,17 +6608,17 @@
                 <a:latin typeface="Consolas" panose="020B0609020204030204" pitchFamily="49" charset="0"/>
                 <a:ea typeface="微软雅黑" panose="020B0503020204020204" pitchFamily="34" charset="-122"/>
               </a:rPr>
-              <a:t>供养</a:t>
-            </a:r>
-          </a:p>
-        </p:txBody>
-      </p:sp>
-      <p:sp>
-        <p:nvSpPr>
-          <p:cNvPr id="24" name="矩形: 圆角 23">
-            <a:extLst>
-              <a:ext uri="{FF2B5EF4-FFF2-40B4-BE49-F238E27FC236}">
-                <a16:creationId xmlns:a16="http://schemas.microsoft.com/office/drawing/2014/main" id="{A25478A8-4FB0-427C-BBD8-232A2989DAF4}"/>
+              <a:t>创建书籍</a:t>
+            </a:r>
+          </a:p>
+        </p:txBody>
+      </p:sp>
+      <p:sp>
+        <p:nvSpPr>
+          <p:cNvPr id="32" name="矩形: 圆角 31">
+            <a:extLst>
+              <a:ext uri="{FF2B5EF4-FFF2-40B4-BE49-F238E27FC236}">
+                <a16:creationId xmlns:a16="http://schemas.microsoft.com/office/drawing/2014/main" id="{5A00DBA1-C53E-4781-9BFA-39C8928CF350}"/>
               </a:ext>
             </a:extLst>
           </p:cNvPr>
@@ -7918,8 +6627,8 @@
         </p:nvSpPr>
         <p:spPr>
           <a:xfrm>
-            <a:off x="2641261" y="3567825"/>
-            <a:ext cx="1476398" cy="648000"/>
+            <a:off x="4577427" y="1567461"/>
+            <a:ext cx="2016000" cy="648000"/>
           </a:xfrm>
           <a:prstGeom prst="roundRect">
             <a:avLst/>
@@ -7962,7 +6671,7 @@
                 <a:latin typeface="微软雅黑" panose="020B0503020204020204" pitchFamily="34" charset="-122"/>
                 <a:ea typeface="微软雅黑" panose="020B0503020204020204" pitchFamily="34" charset="-122"/>
               </a:rPr>
-              <a:t>供养</a:t>
+              <a:t>创建书籍</a:t>
             </a:r>
             <a:endParaRPr lang="en-US" altLang="zh-CN" sz="1600" b="1">
               <a:solidFill>
@@ -7982,7 +6691,7 @@
                 <a:latin typeface="微软雅黑" panose="020B0503020204020204" pitchFamily="34" charset="-122"/>
                 <a:ea typeface="微软雅黑" panose="020B0503020204020204" pitchFamily="34" charset="-122"/>
               </a:rPr>
-              <a:t>do_fend</a:t>
+              <a:t>add_book</a:t>
             </a:r>
             <a:endParaRPr lang="zh-CN" altLang="en-US" sz="1600" b="1">
               <a:solidFill>
@@ -7996,24 +6705,70 @@
       </p:sp>
       <p:cxnSp>
         <p:nvCxnSpPr>
-          <p:cNvPr id="35" name="直接箭头连接符 34">
-            <a:extLst>
-              <a:ext uri="{FF2B5EF4-FFF2-40B4-BE49-F238E27FC236}">
-                <a16:creationId xmlns:a16="http://schemas.microsoft.com/office/drawing/2014/main" id="{F7DECFDB-1D0A-4CD9-8293-8DF3248D40F7}"/>
+          <p:cNvPr id="36" name="直接箭头连接符 35">
+            <a:extLst>
+              <a:ext uri="{FF2B5EF4-FFF2-40B4-BE49-F238E27FC236}">
+                <a16:creationId xmlns:a16="http://schemas.microsoft.com/office/drawing/2014/main" id="{207FF027-26E8-4176-A113-BCD9FC61B11C}"/>
               </a:ext>
             </a:extLst>
           </p:cNvPr>
           <p:cNvCxnSpPr>
             <a:cxnSpLocks/>
-            <a:stCxn id="24" idx="3"/>
-            <a:endCxn id="22" idx="1"/>
+            <a:stCxn id="31" idx="3"/>
+            <a:endCxn id="32" idx="1"/>
           </p:cNvCxnSpPr>
           <p:nvPr/>
         </p:nvCxnSpPr>
         <p:spPr>
-          <a:xfrm flipV="1">
-            <a:off x="4117659" y="3000882"/>
-            <a:ext cx="1093915" cy="890943"/>
+          <a:xfrm>
+            <a:off x="1792379" y="1891461"/>
+            <a:ext cx="2785048" cy="0"/>
+          </a:xfrm>
+          <a:prstGeom prst="straightConnector1">
+            <a:avLst/>
+          </a:prstGeom>
+          <a:ln w="31750">
+            <a:solidFill>
+              <a:schemeClr val="tx1"/>
+            </a:solidFill>
+            <a:tailEnd type="triangle"/>
+          </a:ln>
+        </p:spPr>
+        <p:style>
+          <a:lnRef idx="1">
+            <a:schemeClr val="accent1"/>
+          </a:lnRef>
+          <a:fillRef idx="0">
+            <a:schemeClr val="accent1"/>
+          </a:fillRef>
+          <a:effectRef idx="0">
+            <a:schemeClr val="accent1"/>
+          </a:effectRef>
+          <a:fontRef idx="minor">
+            <a:schemeClr val="tx1"/>
+          </a:fontRef>
+        </p:style>
+      </p:cxnSp>
+      <p:cxnSp>
+        <p:nvCxnSpPr>
+          <p:cNvPr id="41" name="直接箭头连接符 40">
+            <a:extLst>
+              <a:ext uri="{FF2B5EF4-FFF2-40B4-BE49-F238E27FC236}">
+                <a16:creationId xmlns:a16="http://schemas.microsoft.com/office/drawing/2014/main" id="{4A8102AD-0EA9-48D7-A683-0727559777CF}"/>
+              </a:ext>
+            </a:extLst>
+          </p:cNvPr>
+          <p:cNvCxnSpPr>
+            <a:cxnSpLocks/>
+            <a:stCxn id="32" idx="3"/>
+            <a:endCxn id="42" idx="1"/>
+          </p:cNvCxnSpPr>
+          <p:nvPr/>
+        </p:nvCxnSpPr>
+        <p:spPr>
+          <a:xfrm>
+            <a:off x="6593427" y="1891461"/>
+            <a:ext cx="1672790" cy="0"/>
           </a:xfrm>
           <a:prstGeom prst="straightConnector1">
             <a:avLst/>
@@ -8042,10 +6797,10 @@
       </p:cxnSp>
       <p:sp>
         <p:nvSpPr>
-          <p:cNvPr id="37" name="矩形: 圆角 36">
-            <a:extLst>
-              <a:ext uri="{FF2B5EF4-FFF2-40B4-BE49-F238E27FC236}">
-                <a16:creationId xmlns:a16="http://schemas.microsoft.com/office/drawing/2014/main" id="{66053BF6-454B-4B61-950A-35850BA4354F}"/>
+          <p:cNvPr id="42" name="矩形: 圆角 41">
+            <a:extLst>
+              <a:ext uri="{FF2B5EF4-FFF2-40B4-BE49-F238E27FC236}">
+                <a16:creationId xmlns:a16="http://schemas.microsoft.com/office/drawing/2014/main" id="{83C7F451-396B-4CEC-AB8C-A2A55E5BB1EB}"/>
               </a:ext>
             </a:extLst>
           </p:cNvPr>
@@ -8054,289 +6809,7 @@
         </p:nvSpPr>
         <p:spPr>
           <a:xfrm>
-            <a:off x="2855866" y="1165084"/>
-            <a:ext cx="1728000" cy="576000"/>
-          </a:xfrm>
-          <a:prstGeom prst="roundRect">
-            <a:avLst/>
-          </a:prstGeom>
-          <a:solidFill>
-            <a:schemeClr val="accent2">
-              <a:lumMod val="60000"/>
-              <a:lumOff val="40000"/>
-            </a:schemeClr>
-          </a:solidFill>
-          <a:ln>
-            <a:solidFill>
-              <a:schemeClr val="tx1"/>
-            </a:solidFill>
-          </a:ln>
-        </p:spPr>
-        <p:style>
-          <a:lnRef idx="2">
-            <a:schemeClr val="accent1">
-              <a:shade val="50000"/>
-            </a:schemeClr>
-          </a:lnRef>
-          <a:fillRef idx="1">
-            <a:schemeClr val="accent1"/>
-          </a:fillRef>
-          <a:effectRef idx="0">
-            <a:schemeClr val="accent1"/>
-          </a:effectRef>
-          <a:fontRef idx="minor">
-            <a:schemeClr val="lt1"/>
-          </a:fontRef>
-        </p:style>
-        <p:txBody>
-          <a:bodyPr wrap="none" lIns="36000" tIns="36000" rIns="36000" bIns="36000" rtlCol="0" anchor="ctr" anchorCtr="0"/>
-          <a:lstStyle/>
-          <a:p>
-            <a:pPr algn="ctr"/>
-            <a:r>
-              <a:rPr lang="zh-CN" altLang="en-US" sz="1600" b="1">
-                <a:solidFill>
-                  <a:schemeClr val="tx1"/>
-                </a:solidFill>
-                <a:latin typeface="微软雅黑" panose="020B0503020204020204" pitchFamily="34" charset="-122"/>
-                <a:ea typeface="微软雅黑" panose="020B0503020204020204" pitchFamily="34" charset="-122"/>
-              </a:rPr>
-              <a:t>平台产品合约</a:t>
-            </a:r>
-          </a:p>
-        </p:txBody>
-      </p:sp>
-      <p:sp>
-        <p:nvSpPr>
-          <p:cNvPr id="33" name="矩形: 圆角 32">
-            <a:extLst>
-              <a:ext uri="{FF2B5EF4-FFF2-40B4-BE49-F238E27FC236}">
-                <a16:creationId xmlns:a16="http://schemas.microsoft.com/office/drawing/2014/main" id="{E930D702-FAAF-4C7E-9D9A-00F250AD96D5}"/>
-              </a:ext>
-            </a:extLst>
-          </p:cNvPr>
-          <p:cNvSpPr/>
-          <p:nvPr/>
-        </p:nvSpPr>
-        <p:spPr>
-          <a:xfrm>
-            <a:off x="712379" y="3676523"/>
-            <a:ext cx="1080000" cy="432000"/>
-          </a:xfrm>
-          <a:prstGeom prst="roundRect">
-            <a:avLst/>
-          </a:prstGeom>
-          <a:solidFill>
-            <a:srgbClr val="00B0F0"/>
-          </a:solidFill>
-          <a:ln>
-            <a:solidFill>
-              <a:schemeClr val="tx1"/>
-            </a:solidFill>
-          </a:ln>
-        </p:spPr>
-        <p:style>
-          <a:lnRef idx="2">
-            <a:schemeClr val="accent1">
-              <a:shade val="50000"/>
-            </a:schemeClr>
-          </a:lnRef>
-          <a:fillRef idx="1">
-            <a:schemeClr val="accent1"/>
-          </a:fillRef>
-          <a:effectRef idx="0">
-            <a:schemeClr val="accent1"/>
-          </a:effectRef>
-          <a:fontRef idx="minor">
-            <a:schemeClr val="lt1"/>
-          </a:fontRef>
-        </p:style>
-        <p:txBody>
-          <a:bodyPr wrap="none" lIns="36000" tIns="36000" rIns="36000" bIns="36000" rtlCol="0" anchor="ctr" anchorCtr="0"/>
-          <a:lstStyle/>
-          <a:p>
-            <a:pPr algn="ctr"/>
-            <a:r>
-              <a:rPr lang="zh-CN" altLang="en-US" sz="1600" b="1">
-                <a:solidFill>
-                  <a:schemeClr val="tx1"/>
-                </a:solidFill>
-                <a:latin typeface="微软雅黑" panose="020B0503020204020204" pitchFamily="34" charset="-122"/>
-                <a:ea typeface="微软雅黑" panose="020B0503020204020204" pitchFamily="34" charset="-122"/>
-              </a:rPr>
-              <a:t>用户</a:t>
-            </a:r>
-          </a:p>
-        </p:txBody>
-      </p:sp>
-      <p:sp>
-        <p:nvSpPr>
-          <p:cNvPr id="53" name="矩形: 圆角 52">
-            <a:extLst>
-              <a:ext uri="{FF2B5EF4-FFF2-40B4-BE49-F238E27FC236}">
-                <a16:creationId xmlns:a16="http://schemas.microsoft.com/office/drawing/2014/main" id="{BCE9D24A-64F5-456F-820E-945358AC6E5B}"/>
-              </a:ext>
-            </a:extLst>
-          </p:cNvPr>
-          <p:cNvSpPr/>
-          <p:nvPr/>
-        </p:nvSpPr>
-        <p:spPr>
-          <a:xfrm>
-            <a:off x="712379" y="1237084"/>
-            <a:ext cx="1080000" cy="432000"/>
-          </a:xfrm>
-          <a:prstGeom prst="roundRect">
-            <a:avLst/>
-          </a:prstGeom>
-          <a:solidFill>
-            <a:srgbClr val="00B0F0"/>
-          </a:solidFill>
-          <a:ln>
-            <a:solidFill>
-              <a:schemeClr val="tx1"/>
-            </a:solidFill>
-          </a:ln>
-        </p:spPr>
-        <p:style>
-          <a:lnRef idx="2">
-            <a:schemeClr val="accent1">
-              <a:shade val="50000"/>
-            </a:schemeClr>
-          </a:lnRef>
-          <a:fillRef idx="1">
-            <a:schemeClr val="accent1"/>
-          </a:fillRef>
-          <a:effectRef idx="0">
-            <a:schemeClr val="accent1"/>
-          </a:effectRef>
-          <a:fontRef idx="minor">
-            <a:schemeClr val="lt1"/>
-          </a:fontRef>
-        </p:style>
-        <p:txBody>
-          <a:bodyPr wrap="none" lIns="36000" tIns="36000" rIns="36000" bIns="36000" rtlCol="0" anchor="ctr" anchorCtr="0"/>
-          <a:lstStyle/>
-          <a:p>
-            <a:pPr algn="ctr"/>
-            <a:r>
-              <a:rPr lang="zh-CN" altLang="en-US" sz="1600" b="1">
-                <a:solidFill>
-                  <a:schemeClr val="tx1"/>
-                </a:solidFill>
-                <a:latin typeface="微软雅黑" panose="020B0503020204020204" pitchFamily="34" charset="-122"/>
-                <a:ea typeface="微软雅黑" panose="020B0503020204020204" pitchFamily="34" charset="-122"/>
-              </a:rPr>
-              <a:t>用户</a:t>
-            </a:r>
-          </a:p>
-        </p:txBody>
-      </p:sp>
-      <p:sp>
-        <p:nvSpPr>
-          <p:cNvPr id="54" name="矩形: 圆角 53">
-            <a:extLst>
-              <a:ext uri="{FF2B5EF4-FFF2-40B4-BE49-F238E27FC236}">
-                <a16:creationId xmlns:a16="http://schemas.microsoft.com/office/drawing/2014/main" id="{F45D579C-15FA-4349-85A3-C0E116493C39}"/>
-              </a:ext>
-            </a:extLst>
-          </p:cNvPr>
-          <p:cNvSpPr/>
-          <p:nvPr/>
-        </p:nvSpPr>
-        <p:spPr>
-          <a:xfrm>
-            <a:off x="5647353" y="1129084"/>
-            <a:ext cx="2016000" cy="648000"/>
-          </a:xfrm>
-          <a:prstGeom prst="roundRect">
-            <a:avLst/>
-          </a:prstGeom>
-          <a:solidFill>
-            <a:srgbClr val="00B050"/>
-          </a:solidFill>
-          <a:ln>
-            <a:solidFill>
-              <a:schemeClr val="tx1"/>
-            </a:solidFill>
-          </a:ln>
-        </p:spPr>
-        <p:style>
-          <a:lnRef idx="2">
-            <a:schemeClr val="accent1">
-              <a:shade val="50000"/>
-            </a:schemeClr>
-          </a:lnRef>
-          <a:fillRef idx="1">
-            <a:schemeClr val="accent1"/>
-          </a:fillRef>
-          <a:effectRef idx="0">
-            <a:schemeClr val="accent1"/>
-          </a:effectRef>
-          <a:fontRef idx="minor">
-            <a:schemeClr val="lt1"/>
-          </a:fontRef>
-        </p:style>
-        <p:txBody>
-          <a:bodyPr wrap="none" lIns="36000" tIns="36000" rIns="36000" bIns="36000" rtlCol="0" anchor="ctr" anchorCtr="0"/>
-          <a:lstStyle/>
-          <a:p>
-            <a:pPr algn="ctr"/>
-            <a:r>
-              <a:rPr lang="zh-CN" altLang="en-US" sz="1600" b="1">
-                <a:solidFill>
-                  <a:schemeClr val="tx1"/>
-                </a:solidFill>
-                <a:latin typeface="微软雅黑" panose="020B0503020204020204" pitchFamily="34" charset="-122"/>
-                <a:ea typeface="微软雅黑" panose="020B0503020204020204" pitchFamily="34" charset="-122"/>
-              </a:rPr>
-              <a:t>查看产品列表</a:t>
-            </a:r>
-            <a:endParaRPr lang="en-US" altLang="zh-CN" sz="1600" b="1">
-              <a:solidFill>
-                <a:schemeClr val="tx1"/>
-              </a:solidFill>
-              <a:latin typeface="微软雅黑" panose="020B0503020204020204" pitchFamily="34" charset="-122"/>
-              <a:ea typeface="微软雅黑" panose="020B0503020204020204" pitchFamily="34" charset="-122"/>
-            </a:endParaRPr>
-          </a:p>
-          <a:p>
-            <a:pPr algn="ctr"/>
-            <a:r>
-              <a:rPr lang="en-US" altLang="zh-CN" sz="1600" b="1">
-                <a:solidFill>
-                  <a:schemeClr val="tx1"/>
-                </a:solidFill>
-                <a:latin typeface="微软雅黑" panose="020B0503020204020204" pitchFamily="34" charset="-122"/>
-                <a:ea typeface="微软雅黑" panose="020B0503020204020204" pitchFamily="34" charset="-122"/>
-              </a:rPr>
-              <a:t>list_goods</a:t>
-            </a:r>
-            <a:endParaRPr lang="zh-CN" altLang="en-US" sz="1600" b="1">
-              <a:solidFill>
-                <a:schemeClr val="tx1"/>
-              </a:solidFill>
-              <a:latin typeface="微软雅黑" panose="020B0503020204020204" pitchFamily="34" charset="-122"/>
-              <a:ea typeface="微软雅黑" panose="020B0503020204020204" pitchFamily="34" charset="-122"/>
-            </a:endParaRPr>
-          </a:p>
-        </p:txBody>
-      </p:sp>
-      <p:sp>
-        <p:nvSpPr>
-          <p:cNvPr id="55" name="矩形: 圆角 54">
-            <a:extLst>
-              <a:ext uri="{FF2B5EF4-FFF2-40B4-BE49-F238E27FC236}">
-                <a16:creationId xmlns:a16="http://schemas.microsoft.com/office/drawing/2014/main" id="{45D697BB-533F-40AE-92F8-EFA69D50C2AC}"/>
-              </a:ext>
-            </a:extLst>
-          </p:cNvPr>
-          <p:cNvSpPr/>
-          <p:nvPr/>
-        </p:nvSpPr>
-        <p:spPr>
-          <a:xfrm>
-            <a:off x="8726839" y="1237084"/>
+            <a:off x="8266217" y="1675461"/>
             <a:ext cx="1728000" cy="432000"/>
           </a:xfrm>
           <a:prstGeom prst="roundRect">
@@ -8382,456 +6855,27 @@
                 <a:latin typeface="微软雅黑" panose="020B0503020204020204" pitchFamily="34" charset="-122"/>
                 <a:ea typeface="微软雅黑" panose="020B0503020204020204" pitchFamily="34" charset="-122"/>
               </a:rPr>
-              <a:t>平台产品表</a:t>
-            </a:r>
-          </a:p>
-        </p:txBody>
-      </p:sp>
-      <p:cxnSp>
-        <p:nvCxnSpPr>
-          <p:cNvPr id="56" name="直接箭头连接符 55">
-            <a:extLst>
-              <a:ext uri="{FF2B5EF4-FFF2-40B4-BE49-F238E27FC236}">
-                <a16:creationId xmlns:a16="http://schemas.microsoft.com/office/drawing/2014/main" id="{9DB0A0EF-18A5-4800-96D1-C58BC2B91022}"/>
-              </a:ext>
-            </a:extLst>
-          </p:cNvPr>
-          <p:cNvCxnSpPr>
-            <a:cxnSpLocks/>
-            <a:stCxn id="55" idx="1"/>
-            <a:endCxn id="54" idx="3"/>
-          </p:cNvCxnSpPr>
+              <a:t>书籍表</a:t>
+            </a:r>
+          </a:p>
+        </p:txBody>
+      </p:sp>
+      <p:sp>
+        <p:nvSpPr>
+          <p:cNvPr id="43" name="矩形: 圆角 42">
+            <a:extLst>
+              <a:ext uri="{FF2B5EF4-FFF2-40B4-BE49-F238E27FC236}">
+                <a16:creationId xmlns:a16="http://schemas.microsoft.com/office/drawing/2014/main" id="{5D7BBEA4-D9FC-43E5-915A-EDDE22A12866}"/>
+              </a:ext>
+            </a:extLst>
+          </p:cNvPr>
+          <p:cNvSpPr/>
           <p:nvPr/>
-        </p:nvCxnSpPr>
-        <p:spPr>
-          <a:xfrm flipH="1">
-            <a:off x="7663353" y="1453084"/>
-            <a:ext cx="1063486" cy="0"/>
-          </a:xfrm>
-          <a:prstGeom prst="straightConnector1">
-            <a:avLst/>
-          </a:prstGeom>
-          <a:ln w="57150">
-            <a:solidFill>
-              <a:srgbClr val="FF0000"/>
-            </a:solidFill>
-            <a:tailEnd type="triangle"/>
-          </a:ln>
-        </p:spPr>
-        <p:style>
-          <a:lnRef idx="1">
-            <a:schemeClr val="accent1"/>
-          </a:lnRef>
-          <a:fillRef idx="0">
-            <a:schemeClr val="accent1"/>
-          </a:fillRef>
-          <a:effectRef idx="0">
-            <a:schemeClr val="accent1"/>
-          </a:effectRef>
-          <a:fontRef idx="minor">
-            <a:schemeClr val="tx1"/>
-          </a:fontRef>
-        </p:style>
-      </p:cxnSp>
-      <p:cxnSp>
-        <p:nvCxnSpPr>
-          <p:cNvPr id="57" name="直接箭头连接符 56">
-            <a:extLst>
-              <a:ext uri="{FF2B5EF4-FFF2-40B4-BE49-F238E27FC236}">
-                <a16:creationId xmlns:a16="http://schemas.microsoft.com/office/drawing/2014/main" id="{5670BB59-BE38-461C-9A58-D4C71793FC57}"/>
-              </a:ext>
-            </a:extLst>
-          </p:cNvPr>
-          <p:cNvCxnSpPr>
-            <a:cxnSpLocks/>
-            <a:stCxn id="53" idx="3"/>
-            <a:endCxn id="37" idx="1"/>
-          </p:cNvCxnSpPr>
-          <p:nvPr/>
-        </p:nvCxnSpPr>
+        </p:nvSpPr>
         <p:spPr>
           <a:xfrm>
-            <a:off x="1792379" y="1453084"/>
-            <a:ext cx="1063487" cy="0"/>
-          </a:xfrm>
-          <a:prstGeom prst="straightConnector1">
-            <a:avLst/>
-          </a:prstGeom>
-          <a:ln w="31750">
-            <a:solidFill>
-              <a:schemeClr val="tx1"/>
-            </a:solidFill>
-            <a:tailEnd type="triangle"/>
-          </a:ln>
-        </p:spPr>
-        <p:style>
-          <a:lnRef idx="1">
-            <a:schemeClr val="accent1"/>
-          </a:lnRef>
-          <a:fillRef idx="0">
-            <a:schemeClr val="accent1"/>
-          </a:fillRef>
-          <a:effectRef idx="0">
-            <a:schemeClr val="accent1"/>
-          </a:effectRef>
-          <a:fontRef idx="minor">
-            <a:schemeClr val="tx1"/>
-          </a:fontRef>
-        </p:style>
-      </p:cxnSp>
-      <p:cxnSp>
-        <p:nvCxnSpPr>
-          <p:cNvPr id="67" name="直接箭头连接符 66">
-            <a:extLst>
-              <a:ext uri="{FF2B5EF4-FFF2-40B4-BE49-F238E27FC236}">
-                <a16:creationId xmlns:a16="http://schemas.microsoft.com/office/drawing/2014/main" id="{E78DCD2F-5A32-4EFA-ACA0-EE0B96A844CC}"/>
-              </a:ext>
-            </a:extLst>
-          </p:cNvPr>
-          <p:cNvCxnSpPr>
-            <a:cxnSpLocks/>
-            <a:stCxn id="37" idx="3"/>
-            <a:endCxn id="54" idx="1"/>
-          </p:cNvCxnSpPr>
-          <p:nvPr/>
-        </p:nvCxnSpPr>
-        <p:spPr>
-          <a:xfrm>
-            <a:off x="4583866" y="1453084"/>
-            <a:ext cx="1063487" cy="0"/>
-          </a:xfrm>
-          <a:prstGeom prst="straightConnector1">
-            <a:avLst/>
-          </a:prstGeom>
-          <a:ln w="31750">
-            <a:solidFill>
-              <a:schemeClr val="tx1"/>
-            </a:solidFill>
-            <a:tailEnd type="triangle"/>
-          </a:ln>
-        </p:spPr>
-        <p:style>
-          <a:lnRef idx="1">
-            <a:schemeClr val="accent1"/>
-          </a:lnRef>
-          <a:fillRef idx="0">
-            <a:schemeClr val="accent1"/>
-          </a:fillRef>
-          <a:effectRef idx="0">
-            <a:schemeClr val="accent1"/>
-          </a:effectRef>
-          <a:fontRef idx="minor">
-            <a:schemeClr val="tx1"/>
-          </a:fontRef>
-        </p:style>
-      </p:cxnSp>
-      <p:cxnSp>
-        <p:nvCxnSpPr>
-          <p:cNvPr id="78" name="直接箭头连接符 77">
-            <a:extLst>
-              <a:ext uri="{FF2B5EF4-FFF2-40B4-BE49-F238E27FC236}">
-                <a16:creationId xmlns:a16="http://schemas.microsoft.com/office/drawing/2014/main" id="{39F0104D-817F-4C27-AB4D-9B3AC85E9C46}"/>
-              </a:ext>
-            </a:extLst>
-          </p:cNvPr>
-          <p:cNvCxnSpPr>
-            <a:cxnSpLocks/>
-            <a:stCxn id="33" idx="3"/>
-            <a:endCxn id="24" idx="1"/>
-          </p:cNvCxnSpPr>
-          <p:nvPr/>
-        </p:nvCxnSpPr>
-        <p:spPr>
-          <a:xfrm flipV="1">
-            <a:off x="1792379" y="3891825"/>
-            <a:ext cx="848882" cy="698"/>
-          </a:xfrm>
-          <a:prstGeom prst="straightConnector1">
-            <a:avLst/>
-          </a:prstGeom>
-          <a:ln w="31750">
-            <a:solidFill>
-              <a:schemeClr val="tx1"/>
-            </a:solidFill>
-            <a:tailEnd type="triangle"/>
-          </a:ln>
-        </p:spPr>
-        <p:style>
-          <a:lnRef idx="1">
-            <a:schemeClr val="accent1"/>
-          </a:lnRef>
-          <a:fillRef idx="0">
-            <a:schemeClr val="accent1"/>
-          </a:fillRef>
-          <a:effectRef idx="0">
-            <a:schemeClr val="accent1"/>
-          </a:effectRef>
-          <a:fontRef idx="minor">
-            <a:schemeClr val="tx1"/>
-          </a:fontRef>
-        </p:style>
-      </p:cxnSp>
-      <p:sp>
-        <p:nvSpPr>
-          <p:cNvPr id="84" name="矩形: 圆角 83">
-            <a:extLst>
-              <a:ext uri="{FF2B5EF4-FFF2-40B4-BE49-F238E27FC236}">
-                <a16:creationId xmlns:a16="http://schemas.microsoft.com/office/drawing/2014/main" id="{AE195DA9-42BC-47D3-AB46-8F87A0367DF1}"/>
-              </a:ext>
-            </a:extLst>
-          </p:cNvPr>
-          <p:cNvSpPr/>
-          <p:nvPr/>
-        </p:nvSpPr>
-        <p:spPr>
-          <a:xfrm>
-            <a:off x="5324271" y="4617252"/>
-            <a:ext cx="1080000" cy="432000"/>
-          </a:xfrm>
-          <a:prstGeom prst="roundRect">
-            <a:avLst/>
-          </a:prstGeom>
-          <a:solidFill>
-            <a:srgbClr val="00B0F0"/>
-          </a:solidFill>
-          <a:ln>
-            <a:solidFill>
-              <a:schemeClr val="tx1"/>
-            </a:solidFill>
-          </a:ln>
-        </p:spPr>
-        <p:style>
-          <a:lnRef idx="2">
-            <a:schemeClr val="accent1">
-              <a:shade val="50000"/>
-            </a:schemeClr>
-          </a:lnRef>
-          <a:fillRef idx="1">
-            <a:schemeClr val="accent1"/>
-          </a:fillRef>
-          <a:effectRef idx="0">
-            <a:schemeClr val="accent1"/>
-          </a:effectRef>
-          <a:fontRef idx="minor">
-            <a:schemeClr val="lt1"/>
-          </a:fontRef>
-        </p:style>
-        <p:txBody>
-          <a:bodyPr wrap="none" lIns="36000" tIns="36000" rIns="36000" bIns="36000" rtlCol="0" anchor="ctr" anchorCtr="0"/>
-          <a:lstStyle/>
-          <a:p>
-            <a:pPr algn="ctr"/>
-            <a:r>
-              <a:rPr lang="zh-CN" altLang="en-US" sz="1600" b="1">
-                <a:solidFill>
-                  <a:schemeClr val="tx1"/>
-                </a:solidFill>
-                <a:latin typeface="微软雅黑" panose="020B0503020204020204" pitchFamily="34" charset="-122"/>
-                <a:ea typeface="微软雅黑" panose="020B0503020204020204" pitchFamily="34" charset="-122"/>
-              </a:rPr>
-              <a:t>合约账户</a:t>
-            </a:r>
-          </a:p>
-        </p:txBody>
-      </p:sp>
-      <p:sp>
-        <p:nvSpPr>
-          <p:cNvPr id="85" name="矩形: 圆角 84">
-            <a:extLst>
-              <a:ext uri="{FF2B5EF4-FFF2-40B4-BE49-F238E27FC236}">
-                <a16:creationId xmlns:a16="http://schemas.microsoft.com/office/drawing/2014/main" id="{B10614BB-A081-4CA5-925F-F60BF0A37F1A}"/>
-              </a:ext>
-            </a:extLst>
-          </p:cNvPr>
-          <p:cNvSpPr/>
-          <p:nvPr/>
-        </p:nvSpPr>
-        <p:spPr>
-          <a:xfrm>
-            <a:off x="7412026" y="4509252"/>
-            <a:ext cx="1512000" cy="648000"/>
-          </a:xfrm>
-          <a:prstGeom prst="roundRect">
-            <a:avLst/>
-          </a:prstGeom>
-          <a:solidFill>
-            <a:srgbClr val="00B050"/>
-          </a:solidFill>
-          <a:ln>
-            <a:solidFill>
-              <a:schemeClr val="tx1"/>
-            </a:solidFill>
-          </a:ln>
-        </p:spPr>
-        <p:style>
-          <a:lnRef idx="2">
-            <a:schemeClr val="accent1">
-              <a:shade val="50000"/>
-            </a:schemeClr>
-          </a:lnRef>
-          <a:fillRef idx="1">
-            <a:schemeClr val="accent1"/>
-          </a:fillRef>
-          <a:effectRef idx="0">
-            <a:schemeClr val="accent1"/>
-          </a:effectRef>
-          <a:fontRef idx="minor">
-            <a:schemeClr val="lt1"/>
-          </a:fontRef>
-        </p:style>
-        <p:txBody>
-          <a:bodyPr wrap="none" lIns="36000" tIns="36000" rIns="36000" bIns="36000" rtlCol="0" anchor="ctr" anchorCtr="0"/>
-          <a:lstStyle/>
-          <a:p>
-            <a:pPr algn="ctr"/>
-            <a:r>
-              <a:rPr lang="zh-CN" altLang="en-US" sz="1600" b="1">
-                <a:solidFill>
-                  <a:schemeClr val="tx1"/>
-                </a:solidFill>
-                <a:latin typeface="微软雅黑" panose="020B0503020204020204" pitchFamily="34" charset="-122"/>
-                <a:ea typeface="微软雅黑" panose="020B0503020204020204" pitchFamily="34" charset="-122"/>
-              </a:rPr>
-              <a:t>分成</a:t>
-            </a:r>
-            <a:endParaRPr lang="en-US" altLang="zh-CN" sz="1600" b="1">
-              <a:solidFill>
-                <a:schemeClr val="tx1"/>
-              </a:solidFill>
-              <a:latin typeface="微软雅黑" panose="020B0503020204020204" pitchFamily="34" charset="-122"/>
-              <a:ea typeface="微软雅黑" panose="020B0503020204020204" pitchFamily="34" charset="-122"/>
-            </a:endParaRPr>
-          </a:p>
-          <a:p>
-            <a:pPr algn="ctr"/>
-            <a:r>
-              <a:rPr lang="en-US" altLang="zh-CN" sz="1600" b="1">
-                <a:solidFill>
-                  <a:schemeClr val="tx1"/>
-                </a:solidFill>
-                <a:latin typeface="微软雅黑" panose="020B0503020204020204" pitchFamily="34" charset="-122"/>
-                <a:ea typeface="微软雅黑" panose="020B0503020204020204" pitchFamily="34" charset="-122"/>
-              </a:rPr>
-              <a:t>transfer</a:t>
-            </a:r>
-            <a:endParaRPr lang="zh-CN" altLang="en-US" sz="1600" b="1">
-              <a:solidFill>
-                <a:schemeClr val="tx1"/>
-              </a:solidFill>
-              <a:latin typeface="微软雅黑" panose="020B0503020204020204" pitchFamily="34" charset="-122"/>
-              <a:ea typeface="微软雅黑" panose="020B0503020204020204" pitchFamily="34" charset="-122"/>
-            </a:endParaRPr>
-          </a:p>
-        </p:txBody>
-      </p:sp>
-      <p:cxnSp>
-        <p:nvCxnSpPr>
-          <p:cNvPr id="86" name="直接箭头连接符 85">
-            <a:extLst>
-              <a:ext uri="{FF2B5EF4-FFF2-40B4-BE49-F238E27FC236}">
-                <a16:creationId xmlns:a16="http://schemas.microsoft.com/office/drawing/2014/main" id="{E226F3AB-1068-4843-BFF1-4EF732237330}"/>
-              </a:ext>
-            </a:extLst>
-          </p:cNvPr>
-          <p:cNvCxnSpPr>
-            <a:cxnSpLocks/>
-            <a:stCxn id="84" idx="3"/>
-            <a:endCxn id="85" idx="1"/>
-          </p:cNvCxnSpPr>
-          <p:nvPr/>
-        </p:nvCxnSpPr>
-        <p:spPr>
-          <a:xfrm>
-            <a:off x="6404271" y="4833252"/>
-            <a:ext cx="1007755" cy="0"/>
-          </a:xfrm>
-          <a:prstGeom prst="straightConnector1">
-            <a:avLst/>
-          </a:prstGeom>
-          <a:ln w="31750">
-            <a:solidFill>
-              <a:schemeClr val="tx1"/>
-            </a:solidFill>
-            <a:tailEnd type="triangle"/>
-          </a:ln>
-        </p:spPr>
-        <p:style>
-          <a:lnRef idx="1">
-            <a:schemeClr val="accent1"/>
-          </a:lnRef>
-          <a:fillRef idx="0">
-            <a:schemeClr val="accent1"/>
-          </a:fillRef>
-          <a:effectRef idx="0">
-            <a:schemeClr val="accent1"/>
-          </a:effectRef>
-          <a:fontRef idx="minor">
-            <a:schemeClr val="tx1"/>
-          </a:fontRef>
-        </p:style>
-      </p:cxnSp>
-      <p:cxnSp>
-        <p:nvCxnSpPr>
-          <p:cNvPr id="87" name="直接箭头连接符 86">
-            <a:extLst>
-              <a:ext uri="{FF2B5EF4-FFF2-40B4-BE49-F238E27FC236}">
-                <a16:creationId xmlns:a16="http://schemas.microsoft.com/office/drawing/2014/main" id="{9970D80D-78AD-4ED4-AC11-CF22D5FEE473}"/>
-              </a:ext>
-            </a:extLst>
-          </p:cNvPr>
-          <p:cNvCxnSpPr>
-            <a:cxnSpLocks/>
-            <a:stCxn id="24" idx="3"/>
-            <a:endCxn id="84" idx="1"/>
-          </p:cNvCxnSpPr>
-          <p:nvPr/>
-        </p:nvCxnSpPr>
-        <p:spPr>
-          <a:xfrm>
-            <a:off x="4117659" y="3891825"/>
-            <a:ext cx="1206612" cy="941427"/>
-          </a:xfrm>
-          <a:prstGeom prst="straightConnector1">
-            <a:avLst/>
-          </a:prstGeom>
-          <a:ln w="31750">
-            <a:solidFill>
-              <a:schemeClr val="tx1"/>
-            </a:solidFill>
-            <a:tailEnd type="triangle"/>
-          </a:ln>
-        </p:spPr>
-        <p:style>
-          <a:lnRef idx="1">
-            <a:schemeClr val="accent1"/>
-          </a:lnRef>
-          <a:fillRef idx="0">
-            <a:schemeClr val="accent1"/>
-          </a:fillRef>
-          <a:effectRef idx="0">
-            <a:schemeClr val="accent1"/>
-          </a:effectRef>
-          <a:fontRef idx="minor">
-            <a:schemeClr val="tx1"/>
-          </a:fontRef>
-        </p:style>
-      </p:cxnSp>
-      <p:sp>
-        <p:nvSpPr>
-          <p:cNvPr id="88" name="矩形: 圆角 87">
-            <a:extLst>
-              <a:ext uri="{FF2B5EF4-FFF2-40B4-BE49-F238E27FC236}">
-                <a16:creationId xmlns:a16="http://schemas.microsoft.com/office/drawing/2014/main" id="{0768B8F2-0AE2-4C5D-AB5A-3F9A498C4BAC}"/>
-              </a:ext>
-            </a:extLst>
-          </p:cNvPr>
-          <p:cNvSpPr/>
-          <p:nvPr/>
-        </p:nvSpPr>
-        <p:spPr>
-          <a:xfrm>
-            <a:off x="9393520" y="3695431"/>
-            <a:ext cx="1728000" cy="396000"/>
+            <a:off x="8266217" y="3459960"/>
+            <a:ext cx="1728000" cy="432000"/>
           </a:xfrm>
           <a:prstGeom prst="roundRect">
             <a:avLst/>
@@ -8876,17 +6920,17 @@
                 <a:latin typeface="微软雅黑" panose="020B0503020204020204" pitchFamily="34" charset="-122"/>
                 <a:ea typeface="微软雅黑" panose="020B0503020204020204" pitchFamily="34" charset="-122"/>
               </a:rPr>
-              <a:t>提案表</a:t>
-            </a:r>
-          </a:p>
-        </p:txBody>
-      </p:sp>
-      <p:sp>
-        <p:nvSpPr>
-          <p:cNvPr id="89" name="矩形: 圆角 88">
-            <a:extLst>
-              <a:ext uri="{FF2B5EF4-FFF2-40B4-BE49-F238E27FC236}">
-                <a16:creationId xmlns:a16="http://schemas.microsoft.com/office/drawing/2014/main" id="{07E8F874-ADBC-4FFC-B2F1-2BD0B3135D9F}"/>
+              <a:t>书籍表</a:t>
+            </a:r>
+          </a:p>
+        </p:txBody>
+      </p:sp>
+      <p:sp>
+        <p:nvSpPr>
+          <p:cNvPr id="44" name="矩形: 圆角 43">
+            <a:extLst>
+              <a:ext uri="{FF2B5EF4-FFF2-40B4-BE49-F238E27FC236}">
+                <a16:creationId xmlns:a16="http://schemas.microsoft.com/office/drawing/2014/main" id="{C809D448-1885-49B0-A837-7285742D2987}"/>
               </a:ext>
             </a:extLst>
           </p:cNvPr>
@@ -8895,120 +6939,8 @@
         </p:nvSpPr>
         <p:spPr>
           <a:xfrm>
-            <a:off x="5316605" y="3605431"/>
-            <a:ext cx="1728000" cy="576000"/>
-          </a:xfrm>
-          <a:prstGeom prst="roundRect">
-            <a:avLst/>
-          </a:prstGeom>
-          <a:solidFill>
-            <a:schemeClr val="accent2">
-              <a:lumMod val="60000"/>
-              <a:lumOff val="40000"/>
-            </a:schemeClr>
-          </a:solidFill>
-          <a:ln>
-            <a:solidFill>
-              <a:schemeClr val="tx1"/>
-            </a:solidFill>
-          </a:ln>
-        </p:spPr>
-        <p:style>
-          <a:lnRef idx="2">
-            <a:schemeClr val="accent1">
-              <a:shade val="50000"/>
-            </a:schemeClr>
-          </a:lnRef>
-          <a:fillRef idx="1">
-            <a:schemeClr val="accent1"/>
-          </a:fillRef>
-          <a:effectRef idx="0">
-            <a:schemeClr val="accent1"/>
-          </a:effectRef>
-          <a:fontRef idx="minor">
-            <a:schemeClr val="lt1"/>
-          </a:fontRef>
-        </p:style>
-        <p:txBody>
-          <a:bodyPr wrap="none" lIns="36000" tIns="36000" rIns="36000" bIns="36000" rtlCol="0" anchor="ctr" anchorCtr="0"/>
-          <a:lstStyle/>
-          <a:p>
-            <a:pPr algn="ctr"/>
-            <a:r>
-              <a:rPr lang="zh-CN" altLang="en-US" sz="1600" b="1">
-                <a:solidFill>
-                  <a:schemeClr val="tx1"/>
-                </a:solidFill>
-                <a:latin typeface="微软雅黑" panose="020B0503020204020204" pitchFamily="34" charset="-122"/>
-                <a:ea typeface="微软雅黑" panose="020B0503020204020204" pitchFamily="34" charset="-122"/>
-              </a:rPr>
-              <a:t>基金会合约</a:t>
-            </a:r>
-          </a:p>
-        </p:txBody>
-      </p:sp>
-      <p:cxnSp>
-        <p:nvCxnSpPr>
-          <p:cNvPr id="90" name="直接箭头连接符 89">
-            <a:extLst>
-              <a:ext uri="{FF2B5EF4-FFF2-40B4-BE49-F238E27FC236}">
-                <a16:creationId xmlns:a16="http://schemas.microsoft.com/office/drawing/2014/main" id="{4E7AFC9F-D4BB-4A51-A984-12E4AA75E30F}"/>
-              </a:ext>
-            </a:extLst>
-          </p:cNvPr>
-          <p:cNvCxnSpPr>
-            <a:cxnSpLocks/>
-            <a:stCxn id="88" idx="1"/>
-            <a:endCxn id="101" idx="3"/>
-          </p:cNvCxnSpPr>
-          <p:nvPr/>
-        </p:nvCxnSpPr>
-        <p:spPr>
-          <a:xfrm flipH="1">
-            <a:off x="8924026" y="3893431"/>
-            <a:ext cx="469494" cy="0"/>
-          </a:xfrm>
-          <a:prstGeom prst="straightConnector1">
-            <a:avLst/>
-          </a:prstGeom>
-          <a:ln w="57150">
-            <a:solidFill>
-              <a:srgbClr val="FF0000"/>
-            </a:solidFill>
-            <a:tailEnd type="triangle"/>
-          </a:ln>
-        </p:spPr>
-        <p:style>
-          <a:lnRef idx="1">
-            <a:schemeClr val="accent1"/>
-          </a:lnRef>
-          <a:fillRef idx="0">
-            <a:schemeClr val="accent1"/>
-          </a:fillRef>
-          <a:effectRef idx="0">
-            <a:schemeClr val="accent1"/>
-          </a:effectRef>
-          <a:fontRef idx="minor">
-            <a:schemeClr val="tx1"/>
-          </a:fontRef>
-        </p:style>
-      </p:cxnSp>
-      <p:sp>
-        <p:nvSpPr>
-          <p:cNvPr id="101" name="矩形: 圆角 100">
-            <a:extLst>
-              <a:ext uri="{FF2B5EF4-FFF2-40B4-BE49-F238E27FC236}">
-                <a16:creationId xmlns:a16="http://schemas.microsoft.com/office/drawing/2014/main" id="{23D7A7A2-5C06-4F5B-8F1C-20FCFC00BF42}"/>
-              </a:ext>
-            </a:extLst>
-          </p:cNvPr>
-          <p:cNvSpPr/>
-          <p:nvPr/>
-        </p:nvSpPr>
-        <p:spPr>
-          <a:xfrm>
-            <a:off x="7412026" y="3569431"/>
-            <a:ext cx="1512000" cy="648000"/>
+            <a:off x="4577427" y="3351960"/>
+            <a:ext cx="2016000" cy="648000"/>
           </a:xfrm>
           <a:prstGeom prst="roundRect">
             <a:avLst/>
@@ -9051,7 +6983,7 @@
                 <a:latin typeface="微软雅黑" panose="020B0503020204020204" pitchFamily="34" charset="-122"/>
                 <a:ea typeface="微软雅黑" panose="020B0503020204020204" pitchFamily="34" charset="-122"/>
               </a:rPr>
-              <a:t>查询提案</a:t>
+              <a:t>按条件查看</a:t>
             </a:r>
             <a:endParaRPr lang="en-US" altLang="zh-CN" sz="1600" b="1">
               <a:solidFill>
@@ -9071,7 +7003,7 @@
                 <a:latin typeface="微软雅黑" panose="020B0503020204020204" pitchFamily="34" charset="-122"/>
                 <a:ea typeface="微软雅黑" panose="020B0503020204020204" pitchFamily="34" charset="-122"/>
               </a:rPr>
-              <a:t>find_proposal</a:t>
+              <a:t>list_book</a:t>
             </a:r>
             <a:endParaRPr lang="zh-CN" altLang="en-US" sz="1600" b="1">
               <a:solidFill>
@@ -9085,24 +7017,24 @@
       </p:sp>
       <p:cxnSp>
         <p:nvCxnSpPr>
-          <p:cNvPr id="103" name="直接箭头连接符 102">
-            <a:extLst>
-              <a:ext uri="{FF2B5EF4-FFF2-40B4-BE49-F238E27FC236}">
-                <a16:creationId xmlns:a16="http://schemas.microsoft.com/office/drawing/2014/main" id="{7EC45DBC-3055-41AD-B250-039712609EF8}"/>
+          <p:cNvPr id="45" name="直接箭头连接符 44">
+            <a:extLst>
+              <a:ext uri="{FF2B5EF4-FFF2-40B4-BE49-F238E27FC236}">
+                <a16:creationId xmlns:a16="http://schemas.microsoft.com/office/drawing/2014/main" id="{B8A010D7-7214-4441-9011-8BF8A292DAF7}"/>
               </a:ext>
             </a:extLst>
           </p:cNvPr>
           <p:cNvCxnSpPr>
             <a:cxnSpLocks/>
-            <a:stCxn id="24" idx="3"/>
-            <a:endCxn id="89" idx="1"/>
+            <a:stCxn id="33" idx="3"/>
+            <a:endCxn id="44" idx="1"/>
           </p:cNvCxnSpPr>
           <p:nvPr/>
         </p:nvCxnSpPr>
         <p:spPr>
           <a:xfrm>
-            <a:off x="4117659" y="3891825"/>
-            <a:ext cx="1198946" cy="1606"/>
+            <a:off x="1792379" y="3675960"/>
+            <a:ext cx="2785048" cy="0"/>
           </a:xfrm>
           <a:prstGeom prst="straightConnector1">
             <a:avLst/>
@@ -9131,31 +7063,31 @@
       </p:cxnSp>
       <p:cxnSp>
         <p:nvCxnSpPr>
-          <p:cNvPr id="106" name="直接箭头连接符 105">
-            <a:extLst>
-              <a:ext uri="{FF2B5EF4-FFF2-40B4-BE49-F238E27FC236}">
-                <a16:creationId xmlns:a16="http://schemas.microsoft.com/office/drawing/2014/main" id="{8B97C6A8-4C74-44F3-9B78-672AA7E4796E}"/>
+          <p:cNvPr id="46" name="直接箭头连接符 45">
+            <a:extLst>
+              <a:ext uri="{FF2B5EF4-FFF2-40B4-BE49-F238E27FC236}">
+                <a16:creationId xmlns:a16="http://schemas.microsoft.com/office/drawing/2014/main" id="{90902F97-1F8C-4123-A6F5-F5542E47C41B}"/>
               </a:ext>
             </a:extLst>
           </p:cNvPr>
           <p:cNvCxnSpPr>
             <a:cxnSpLocks/>
-            <a:stCxn id="89" idx="3"/>
-            <a:endCxn id="101" idx="1"/>
+            <a:stCxn id="43" idx="1"/>
+            <a:endCxn id="44" idx="3"/>
           </p:cNvCxnSpPr>
           <p:nvPr/>
         </p:nvCxnSpPr>
         <p:spPr>
-          <a:xfrm>
-            <a:off x="7044605" y="3893431"/>
-            <a:ext cx="367421" cy="0"/>
+          <a:xfrm flipH="1">
+            <a:off x="6593427" y="3675960"/>
+            <a:ext cx="1672790" cy="0"/>
           </a:xfrm>
           <a:prstGeom prst="straightConnector1">
             <a:avLst/>
           </a:prstGeom>
-          <a:ln w="31750">
+          <a:ln w="57150">
             <a:solidFill>
-              <a:schemeClr val="tx1"/>
+              <a:srgbClr val="FF0000"/>
             </a:solidFill>
             <a:tailEnd type="triangle"/>
           </a:ln>
@@ -9175,280 +7107,132 @@
           </a:fontRef>
         </p:style>
       </p:cxnSp>
-      <p:grpSp>
-        <p:nvGrpSpPr>
-          <p:cNvPr id="114" name="组合 113">
-            <a:extLst>
-              <a:ext uri="{FF2B5EF4-FFF2-40B4-BE49-F238E27FC236}">
-                <a16:creationId xmlns:a16="http://schemas.microsoft.com/office/drawing/2014/main" id="{8D147FCA-B271-41BD-890D-B019DA8B0416}"/>
-              </a:ext>
-            </a:extLst>
-          </p:cNvPr>
-          <p:cNvGrpSpPr/>
+      <p:sp>
+        <p:nvSpPr>
+          <p:cNvPr id="31" name="矩形: 圆角 30">
+            <a:extLst>
+              <a:ext uri="{FF2B5EF4-FFF2-40B4-BE49-F238E27FC236}">
+                <a16:creationId xmlns:a16="http://schemas.microsoft.com/office/drawing/2014/main" id="{D2994B0C-690F-47E0-9C98-FE9E41725699}"/>
+              </a:ext>
+            </a:extLst>
+          </p:cNvPr>
+          <p:cNvSpPr/>
           <p:nvPr/>
-        </p:nvGrpSpPr>
-        <p:grpSpPr>
+        </p:nvSpPr>
+        <p:spPr>
           <a:xfrm>
-            <a:off x="5211574" y="2694399"/>
-            <a:ext cx="5593273" cy="612966"/>
-            <a:chOff x="5575470" y="2538140"/>
-            <a:chExt cx="5593273" cy="612966"/>
-          </a:xfrm>
-        </p:grpSpPr>
-        <p:sp>
-          <p:nvSpPr>
-            <p:cNvPr id="22" name="矩形: 圆角 21">
-              <a:extLst>
-                <a:ext uri="{FF2B5EF4-FFF2-40B4-BE49-F238E27FC236}">
-                  <a16:creationId xmlns:a16="http://schemas.microsoft.com/office/drawing/2014/main" id="{8BFE3668-F479-4254-8692-0367AA9EE00A}"/>
-                </a:ext>
-              </a:extLst>
-            </p:cNvPr>
-            <p:cNvSpPr/>
-            <p:nvPr/>
-          </p:nvSpPr>
-          <p:spPr>
-            <a:xfrm>
-              <a:off x="5575470" y="2538140"/>
-              <a:ext cx="5593273" cy="612966"/>
-            </a:xfrm>
-            <a:prstGeom prst="roundRect">
-              <a:avLst>
-                <a:gd name="adj" fmla="val 5494"/>
-              </a:avLst>
-            </a:prstGeom>
-            <a:noFill/>
-            <a:ln>
-              <a:solidFill>
-                <a:schemeClr val="tx2"/>
-              </a:solidFill>
-              <a:prstDash val="dash"/>
-            </a:ln>
-          </p:spPr>
-          <p:style>
-            <a:lnRef idx="2">
-              <a:schemeClr val="accent1">
-                <a:shade val="50000"/>
-              </a:schemeClr>
-            </a:lnRef>
-            <a:fillRef idx="1">
-              <a:schemeClr val="accent1"/>
-            </a:fillRef>
-            <a:effectRef idx="0">
-              <a:schemeClr val="accent1"/>
-            </a:effectRef>
-            <a:fontRef idx="minor">
-              <a:schemeClr val="lt1"/>
-            </a:fontRef>
-          </p:style>
-          <p:txBody>
-            <a:bodyPr rtlCol="0" anchor="ctr"/>
-            <a:lstStyle/>
-            <a:p>
-              <a:pPr algn="ctr"/>
-              <a:endParaRPr lang="zh-CN" altLang="en-US" sz="1600">
+            <a:off x="712379" y="1675461"/>
+            <a:ext cx="1080000" cy="432000"/>
+          </a:xfrm>
+          <a:prstGeom prst="roundRect">
+            <a:avLst/>
+          </a:prstGeom>
+          <a:solidFill>
+            <a:srgbClr val="00B0F0"/>
+          </a:solidFill>
+          <a:ln>
+            <a:solidFill>
+              <a:schemeClr val="tx1"/>
+            </a:solidFill>
+          </a:ln>
+        </p:spPr>
+        <p:style>
+          <a:lnRef idx="2">
+            <a:schemeClr val="accent1">
+              <a:shade val="50000"/>
+            </a:schemeClr>
+          </a:lnRef>
+          <a:fillRef idx="1">
+            <a:schemeClr val="accent1"/>
+          </a:fillRef>
+          <a:effectRef idx="0">
+            <a:schemeClr val="accent1"/>
+          </a:effectRef>
+          <a:fontRef idx="minor">
+            <a:schemeClr val="lt1"/>
+          </a:fontRef>
+        </p:style>
+        <p:txBody>
+          <a:bodyPr wrap="none" lIns="36000" tIns="36000" rIns="36000" bIns="36000" rtlCol="0" anchor="ctr" anchorCtr="0"/>
+          <a:lstStyle/>
+          <a:p>
+            <a:pPr algn="ctr"/>
+            <a:r>
+              <a:rPr lang="zh-CN" altLang="en-US" sz="1600" b="1">
+                <a:solidFill>
+                  <a:schemeClr val="tx1"/>
+                </a:solidFill>
                 <a:latin typeface="微软雅黑" panose="020B0503020204020204" pitchFamily="34" charset="-122"/>
                 <a:ea typeface="微软雅黑" panose="020B0503020204020204" pitchFamily="34" charset="-122"/>
-              </a:endParaRPr>
-            </a:p>
-          </p:txBody>
-        </p:sp>
-        <p:sp>
-          <p:nvSpPr>
-            <p:cNvPr id="28" name="矩形: 圆角 27">
-              <a:extLst>
-                <a:ext uri="{FF2B5EF4-FFF2-40B4-BE49-F238E27FC236}">
-                  <a16:creationId xmlns:a16="http://schemas.microsoft.com/office/drawing/2014/main" id="{A94DE6C3-694C-4325-A74A-F92569960786}"/>
-                </a:ext>
-              </a:extLst>
-            </p:cNvPr>
-            <p:cNvSpPr/>
-            <p:nvPr/>
-          </p:nvSpPr>
-          <p:spPr>
-            <a:xfrm>
-              <a:off x="7513532" y="2640946"/>
-              <a:ext cx="1728000" cy="396000"/>
-            </a:xfrm>
-            <a:prstGeom prst="roundRect">
-              <a:avLst/>
-            </a:prstGeom>
+              </a:rPr>
+              <a:t>基金会会员</a:t>
+            </a:r>
+          </a:p>
+        </p:txBody>
+      </p:sp>
+      <p:sp>
+        <p:nvSpPr>
+          <p:cNvPr id="33" name="矩形: 圆角 32">
+            <a:extLst>
+              <a:ext uri="{FF2B5EF4-FFF2-40B4-BE49-F238E27FC236}">
+                <a16:creationId xmlns:a16="http://schemas.microsoft.com/office/drawing/2014/main" id="{27E30EAF-187A-4D3E-B3A9-B25A65EF9EF5}"/>
+              </a:ext>
+            </a:extLst>
+          </p:cNvPr>
+          <p:cNvSpPr/>
+          <p:nvPr/>
+        </p:nvSpPr>
+        <p:spPr>
+          <a:xfrm>
+            <a:off x="712379" y="3459960"/>
+            <a:ext cx="1080000" cy="432000"/>
+          </a:xfrm>
+          <a:prstGeom prst="roundRect">
+            <a:avLst/>
+          </a:prstGeom>
+          <a:solidFill>
+            <a:srgbClr val="00B0F0"/>
+          </a:solidFill>
+          <a:ln>
             <a:solidFill>
-              <a:schemeClr val="bg1">
-                <a:lumMod val="95000"/>
-              </a:schemeClr>
+              <a:schemeClr val="tx1"/>
             </a:solidFill>
-            <a:ln>
-              <a:solidFill>
-                <a:schemeClr val="tx1"/>
-              </a:solidFill>
-            </a:ln>
-          </p:spPr>
-          <p:style>
-            <a:lnRef idx="2">
-              <a:schemeClr val="accent1">
-                <a:shade val="50000"/>
-              </a:schemeClr>
-            </a:lnRef>
-            <a:fillRef idx="1">
-              <a:schemeClr val="accent1"/>
-            </a:fillRef>
-            <a:effectRef idx="0">
-              <a:schemeClr val="accent1"/>
-            </a:effectRef>
-            <a:fontRef idx="minor">
-              <a:schemeClr val="lt1"/>
-            </a:fontRef>
-          </p:style>
-          <p:txBody>
-            <a:bodyPr wrap="none" lIns="36000" tIns="36000" rIns="36000" bIns="36000" rtlCol="0" anchor="ctr" anchorCtr="0"/>
-            <a:lstStyle/>
-            <a:p>
-              <a:pPr algn="ctr"/>
-              <a:r>
-                <a:rPr lang="zh-CN" altLang="en-US" sz="1600" b="1">
-                  <a:solidFill>
-                    <a:schemeClr val="tx1"/>
-                  </a:solidFill>
-                  <a:latin typeface="微软雅黑" panose="020B0503020204020204" pitchFamily="34" charset="-122"/>
-                  <a:ea typeface="微软雅黑" panose="020B0503020204020204" pitchFamily="34" charset="-122"/>
-                </a:rPr>
-                <a:t>供养表</a:t>
-              </a:r>
-            </a:p>
-          </p:txBody>
-        </p:sp>
-        <p:sp>
-          <p:nvSpPr>
-            <p:cNvPr id="31" name="矩形: 圆角 30">
-              <a:extLst>
-                <a:ext uri="{FF2B5EF4-FFF2-40B4-BE49-F238E27FC236}">
-                  <a16:creationId xmlns:a16="http://schemas.microsoft.com/office/drawing/2014/main" id="{084D6881-0A6D-4ACA-A1AF-5073C16577F2}"/>
-                </a:ext>
-              </a:extLst>
-            </p:cNvPr>
-            <p:cNvSpPr/>
-            <p:nvPr/>
-          </p:nvSpPr>
-          <p:spPr>
-            <a:xfrm>
-              <a:off x="9346563" y="2640946"/>
-              <a:ext cx="1728000" cy="396000"/>
-            </a:xfrm>
-            <a:prstGeom prst="roundRect">
-              <a:avLst/>
-            </a:prstGeom>
-            <a:solidFill>
-              <a:schemeClr val="bg1">
-                <a:lumMod val="95000"/>
-              </a:schemeClr>
-            </a:solidFill>
-            <a:ln>
-              <a:solidFill>
-                <a:schemeClr val="tx1"/>
-              </a:solidFill>
-            </a:ln>
-          </p:spPr>
-          <p:style>
-            <a:lnRef idx="2">
-              <a:schemeClr val="accent1">
-                <a:shade val="50000"/>
-              </a:schemeClr>
-            </a:lnRef>
-            <a:fillRef idx="1">
-              <a:schemeClr val="accent1"/>
-            </a:fillRef>
-            <a:effectRef idx="0">
-              <a:schemeClr val="accent1"/>
-            </a:effectRef>
-            <a:fontRef idx="minor">
-              <a:schemeClr val="lt1"/>
-            </a:fontRef>
-          </p:style>
-          <p:txBody>
-            <a:bodyPr wrap="none" lIns="36000" tIns="36000" rIns="36000" bIns="36000" rtlCol="0" anchor="ctr" anchorCtr="0"/>
-            <a:lstStyle/>
-            <a:p>
-              <a:pPr algn="ctr"/>
-              <a:r>
-                <a:rPr lang="zh-CN" altLang="en-US" sz="1600" b="1">
-                  <a:solidFill>
-                    <a:schemeClr val="tx1"/>
-                  </a:solidFill>
-                  <a:latin typeface="微软雅黑" panose="020B0503020204020204" pitchFamily="34" charset="-122"/>
-                  <a:ea typeface="微软雅黑" panose="020B0503020204020204" pitchFamily="34" charset="-122"/>
-                </a:rPr>
-                <a:t>供养日志表</a:t>
-              </a:r>
-            </a:p>
-          </p:txBody>
-        </p:sp>
-        <p:sp>
-          <p:nvSpPr>
-            <p:cNvPr id="34" name="矩形: 圆角 33">
-              <a:extLst>
-                <a:ext uri="{FF2B5EF4-FFF2-40B4-BE49-F238E27FC236}">
-                  <a16:creationId xmlns:a16="http://schemas.microsoft.com/office/drawing/2014/main" id="{05FCFCE4-9AA2-4DDF-9808-B43AE74FFC92}"/>
-                </a:ext>
-              </a:extLst>
-            </p:cNvPr>
-            <p:cNvSpPr/>
-            <p:nvPr/>
-          </p:nvSpPr>
-          <p:spPr>
-            <a:xfrm>
-              <a:off x="5680501" y="2640946"/>
-              <a:ext cx="1728000" cy="396000"/>
-            </a:xfrm>
-            <a:prstGeom prst="roundRect">
-              <a:avLst/>
-            </a:prstGeom>
-            <a:solidFill>
-              <a:schemeClr val="bg1">
-                <a:lumMod val="95000"/>
-              </a:schemeClr>
-            </a:solidFill>
-            <a:ln>
-              <a:solidFill>
-                <a:schemeClr val="tx1"/>
-              </a:solidFill>
-            </a:ln>
-          </p:spPr>
-          <p:style>
-            <a:lnRef idx="2">
-              <a:schemeClr val="accent1">
-                <a:shade val="50000"/>
-              </a:schemeClr>
-            </a:lnRef>
-            <a:fillRef idx="1">
-              <a:schemeClr val="accent1"/>
-            </a:fillRef>
-            <a:effectRef idx="0">
-              <a:schemeClr val="accent1"/>
-            </a:effectRef>
-            <a:fontRef idx="minor">
-              <a:schemeClr val="lt1"/>
-            </a:fontRef>
-          </p:style>
-          <p:txBody>
-            <a:bodyPr wrap="none" lIns="36000" tIns="36000" rIns="36000" bIns="36000" rtlCol="0" anchor="ctr" anchorCtr="0"/>
-            <a:lstStyle/>
-            <a:p>
-              <a:pPr algn="ctr"/>
-              <a:r>
-                <a:rPr lang="zh-CN" altLang="en-US" sz="1600" b="1">
-                  <a:solidFill>
-                    <a:schemeClr val="tx1"/>
-                  </a:solidFill>
-                  <a:latin typeface="微软雅黑" panose="020B0503020204020204" pitchFamily="34" charset="-122"/>
-                  <a:ea typeface="微软雅黑" panose="020B0503020204020204" pitchFamily="34" charset="-122"/>
-                </a:rPr>
-                <a:t>房间表</a:t>
-              </a:r>
-            </a:p>
-          </p:txBody>
-        </p:sp>
-      </p:grpSp>
+          </a:ln>
+        </p:spPr>
+        <p:style>
+          <a:lnRef idx="2">
+            <a:schemeClr val="accent1">
+              <a:shade val="50000"/>
+            </a:schemeClr>
+          </a:lnRef>
+          <a:fillRef idx="1">
+            <a:schemeClr val="accent1"/>
+          </a:fillRef>
+          <a:effectRef idx="0">
+            <a:schemeClr val="accent1"/>
+          </a:effectRef>
+          <a:fontRef idx="minor">
+            <a:schemeClr val="lt1"/>
+          </a:fontRef>
+        </p:style>
+        <p:txBody>
+          <a:bodyPr wrap="none" lIns="36000" tIns="36000" rIns="36000" bIns="36000" rtlCol="0" anchor="ctr" anchorCtr="0"/>
+          <a:lstStyle/>
+          <a:p>
+            <a:pPr algn="ctr"/>
+            <a:r>
+              <a:rPr lang="zh-CN" altLang="en-US" sz="1600" b="1">
+                <a:solidFill>
+                  <a:schemeClr val="tx1"/>
+                </a:solidFill>
+                <a:latin typeface="微软雅黑" panose="020B0503020204020204" pitchFamily="34" charset="-122"/>
+                <a:ea typeface="微软雅黑" panose="020B0503020204020204" pitchFamily="34" charset="-122"/>
+              </a:rPr>
+              <a:t>用户</a:t>
+            </a:r>
+          </a:p>
+        </p:txBody>
+      </p:sp>
     </p:spTree>
     <p:extLst>
       <p:ext uri="{BB962C8B-B14F-4D97-AF65-F5344CB8AC3E}">
@@ -9595,7 +7379,7 @@
         <p:spPr>
           <a:xfrm>
             <a:off x="712379" y="173975"/>
-            <a:ext cx="1826141" cy="584775"/>
+            <a:ext cx="1005403" cy="584775"/>
           </a:xfrm>
           <a:prstGeom prst="rect">
             <a:avLst/>
@@ -9613,17 +7397,17 @@
                 <a:latin typeface="Consolas" panose="020B0609020204030204" pitchFamily="49" charset="0"/>
                 <a:ea typeface="微软雅黑" panose="020B0503020204020204" pitchFamily="34" charset="-122"/>
               </a:rPr>
-              <a:t>查看供养</a:t>
-            </a:r>
-          </a:p>
-        </p:txBody>
-      </p:sp>
-      <p:sp>
-        <p:nvSpPr>
-          <p:cNvPr id="31" name="矩形: 圆角 30">
-            <a:extLst>
-              <a:ext uri="{FF2B5EF4-FFF2-40B4-BE49-F238E27FC236}">
-                <a16:creationId xmlns:a16="http://schemas.microsoft.com/office/drawing/2014/main" id="{660A2151-C6CF-4160-BFCC-2EC5CE7AEA66}"/>
+              <a:t>收藏</a:t>
+            </a:r>
+          </a:p>
+        </p:txBody>
+      </p:sp>
+      <p:sp>
+        <p:nvSpPr>
+          <p:cNvPr id="63" name="矩形: 圆角 62">
+            <a:extLst>
+              <a:ext uri="{FF2B5EF4-FFF2-40B4-BE49-F238E27FC236}">
+                <a16:creationId xmlns:a16="http://schemas.microsoft.com/office/drawing/2014/main" id="{A765B5A9-81A9-4DAB-9235-2C88A201A26E}"/>
               </a:ext>
             </a:extLst>
           </p:cNvPr>
@@ -9632,7 +7416,7 @@
         </p:nvSpPr>
         <p:spPr>
           <a:xfrm>
-            <a:off x="4577427" y="1517922"/>
+            <a:off x="4567777" y="1659504"/>
             <a:ext cx="2016000" cy="648000"/>
           </a:xfrm>
           <a:prstGeom prst="roundRect">
@@ -9676,7 +7460,7 @@
                 <a:latin typeface="微软雅黑" panose="020B0503020204020204" pitchFamily="34" charset="-122"/>
                 <a:ea typeface="微软雅黑" panose="020B0503020204020204" pitchFamily="34" charset="-122"/>
               </a:rPr>
-              <a:t>查看所属</a:t>
+              <a:t>创建收藏</a:t>
             </a:r>
             <a:endParaRPr lang="en-US" altLang="zh-CN" sz="1600" b="1">
               <a:solidFill>
@@ -9696,7 +7480,7 @@
                 <a:latin typeface="微软雅黑" panose="020B0503020204020204" pitchFamily="34" charset="-122"/>
                 <a:ea typeface="微软雅黑" panose="020B0503020204020204" pitchFamily="34" charset="-122"/>
               </a:rPr>
-              <a:t>list_fend</a:t>
+              <a:t>add_focus</a:t>
             </a:r>
             <a:endParaRPr lang="zh-CN" altLang="en-US" sz="1600" b="1">
               <a:solidFill>
@@ -9708,26 +7492,89 @@
           </a:p>
         </p:txBody>
       </p:sp>
+      <p:sp>
+        <p:nvSpPr>
+          <p:cNvPr id="72" name="矩形: 圆角 71">
+            <a:extLst>
+              <a:ext uri="{FF2B5EF4-FFF2-40B4-BE49-F238E27FC236}">
+                <a16:creationId xmlns:a16="http://schemas.microsoft.com/office/drawing/2014/main" id="{F090EA04-9B0E-47BE-A954-C335E6B1D1D7}"/>
+              </a:ext>
+            </a:extLst>
+          </p:cNvPr>
+          <p:cNvSpPr/>
+          <p:nvPr/>
+        </p:nvSpPr>
+        <p:spPr>
+          <a:xfrm>
+            <a:off x="714622" y="1767504"/>
+            <a:ext cx="1080000" cy="432000"/>
+          </a:xfrm>
+          <a:prstGeom prst="roundRect">
+            <a:avLst/>
+          </a:prstGeom>
+          <a:solidFill>
+            <a:srgbClr val="00B0F0"/>
+          </a:solidFill>
+          <a:ln>
+            <a:solidFill>
+              <a:schemeClr val="tx1"/>
+            </a:solidFill>
+          </a:ln>
+        </p:spPr>
+        <p:style>
+          <a:lnRef idx="2">
+            <a:schemeClr val="accent1">
+              <a:shade val="50000"/>
+            </a:schemeClr>
+          </a:lnRef>
+          <a:fillRef idx="1">
+            <a:schemeClr val="accent1"/>
+          </a:fillRef>
+          <a:effectRef idx="0">
+            <a:schemeClr val="accent1"/>
+          </a:effectRef>
+          <a:fontRef idx="minor">
+            <a:schemeClr val="lt1"/>
+          </a:fontRef>
+        </p:style>
+        <p:txBody>
+          <a:bodyPr wrap="none" lIns="36000" tIns="36000" rIns="36000" bIns="36000" rtlCol="0" anchor="ctr" anchorCtr="0"/>
+          <a:lstStyle/>
+          <a:p>
+            <a:pPr algn="ctr"/>
+            <a:r>
+              <a:rPr lang="zh-CN" altLang="en-US" sz="1600" b="1">
+                <a:solidFill>
+                  <a:schemeClr val="tx1"/>
+                </a:solidFill>
+                <a:latin typeface="微软雅黑" panose="020B0503020204020204" pitchFamily="34" charset="-122"/>
+                <a:ea typeface="微软雅黑" panose="020B0503020204020204" pitchFamily="34" charset="-122"/>
+              </a:rPr>
+              <a:t>用户</a:t>
+            </a:r>
+          </a:p>
+        </p:txBody>
+      </p:sp>
       <p:cxnSp>
         <p:nvCxnSpPr>
-          <p:cNvPr id="32" name="直接箭头连接符 31">
-            <a:extLst>
-              <a:ext uri="{FF2B5EF4-FFF2-40B4-BE49-F238E27FC236}">
-                <a16:creationId xmlns:a16="http://schemas.microsoft.com/office/drawing/2014/main" id="{B82C067B-7374-4701-9A79-6EA63A8CA017}"/>
+          <p:cNvPr id="74" name="直接箭头连接符 73">
+            <a:extLst>
+              <a:ext uri="{FF2B5EF4-FFF2-40B4-BE49-F238E27FC236}">
+                <a16:creationId xmlns:a16="http://schemas.microsoft.com/office/drawing/2014/main" id="{12BA6710-8A62-4D0A-9BCE-C0D69A76735B}"/>
               </a:ext>
             </a:extLst>
           </p:cNvPr>
           <p:cNvCxnSpPr>
             <a:cxnSpLocks/>
-            <a:stCxn id="54" idx="3"/>
-            <a:endCxn id="31" idx="1"/>
+            <a:stCxn id="72" idx="3"/>
+            <a:endCxn id="63" idx="1"/>
           </p:cNvCxnSpPr>
           <p:nvPr/>
         </p:nvCxnSpPr>
         <p:spPr>
-          <a:xfrm flipV="1">
-            <a:off x="3153747" y="1841922"/>
-            <a:ext cx="1423680" cy="1"/>
+          <a:xfrm>
+            <a:off x="1794622" y="1983504"/>
+            <a:ext cx="2773155" cy="0"/>
           </a:xfrm>
           <a:prstGeom prst="straightConnector1">
             <a:avLst/>
@@ -9756,31 +7603,31 @@
       </p:cxnSp>
       <p:cxnSp>
         <p:nvCxnSpPr>
-          <p:cNvPr id="33" name="直接箭头连接符 32">
-            <a:extLst>
-              <a:ext uri="{FF2B5EF4-FFF2-40B4-BE49-F238E27FC236}">
-                <a16:creationId xmlns:a16="http://schemas.microsoft.com/office/drawing/2014/main" id="{58E08BC5-EE84-4408-A98A-E6E7AF69211F}"/>
+          <p:cNvPr id="109" name="直接箭头连接符 108">
+            <a:extLst>
+              <a:ext uri="{FF2B5EF4-FFF2-40B4-BE49-F238E27FC236}">
+                <a16:creationId xmlns:a16="http://schemas.microsoft.com/office/drawing/2014/main" id="{1986FB04-0B2C-49B2-97F4-81933FD7C29D}"/>
               </a:ext>
             </a:extLst>
           </p:cNvPr>
           <p:cNvCxnSpPr>
             <a:cxnSpLocks/>
-            <a:stCxn id="34" idx="1"/>
-            <a:endCxn id="31" idx="3"/>
+            <a:stCxn id="63" idx="3"/>
+            <a:endCxn id="118" idx="1"/>
           </p:cNvCxnSpPr>
           <p:nvPr/>
         </p:nvCxnSpPr>
         <p:spPr>
-          <a:xfrm flipH="1" flipV="1">
-            <a:off x="6593427" y="1841922"/>
-            <a:ext cx="1672790" cy="565048"/>
+          <a:xfrm>
+            <a:off x="6583777" y="1983504"/>
+            <a:ext cx="1682440" cy="0"/>
           </a:xfrm>
           <a:prstGeom prst="straightConnector1">
             <a:avLst/>
           </a:prstGeom>
           <a:ln w="57150">
             <a:solidFill>
-              <a:srgbClr val="FF0000"/>
+              <a:srgbClr val="FFC000"/>
             </a:solidFill>
             <a:tailEnd type="triangle"/>
           </a:ln>
@@ -9802,10 +7649,10 @@
       </p:cxnSp>
       <p:sp>
         <p:nvSpPr>
-          <p:cNvPr id="34" name="矩形: 圆角 33">
-            <a:extLst>
-              <a:ext uri="{FF2B5EF4-FFF2-40B4-BE49-F238E27FC236}">
-                <a16:creationId xmlns:a16="http://schemas.microsoft.com/office/drawing/2014/main" id="{FDEB67CB-24DC-4E9D-A268-110868ACA519}"/>
+          <p:cNvPr id="118" name="矩形: 圆角 117">
+            <a:extLst>
+              <a:ext uri="{FF2B5EF4-FFF2-40B4-BE49-F238E27FC236}">
+                <a16:creationId xmlns:a16="http://schemas.microsoft.com/office/drawing/2014/main" id="{9431B602-ED82-4573-A9F0-FDFCE99889C6}"/>
               </a:ext>
             </a:extLst>
           </p:cNvPr>
@@ -9814,7 +7661,7 @@
         </p:nvSpPr>
         <p:spPr>
           <a:xfrm>
-            <a:off x="8266217" y="2190970"/>
+            <a:off x="8266217" y="1767504"/>
             <a:ext cx="1728000" cy="432000"/>
           </a:xfrm>
           <a:prstGeom prst="roundRect">
@@ -9860,17 +7707,17 @@
                 <a:latin typeface="微软雅黑" panose="020B0503020204020204" pitchFamily="34" charset="-122"/>
                 <a:ea typeface="微软雅黑" panose="020B0503020204020204" pitchFamily="34" charset="-122"/>
               </a:rPr>
-              <a:t>供养表</a:t>
-            </a:r>
-          </a:p>
-        </p:txBody>
-      </p:sp>
-      <p:sp>
-        <p:nvSpPr>
-          <p:cNvPr id="35" name="矩形: 圆角 34">
-            <a:extLst>
-              <a:ext uri="{FF2B5EF4-FFF2-40B4-BE49-F238E27FC236}">
-                <a16:creationId xmlns:a16="http://schemas.microsoft.com/office/drawing/2014/main" id="{85691717-49F8-4DCD-A73E-DE7ED8ED8C1D}"/>
+              <a:t>收藏表</a:t>
+            </a:r>
+          </a:p>
+        </p:txBody>
+      </p:sp>
+      <p:sp>
+        <p:nvSpPr>
+          <p:cNvPr id="23" name="矩形: 圆角 22">
+            <a:extLst>
+              <a:ext uri="{FF2B5EF4-FFF2-40B4-BE49-F238E27FC236}">
+                <a16:creationId xmlns:a16="http://schemas.microsoft.com/office/drawing/2014/main" id="{91F7C30B-B817-4C7F-A17C-A00AF9EC442B}"/>
               </a:ext>
             </a:extLst>
           </p:cNvPr>
@@ -9879,7 +7726,7 @@
         </p:nvSpPr>
         <p:spPr>
           <a:xfrm>
-            <a:off x="4577427" y="2553996"/>
+            <a:off x="4567777" y="4139232"/>
             <a:ext cx="2016000" cy="648000"/>
           </a:xfrm>
           <a:prstGeom prst="roundRect">
@@ -9923,7 +7770,7 @@
                 <a:latin typeface="微软雅黑" panose="020B0503020204020204" pitchFamily="34" charset="-122"/>
                 <a:ea typeface="微软雅黑" panose="020B0503020204020204" pitchFamily="34" charset="-122"/>
               </a:rPr>
-              <a:t>查看条件</a:t>
+              <a:t>查找收藏</a:t>
             </a:r>
             <a:endParaRPr lang="en-US" altLang="zh-CN" sz="1600" b="1">
               <a:solidFill>
@@ -9943,7 +7790,7 @@
                 <a:latin typeface="微软雅黑" panose="020B0503020204020204" pitchFamily="34" charset="-122"/>
                 <a:ea typeface="微软雅黑" panose="020B0503020204020204" pitchFamily="34" charset="-122"/>
               </a:rPr>
-              <a:t>list_fend</a:t>
+              <a:t>is_focus</a:t>
             </a:r>
             <a:endParaRPr lang="zh-CN" altLang="en-US" sz="1600" b="1">
               <a:solidFill>
@@ -9957,24 +7804,24 @@
       </p:sp>
       <p:cxnSp>
         <p:nvCxnSpPr>
-          <p:cNvPr id="36" name="直接箭头连接符 35">
-            <a:extLst>
-              <a:ext uri="{FF2B5EF4-FFF2-40B4-BE49-F238E27FC236}">
-                <a16:creationId xmlns:a16="http://schemas.microsoft.com/office/drawing/2014/main" id="{B96120E3-9832-49C9-BB43-AD826A7CB0DB}"/>
+          <p:cNvPr id="25" name="直接箭头连接符 24">
+            <a:extLst>
+              <a:ext uri="{FF2B5EF4-FFF2-40B4-BE49-F238E27FC236}">
+                <a16:creationId xmlns:a16="http://schemas.microsoft.com/office/drawing/2014/main" id="{188086D4-4461-4F13-B5A8-C3898AF5F5BE}"/>
               </a:ext>
             </a:extLst>
           </p:cNvPr>
           <p:cNvCxnSpPr>
             <a:cxnSpLocks/>
-            <a:stCxn id="59" idx="3"/>
-            <a:endCxn id="35" idx="1"/>
+            <a:stCxn id="43" idx="3"/>
+            <a:endCxn id="23" idx="1"/>
           </p:cNvCxnSpPr>
           <p:nvPr/>
         </p:nvCxnSpPr>
         <p:spPr>
           <a:xfrm>
-            <a:off x="3153747" y="2877996"/>
-            <a:ext cx="1423680" cy="0"/>
+            <a:off x="1792379" y="3988197"/>
+            <a:ext cx="2775398" cy="475035"/>
           </a:xfrm>
           <a:prstGeom prst="straightConnector1">
             <a:avLst/>
@@ -10003,24 +7850,24 @@
       </p:cxnSp>
       <p:cxnSp>
         <p:nvCxnSpPr>
-          <p:cNvPr id="37" name="直接箭头连接符 36">
-            <a:extLst>
-              <a:ext uri="{FF2B5EF4-FFF2-40B4-BE49-F238E27FC236}">
-                <a16:creationId xmlns:a16="http://schemas.microsoft.com/office/drawing/2014/main" id="{49EC6BC8-5FEF-4DF2-93B8-4CE5063D2B07}"/>
+          <p:cNvPr id="26" name="直接箭头连接符 25">
+            <a:extLst>
+              <a:ext uri="{FF2B5EF4-FFF2-40B4-BE49-F238E27FC236}">
+                <a16:creationId xmlns:a16="http://schemas.microsoft.com/office/drawing/2014/main" id="{EC9A40CE-BE3C-43E8-B3DA-4C0CEB688DB6}"/>
               </a:ext>
             </a:extLst>
           </p:cNvPr>
           <p:cNvCxnSpPr>
             <a:cxnSpLocks/>
-            <a:stCxn id="34" idx="1"/>
-            <a:endCxn id="35" idx="3"/>
+            <a:stCxn id="30" idx="1"/>
+            <a:endCxn id="23" idx="3"/>
           </p:cNvCxnSpPr>
           <p:nvPr/>
         </p:nvCxnSpPr>
         <p:spPr>
           <a:xfrm flipH="1">
-            <a:off x="6593427" y="2406970"/>
-            <a:ext cx="1672790" cy="471026"/>
+            <a:off x="6583777" y="3988197"/>
+            <a:ext cx="1682440" cy="475035"/>
           </a:xfrm>
           <a:prstGeom prst="straightConnector1">
             <a:avLst/>
@@ -10047,485 +7894,12 @@
           </a:fontRef>
         </p:style>
       </p:cxnSp>
-      <p:grpSp>
-        <p:nvGrpSpPr>
-          <p:cNvPr id="41" name="组合 40">
-            <a:extLst>
-              <a:ext uri="{FF2B5EF4-FFF2-40B4-BE49-F238E27FC236}">
-                <a16:creationId xmlns:a16="http://schemas.microsoft.com/office/drawing/2014/main" id="{5F4FB86C-B9F9-4699-AEBD-5D6A399EFF85}"/>
-              </a:ext>
-            </a:extLst>
-          </p:cNvPr>
-          <p:cNvGrpSpPr/>
-          <p:nvPr/>
-        </p:nvGrpSpPr>
-        <p:grpSpPr>
-          <a:xfrm>
-            <a:off x="698519" y="1287072"/>
-            <a:ext cx="2455228" cy="1109701"/>
-            <a:chOff x="698519" y="1336611"/>
-            <a:chExt cx="2455228" cy="1109701"/>
-          </a:xfrm>
-        </p:grpSpPr>
-        <p:sp>
-          <p:nvSpPr>
-            <p:cNvPr id="43" name="矩形: 圆角 42">
-              <a:extLst>
-                <a:ext uri="{FF2B5EF4-FFF2-40B4-BE49-F238E27FC236}">
-                  <a16:creationId xmlns:a16="http://schemas.microsoft.com/office/drawing/2014/main" id="{AEA499BE-9B89-4058-82E1-F66F3D958178}"/>
-                </a:ext>
-              </a:extLst>
-            </p:cNvPr>
-            <p:cNvSpPr/>
-            <p:nvPr/>
-          </p:nvSpPr>
-          <p:spPr>
-            <a:xfrm>
-              <a:off x="807142" y="1414209"/>
-              <a:ext cx="1080000" cy="432000"/>
-            </a:xfrm>
-            <a:prstGeom prst="roundRect">
-              <a:avLst/>
-            </a:prstGeom>
-            <a:solidFill>
-              <a:srgbClr val="00B0F0"/>
-            </a:solidFill>
-            <a:ln>
-              <a:solidFill>
-                <a:schemeClr val="tx1"/>
-              </a:solidFill>
-            </a:ln>
-          </p:spPr>
-          <p:style>
-            <a:lnRef idx="2">
-              <a:schemeClr val="accent1">
-                <a:shade val="50000"/>
-              </a:schemeClr>
-            </a:lnRef>
-            <a:fillRef idx="1">
-              <a:schemeClr val="accent1"/>
-            </a:fillRef>
-            <a:effectRef idx="0">
-              <a:schemeClr val="accent1"/>
-            </a:effectRef>
-            <a:fontRef idx="minor">
-              <a:schemeClr val="lt1"/>
-            </a:fontRef>
-          </p:style>
-          <p:txBody>
-            <a:bodyPr wrap="none" lIns="36000" tIns="36000" rIns="36000" bIns="36000" rtlCol="0" anchor="ctr" anchorCtr="0"/>
-            <a:lstStyle/>
-            <a:p>
-              <a:pPr algn="ctr"/>
-              <a:r>
-                <a:rPr lang="zh-CN" altLang="en-US" sz="1600" b="1">
-                  <a:solidFill>
-                    <a:schemeClr val="tx1"/>
-                  </a:solidFill>
-                  <a:latin typeface="微软雅黑" panose="020B0503020204020204" pitchFamily="34" charset="-122"/>
-                  <a:ea typeface="微软雅黑" panose="020B0503020204020204" pitchFamily="34" charset="-122"/>
-                </a:rPr>
-                <a:t>法师</a:t>
-              </a:r>
-            </a:p>
-          </p:txBody>
-        </p:sp>
-        <p:sp>
-          <p:nvSpPr>
-            <p:cNvPr id="47" name="矩形: 圆角 46">
-              <a:extLst>
-                <a:ext uri="{FF2B5EF4-FFF2-40B4-BE49-F238E27FC236}">
-                  <a16:creationId xmlns:a16="http://schemas.microsoft.com/office/drawing/2014/main" id="{25C11813-5237-418A-AB86-7A8760C336BB}"/>
-                </a:ext>
-              </a:extLst>
-            </p:cNvPr>
-            <p:cNvSpPr/>
-            <p:nvPr/>
-          </p:nvSpPr>
-          <p:spPr>
-            <a:xfrm>
-              <a:off x="1993026" y="1414209"/>
-              <a:ext cx="1080000" cy="432000"/>
-            </a:xfrm>
-            <a:prstGeom prst="roundRect">
-              <a:avLst/>
-            </a:prstGeom>
-            <a:solidFill>
-              <a:srgbClr val="00B0F0"/>
-            </a:solidFill>
-            <a:ln>
-              <a:solidFill>
-                <a:schemeClr val="tx1"/>
-              </a:solidFill>
-            </a:ln>
-          </p:spPr>
-          <p:style>
-            <a:lnRef idx="2">
-              <a:schemeClr val="accent1">
-                <a:shade val="50000"/>
-              </a:schemeClr>
-            </a:lnRef>
-            <a:fillRef idx="1">
-              <a:schemeClr val="accent1"/>
-            </a:fillRef>
-            <a:effectRef idx="0">
-              <a:schemeClr val="accent1"/>
-            </a:effectRef>
-            <a:fontRef idx="minor">
-              <a:schemeClr val="lt1"/>
-            </a:fontRef>
-          </p:style>
-          <p:txBody>
-            <a:bodyPr wrap="none" lIns="36000" tIns="36000" rIns="36000" bIns="36000" rtlCol="0" anchor="ctr" anchorCtr="0"/>
-            <a:lstStyle/>
-            <a:p>
-              <a:pPr algn="ctr"/>
-              <a:r>
-                <a:rPr lang="zh-CN" altLang="en-US" sz="1600" b="1">
-                  <a:solidFill>
-                    <a:schemeClr val="tx1"/>
-                  </a:solidFill>
-                  <a:latin typeface="微软雅黑" panose="020B0503020204020204" pitchFamily="34" charset="-122"/>
-                  <a:ea typeface="微软雅黑" panose="020B0503020204020204" pitchFamily="34" charset="-122"/>
-                </a:rPr>
-                <a:t>寺院</a:t>
-              </a:r>
-            </a:p>
-          </p:txBody>
-        </p:sp>
-        <p:sp>
-          <p:nvSpPr>
-            <p:cNvPr id="53" name="矩形: 圆角 52">
-              <a:extLst>
-                <a:ext uri="{FF2B5EF4-FFF2-40B4-BE49-F238E27FC236}">
-                  <a16:creationId xmlns:a16="http://schemas.microsoft.com/office/drawing/2014/main" id="{E56C7496-4EEF-4BB6-AB59-5E0C39C7866A}"/>
-                </a:ext>
-              </a:extLst>
-            </p:cNvPr>
-            <p:cNvSpPr/>
-            <p:nvPr/>
-          </p:nvSpPr>
-          <p:spPr>
-            <a:xfrm>
-              <a:off x="807142" y="1924988"/>
-              <a:ext cx="1080000" cy="432000"/>
-            </a:xfrm>
-            <a:prstGeom prst="roundRect">
-              <a:avLst/>
-            </a:prstGeom>
-            <a:solidFill>
-              <a:srgbClr val="00B0F0"/>
-            </a:solidFill>
-            <a:ln>
-              <a:solidFill>
-                <a:schemeClr val="tx1"/>
-              </a:solidFill>
-            </a:ln>
-          </p:spPr>
-          <p:style>
-            <a:lnRef idx="2">
-              <a:schemeClr val="accent1">
-                <a:shade val="50000"/>
-              </a:schemeClr>
-            </a:lnRef>
-            <a:fillRef idx="1">
-              <a:schemeClr val="accent1"/>
-            </a:fillRef>
-            <a:effectRef idx="0">
-              <a:schemeClr val="accent1"/>
-            </a:effectRef>
-            <a:fontRef idx="minor">
-              <a:schemeClr val="lt1"/>
-            </a:fontRef>
-          </p:style>
-          <p:txBody>
-            <a:bodyPr wrap="none" lIns="36000" tIns="36000" rIns="36000" bIns="36000" rtlCol="0" anchor="ctr" anchorCtr="0"/>
-            <a:lstStyle/>
-            <a:p>
-              <a:pPr algn="ctr"/>
-              <a:r>
-                <a:rPr lang="zh-CN" altLang="en-US" sz="1600" b="1">
-                  <a:solidFill>
-                    <a:schemeClr val="tx1"/>
-                  </a:solidFill>
-                  <a:latin typeface="微软雅黑" panose="020B0503020204020204" pitchFamily="34" charset="-122"/>
-                  <a:ea typeface="微软雅黑" panose="020B0503020204020204" pitchFamily="34" charset="-122"/>
-                </a:rPr>
-                <a:t>认证用户</a:t>
-              </a:r>
-            </a:p>
-          </p:txBody>
-        </p:sp>
-        <p:sp>
-          <p:nvSpPr>
-            <p:cNvPr id="54" name="矩形: 圆角 53">
-              <a:extLst>
-                <a:ext uri="{FF2B5EF4-FFF2-40B4-BE49-F238E27FC236}">
-                  <a16:creationId xmlns:a16="http://schemas.microsoft.com/office/drawing/2014/main" id="{0D769322-6190-49EA-906C-0971646533D7}"/>
-                </a:ext>
-              </a:extLst>
-            </p:cNvPr>
-            <p:cNvSpPr/>
-            <p:nvPr/>
-          </p:nvSpPr>
-          <p:spPr>
-            <a:xfrm>
-              <a:off x="698519" y="1336611"/>
-              <a:ext cx="2455228" cy="1109701"/>
-            </a:xfrm>
-            <a:prstGeom prst="roundRect">
-              <a:avLst>
-                <a:gd name="adj" fmla="val 5494"/>
-              </a:avLst>
-            </a:prstGeom>
-            <a:noFill/>
-            <a:ln>
-              <a:solidFill>
-                <a:schemeClr val="tx2"/>
-              </a:solidFill>
-              <a:prstDash val="dash"/>
-            </a:ln>
-          </p:spPr>
-          <p:style>
-            <a:lnRef idx="2">
-              <a:schemeClr val="accent1">
-                <a:shade val="50000"/>
-              </a:schemeClr>
-            </a:lnRef>
-            <a:fillRef idx="1">
-              <a:schemeClr val="accent1"/>
-            </a:fillRef>
-            <a:effectRef idx="0">
-              <a:schemeClr val="accent1"/>
-            </a:effectRef>
-            <a:fontRef idx="minor">
-              <a:schemeClr val="lt1"/>
-            </a:fontRef>
-          </p:style>
-          <p:txBody>
-            <a:bodyPr rtlCol="0" anchor="ctr"/>
-            <a:lstStyle/>
-            <a:p>
-              <a:pPr algn="ctr"/>
-              <a:endParaRPr lang="zh-CN" altLang="en-US" sz="1600">
-                <a:latin typeface="微软雅黑" panose="020B0503020204020204" pitchFamily="34" charset="-122"/>
-                <a:ea typeface="微软雅黑" panose="020B0503020204020204" pitchFamily="34" charset="-122"/>
-              </a:endParaRPr>
-            </a:p>
-          </p:txBody>
-        </p:sp>
-      </p:grpSp>
-      <p:grpSp>
-        <p:nvGrpSpPr>
-          <p:cNvPr id="55" name="组合 54">
-            <a:extLst>
-              <a:ext uri="{FF2B5EF4-FFF2-40B4-BE49-F238E27FC236}">
-                <a16:creationId xmlns:a16="http://schemas.microsoft.com/office/drawing/2014/main" id="{126FB507-DAE9-4EA8-9F91-DE2AD29AD66E}"/>
-              </a:ext>
-            </a:extLst>
-          </p:cNvPr>
-          <p:cNvGrpSpPr/>
-          <p:nvPr/>
-        </p:nvGrpSpPr>
-        <p:grpSpPr>
-          <a:xfrm>
-            <a:off x="698519" y="2586414"/>
-            <a:ext cx="2455228" cy="583164"/>
-            <a:chOff x="838244" y="4426880"/>
-            <a:chExt cx="2455228" cy="583164"/>
-          </a:xfrm>
-        </p:grpSpPr>
-        <p:sp>
-          <p:nvSpPr>
-            <p:cNvPr id="56" name="矩形: 圆角 55">
-              <a:extLst>
-                <a:ext uri="{FF2B5EF4-FFF2-40B4-BE49-F238E27FC236}">
-                  <a16:creationId xmlns:a16="http://schemas.microsoft.com/office/drawing/2014/main" id="{C619C35B-22ED-4A11-9311-4A778D3D296C}"/>
-                </a:ext>
-              </a:extLst>
-            </p:cNvPr>
-            <p:cNvSpPr/>
-            <p:nvPr/>
-          </p:nvSpPr>
-          <p:spPr>
-            <a:xfrm>
-              <a:off x="946867" y="4504477"/>
-              <a:ext cx="1080000" cy="432000"/>
-            </a:xfrm>
-            <a:prstGeom prst="roundRect">
-              <a:avLst/>
-            </a:prstGeom>
-            <a:solidFill>
-              <a:srgbClr val="00B0F0"/>
-            </a:solidFill>
-            <a:ln>
-              <a:solidFill>
-                <a:schemeClr val="tx1"/>
-              </a:solidFill>
-            </a:ln>
-          </p:spPr>
-          <p:style>
-            <a:lnRef idx="2">
-              <a:schemeClr val="accent1">
-                <a:shade val="50000"/>
-              </a:schemeClr>
-            </a:lnRef>
-            <a:fillRef idx="1">
-              <a:schemeClr val="accent1"/>
-            </a:fillRef>
-            <a:effectRef idx="0">
-              <a:schemeClr val="accent1"/>
-            </a:effectRef>
-            <a:fontRef idx="minor">
-              <a:schemeClr val="lt1"/>
-            </a:fontRef>
-          </p:style>
-          <p:txBody>
-            <a:bodyPr wrap="none" lIns="36000" tIns="36000" rIns="36000" bIns="36000" rtlCol="0" anchor="ctr" anchorCtr="0"/>
-            <a:lstStyle/>
-            <a:p>
-              <a:pPr algn="ctr"/>
-              <a:r>
-                <a:rPr lang="zh-CN" altLang="en-US" sz="1600" b="1">
-                  <a:solidFill>
-                    <a:schemeClr val="tx1"/>
-                  </a:solidFill>
-                  <a:latin typeface="微软雅黑" panose="020B0503020204020204" pitchFamily="34" charset="-122"/>
-                  <a:ea typeface="微软雅黑" panose="020B0503020204020204" pitchFamily="34" charset="-122"/>
-                </a:rPr>
-                <a:t>基金会成员</a:t>
-              </a:r>
-            </a:p>
-          </p:txBody>
-        </p:sp>
-        <p:sp>
-          <p:nvSpPr>
-            <p:cNvPr id="57" name="矩形: 圆角 56">
-              <a:extLst>
-                <a:ext uri="{FF2B5EF4-FFF2-40B4-BE49-F238E27FC236}">
-                  <a16:creationId xmlns:a16="http://schemas.microsoft.com/office/drawing/2014/main" id="{CCEEA80E-CE9D-4984-B6B8-DEAD36A1AD29}"/>
-                </a:ext>
-              </a:extLst>
-            </p:cNvPr>
-            <p:cNvSpPr/>
-            <p:nvPr/>
-          </p:nvSpPr>
-          <p:spPr>
-            <a:xfrm>
-              <a:off x="2132751" y="4504477"/>
-              <a:ext cx="1080000" cy="432000"/>
-            </a:xfrm>
-            <a:prstGeom prst="roundRect">
-              <a:avLst/>
-            </a:prstGeom>
-            <a:solidFill>
-              <a:srgbClr val="00B0F0"/>
-            </a:solidFill>
-            <a:ln>
-              <a:solidFill>
-                <a:schemeClr val="tx1"/>
-              </a:solidFill>
-            </a:ln>
-          </p:spPr>
-          <p:style>
-            <a:lnRef idx="2">
-              <a:schemeClr val="accent1">
-                <a:shade val="50000"/>
-              </a:schemeClr>
-            </a:lnRef>
-            <a:fillRef idx="1">
-              <a:schemeClr val="accent1"/>
-            </a:fillRef>
-            <a:effectRef idx="0">
-              <a:schemeClr val="accent1"/>
-            </a:effectRef>
-            <a:fontRef idx="minor">
-              <a:schemeClr val="lt1"/>
-            </a:fontRef>
-          </p:style>
-          <p:txBody>
-            <a:bodyPr wrap="none" lIns="36000" tIns="36000" rIns="36000" bIns="36000" rtlCol="0" anchor="ctr" anchorCtr="0"/>
-            <a:lstStyle/>
-            <a:p>
-              <a:pPr algn="ctr"/>
-              <a:r>
-                <a:rPr lang="zh-CN" altLang="en-US" sz="1600" b="1">
-                  <a:solidFill>
-                    <a:schemeClr val="tx1"/>
-                  </a:solidFill>
-                  <a:latin typeface="微软雅黑" panose="020B0503020204020204" pitchFamily="34" charset="-122"/>
-                  <a:ea typeface="微软雅黑" panose="020B0503020204020204" pitchFamily="34" charset="-122"/>
-                </a:rPr>
-                <a:t>用户</a:t>
-              </a:r>
-            </a:p>
-          </p:txBody>
-        </p:sp>
-        <p:sp>
-          <p:nvSpPr>
-            <p:cNvPr id="59" name="矩形: 圆角 58">
-              <a:extLst>
-                <a:ext uri="{FF2B5EF4-FFF2-40B4-BE49-F238E27FC236}">
-                  <a16:creationId xmlns:a16="http://schemas.microsoft.com/office/drawing/2014/main" id="{DE17C4B4-CA12-420C-8214-6710B02CDF4C}"/>
-                </a:ext>
-              </a:extLst>
-            </p:cNvPr>
-            <p:cNvSpPr/>
-            <p:nvPr/>
-          </p:nvSpPr>
-          <p:spPr>
-            <a:xfrm>
-              <a:off x="838244" y="4426880"/>
-              <a:ext cx="2455228" cy="583164"/>
-            </a:xfrm>
-            <a:prstGeom prst="roundRect">
-              <a:avLst>
-                <a:gd name="adj" fmla="val 5494"/>
-              </a:avLst>
-            </a:prstGeom>
-            <a:noFill/>
-            <a:ln>
-              <a:solidFill>
-                <a:schemeClr val="tx2"/>
-              </a:solidFill>
-              <a:prstDash val="dash"/>
-            </a:ln>
-          </p:spPr>
-          <p:style>
-            <a:lnRef idx="2">
-              <a:schemeClr val="accent1">
-                <a:shade val="50000"/>
-              </a:schemeClr>
-            </a:lnRef>
-            <a:fillRef idx="1">
-              <a:schemeClr val="accent1"/>
-            </a:fillRef>
-            <a:effectRef idx="0">
-              <a:schemeClr val="accent1"/>
-            </a:effectRef>
-            <a:fontRef idx="minor">
-              <a:schemeClr val="lt1"/>
-            </a:fontRef>
-          </p:style>
-          <p:txBody>
-            <a:bodyPr rtlCol="0" anchor="ctr"/>
-            <a:lstStyle/>
-            <a:p>
-              <a:pPr algn="ctr"/>
-              <a:endParaRPr lang="zh-CN" altLang="en-US" sz="1600">
-                <a:latin typeface="微软雅黑" panose="020B0503020204020204" pitchFamily="34" charset="-122"/>
-                <a:ea typeface="微软雅黑" panose="020B0503020204020204" pitchFamily="34" charset="-122"/>
-              </a:endParaRPr>
-            </a:p>
-          </p:txBody>
-        </p:sp>
-      </p:grpSp>
-      <p:sp>
-        <p:nvSpPr>
-          <p:cNvPr id="105" name="矩形: 圆角 104">
-            <a:extLst>
-              <a:ext uri="{FF2B5EF4-FFF2-40B4-BE49-F238E27FC236}">
-                <a16:creationId xmlns:a16="http://schemas.microsoft.com/office/drawing/2014/main" id="{6B36EFC8-FC0D-4DCC-A62C-018AEE452084}"/>
+      <p:sp>
+        <p:nvSpPr>
+          <p:cNvPr id="27" name="矩形: 圆角 26">
+            <a:extLst>
+              <a:ext uri="{FF2B5EF4-FFF2-40B4-BE49-F238E27FC236}">
+                <a16:creationId xmlns:a16="http://schemas.microsoft.com/office/drawing/2014/main" id="{C31774CB-8A87-4B97-BABE-266FD607DC7A}"/>
               </a:ext>
             </a:extLst>
           </p:cNvPr>
@@ -10534,7 +7908,7 @@
         </p:nvSpPr>
         <p:spPr>
           <a:xfrm>
-            <a:off x="4567777" y="4170453"/>
+            <a:off x="4567777" y="3302355"/>
             <a:ext cx="2016000" cy="648000"/>
           </a:xfrm>
           <a:prstGeom prst="roundRect">
@@ -10598,7 +7972,7 @@
                 <a:latin typeface="微软雅黑" panose="020B0503020204020204" pitchFamily="34" charset="-122"/>
                 <a:ea typeface="微软雅黑" panose="020B0503020204020204" pitchFamily="34" charset="-122"/>
               </a:rPr>
-              <a:t>list_fendlog</a:t>
+              <a:t>list_focus</a:t>
             </a:r>
             <a:endParaRPr lang="zh-CN" altLang="en-US" sz="1600" b="1">
               <a:solidFill>
@@ -10612,24 +7986,24 @@
       </p:sp>
       <p:cxnSp>
         <p:nvCxnSpPr>
-          <p:cNvPr id="106" name="直接箭头连接符 105">
-            <a:extLst>
-              <a:ext uri="{FF2B5EF4-FFF2-40B4-BE49-F238E27FC236}">
-                <a16:creationId xmlns:a16="http://schemas.microsoft.com/office/drawing/2014/main" id="{F420F5B3-5E0E-4FFD-BF5E-0A51999502D9}"/>
+          <p:cNvPr id="28" name="直接箭头连接符 27">
+            <a:extLst>
+              <a:ext uri="{FF2B5EF4-FFF2-40B4-BE49-F238E27FC236}">
+                <a16:creationId xmlns:a16="http://schemas.microsoft.com/office/drawing/2014/main" id="{20E45BF9-2C32-43CC-8825-D9A5DCBC503D}"/>
               </a:ext>
             </a:extLst>
           </p:cNvPr>
           <p:cNvCxnSpPr>
             <a:cxnSpLocks/>
-            <a:stCxn id="116" idx="3"/>
-            <a:endCxn id="105" idx="1"/>
+            <a:stCxn id="43" idx="3"/>
+            <a:endCxn id="27" idx="1"/>
           </p:cNvCxnSpPr>
           <p:nvPr/>
         </p:nvCxnSpPr>
         <p:spPr>
           <a:xfrm flipV="1">
-            <a:off x="3144097" y="4494453"/>
-            <a:ext cx="1423680" cy="1"/>
+            <a:off x="1792379" y="3626355"/>
+            <a:ext cx="2775398" cy="361842"/>
           </a:xfrm>
           <a:prstGeom prst="straightConnector1">
             <a:avLst/>
@@ -10658,24 +8032,24 @@
       </p:cxnSp>
       <p:cxnSp>
         <p:nvCxnSpPr>
-          <p:cNvPr id="107" name="直接箭头连接符 106">
-            <a:extLst>
-              <a:ext uri="{FF2B5EF4-FFF2-40B4-BE49-F238E27FC236}">
-                <a16:creationId xmlns:a16="http://schemas.microsoft.com/office/drawing/2014/main" id="{BABF13E3-5A74-466D-84C5-7DF7FDDE080A}"/>
+          <p:cNvPr id="29" name="直接箭头连接符 28">
+            <a:extLst>
+              <a:ext uri="{FF2B5EF4-FFF2-40B4-BE49-F238E27FC236}">
+                <a16:creationId xmlns:a16="http://schemas.microsoft.com/office/drawing/2014/main" id="{AD423900-E8AF-47AE-8605-1E04A49C6E04}"/>
               </a:ext>
             </a:extLst>
           </p:cNvPr>
           <p:cNvCxnSpPr>
             <a:cxnSpLocks/>
-            <a:stCxn id="108" idx="1"/>
-            <a:endCxn id="105" idx="3"/>
+            <a:stCxn id="30" idx="1"/>
+            <a:endCxn id="27" idx="3"/>
           </p:cNvCxnSpPr>
           <p:nvPr/>
         </p:nvCxnSpPr>
         <p:spPr>
           <a:xfrm flipH="1" flipV="1">
-            <a:off x="6583777" y="4494453"/>
-            <a:ext cx="1672790" cy="565048"/>
+            <a:off x="6583777" y="3626355"/>
+            <a:ext cx="1682440" cy="361842"/>
           </a:xfrm>
           <a:prstGeom prst="straightConnector1">
             <a:avLst/>
@@ -10704,10 +8078,10 @@
       </p:cxnSp>
       <p:sp>
         <p:nvSpPr>
-          <p:cNvPr id="108" name="矩形: 圆角 107">
-            <a:extLst>
-              <a:ext uri="{FF2B5EF4-FFF2-40B4-BE49-F238E27FC236}">
-                <a16:creationId xmlns:a16="http://schemas.microsoft.com/office/drawing/2014/main" id="{2B0F59E7-2CA0-4926-8900-4CD045C651C7}"/>
+          <p:cNvPr id="30" name="矩形: 圆角 29">
+            <a:extLst>
+              <a:ext uri="{FF2B5EF4-FFF2-40B4-BE49-F238E27FC236}">
+                <a16:creationId xmlns:a16="http://schemas.microsoft.com/office/drawing/2014/main" id="{87B66576-A858-4AD0-BBFF-DD48CEEBC239}"/>
               </a:ext>
             </a:extLst>
           </p:cNvPr>
@@ -10716,7 +8090,7 @@
         </p:nvSpPr>
         <p:spPr>
           <a:xfrm>
-            <a:off x="8256567" y="4843501"/>
+            <a:off x="8266217" y="3772197"/>
             <a:ext cx="1728000" cy="432000"/>
           </a:xfrm>
           <a:prstGeom prst="roundRect">
@@ -10762,17 +8136,17 @@
                 <a:latin typeface="微软雅黑" panose="020B0503020204020204" pitchFamily="34" charset="-122"/>
                 <a:ea typeface="微软雅黑" panose="020B0503020204020204" pitchFamily="34" charset="-122"/>
               </a:rPr>
-              <a:t>供养日志表</a:t>
-            </a:r>
-          </a:p>
-        </p:txBody>
-      </p:sp>
-      <p:sp>
-        <p:nvSpPr>
-          <p:cNvPr id="109" name="矩形: 圆角 108">
-            <a:extLst>
-              <a:ext uri="{FF2B5EF4-FFF2-40B4-BE49-F238E27FC236}">
-                <a16:creationId xmlns:a16="http://schemas.microsoft.com/office/drawing/2014/main" id="{25E8F302-AA23-4BF2-B11B-B6E703756E17}"/>
+              <a:t>收藏表</a:t>
+            </a:r>
+          </a:p>
+        </p:txBody>
+      </p:sp>
+      <p:sp>
+        <p:nvSpPr>
+          <p:cNvPr id="43" name="矩形: 圆角 42">
+            <a:extLst>
+              <a:ext uri="{FF2B5EF4-FFF2-40B4-BE49-F238E27FC236}">
+                <a16:creationId xmlns:a16="http://schemas.microsoft.com/office/drawing/2014/main" id="{675AED72-EDE1-4B9E-AAF3-98ACFD8C4FB3}"/>
               </a:ext>
             </a:extLst>
           </p:cNvPr>
@@ -10781,921 +8155,7 @@
         </p:nvSpPr>
         <p:spPr>
           <a:xfrm>
-            <a:off x="4567777" y="5206527"/>
-            <a:ext cx="2016000" cy="648000"/>
-          </a:xfrm>
-          <a:prstGeom prst="roundRect">
-            <a:avLst/>
-          </a:prstGeom>
-          <a:solidFill>
-            <a:srgbClr val="00B050"/>
-          </a:solidFill>
-          <a:ln>
-            <a:solidFill>
-              <a:schemeClr val="tx1"/>
-            </a:solidFill>
-          </a:ln>
-        </p:spPr>
-        <p:style>
-          <a:lnRef idx="2">
-            <a:schemeClr val="accent1">
-              <a:shade val="50000"/>
-            </a:schemeClr>
-          </a:lnRef>
-          <a:fillRef idx="1">
-            <a:schemeClr val="accent1"/>
-          </a:fillRef>
-          <a:effectRef idx="0">
-            <a:schemeClr val="accent1"/>
-          </a:effectRef>
-          <a:fontRef idx="minor">
-            <a:schemeClr val="lt1"/>
-          </a:fontRef>
-        </p:style>
-        <p:txBody>
-          <a:bodyPr wrap="none" lIns="36000" tIns="36000" rIns="36000" bIns="36000" rtlCol="0" anchor="ctr" anchorCtr="0"/>
-          <a:lstStyle/>
-          <a:p>
-            <a:pPr algn="ctr"/>
-            <a:r>
-              <a:rPr lang="zh-CN" altLang="en-US" sz="1600" b="1">
-                <a:solidFill>
-                  <a:schemeClr val="tx1"/>
-                </a:solidFill>
-                <a:latin typeface="微软雅黑" panose="020B0503020204020204" pitchFamily="34" charset="-122"/>
-                <a:ea typeface="微软雅黑" panose="020B0503020204020204" pitchFamily="34" charset="-122"/>
-              </a:rPr>
-              <a:t>查看条件</a:t>
-            </a:r>
-            <a:endParaRPr lang="en-US" altLang="zh-CN" sz="1600" b="1">
-              <a:solidFill>
-                <a:schemeClr val="tx1"/>
-              </a:solidFill>
-              <a:latin typeface="微软雅黑" panose="020B0503020204020204" pitchFamily="34" charset="-122"/>
-              <a:ea typeface="微软雅黑" panose="020B0503020204020204" pitchFamily="34" charset="-122"/>
-            </a:endParaRPr>
-          </a:p>
-          <a:p>
-            <a:pPr algn="ctr"/>
-            <a:r>
-              <a:rPr lang="en-US" altLang="zh-CN" sz="1600" b="1">
-                <a:solidFill>
-                  <a:schemeClr val="tx1"/>
-                </a:solidFill>
-                <a:latin typeface="微软雅黑" panose="020B0503020204020204" pitchFamily="34" charset="-122"/>
-                <a:ea typeface="微软雅黑" panose="020B0503020204020204" pitchFamily="34" charset="-122"/>
-              </a:rPr>
-              <a:t>list_fendlog</a:t>
-            </a:r>
-            <a:endParaRPr lang="zh-CN" altLang="en-US" sz="1600" b="1">
-              <a:solidFill>
-                <a:schemeClr val="tx1"/>
-              </a:solidFill>
-              <a:latin typeface="微软雅黑" panose="020B0503020204020204" pitchFamily="34" charset="-122"/>
-              <a:ea typeface="微软雅黑" panose="020B0503020204020204" pitchFamily="34" charset="-122"/>
-            </a:endParaRPr>
-          </a:p>
-        </p:txBody>
-      </p:sp>
-      <p:cxnSp>
-        <p:nvCxnSpPr>
-          <p:cNvPr id="110" name="直接箭头连接符 109">
-            <a:extLst>
-              <a:ext uri="{FF2B5EF4-FFF2-40B4-BE49-F238E27FC236}">
-                <a16:creationId xmlns:a16="http://schemas.microsoft.com/office/drawing/2014/main" id="{A5D2EA7D-7FF9-491C-B076-70DE16906BA8}"/>
-              </a:ext>
-            </a:extLst>
-          </p:cNvPr>
-          <p:cNvCxnSpPr>
-            <a:cxnSpLocks/>
-            <a:stCxn id="120" idx="3"/>
-            <a:endCxn id="109" idx="1"/>
-          </p:cNvCxnSpPr>
-          <p:nvPr/>
-        </p:nvCxnSpPr>
-        <p:spPr>
-          <a:xfrm>
-            <a:off x="3144097" y="5530527"/>
-            <a:ext cx="1423680" cy="0"/>
-          </a:xfrm>
-          <a:prstGeom prst="straightConnector1">
-            <a:avLst/>
-          </a:prstGeom>
-          <a:ln w="31750">
-            <a:solidFill>
-              <a:schemeClr val="tx1"/>
-            </a:solidFill>
-            <a:tailEnd type="triangle"/>
-          </a:ln>
-        </p:spPr>
-        <p:style>
-          <a:lnRef idx="1">
-            <a:schemeClr val="accent1"/>
-          </a:lnRef>
-          <a:fillRef idx="0">
-            <a:schemeClr val="accent1"/>
-          </a:fillRef>
-          <a:effectRef idx="0">
-            <a:schemeClr val="accent1"/>
-          </a:effectRef>
-          <a:fontRef idx="minor">
-            <a:schemeClr val="tx1"/>
-          </a:fontRef>
-        </p:style>
-      </p:cxnSp>
-      <p:cxnSp>
-        <p:nvCxnSpPr>
-          <p:cNvPr id="111" name="直接箭头连接符 110">
-            <a:extLst>
-              <a:ext uri="{FF2B5EF4-FFF2-40B4-BE49-F238E27FC236}">
-                <a16:creationId xmlns:a16="http://schemas.microsoft.com/office/drawing/2014/main" id="{745C5E4B-8CC8-415F-A644-AACE99342CE7}"/>
-              </a:ext>
-            </a:extLst>
-          </p:cNvPr>
-          <p:cNvCxnSpPr>
-            <a:cxnSpLocks/>
-            <a:stCxn id="108" idx="1"/>
-            <a:endCxn id="109" idx="3"/>
-          </p:cNvCxnSpPr>
-          <p:nvPr/>
-        </p:nvCxnSpPr>
-        <p:spPr>
-          <a:xfrm flipH="1">
-            <a:off x="6583777" y="5059501"/>
-            <a:ext cx="1672790" cy="471026"/>
-          </a:xfrm>
-          <a:prstGeom prst="straightConnector1">
-            <a:avLst/>
-          </a:prstGeom>
-          <a:ln w="57150">
-            <a:solidFill>
-              <a:srgbClr val="FF0000"/>
-            </a:solidFill>
-            <a:tailEnd type="triangle"/>
-          </a:ln>
-        </p:spPr>
-        <p:style>
-          <a:lnRef idx="1">
-            <a:schemeClr val="accent1"/>
-          </a:lnRef>
-          <a:fillRef idx="0">
-            <a:schemeClr val="accent1"/>
-          </a:fillRef>
-          <a:effectRef idx="0">
-            <a:schemeClr val="accent1"/>
-          </a:effectRef>
-          <a:fontRef idx="minor">
-            <a:schemeClr val="tx1"/>
-          </a:fontRef>
-        </p:style>
-      </p:cxnSp>
-      <p:grpSp>
-        <p:nvGrpSpPr>
-          <p:cNvPr id="112" name="组合 111">
-            <a:extLst>
-              <a:ext uri="{FF2B5EF4-FFF2-40B4-BE49-F238E27FC236}">
-                <a16:creationId xmlns:a16="http://schemas.microsoft.com/office/drawing/2014/main" id="{BB9840F6-859D-4087-B055-53A692D18076}"/>
-              </a:ext>
-            </a:extLst>
-          </p:cNvPr>
-          <p:cNvGrpSpPr/>
-          <p:nvPr/>
-        </p:nvGrpSpPr>
-        <p:grpSpPr>
-          <a:xfrm>
-            <a:off x="688869" y="3939603"/>
-            <a:ext cx="2455228" cy="1109701"/>
-            <a:chOff x="698519" y="1336611"/>
-            <a:chExt cx="2455228" cy="1109701"/>
-          </a:xfrm>
-        </p:grpSpPr>
-        <p:sp>
-          <p:nvSpPr>
-            <p:cNvPr id="113" name="矩形: 圆角 112">
-              <a:extLst>
-                <a:ext uri="{FF2B5EF4-FFF2-40B4-BE49-F238E27FC236}">
-                  <a16:creationId xmlns:a16="http://schemas.microsoft.com/office/drawing/2014/main" id="{B78E4409-4E4D-44C6-BC2E-6BC2DA596CCF}"/>
-                </a:ext>
-              </a:extLst>
-            </p:cNvPr>
-            <p:cNvSpPr/>
-            <p:nvPr/>
-          </p:nvSpPr>
-          <p:spPr>
-            <a:xfrm>
-              <a:off x="807142" y="1414209"/>
-              <a:ext cx="1080000" cy="432000"/>
-            </a:xfrm>
-            <a:prstGeom prst="roundRect">
-              <a:avLst/>
-            </a:prstGeom>
-            <a:solidFill>
-              <a:srgbClr val="00B0F0"/>
-            </a:solidFill>
-            <a:ln>
-              <a:solidFill>
-                <a:schemeClr val="tx1"/>
-              </a:solidFill>
-            </a:ln>
-          </p:spPr>
-          <p:style>
-            <a:lnRef idx="2">
-              <a:schemeClr val="accent1">
-                <a:shade val="50000"/>
-              </a:schemeClr>
-            </a:lnRef>
-            <a:fillRef idx="1">
-              <a:schemeClr val="accent1"/>
-            </a:fillRef>
-            <a:effectRef idx="0">
-              <a:schemeClr val="accent1"/>
-            </a:effectRef>
-            <a:fontRef idx="minor">
-              <a:schemeClr val="lt1"/>
-            </a:fontRef>
-          </p:style>
-          <p:txBody>
-            <a:bodyPr wrap="none" lIns="36000" tIns="36000" rIns="36000" bIns="36000" rtlCol="0" anchor="ctr" anchorCtr="0"/>
-            <a:lstStyle/>
-            <a:p>
-              <a:pPr algn="ctr"/>
-              <a:r>
-                <a:rPr lang="zh-CN" altLang="en-US" sz="1600" b="1">
-                  <a:solidFill>
-                    <a:schemeClr val="tx1"/>
-                  </a:solidFill>
-                  <a:latin typeface="微软雅黑" panose="020B0503020204020204" pitchFamily="34" charset="-122"/>
-                  <a:ea typeface="微软雅黑" panose="020B0503020204020204" pitchFamily="34" charset="-122"/>
-                </a:rPr>
-                <a:t>法师</a:t>
-              </a:r>
-            </a:p>
-          </p:txBody>
-        </p:sp>
-        <p:sp>
-          <p:nvSpPr>
-            <p:cNvPr id="114" name="矩形: 圆角 113">
-              <a:extLst>
-                <a:ext uri="{FF2B5EF4-FFF2-40B4-BE49-F238E27FC236}">
-                  <a16:creationId xmlns:a16="http://schemas.microsoft.com/office/drawing/2014/main" id="{AE54A18F-7888-4114-8A0B-B6C38B62F75B}"/>
-                </a:ext>
-              </a:extLst>
-            </p:cNvPr>
-            <p:cNvSpPr/>
-            <p:nvPr/>
-          </p:nvSpPr>
-          <p:spPr>
-            <a:xfrm>
-              <a:off x="1993026" y="1414209"/>
-              <a:ext cx="1080000" cy="432000"/>
-            </a:xfrm>
-            <a:prstGeom prst="roundRect">
-              <a:avLst/>
-            </a:prstGeom>
-            <a:solidFill>
-              <a:srgbClr val="00B0F0"/>
-            </a:solidFill>
-            <a:ln>
-              <a:solidFill>
-                <a:schemeClr val="tx1"/>
-              </a:solidFill>
-            </a:ln>
-          </p:spPr>
-          <p:style>
-            <a:lnRef idx="2">
-              <a:schemeClr val="accent1">
-                <a:shade val="50000"/>
-              </a:schemeClr>
-            </a:lnRef>
-            <a:fillRef idx="1">
-              <a:schemeClr val="accent1"/>
-            </a:fillRef>
-            <a:effectRef idx="0">
-              <a:schemeClr val="accent1"/>
-            </a:effectRef>
-            <a:fontRef idx="minor">
-              <a:schemeClr val="lt1"/>
-            </a:fontRef>
-          </p:style>
-          <p:txBody>
-            <a:bodyPr wrap="none" lIns="36000" tIns="36000" rIns="36000" bIns="36000" rtlCol="0" anchor="ctr" anchorCtr="0"/>
-            <a:lstStyle/>
-            <a:p>
-              <a:pPr algn="ctr"/>
-              <a:r>
-                <a:rPr lang="zh-CN" altLang="en-US" sz="1600" b="1">
-                  <a:solidFill>
-                    <a:schemeClr val="tx1"/>
-                  </a:solidFill>
-                  <a:latin typeface="微软雅黑" panose="020B0503020204020204" pitchFamily="34" charset="-122"/>
-                  <a:ea typeface="微软雅黑" panose="020B0503020204020204" pitchFamily="34" charset="-122"/>
-                </a:rPr>
-                <a:t>寺院</a:t>
-              </a:r>
-            </a:p>
-          </p:txBody>
-        </p:sp>
-        <p:sp>
-          <p:nvSpPr>
-            <p:cNvPr id="115" name="矩形: 圆角 114">
-              <a:extLst>
-                <a:ext uri="{FF2B5EF4-FFF2-40B4-BE49-F238E27FC236}">
-                  <a16:creationId xmlns:a16="http://schemas.microsoft.com/office/drawing/2014/main" id="{28904CD5-CAE7-4D49-8D62-D8169422FE45}"/>
-                </a:ext>
-              </a:extLst>
-            </p:cNvPr>
-            <p:cNvSpPr/>
-            <p:nvPr/>
-          </p:nvSpPr>
-          <p:spPr>
-            <a:xfrm>
-              <a:off x="807142" y="1924988"/>
-              <a:ext cx="1080000" cy="432000"/>
-            </a:xfrm>
-            <a:prstGeom prst="roundRect">
-              <a:avLst/>
-            </a:prstGeom>
-            <a:solidFill>
-              <a:srgbClr val="00B0F0"/>
-            </a:solidFill>
-            <a:ln>
-              <a:solidFill>
-                <a:schemeClr val="tx1"/>
-              </a:solidFill>
-            </a:ln>
-          </p:spPr>
-          <p:style>
-            <a:lnRef idx="2">
-              <a:schemeClr val="accent1">
-                <a:shade val="50000"/>
-              </a:schemeClr>
-            </a:lnRef>
-            <a:fillRef idx="1">
-              <a:schemeClr val="accent1"/>
-            </a:fillRef>
-            <a:effectRef idx="0">
-              <a:schemeClr val="accent1"/>
-            </a:effectRef>
-            <a:fontRef idx="minor">
-              <a:schemeClr val="lt1"/>
-            </a:fontRef>
-          </p:style>
-          <p:txBody>
-            <a:bodyPr wrap="none" lIns="36000" tIns="36000" rIns="36000" bIns="36000" rtlCol="0" anchor="ctr" anchorCtr="0"/>
-            <a:lstStyle/>
-            <a:p>
-              <a:pPr algn="ctr"/>
-              <a:r>
-                <a:rPr lang="zh-CN" altLang="en-US" sz="1600" b="1">
-                  <a:solidFill>
-                    <a:schemeClr val="tx1"/>
-                  </a:solidFill>
-                  <a:latin typeface="微软雅黑" panose="020B0503020204020204" pitchFamily="34" charset="-122"/>
-                  <a:ea typeface="微软雅黑" panose="020B0503020204020204" pitchFamily="34" charset="-122"/>
-                </a:rPr>
-                <a:t>认证用户</a:t>
-              </a:r>
-            </a:p>
-          </p:txBody>
-        </p:sp>
-        <p:sp>
-          <p:nvSpPr>
-            <p:cNvPr id="116" name="矩形: 圆角 115">
-              <a:extLst>
-                <a:ext uri="{FF2B5EF4-FFF2-40B4-BE49-F238E27FC236}">
-                  <a16:creationId xmlns:a16="http://schemas.microsoft.com/office/drawing/2014/main" id="{966D2EA7-B928-4F92-8954-2560D714C01C}"/>
-                </a:ext>
-              </a:extLst>
-            </p:cNvPr>
-            <p:cNvSpPr/>
-            <p:nvPr/>
-          </p:nvSpPr>
-          <p:spPr>
-            <a:xfrm>
-              <a:off x="698519" y="1336611"/>
-              <a:ext cx="2455228" cy="1109701"/>
-            </a:xfrm>
-            <a:prstGeom prst="roundRect">
-              <a:avLst>
-                <a:gd name="adj" fmla="val 5494"/>
-              </a:avLst>
-            </a:prstGeom>
-            <a:noFill/>
-            <a:ln>
-              <a:solidFill>
-                <a:schemeClr val="tx2"/>
-              </a:solidFill>
-              <a:prstDash val="dash"/>
-            </a:ln>
-          </p:spPr>
-          <p:style>
-            <a:lnRef idx="2">
-              <a:schemeClr val="accent1">
-                <a:shade val="50000"/>
-              </a:schemeClr>
-            </a:lnRef>
-            <a:fillRef idx="1">
-              <a:schemeClr val="accent1"/>
-            </a:fillRef>
-            <a:effectRef idx="0">
-              <a:schemeClr val="accent1"/>
-            </a:effectRef>
-            <a:fontRef idx="minor">
-              <a:schemeClr val="lt1"/>
-            </a:fontRef>
-          </p:style>
-          <p:txBody>
-            <a:bodyPr rtlCol="0" anchor="ctr"/>
-            <a:lstStyle/>
-            <a:p>
-              <a:pPr algn="ctr"/>
-              <a:endParaRPr lang="zh-CN" altLang="en-US" sz="1600">
-                <a:latin typeface="微软雅黑" panose="020B0503020204020204" pitchFamily="34" charset="-122"/>
-                <a:ea typeface="微软雅黑" panose="020B0503020204020204" pitchFamily="34" charset="-122"/>
-              </a:endParaRPr>
-            </a:p>
-          </p:txBody>
-        </p:sp>
-      </p:grpSp>
-      <p:grpSp>
-        <p:nvGrpSpPr>
-          <p:cNvPr id="117" name="组合 116">
-            <a:extLst>
-              <a:ext uri="{FF2B5EF4-FFF2-40B4-BE49-F238E27FC236}">
-                <a16:creationId xmlns:a16="http://schemas.microsoft.com/office/drawing/2014/main" id="{6153C657-0A9B-48BC-8888-34098F5FA834}"/>
-              </a:ext>
-            </a:extLst>
-          </p:cNvPr>
-          <p:cNvGrpSpPr/>
-          <p:nvPr/>
-        </p:nvGrpSpPr>
-        <p:grpSpPr>
-          <a:xfrm>
-            <a:off x="688869" y="5238945"/>
-            <a:ext cx="2455228" cy="583164"/>
-            <a:chOff x="838244" y="4426880"/>
-            <a:chExt cx="2455228" cy="583164"/>
-          </a:xfrm>
-        </p:grpSpPr>
-        <p:sp>
-          <p:nvSpPr>
-            <p:cNvPr id="118" name="矩形: 圆角 117">
-              <a:extLst>
-                <a:ext uri="{FF2B5EF4-FFF2-40B4-BE49-F238E27FC236}">
-                  <a16:creationId xmlns:a16="http://schemas.microsoft.com/office/drawing/2014/main" id="{6D57DA89-BD31-40FA-9311-60C493048CAB}"/>
-                </a:ext>
-              </a:extLst>
-            </p:cNvPr>
-            <p:cNvSpPr/>
-            <p:nvPr/>
-          </p:nvSpPr>
-          <p:spPr>
-            <a:xfrm>
-              <a:off x="946867" y="4504477"/>
-              <a:ext cx="1080000" cy="432000"/>
-            </a:xfrm>
-            <a:prstGeom prst="roundRect">
-              <a:avLst/>
-            </a:prstGeom>
-            <a:solidFill>
-              <a:srgbClr val="00B0F0"/>
-            </a:solidFill>
-            <a:ln>
-              <a:solidFill>
-                <a:schemeClr val="tx1"/>
-              </a:solidFill>
-            </a:ln>
-          </p:spPr>
-          <p:style>
-            <a:lnRef idx="2">
-              <a:schemeClr val="accent1">
-                <a:shade val="50000"/>
-              </a:schemeClr>
-            </a:lnRef>
-            <a:fillRef idx="1">
-              <a:schemeClr val="accent1"/>
-            </a:fillRef>
-            <a:effectRef idx="0">
-              <a:schemeClr val="accent1"/>
-            </a:effectRef>
-            <a:fontRef idx="minor">
-              <a:schemeClr val="lt1"/>
-            </a:fontRef>
-          </p:style>
-          <p:txBody>
-            <a:bodyPr wrap="none" lIns="36000" tIns="36000" rIns="36000" bIns="36000" rtlCol="0" anchor="ctr" anchorCtr="0"/>
-            <a:lstStyle/>
-            <a:p>
-              <a:pPr algn="ctr"/>
-              <a:r>
-                <a:rPr lang="zh-CN" altLang="en-US" sz="1600" b="1">
-                  <a:solidFill>
-                    <a:schemeClr val="tx1"/>
-                  </a:solidFill>
-                  <a:latin typeface="微软雅黑" panose="020B0503020204020204" pitchFamily="34" charset="-122"/>
-                  <a:ea typeface="微软雅黑" panose="020B0503020204020204" pitchFamily="34" charset="-122"/>
-                </a:rPr>
-                <a:t>基金会成员</a:t>
-              </a:r>
-            </a:p>
-          </p:txBody>
-        </p:sp>
-        <p:sp>
-          <p:nvSpPr>
-            <p:cNvPr id="119" name="矩形: 圆角 118">
-              <a:extLst>
-                <a:ext uri="{FF2B5EF4-FFF2-40B4-BE49-F238E27FC236}">
-                  <a16:creationId xmlns:a16="http://schemas.microsoft.com/office/drawing/2014/main" id="{3E844B36-1CCB-400F-8D3B-FF3C83E86F3E}"/>
-                </a:ext>
-              </a:extLst>
-            </p:cNvPr>
-            <p:cNvSpPr/>
-            <p:nvPr/>
-          </p:nvSpPr>
-          <p:spPr>
-            <a:xfrm>
-              <a:off x="2132751" y="4504477"/>
-              <a:ext cx="1080000" cy="432000"/>
-            </a:xfrm>
-            <a:prstGeom prst="roundRect">
-              <a:avLst/>
-            </a:prstGeom>
-            <a:solidFill>
-              <a:srgbClr val="00B0F0"/>
-            </a:solidFill>
-            <a:ln>
-              <a:solidFill>
-                <a:schemeClr val="tx1"/>
-              </a:solidFill>
-            </a:ln>
-          </p:spPr>
-          <p:style>
-            <a:lnRef idx="2">
-              <a:schemeClr val="accent1">
-                <a:shade val="50000"/>
-              </a:schemeClr>
-            </a:lnRef>
-            <a:fillRef idx="1">
-              <a:schemeClr val="accent1"/>
-            </a:fillRef>
-            <a:effectRef idx="0">
-              <a:schemeClr val="accent1"/>
-            </a:effectRef>
-            <a:fontRef idx="minor">
-              <a:schemeClr val="lt1"/>
-            </a:fontRef>
-          </p:style>
-          <p:txBody>
-            <a:bodyPr wrap="none" lIns="36000" tIns="36000" rIns="36000" bIns="36000" rtlCol="0" anchor="ctr" anchorCtr="0"/>
-            <a:lstStyle/>
-            <a:p>
-              <a:pPr algn="ctr"/>
-              <a:r>
-                <a:rPr lang="zh-CN" altLang="en-US" sz="1600" b="1">
-                  <a:solidFill>
-                    <a:schemeClr val="tx1"/>
-                  </a:solidFill>
-                  <a:latin typeface="微软雅黑" panose="020B0503020204020204" pitchFamily="34" charset="-122"/>
-                  <a:ea typeface="微软雅黑" panose="020B0503020204020204" pitchFamily="34" charset="-122"/>
-                </a:rPr>
-                <a:t>用户</a:t>
-              </a:r>
-            </a:p>
-          </p:txBody>
-        </p:sp>
-        <p:sp>
-          <p:nvSpPr>
-            <p:cNvPr id="120" name="矩形: 圆角 119">
-              <a:extLst>
-                <a:ext uri="{FF2B5EF4-FFF2-40B4-BE49-F238E27FC236}">
-                  <a16:creationId xmlns:a16="http://schemas.microsoft.com/office/drawing/2014/main" id="{EB5A0420-3620-4DAA-A51A-080CE70B6B4A}"/>
-                </a:ext>
-              </a:extLst>
-            </p:cNvPr>
-            <p:cNvSpPr/>
-            <p:nvPr/>
-          </p:nvSpPr>
-          <p:spPr>
-            <a:xfrm>
-              <a:off x="838244" y="4426880"/>
-              <a:ext cx="2455228" cy="583164"/>
-            </a:xfrm>
-            <a:prstGeom prst="roundRect">
-              <a:avLst>
-                <a:gd name="adj" fmla="val 5494"/>
-              </a:avLst>
-            </a:prstGeom>
-            <a:noFill/>
-            <a:ln>
-              <a:solidFill>
-                <a:schemeClr val="tx2"/>
-              </a:solidFill>
-              <a:prstDash val="dash"/>
-            </a:ln>
-          </p:spPr>
-          <p:style>
-            <a:lnRef idx="2">
-              <a:schemeClr val="accent1">
-                <a:shade val="50000"/>
-              </a:schemeClr>
-            </a:lnRef>
-            <a:fillRef idx="1">
-              <a:schemeClr val="accent1"/>
-            </a:fillRef>
-            <a:effectRef idx="0">
-              <a:schemeClr val="accent1"/>
-            </a:effectRef>
-            <a:fontRef idx="minor">
-              <a:schemeClr val="lt1"/>
-            </a:fontRef>
-          </p:style>
-          <p:txBody>
-            <a:bodyPr rtlCol="0" anchor="ctr"/>
-            <a:lstStyle/>
-            <a:p>
-              <a:pPr algn="ctr"/>
-              <a:endParaRPr lang="zh-CN" altLang="en-US" sz="1600">
-                <a:latin typeface="微软雅黑" panose="020B0503020204020204" pitchFamily="34" charset="-122"/>
-                <a:ea typeface="微软雅黑" panose="020B0503020204020204" pitchFamily="34" charset="-122"/>
-              </a:endParaRPr>
-            </a:p>
-          </p:txBody>
-        </p:sp>
-      </p:grpSp>
-    </p:spTree>
-    <p:extLst>
-      <p:ext uri="{BB962C8B-B14F-4D97-AF65-F5344CB8AC3E}">
-        <p14:creationId xmlns:p14="http://schemas.microsoft.com/office/powerpoint/2010/main" val="2502283077"/>
-      </p:ext>
-    </p:extLst>
-  </p:cSld>
-  <p:clrMapOvr>
-    <a:masterClrMapping/>
-  </p:clrMapOvr>
-</p:sld>
-</file>
-
-<file path=ppt/slides/slide8.xml><?xml version="1.0" encoding="utf-8"?>
-<p:sld xmlns:a="http://schemas.openxmlformats.org/drawingml/2006/main" xmlns:r="http://schemas.openxmlformats.org/officeDocument/2006/relationships" xmlns:p="http://schemas.openxmlformats.org/presentationml/2006/main">
-  <p:cSld>
-    <p:spTree>
-      <p:nvGrpSpPr>
-        <p:cNvPr id="1" name=""/>
-        <p:cNvGrpSpPr/>
-        <p:nvPr/>
-      </p:nvGrpSpPr>
-      <p:grpSpPr>
-        <a:xfrm>
-          <a:off x="0" y="0"/>
-          <a:ext cx="0" cy="0"/>
-          <a:chOff x="0" y="0"/>
-          <a:chExt cx="0" cy="0"/>
-        </a:xfrm>
-      </p:grpSpPr>
-      <p:cxnSp>
-        <p:nvCxnSpPr>
-          <p:cNvPr id="239" name="直接连接符 238">
-            <a:extLst>
-              <a:ext uri="{FF2B5EF4-FFF2-40B4-BE49-F238E27FC236}">
-                <a16:creationId xmlns:a16="http://schemas.microsoft.com/office/drawing/2014/main" id="{05CC9636-A076-48A7-9A94-4E0212BA0C59}"/>
-              </a:ext>
-            </a:extLst>
-          </p:cNvPr>
-          <p:cNvCxnSpPr>
-            <a:cxnSpLocks/>
-          </p:cNvCxnSpPr>
-          <p:nvPr/>
-        </p:nvCxnSpPr>
-        <p:spPr>
-          <a:xfrm flipH="1">
-            <a:off x="433388" y="866051"/>
-            <a:ext cx="11325225" cy="1"/>
-          </a:xfrm>
-          <a:prstGeom prst="line">
-            <a:avLst/>
-          </a:prstGeom>
-          <a:ln w="19050">
-            <a:solidFill>
-              <a:srgbClr val="00576E"/>
-            </a:solidFill>
-          </a:ln>
-          <a:effectLst>
-            <a:outerShdw blurRad="50800" dist="12700" dir="5400000" algn="t" rotWithShape="0">
-              <a:prstClr val="black">
-                <a:alpha val="40000"/>
-              </a:prstClr>
-            </a:outerShdw>
-          </a:effectLst>
-        </p:spPr>
-        <p:style>
-          <a:lnRef idx="2">
-            <a:schemeClr val="accent1"/>
-          </a:lnRef>
-          <a:fillRef idx="0">
-            <a:schemeClr val="accent1"/>
-          </a:fillRef>
-          <a:effectRef idx="1">
-            <a:schemeClr val="accent1"/>
-          </a:effectRef>
-          <a:fontRef idx="minor">
-            <a:schemeClr val="tx1"/>
-          </a:fontRef>
-        </p:style>
-      </p:cxnSp>
-      <p:sp>
-        <p:nvSpPr>
-          <p:cNvPr id="240" name="矩形 239">
-            <a:extLst>
-              <a:ext uri="{FF2B5EF4-FFF2-40B4-BE49-F238E27FC236}">
-                <a16:creationId xmlns:a16="http://schemas.microsoft.com/office/drawing/2014/main" id="{CE6D800A-2E58-40A9-AF4D-2C92406102BA}"/>
-              </a:ext>
-            </a:extLst>
-          </p:cNvPr>
-          <p:cNvSpPr/>
-          <p:nvPr/>
-        </p:nvSpPr>
-        <p:spPr>
-          <a:xfrm>
-            <a:off x="471489" y="209549"/>
-            <a:ext cx="119062" cy="513626"/>
-          </a:xfrm>
-          <a:prstGeom prst="rect">
-            <a:avLst/>
-          </a:prstGeom>
-          <a:solidFill>
-            <a:srgbClr val="00576E"/>
-          </a:solidFill>
-        </p:spPr>
-        <p:style>
-          <a:lnRef idx="2">
-            <a:schemeClr val="accent1">
-              <a:shade val="50000"/>
-            </a:schemeClr>
-          </a:lnRef>
-          <a:fillRef idx="1">
-            <a:schemeClr val="accent1"/>
-          </a:fillRef>
-          <a:effectRef idx="0">
-            <a:schemeClr val="accent1"/>
-          </a:effectRef>
-          <a:fontRef idx="minor">
-            <a:schemeClr val="lt1"/>
-          </a:fontRef>
-        </p:style>
-        <p:txBody>
-          <a:bodyPr rtlCol="0" anchor="ctr"/>
-          <a:lstStyle/>
-          <a:p>
-            <a:pPr algn="ctr"/>
-            <a:endParaRPr lang="zh-CN" altLang="en-US">
-              <a:latin typeface="Consolas" panose="020B0609020204030204" pitchFamily="49" charset="0"/>
-            </a:endParaRPr>
-          </a:p>
-        </p:txBody>
-      </p:sp>
-      <p:sp>
-        <p:nvSpPr>
-          <p:cNvPr id="241" name="文本框 240">
-            <a:extLst>
-              <a:ext uri="{FF2B5EF4-FFF2-40B4-BE49-F238E27FC236}">
-                <a16:creationId xmlns:a16="http://schemas.microsoft.com/office/drawing/2014/main" id="{90ABBAE7-6707-4A6F-819E-32C1CFD4250B}"/>
-              </a:ext>
-            </a:extLst>
-          </p:cNvPr>
-          <p:cNvSpPr txBox="1"/>
-          <p:nvPr/>
-        </p:nvSpPr>
-        <p:spPr>
-          <a:xfrm>
-            <a:off x="712379" y="173975"/>
-            <a:ext cx="1826141" cy="584775"/>
-          </a:xfrm>
-          <a:prstGeom prst="rect">
-            <a:avLst/>
-          </a:prstGeom>
-          <a:noFill/>
-        </p:spPr>
-        <p:txBody>
-          <a:bodyPr wrap="none" rtlCol="0">
-            <a:spAutoFit/>
-          </a:bodyPr>
-          <a:lstStyle/>
-          <a:p>
-            <a:r>
-              <a:rPr lang="zh-CN" altLang="en-US" sz="3200" b="1">
-                <a:latin typeface="Consolas" panose="020B0609020204030204" pitchFamily="49" charset="0"/>
-                <a:ea typeface="微软雅黑" panose="020B0503020204020204" pitchFamily="34" charset="-122"/>
-              </a:rPr>
-              <a:t>创建关注</a:t>
-            </a:r>
-          </a:p>
-        </p:txBody>
-      </p:sp>
-      <p:sp>
-        <p:nvSpPr>
-          <p:cNvPr id="63" name="矩形: 圆角 62">
-            <a:extLst>
-              <a:ext uri="{FF2B5EF4-FFF2-40B4-BE49-F238E27FC236}">
-                <a16:creationId xmlns:a16="http://schemas.microsoft.com/office/drawing/2014/main" id="{A765B5A9-81A9-4DAB-9235-2C88A201A26E}"/>
-              </a:ext>
-            </a:extLst>
-          </p:cNvPr>
-          <p:cNvSpPr/>
-          <p:nvPr/>
-        </p:nvSpPr>
-        <p:spPr>
-          <a:xfrm>
-            <a:off x="4567777" y="1659504"/>
-            <a:ext cx="2016000" cy="648000"/>
-          </a:xfrm>
-          <a:prstGeom prst="roundRect">
-            <a:avLst/>
-          </a:prstGeom>
-          <a:solidFill>
-            <a:srgbClr val="00B050"/>
-          </a:solidFill>
-          <a:ln>
-            <a:solidFill>
-              <a:schemeClr val="tx1"/>
-            </a:solidFill>
-          </a:ln>
-        </p:spPr>
-        <p:style>
-          <a:lnRef idx="2">
-            <a:schemeClr val="accent1">
-              <a:shade val="50000"/>
-            </a:schemeClr>
-          </a:lnRef>
-          <a:fillRef idx="1">
-            <a:schemeClr val="accent1"/>
-          </a:fillRef>
-          <a:effectRef idx="0">
-            <a:schemeClr val="accent1"/>
-          </a:effectRef>
-          <a:fontRef idx="minor">
-            <a:schemeClr val="lt1"/>
-          </a:fontRef>
-        </p:style>
-        <p:txBody>
-          <a:bodyPr wrap="none" lIns="36000" tIns="36000" rIns="36000" bIns="36000" rtlCol="0" anchor="ctr" anchorCtr="0"/>
-          <a:lstStyle/>
-          <a:p>
-            <a:pPr algn="ctr"/>
-            <a:r>
-              <a:rPr lang="zh-CN" altLang="en-US" sz="1600" b="1">
-                <a:solidFill>
-                  <a:schemeClr val="tx1"/>
-                </a:solidFill>
-                <a:latin typeface="微软雅黑" panose="020B0503020204020204" pitchFamily="34" charset="-122"/>
-                <a:ea typeface="微软雅黑" panose="020B0503020204020204" pitchFamily="34" charset="-122"/>
-              </a:rPr>
-              <a:t>创建关注</a:t>
-            </a:r>
-            <a:endParaRPr lang="en-US" altLang="zh-CN" sz="1600" b="1">
-              <a:solidFill>
-                <a:schemeClr val="tx1"/>
-              </a:solidFill>
-              <a:latin typeface="微软雅黑" panose="020B0503020204020204" pitchFamily="34" charset="-122"/>
-              <a:ea typeface="微软雅黑" panose="020B0503020204020204" pitchFamily="34" charset="-122"/>
-            </a:endParaRPr>
-          </a:p>
-          <a:p>
-            <a:pPr algn="ctr"/>
-            <a:r>
-              <a:rPr lang="en-US" altLang="zh-CN" sz="1600" b="1">
-                <a:solidFill>
-                  <a:schemeClr val="tx1"/>
-                </a:solidFill>
-                <a:latin typeface="微软雅黑" panose="020B0503020204020204" pitchFamily="34" charset="-122"/>
-                <a:ea typeface="微软雅黑" panose="020B0503020204020204" pitchFamily="34" charset="-122"/>
-              </a:rPr>
-              <a:t>add_focus</a:t>
-            </a:r>
-            <a:endParaRPr lang="zh-CN" altLang="en-US" sz="1600" b="1">
-              <a:solidFill>
-                <a:schemeClr val="tx1"/>
-              </a:solidFill>
-              <a:latin typeface="微软雅黑" panose="020B0503020204020204" pitchFamily="34" charset="-122"/>
-              <a:ea typeface="微软雅黑" panose="020B0503020204020204" pitchFamily="34" charset="-122"/>
-            </a:endParaRPr>
-          </a:p>
-        </p:txBody>
-      </p:sp>
-      <p:sp>
-        <p:nvSpPr>
-          <p:cNvPr id="72" name="矩形: 圆角 71">
-            <a:extLst>
-              <a:ext uri="{FF2B5EF4-FFF2-40B4-BE49-F238E27FC236}">
-                <a16:creationId xmlns:a16="http://schemas.microsoft.com/office/drawing/2014/main" id="{F090EA04-9B0E-47BE-A954-C335E6B1D1D7}"/>
-              </a:ext>
-            </a:extLst>
-          </p:cNvPr>
-          <p:cNvSpPr/>
-          <p:nvPr/>
-        </p:nvSpPr>
-        <p:spPr>
-          <a:xfrm>
-            <a:off x="714622" y="1767504"/>
+            <a:off x="712379" y="3772197"/>
             <a:ext cx="1080000" cy="432000"/>
           </a:xfrm>
           <a:prstGeom prst="roundRect">
@@ -11744,1310 +8204,6 @@
           </a:p>
         </p:txBody>
       </p:sp>
-      <p:cxnSp>
-        <p:nvCxnSpPr>
-          <p:cNvPr id="74" name="直接箭头连接符 73">
-            <a:extLst>
-              <a:ext uri="{FF2B5EF4-FFF2-40B4-BE49-F238E27FC236}">
-                <a16:creationId xmlns:a16="http://schemas.microsoft.com/office/drawing/2014/main" id="{12BA6710-8A62-4D0A-9BCE-C0D69A76735B}"/>
-              </a:ext>
-            </a:extLst>
-          </p:cNvPr>
-          <p:cNvCxnSpPr>
-            <a:cxnSpLocks/>
-            <a:stCxn id="72" idx="3"/>
-            <a:endCxn id="63" idx="1"/>
-          </p:cNvCxnSpPr>
-          <p:nvPr/>
-        </p:nvCxnSpPr>
-        <p:spPr>
-          <a:xfrm>
-            <a:off x="1794622" y="1983504"/>
-            <a:ext cx="2773155" cy="0"/>
-          </a:xfrm>
-          <a:prstGeom prst="straightConnector1">
-            <a:avLst/>
-          </a:prstGeom>
-          <a:ln w="31750">
-            <a:solidFill>
-              <a:schemeClr val="tx1"/>
-            </a:solidFill>
-            <a:tailEnd type="triangle"/>
-          </a:ln>
-        </p:spPr>
-        <p:style>
-          <a:lnRef idx="1">
-            <a:schemeClr val="accent1"/>
-          </a:lnRef>
-          <a:fillRef idx="0">
-            <a:schemeClr val="accent1"/>
-          </a:fillRef>
-          <a:effectRef idx="0">
-            <a:schemeClr val="accent1"/>
-          </a:effectRef>
-          <a:fontRef idx="minor">
-            <a:schemeClr val="tx1"/>
-          </a:fontRef>
-        </p:style>
-      </p:cxnSp>
-      <p:cxnSp>
-        <p:nvCxnSpPr>
-          <p:cNvPr id="109" name="直接箭头连接符 108">
-            <a:extLst>
-              <a:ext uri="{FF2B5EF4-FFF2-40B4-BE49-F238E27FC236}">
-                <a16:creationId xmlns:a16="http://schemas.microsoft.com/office/drawing/2014/main" id="{1986FB04-0B2C-49B2-97F4-81933FD7C29D}"/>
-              </a:ext>
-            </a:extLst>
-          </p:cNvPr>
-          <p:cNvCxnSpPr>
-            <a:cxnSpLocks/>
-            <a:stCxn id="63" idx="3"/>
-            <a:endCxn id="118" idx="1"/>
-          </p:cNvCxnSpPr>
-          <p:nvPr/>
-        </p:nvCxnSpPr>
-        <p:spPr>
-          <a:xfrm>
-            <a:off x="6583777" y="1983504"/>
-            <a:ext cx="1682440" cy="0"/>
-          </a:xfrm>
-          <a:prstGeom prst="straightConnector1">
-            <a:avLst/>
-          </a:prstGeom>
-          <a:ln w="57150">
-            <a:solidFill>
-              <a:srgbClr val="FFC000"/>
-            </a:solidFill>
-            <a:tailEnd type="triangle"/>
-          </a:ln>
-        </p:spPr>
-        <p:style>
-          <a:lnRef idx="1">
-            <a:schemeClr val="accent1"/>
-          </a:lnRef>
-          <a:fillRef idx="0">
-            <a:schemeClr val="accent1"/>
-          </a:fillRef>
-          <a:effectRef idx="0">
-            <a:schemeClr val="accent1"/>
-          </a:effectRef>
-          <a:fontRef idx="minor">
-            <a:schemeClr val="tx1"/>
-          </a:fontRef>
-        </p:style>
-      </p:cxnSp>
-      <p:sp>
-        <p:nvSpPr>
-          <p:cNvPr id="118" name="矩形: 圆角 117">
-            <a:extLst>
-              <a:ext uri="{FF2B5EF4-FFF2-40B4-BE49-F238E27FC236}">
-                <a16:creationId xmlns:a16="http://schemas.microsoft.com/office/drawing/2014/main" id="{9431B602-ED82-4573-A9F0-FDFCE99889C6}"/>
-              </a:ext>
-            </a:extLst>
-          </p:cNvPr>
-          <p:cNvSpPr/>
-          <p:nvPr/>
-        </p:nvSpPr>
-        <p:spPr>
-          <a:xfrm>
-            <a:off x="8266217" y="1767504"/>
-            <a:ext cx="1728000" cy="432000"/>
-          </a:xfrm>
-          <a:prstGeom prst="roundRect">
-            <a:avLst/>
-          </a:prstGeom>
-          <a:solidFill>
-            <a:schemeClr val="bg1">
-              <a:lumMod val="95000"/>
-            </a:schemeClr>
-          </a:solidFill>
-          <a:ln>
-            <a:solidFill>
-              <a:schemeClr val="tx1"/>
-            </a:solidFill>
-          </a:ln>
-        </p:spPr>
-        <p:style>
-          <a:lnRef idx="2">
-            <a:schemeClr val="accent1">
-              <a:shade val="50000"/>
-            </a:schemeClr>
-          </a:lnRef>
-          <a:fillRef idx="1">
-            <a:schemeClr val="accent1"/>
-          </a:fillRef>
-          <a:effectRef idx="0">
-            <a:schemeClr val="accent1"/>
-          </a:effectRef>
-          <a:fontRef idx="minor">
-            <a:schemeClr val="lt1"/>
-          </a:fontRef>
-        </p:style>
-        <p:txBody>
-          <a:bodyPr wrap="none" lIns="36000" tIns="36000" rIns="36000" bIns="36000" rtlCol="0" anchor="ctr" anchorCtr="0"/>
-          <a:lstStyle/>
-          <a:p>
-            <a:pPr algn="ctr"/>
-            <a:r>
-              <a:rPr lang="zh-CN" altLang="en-US" sz="1600" b="1">
-                <a:solidFill>
-                  <a:schemeClr val="tx1"/>
-                </a:solidFill>
-                <a:latin typeface="微软雅黑" panose="020B0503020204020204" pitchFamily="34" charset="-122"/>
-                <a:ea typeface="微软雅黑" panose="020B0503020204020204" pitchFamily="34" charset="-122"/>
-              </a:rPr>
-              <a:t>关注表</a:t>
-            </a:r>
-          </a:p>
-        </p:txBody>
-      </p:sp>
-      <p:sp>
-        <p:nvSpPr>
-          <p:cNvPr id="23" name="矩形: 圆角 22">
-            <a:extLst>
-              <a:ext uri="{FF2B5EF4-FFF2-40B4-BE49-F238E27FC236}">
-                <a16:creationId xmlns:a16="http://schemas.microsoft.com/office/drawing/2014/main" id="{91F7C30B-B817-4C7F-A17C-A00AF9EC442B}"/>
-              </a:ext>
-            </a:extLst>
-          </p:cNvPr>
-          <p:cNvSpPr/>
-          <p:nvPr/>
-        </p:nvSpPr>
-        <p:spPr>
-          <a:xfrm>
-            <a:off x="4567777" y="5305563"/>
-            <a:ext cx="2016000" cy="648000"/>
-          </a:xfrm>
-          <a:prstGeom prst="roundRect">
-            <a:avLst/>
-          </a:prstGeom>
-          <a:solidFill>
-            <a:srgbClr val="00B050"/>
-          </a:solidFill>
-          <a:ln>
-            <a:solidFill>
-              <a:schemeClr val="tx1"/>
-            </a:solidFill>
-          </a:ln>
-        </p:spPr>
-        <p:style>
-          <a:lnRef idx="2">
-            <a:schemeClr val="accent1">
-              <a:shade val="50000"/>
-            </a:schemeClr>
-          </a:lnRef>
-          <a:fillRef idx="1">
-            <a:schemeClr val="accent1"/>
-          </a:fillRef>
-          <a:effectRef idx="0">
-            <a:schemeClr val="accent1"/>
-          </a:effectRef>
-          <a:fontRef idx="minor">
-            <a:schemeClr val="lt1"/>
-          </a:fontRef>
-        </p:style>
-        <p:txBody>
-          <a:bodyPr wrap="none" lIns="36000" tIns="36000" rIns="36000" bIns="36000" rtlCol="0" anchor="ctr" anchorCtr="0"/>
-          <a:lstStyle/>
-          <a:p>
-            <a:pPr algn="ctr"/>
-            <a:r>
-              <a:rPr lang="zh-CN" altLang="en-US" sz="1600" b="1">
-                <a:solidFill>
-                  <a:schemeClr val="tx1"/>
-                </a:solidFill>
-                <a:latin typeface="微软雅黑" panose="020B0503020204020204" pitchFamily="34" charset="-122"/>
-                <a:ea typeface="微软雅黑" panose="020B0503020204020204" pitchFamily="34" charset="-122"/>
-              </a:rPr>
-              <a:t>查找关注</a:t>
-            </a:r>
-            <a:endParaRPr lang="en-US" altLang="zh-CN" sz="1600" b="1">
-              <a:solidFill>
-                <a:schemeClr val="tx1"/>
-              </a:solidFill>
-              <a:latin typeface="微软雅黑" panose="020B0503020204020204" pitchFamily="34" charset="-122"/>
-              <a:ea typeface="微软雅黑" panose="020B0503020204020204" pitchFamily="34" charset="-122"/>
-            </a:endParaRPr>
-          </a:p>
-          <a:p>
-            <a:pPr algn="ctr"/>
-            <a:r>
-              <a:rPr lang="en-US" altLang="zh-CN" sz="1600" b="1">
-                <a:solidFill>
-                  <a:schemeClr val="tx1"/>
-                </a:solidFill>
-                <a:latin typeface="微软雅黑" panose="020B0503020204020204" pitchFamily="34" charset="-122"/>
-                <a:ea typeface="微软雅黑" panose="020B0503020204020204" pitchFamily="34" charset="-122"/>
-              </a:rPr>
-              <a:t>is_focus</a:t>
-            </a:r>
-            <a:endParaRPr lang="zh-CN" altLang="en-US" sz="1600" b="1">
-              <a:solidFill>
-                <a:schemeClr val="tx1"/>
-              </a:solidFill>
-              <a:latin typeface="微软雅黑" panose="020B0503020204020204" pitchFamily="34" charset="-122"/>
-              <a:ea typeface="微软雅黑" panose="020B0503020204020204" pitchFamily="34" charset="-122"/>
-            </a:endParaRPr>
-          </a:p>
-        </p:txBody>
-      </p:sp>
-      <p:sp>
-        <p:nvSpPr>
-          <p:cNvPr id="24" name="矩形: 圆角 23">
-            <a:extLst>
-              <a:ext uri="{FF2B5EF4-FFF2-40B4-BE49-F238E27FC236}">
-                <a16:creationId xmlns:a16="http://schemas.microsoft.com/office/drawing/2014/main" id="{842ED82F-A1C0-496B-80E3-CE6FDA8EE15B}"/>
-              </a:ext>
-            </a:extLst>
-          </p:cNvPr>
-          <p:cNvSpPr/>
-          <p:nvPr/>
-        </p:nvSpPr>
-        <p:spPr>
-          <a:xfrm>
-            <a:off x="712379" y="5412879"/>
-            <a:ext cx="1080000" cy="432000"/>
-          </a:xfrm>
-          <a:prstGeom prst="roundRect">
-            <a:avLst/>
-          </a:prstGeom>
-          <a:solidFill>
-            <a:srgbClr val="00B0F0"/>
-          </a:solidFill>
-          <a:ln>
-            <a:solidFill>
-              <a:schemeClr val="tx1"/>
-            </a:solidFill>
-          </a:ln>
-        </p:spPr>
-        <p:style>
-          <a:lnRef idx="2">
-            <a:schemeClr val="accent1">
-              <a:shade val="50000"/>
-            </a:schemeClr>
-          </a:lnRef>
-          <a:fillRef idx="1">
-            <a:schemeClr val="accent1"/>
-          </a:fillRef>
-          <a:effectRef idx="0">
-            <a:schemeClr val="accent1"/>
-          </a:effectRef>
-          <a:fontRef idx="minor">
-            <a:schemeClr val="lt1"/>
-          </a:fontRef>
-        </p:style>
-        <p:txBody>
-          <a:bodyPr wrap="none" lIns="36000" tIns="36000" rIns="36000" bIns="36000" rtlCol="0" anchor="ctr" anchorCtr="0"/>
-          <a:lstStyle/>
-          <a:p>
-            <a:pPr algn="ctr"/>
-            <a:r>
-              <a:rPr lang="zh-CN" altLang="en-US" sz="1600" b="1">
-                <a:solidFill>
-                  <a:schemeClr val="tx1"/>
-                </a:solidFill>
-                <a:latin typeface="微软雅黑" panose="020B0503020204020204" pitchFamily="34" charset="-122"/>
-                <a:ea typeface="微软雅黑" panose="020B0503020204020204" pitchFamily="34" charset="-122"/>
-              </a:rPr>
-              <a:t>用户</a:t>
-            </a:r>
-          </a:p>
-        </p:txBody>
-      </p:sp>
-      <p:cxnSp>
-        <p:nvCxnSpPr>
-          <p:cNvPr id="25" name="直接箭头连接符 24">
-            <a:extLst>
-              <a:ext uri="{FF2B5EF4-FFF2-40B4-BE49-F238E27FC236}">
-                <a16:creationId xmlns:a16="http://schemas.microsoft.com/office/drawing/2014/main" id="{188086D4-4461-4F13-B5A8-C3898AF5F5BE}"/>
-              </a:ext>
-            </a:extLst>
-          </p:cNvPr>
-          <p:cNvCxnSpPr>
-            <a:cxnSpLocks/>
-            <a:stCxn id="24" idx="3"/>
-            <a:endCxn id="23" idx="1"/>
-          </p:cNvCxnSpPr>
-          <p:nvPr/>
-        </p:nvCxnSpPr>
-        <p:spPr>
-          <a:xfrm>
-            <a:off x="1792379" y="5628879"/>
-            <a:ext cx="2775398" cy="684"/>
-          </a:xfrm>
-          <a:prstGeom prst="straightConnector1">
-            <a:avLst/>
-          </a:prstGeom>
-          <a:ln w="31750">
-            <a:solidFill>
-              <a:schemeClr val="tx1"/>
-            </a:solidFill>
-            <a:tailEnd type="triangle"/>
-          </a:ln>
-        </p:spPr>
-        <p:style>
-          <a:lnRef idx="1">
-            <a:schemeClr val="accent1"/>
-          </a:lnRef>
-          <a:fillRef idx="0">
-            <a:schemeClr val="accent1"/>
-          </a:fillRef>
-          <a:effectRef idx="0">
-            <a:schemeClr val="accent1"/>
-          </a:effectRef>
-          <a:fontRef idx="minor">
-            <a:schemeClr val="tx1"/>
-          </a:fontRef>
-        </p:style>
-      </p:cxnSp>
-      <p:cxnSp>
-        <p:nvCxnSpPr>
-          <p:cNvPr id="26" name="直接箭头连接符 25">
-            <a:extLst>
-              <a:ext uri="{FF2B5EF4-FFF2-40B4-BE49-F238E27FC236}">
-                <a16:creationId xmlns:a16="http://schemas.microsoft.com/office/drawing/2014/main" id="{EC9A40CE-BE3C-43E8-B3DA-4C0CEB688DB6}"/>
-              </a:ext>
-            </a:extLst>
-          </p:cNvPr>
-          <p:cNvCxnSpPr>
-            <a:cxnSpLocks/>
-            <a:stCxn id="30" idx="1"/>
-            <a:endCxn id="23" idx="3"/>
-          </p:cNvCxnSpPr>
-          <p:nvPr/>
-        </p:nvCxnSpPr>
-        <p:spPr>
-          <a:xfrm flipH="1">
-            <a:off x="6583777" y="4664444"/>
-            <a:ext cx="1682440" cy="965119"/>
-          </a:xfrm>
-          <a:prstGeom prst="straightConnector1">
-            <a:avLst/>
-          </a:prstGeom>
-          <a:ln w="57150">
-            <a:solidFill>
-              <a:srgbClr val="FF0000"/>
-            </a:solidFill>
-            <a:tailEnd type="triangle"/>
-          </a:ln>
-        </p:spPr>
-        <p:style>
-          <a:lnRef idx="1">
-            <a:schemeClr val="accent1"/>
-          </a:lnRef>
-          <a:fillRef idx="0">
-            <a:schemeClr val="accent1"/>
-          </a:fillRef>
-          <a:effectRef idx="0">
-            <a:schemeClr val="accent1"/>
-          </a:effectRef>
-          <a:fontRef idx="minor">
-            <a:schemeClr val="tx1"/>
-          </a:fontRef>
-        </p:style>
-      </p:cxnSp>
-      <p:sp>
-        <p:nvSpPr>
-          <p:cNvPr id="27" name="矩形: 圆角 26">
-            <a:extLst>
-              <a:ext uri="{FF2B5EF4-FFF2-40B4-BE49-F238E27FC236}">
-                <a16:creationId xmlns:a16="http://schemas.microsoft.com/office/drawing/2014/main" id="{C31774CB-8A87-4B97-BABE-266FD607DC7A}"/>
-              </a:ext>
-            </a:extLst>
-          </p:cNvPr>
-          <p:cNvSpPr/>
-          <p:nvPr/>
-        </p:nvSpPr>
-        <p:spPr>
-          <a:xfrm>
-            <a:off x="4567777" y="3302355"/>
-            <a:ext cx="2016000" cy="648000"/>
-          </a:xfrm>
-          <a:prstGeom prst="roundRect">
-            <a:avLst/>
-          </a:prstGeom>
-          <a:solidFill>
-            <a:srgbClr val="00B050"/>
-          </a:solidFill>
-          <a:ln>
-            <a:solidFill>
-              <a:schemeClr val="tx1"/>
-            </a:solidFill>
-          </a:ln>
-        </p:spPr>
-        <p:style>
-          <a:lnRef idx="2">
-            <a:schemeClr val="accent1">
-              <a:shade val="50000"/>
-            </a:schemeClr>
-          </a:lnRef>
-          <a:fillRef idx="1">
-            <a:schemeClr val="accent1"/>
-          </a:fillRef>
-          <a:effectRef idx="0">
-            <a:schemeClr val="accent1"/>
-          </a:effectRef>
-          <a:fontRef idx="minor">
-            <a:schemeClr val="lt1"/>
-          </a:fontRef>
-        </p:style>
-        <p:txBody>
-          <a:bodyPr wrap="none" lIns="36000" tIns="36000" rIns="36000" bIns="36000" rtlCol="0" anchor="ctr" anchorCtr="0"/>
-          <a:lstStyle/>
-          <a:p>
-            <a:pPr algn="ctr"/>
-            <a:r>
-              <a:rPr lang="zh-CN" altLang="en-US" sz="1600" b="1">
-                <a:solidFill>
-                  <a:schemeClr val="tx1"/>
-                </a:solidFill>
-                <a:latin typeface="微软雅黑" panose="020B0503020204020204" pitchFamily="34" charset="-122"/>
-                <a:ea typeface="微软雅黑" panose="020B0503020204020204" pitchFamily="34" charset="-122"/>
-              </a:rPr>
-              <a:t>查看所属</a:t>
-            </a:r>
-            <a:endParaRPr lang="en-US" altLang="zh-CN" sz="1600" b="1">
-              <a:solidFill>
-                <a:schemeClr val="tx1"/>
-              </a:solidFill>
-              <a:latin typeface="微软雅黑" panose="020B0503020204020204" pitchFamily="34" charset="-122"/>
-              <a:ea typeface="微软雅黑" panose="020B0503020204020204" pitchFamily="34" charset="-122"/>
-            </a:endParaRPr>
-          </a:p>
-          <a:p>
-            <a:pPr algn="ctr"/>
-            <a:r>
-              <a:rPr lang="en-US" altLang="zh-CN" sz="1600" b="1">
-                <a:solidFill>
-                  <a:schemeClr val="tx1"/>
-                </a:solidFill>
-                <a:latin typeface="微软雅黑" panose="020B0503020204020204" pitchFamily="34" charset="-122"/>
-                <a:ea typeface="微软雅黑" panose="020B0503020204020204" pitchFamily="34" charset="-122"/>
-              </a:rPr>
-              <a:t>list_focus</a:t>
-            </a:r>
-            <a:endParaRPr lang="zh-CN" altLang="en-US" sz="1600" b="1">
-              <a:solidFill>
-                <a:schemeClr val="tx1"/>
-              </a:solidFill>
-              <a:latin typeface="微软雅黑" panose="020B0503020204020204" pitchFamily="34" charset="-122"/>
-              <a:ea typeface="微软雅黑" panose="020B0503020204020204" pitchFamily="34" charset="-122"/>
-            </a:endParaRPr>
-          </a:p>
-        </p:txBody>
-      </p:sp>
-      <p:cxnSp>
-        <p:nvCxnSpPr>
-          <p:cNvPr id="28" name="直接箭头连接符 27">
-            <a:extLst>
-              <a:ext uri="{FF2B5EF4-FFF2-40B4-BE49-F238E27FC236}">
-                <a16:creationId xmlns:a16="http://schemas.microsoft.com/office/drawing/2014/main" id="{20E45BF9-2C32-43CC-8825-D9A5DCBC503D}"/>
-              </a:ext>
-            </a:extLst>
-          </p:cNvPr>
-          <p:cNvCxnSpPr>
-            <a:cxnSpLocks/>
-            <a:stCxn id="38" idx="3"/>
-            <a:endCxn id="27" idx="1"/>
-          </p:cNvCxnSpPr>
-          <p:nvPr/>
-        </p:nvCxnSpPr>
-        <p:spPr>
-          <a:xfrm flipV="1">
-            <a:off x="3144097" y="3626355"/>
-            <a:ext cx="1423680" cy="1"/>
-          </a:xfrm>
-          <a:prstGeom prst="straightConnector1">
-            <a:avLst/>
-          </a:prstGeom>
-          <a:ln w="31750">
-            <a:solidFill>
-              <a:schemeClr val="tx1"/>
-            </a:solidFill>
-            <a:tailEnd type="triangle"/>
-          </a:ln>
-        </p:spPr>
-        <p:style>
-          <a:lnRef idx="1">
-            <a:schemeClr val="accent1"/>
-          </a:lnRef>
-          <a:fillRef idx="0">
-            <a:schemeClr val="accent1"/>
-          </a:fillRef>
-          <a:effectRef idx="0">
-            <a:schemeClr val="accent1"/>
-          </a:effectRef>
-          <a:fontRef idx="minor">
-            <a:schemeClr val="tx1"/>
-          </a:fontRef>
-        </p:style>
-      </p:cxnSp>
-      <p:cxnSp>
-        <p:nvCxnSpPr>
-          <p:cNvPr id="29" name="直接箭头连接符 28">
-            <a:extLst>
-              <a:ext uri="{FF2B5EF4-FFF2-40B4-BE49-F238E27FC236}">
-                <a16:creationId xmlns:a16="http://schemas.microsoft.com/office/drawing/2014/main" id="{AD423900-E8AF-47AE-8605-1E04A49C6E04}"/>
-              </a:ext>
-            </a:extLst>
-          </p:cNvPr>
-          <p:cNvCxnSpPr>
-            <a:cxnSpLocks/>
-            <a:stCxn id="30" idx="1"/>
-            <a:endCxn id="27" idx="3"/>
-          </p:cNvCxnSpPr>
-          <p:nvPr/>
-        </p:nvCxnSpPr>
-        <p:spPr>
-          <a:xfrm flipH="1" flipV="1">
-            <a:off x="6583777" y="3626355"/>
-            <a:ext cx="1682440" cy="1038089"/>
-          </a:xfrm>
-          <a:prstGeom prst="straightConnector1">
-            <a:avLst/>
-          </a:prstGeom>
-          <a:ln w="57150">
-            <a:solidFill>
-              <a:srgbClr val="FF0000"/>
-            </a:solidFill>
-            <a:tailEnd type="triangle"/>
-          </a:ln>
-        </p:spPr>
-        <p:style>
-          <a:lnRef idx="1">
-            <a:schemeClr val="accent1"/>
-          </a:lnRef>
-          <a:fillRef idx="0">
-            <a:schemeClr val="accent1"/>
-          </a:fillRef>
-          <a:effectRef idx="0">
-            <a:schemeClr val="accent1"/>
-          </a:effectRef>
-          <a:fontRef idx="minor">
-            <a:schemeClr val="tx1"/>
-          </a:fontRef>
-        </p:style>
-      </p:cxnSp>
-      <p:sp>
-        <p:nvSpPr>
-          <p:cNvPr id="30" name="矩形: 圆角 29">
-            <a:extLst>
-              <a:ext uri="{FF2B5EF4-FFF2-40B4-BE49-F238E27FC236}">
-                <a16:creationId xmlns:a16="http://schemas.microsoft.com/office/drawing/2014/main" id="{87B66576-A858-4AD0-BBFF-DD48CEEBC239}"/>
-              </a:ext>
-            </a:extLst>
-          </p:cNvPr>
-          <p:cNvSpPr/>
-          <p:nvPr/>
-        </p:nvSpPr>
-        <p:spPr>
-          <a:xfrm>
-            <a:off x="8266217" y="4448444"/>
-            <a:ext cx="1728000" cy="432000"/>
-          </a:xfrm>
-          <a:prstGeom prst="roundRect">
-            <a:avLst/>
-          </a:prstGeom>
-          <a:solidFill>
-            <a:schemeClr val="bg1">
-              <a:lumMod val="95000"/>
-            </a:schemeClr>
-          </a:solidFill>
-          <a:ln>
-            <a:solidFill>
-              <a:schemeClr val="tx1"/>
-            </a:solidFill>
-          </a:ln>
-        </p:spPr>
-        <p:style>
-          <a:lnRef idx="2">
-            <a:schemeClr val="accent1">
-              <a:shade val="50000"/>
-            </a:schemeClr>
-          </a:lnRef>
-          <a:fillRef idx="1">
-            <a:schemeClr val="accent1"/>
-          </a:fillRef>
-          <a:effectRef idx="0">
-            <a:schemeClr val="accent1"/>
-          </a:effectRef>
-          <a:fontRef idx="minor">
-            <a:schemeClr val="lt1"/>
-          </a:fontRef>
-        </p:style>
-        <p:txBody>
-          <a:bodyPr wrap="none" lIns="36000" tIns="36000" rIns="36000" bIns="36000" rtlCol="0" anchor="ctr" anchorCtr="0"/>
-          <a:lstStyle/>
-          <a:p>
-            <a:pPr algn="ctr"/>
-            <a:r>
-              <a:rPr lang="zh-CN" altLang="en-US" sz="1600" b="1">
-                <a:solidFill>
-                  <a:schemeClr val="tx1"/>
-                </a:solidFill>
-                <a:latin typeface="微软雅黑" panose="020B0503020204020204" pitchFamily="34" charset="-122"/>
-                <a:ea typeface="微软雅黑" panose="020B0503020204020204" pitchFamily="34" charset="-122"/>
-              </a:rPr>
-              <a:t>关注表</a:t>
-            </a:r>
-          </a:p>
-        </p:txBody>
-      </p:sp>
-      <p:sp>
-        <p:nvSpPr>
-          <p:cNvPr id="31" name="矩形: 圆角 30">
-            <a:extLst>
-              <a:ext uri="{FF2B5EF4-FFF2-40B4-BE49-F238E27FC236}">
-                <a16:creationId xmlns:a16="http://schemas.microsoft.com/office/drawing/2014/main" id="{976B17F3-86D5-4405-B845-E2C1EA9B2D3B}"/>
-              </a:ext>
-            </a:extLst>
-          </p:cNvPr>
-          <p:cNvSpPr/>
-          <p:nvPr/>
-        </p:nvSpPr>
-        <p:spPr>
-          <a:xfrm>
-            <a:off x="4567777" y="4338429"/>
-            <a:ext cx="2016000" cy="648000"/>
-          </a:xfrm>
-          <a:prstGeom prst="roundRect">
-            <a:avLst/>
-          </a:prstGeom>
-          <a:solidFill>
-            <a:srgbClr val="00B050"/>
-          </a:solidFill>
-          <a:ln>
-            <a:solidFill>
-              <a:schemeClr val="tx1"/>
-            </a:solidFill>
-          </a:ln>
-        </p:spPr>
-        <p:style>
-          <a:lnRef idx="2">
-            <a:schemeClr val="accent1">
-              <a:shade val="50000"/>
-            </a:schemeClr>
-          </a:lnRef>
-          <a:fillRef idx="1">
-            <a:schemeClr val="accent1"/>
-          </a:fillRef>
-          <a:effectRef idx="0">
-            <a:schemeClr val="accent1"/>
-          </a:effectRef>
-          <a:fontRef idx="minor">
-            <a:schemeClr val="lt1"/>
-          </a:fontRef>
-        </p:style>
-        <p:txBody>
-          <a:bodyPr wrap="none" lIns="36000" tIns="36000" rIns="36000" bIns="36000" rtlCol="0" anchor="ctr" anchorCtr="0"/>
-          <a:lstStyle/>
-          <a:p>
-            <a:pPr algn="ctr"/>
-            <a:r>
-              <a:rPr lang="zh-CN" altLang="en-US" sz="1600" b="1">
-                <a:solidFill>
-                  <a:schemeClr val="tx1"/>
-                </a:solidFill>
-                <a:latin typeface="微软雅黑" panose="020B0503020204020204" pitchFamily="34" charset="-122"/>
-                <a:ea typeface="微软雅黑" panose="020B0503020204020204" pitchFamily="34" charset="-122"/>
-              </a:rPr>
-              <a:t>查看条件</a:t>
-            </a:r>
-            <a:endParaRPr lang="en-US" altLang="zh-CN" sz="1600" b="1">
-              <a:solidFill>
-                <a:schemeClr val="tx1"/>
-              </a:solidFill>
-              <a:latin typeface="微软雅黑" panose="020B0503020204020204" pitchFamily="34" charset="-122"/>
-              <a:ea typeface="微软雅黑" panose="020B0503020204020204" pitchFamily="34" charset="-122"/>
-            </a:endParaRPr>
-          </a:p>
-          <a:p>
-            <a:pPr algn="ctr"/>
-            <a:r>
-              <a:rPr lang="en-US" altLang="zh-CN" sz="1600" b="1">
-                <a:solidFill>
-                  <a:schemeClr val="tx1"/>
-                </a:solidFill>
-                <a:latin typeface="微软雅黑" panose="020B0503020204020204" pitchFamily="34" charset="-122"/>
-                <a:ea typeface="微软雅黑" panose="020B0503020204020204" pitchFamily="34" charset="-122"/>
-              </a:rPr>
-              <a:t>list_focus</a:t>
-            </a:r>
-            <a:endParaRPr lang="zh-CN" altLang="en-US" sz="1600" b="1">
-              <a:solidFill>
-                <a:schemeClr val="tx1"/>
-              </a:solidFill>
-              <a:latin typeface="微软雅黑" panose="020B0503020204020204" pitchFamily="34" charset="-122"/>
-              <a:ea typeface="微软雅黑" panose="020B0503020204020204" pitchFamily="34" charset="-122"/>
-            </a:endParaRPr>
-          </a:p>
-        </p:txBody>
-      </p:sp>
-      <p:cxnSp>
-        <p:nvCxnSpPr>
-          <p:cNvPr id="32" name="直接箭头连接符 31">
-            <a:extLst>
-              <a:ext uri="{FF2B5EF4-FFF2-40B4-BE49-F238E27FC236}">
-                <a16:creationId xmlns:a16="http://schemas.microsoft.com/office/drawing/2014/main" id="{E239C0DA-49E9-407D-825C-021BCC59209B}"/>
-              </a:ext>
-            </a:extLst>
-          </p:cNvPr>
-          <p:cNvCxnSpPr>
-            <a:cxnSpLocks/>
-            <a:stCxn id="42" idx="3"/>
-            <a:endCxn id="31" idx="1"/>
-          </p:cNvCxnSpPr>
-          <p:nvPr/>
-        </p:nvCxnSpPr>
-        <p:spPr>
-          <a:xfrm>
-            <a:off x="3144097" y="4662429"/>
-            <a:ext cx="1423680" cy="0"/>
-          </a:xfrm>
-          <a:prstGeom prst="straightConnector1">
-            <a:avLst/>
-          </a:prstGeom>
-          <a:ln w="31750">
-            <a:solidFill>
-              <a:schemeClr val="tx1"/>
-            </a:solidFill>
-            <a:tailEnd type="triangle"/>
-          </a:ln>
-        </p:spPr>
-        <p:style>
-          <a:lnRef idx="1">
-            <a:schemeClr val="accent1"/>
-          </a:lnRef>
-          <a:fillRef idx="0">
-            <a:schemeClr val="accent1"/>
-          </a:fillRef>
-          <a:effectRef idx="0">
-            <a:schemeClr val="accent1"/>
-          </a:effectRef>
-          <a:fontRef idx="minor">
-            <a:schemeClr val="tx1"/>
-          </a:fontRef>
-        </p:style>
-      </p:cxnSp>
-      <p:cxnSp>
-        <p:nvCxnSpPr>
-          <p:cNvPr id="33" name="直接箭头连接符 32">
-            <a:extLst>
-              <a:ext uri="{FF2B5EF4-FFF2-40B4-BE49-F238E27FC236}">
-                <a16:creationId xmlns:a16="http://schemas.microsoft.com/office/drawing/2014/main" id="{D7AA536E-55EF-40C3-83B7-07E589C20AEE}"/>
-              </a:ext>
-            </a:extLst>
-          </p:cNvPr>
-          <p:cNvCxnSpPr>
-            <a:cxnSpLocks/>
-            <a:stCxn id="30" idx="1"/>
-            <a:endCxn id="31" idx="3"/>
-          </p:cNvCxnSpPr>
-          <p:nvPr/>
-        </p:nvCxnSpPr>
-        <p:spPr>
-          <a:xfrm flipH="1" flipV="1">
-            <a:off x="6583777" y="4662429"/>
-            <a:ext cx="1682440" cy="2015"/>
-          </a:xfrm>
-          <a:prstGeom prst="straightConnector1">
-            <a:avLst/>
-          </a:prstGeom>
-          <a:ln w="57150">
-            <a:solidFill>
-              <a:srgbClr val="FF0000"/>
-            </a:solidFill>
-            <a:tailEnd type="triangle"/>
-          </a:ln>
-        </p:spPr>
-        <p:style>
-          <a:lnRef idx="1">
-            <a:schemeClr val="accent1"/>
-          </a:lnRef>
-          <a:fillRef idx="0">
-            <a:schemeClr val="accent1"/>
-          </a:fillRef>
-          <a:effectRef idx="0">
-            <a:schemeClr val="accent1"/>
-          </a:effectRef>
-          <a:fontRef idx="minor">
-            <a:schemeClr val="tx1"/>
-          </a:fontRef>
-        </p:style>
-      </p:cxnSp>
-      <p:grpSp>
-        <p:nvGrpSpPr>
-          <p:cNvPr id="34" name="组合 33">
-            <a:extLst>
-              <a:ext uri="{FF2B5EF4-FFF2-40B4-BE49-F238E27FC236}">
-                <a16:creationId xmlns:a16="http://schemas.microsoft.com/office/drawing/2014/main" id="{2A6C3942-E414-4332-83B0-28C40B92B0D3}"/>
-              </a:ext>
-            </a:extLst>
-          </p:cNvPr>
-          <p:cNvGrpSpPr/>
-          <p:nvPr/>
-        </p:nvGrpSpPr>
-        <p:grpSpPr>
-          <a:xfrm>
-            <a:off x="688869" y="3071505"/>
-            <a:ext cx="2455228" cy="1109701"/>
-            <a:chOff x="698519" y="1336611"/>
-            <a:chExt cx="2455228" cy="1109701"/>
-          </a:xfrm>
-        </p:grpSpPr>
-        <p:sp>
-          <p:nvSpPr>
-            <p:cNvPr id="35" name="矩形: 圆角 34">
-              <a:extLst>
-                <a:ext uri="{FF2B5EF4-FFF2-40B4-BE49-F238E27FC236}">
-                  <a16:creationId xmlns:a16="http://schemas.microsoft.com/office/drawing/2014/main" id="{391657B9-544E-441C-AF1F-8A18CBE4C7BE}"/>
-                </a:ext>
-              </a:extLst>
-            </p:cNvPr>
-            <p:cNvSpPr/>
-            <p:nvPr/>
-          </p:nvSpPr>
-          <p:spPr>
-            <a:xfrm>
-              <a:off x="807142" y="1414209"/>
-              <a:ext cx="1080000" cy="432000"/>
-            </a:xfrm>
-            <a:prstGeom prst="roundRect">
-              <a:avLst/>
-            </a:prstGeom>
-            <a:solidFill>
-              <a:srgbClr val="00B0F0"/>
-            </a:solidFill>
-            <a:ln>
-              <a:solidFill>
-                <a:schemeClr val="tx1"/>
-              </a:solidFill>
-            </a:ln>
-          </p:spPr>
-          <p:style>
-            <a:lnRef idx="2">
-              <a:schemeClr val="accent1">
-                <a:shade val="50000"/>
-              </a:schemeClr>
-            </a:lnRef>
-            <a:fillRef idx="1">
-              <a:schemeClr val="accent1"/>
-            </a:fillRef>
-            <a:effectRef idx="0">
-              <a:schemeClr val="accent1"/>
-            </a:effectRef>
-            <a:fontRef idx="minor">
-              <a:schemeClr val="lt1"/>
-            </a:fontRef>
-          </p:style>
-          <p:txBody>
-            <a:bodyPr wrap="none" lIns="36000" tIns="36000" rIns="36000" bIns="36000" rtlCol="0" anchor="ctr" anchorCtr="0"/>
-            <a:lstStyle/>
-            <a:p>
-              <a:pPr algn="ctr"/>
-              <a:r>
-                <a:rPr lang="zh-CN" altLang="en-US" sz="1600" b="1">
-                  <a:solidFill>
-                    <a:schemeClr val="tx1"/>
-                  </a:solidFill>
-                  <a:latin typeface="微软雅黑" panose="020B0503020204020204" pitchFamily="34" charset="-122"/>
-                  <a:ea typeface="微软雅黑" panose="020B0503020204020204" pitchFamily="34" charset="-122"/>
-                </a:rPr>
-                <a:t>法师</a:t>
-              </a:r>
-            </a:p>
-          </p:txBody>
-        </p:sp>
-        <p:sp>
-          <p:nvSpPr>
-            <p:cNvPr id="36" name="矩形: 圆角 35">
-              <a:extLst>
-                <a:ext uri="{FF2B5EF4-FFF2-40B4-BE49-F238E27FC236}">
-                  <a16:creationId xmlns:a16="http://schemas.microsoft.com/office/drawing/2014/main" id="{F56997CF-F7E9-467A-9751-FBFAAF6C4CC4}"/>
-                </a:ext>
-              </a:extLst>
-            </p:cNvPr>
-            <p:cNvSpPr/>
-            <p:nvPr/>
-          </p:nvSpPr>
-          <p:spPr>
-            <a:xfrm>
-              <a:off x="1993026" y="1414209"/>
-              <a:ext cx="1080000" cy="432000"/>
-            </a:xfrm>
-            <a:prstGeom prst="roundRect">
-              <a:avLst/>
-            </a:prstGeom>
-            <a:solidFill>
-              <a:srgbClr val="00B0F0"/>
-            </a:solidFill>
-            <a:ln>
-              <a:solidFill>
-                <a:schemeClr val="tx1"/>
-              </a:solidFill>
-            </a:ln>
-          </p:spPr>
-          <p:style>
-            <a:lnRef idx="2">
-              <a:schemeClr val="accent1">
-                <a:shade val="50000"/>
-              </a:schemeClr>
-            </a:lnRef>
-            <a:fillRef idx="1">
-              <a:schemeClr val="accent1"/>
-            </a:fillRef>
-            <a:effectRef idx="0">
-              <a:schemeClr val="accent1"/>
-            </a:effectRef>
-            <a:fontRef idx="minor">
-              <a:schemeClr val="lt1"/>
-            </a:fontRef>
-          </p:style>
-          <p:txBody>
-            <a:bodyPr wrap="none" lIns="36000" tIns="36000" rIns="36000" bIns="36000" rtlCol="0" anchor="ctr" anchorCtr="0"/>
-            <a:lstStyle/>
-            <a:p>
-              <a:pPr algn="ctr"/>
-              <a:r>
-                <a:rPr lang="zh-CN" altLang="en-US" sz="1600" b="1">
-                  <a:solidFill>
-                    <a:schemeClr val="tx1"/>
-                  </a:solidFill>
-                  <a:latin typeface="微软雅黑" panose="020B0503020204020204" pitchFamily="34" charset="-122"/>
-                  <a:ea typeface="微软雅黑" panose="020B0503020204020204" pitchFamily="34" charset="-122"/>
-                </a:rPr>
-                <a:t>寺院</a:t>
-              </a:r>
-            </a:p>
-          </p:txBody>
-        </p:sp>
-        <p:sp>
-          <p:nvSpPr>
-            <p:cNvPr id="37" name="矩形: 圆角 36">
-              <a:extLst>
-                <a:ext uri="{FF2B5EF4-FFF2-40B4-BE49-F238E27FC236}">
-                  <a16:creationId xmlns:a16="http://schemas.microsoft.com/office/drawing/2014/main" id="{A11CBC89-3D89-49CD-95F7-774E5ADF5778}"/>
-                </a:ext>
-              </a:extLst>
-            </p:cNvPr>
-            <p:cNvSpPr/>
-            <p:nvPr/>
-          </p:nvSpPr>
-          <p:spPr>
-            <a:xfrm>
-              <a:off x="807142" y="1924988"/>
-              <a:ext cx="1080000" cy="432000"/>
-            </a:xfrm>
-            <a:prstGeom prst="roundRect">
-              <a:avLst/>
-            </a:prstGeom>
-            <a:solidFill>
-              <a:srgbClr val="00B0F0"/>
-            </a:solidFill>
-            <a:ln>
-              <a:solidFill>
-                <a:schemeClr val="tx1"/>
-              </a:solidFill>
-            </a:ln>
-          </p:spPr>
-          <p:style>
-            <a:lnRef idx="2">
-              <a:schemeClr val="accent1">
-                <a:shade val="50000"/>
-              </a:schemeClr>
-            </a:lnRef>
-            <a:fillRef idx="1">
-              <a:schemeClr val="accent1"/>
-            </a:fillRef>
-            <a:effectRef idx="0">
-              <a:schemeClr val="accent1"/>
-            </a:effectRef>
-            <a:fontRef idx="minor">
-              <a:schemeClr val="lt1"/>
-            </a:fontRef>
-          </p:style>
-          <p:txBody>
-            <a:bodyPr wrap="none" lIns="36000" tIns="36000" rIns="36000" bIns="36000" rtlCol="0" anchor="ctr" anchorCtr="0"/>
-            <a:lstStyle/>
-            <a:p>
-              <a:pPr algn="ctr"/>
-              <a:r>
-                <a:rPr lang="zh-CN" altLang="en-US" sz="1600" b="1">
-                  <a:solidFill>
-                    <a:schemeClr val="tx1"/>
-                  </a:solidFill>
-                  <a:latin typeface="微软雅黑" panose="020B0503020204020204" pitchFamily="34" charset="-122"/>
-                  <a:ea typeface="微软雅黑" panose="020B0503020204020204" pitchFamily="34" charset="-122"/>
-                </a:rPr>
-                <a:t>认证用户</a:t>
-              </a:r>
-            </a:p>
-          </p:txBody>
-        </p:sp>
-        <p:sp>
-          <p:nvSpPr>
-            <p:cNvPr id="38" name="矩形: 圆角 37">
-              <a:extLst>
-                <a:ext uri="{FF2B5EF4-FFF2-40B4-BE49-F238E27FC236}">
-                  <a16:creationId xmlns:a16="http://schemas.microsoft.com/office/drawing/2014/main" id="{6BD4F734-F896-4006-BC46-85662CBD3E32}"/>
-                </a:ext>
-              </a:extLst>
-            </p:cNvPr>
-            <p:cNvSpPr/>
-            <p:nvPr/>
-          </p:nvSpPr>
-          <p:spPr>
-            <a:xfrm>
-              <a:off x="698519" y="1336611"/>
-              <a:ext cx="2455228" cy="1109701"/>
-            </a:xfrm>
-            <a:prstGeom prst="roundRect">
-              <a:avLst>
-                <a:gd name="adj" fmla="val 5494"/>
-              </a:avLst>
-            </a:prstGeom>
-            <a:noFill/>
-            <a:ln>
-              <a:solidFill>
-                <a:schemeClr val="tx2"/>
-              </a:solidFill>
-              <a:prstDash val="dash"/>
-            </a:ln>
-          </p:spPr>
-          <p:style>
-            <a:lnRef idx="2">
-              <a:schemeClr val="accent1">
-                <a:shade val="50000"/>
-              </a:schemeClr>
-            </a:lnRef>
-            <a:fillRef idx="1">
-              <a:schemeClr val="accent1"/>
-            </a:fillRef>
-            <a:effectRef idx="0">
-              <a:schemeClr val="accent1"/>
-            </a:effectRef>
-            <a:fontRef idx="minor">
-              <a:schemeClr val="lt1"/>
-            </a:fontRef>
-          </p:style>
-          <p:txBody>
-            <a:bodyPr rtlCol="0" anchor="ctr"/>
-            <a:lstStyle/>
-            <a:p>
-              <a:pPr algn="ctr"/>
-              <a:endParaRPr lang="zh-CN" altLang="en-US" sz="1600">
-                <a:latin typeface="微软雅黑" panose="020B0503020204020204" pitchFamily="34" charset="-122"/>
-                <a:ea typeface="微软雅黑" panose="020B0503020204020204" pitchFamily="34" charset="-122"/>
-              </a:endParaRPr>
-            </a:p>
-          </p:txBody>
-        </p:sp>
-      </p:grpSp>
-      <p:grpSp>
-        <p:nvGrpSpPr>
-          <p:cNvPr id="39" name="组合 38">
-            <a:extLst>
-              <a:ext uri="{FF2B5EF4-FFF2-40B4-BE49-F238E27FC236}">
-                <a16:creationId xmlns:a16="http://schemas.microsoft.com/office/drawing/2014/main" id="{D1E7135A-1B59-4F75-984E-B32D82CE2F7B}"/>
-              </a:ext>
-            </a:extLst>
-          </p:cNvPr>
-          <p:cNvGrpSpPr/>
-          <p:nvPr/>
-        </p:nvGrpSpPr>
-        <p:grpSpPr>
-          <a:xfrm>
-            <a:off x="688869" y="4370847"/>
-            <a:ext cx="2455228" cy="583164"/>
-            <a:chOff x="838244" y="4426880"/>
-            <a:chExt cx="2455228" cy="583164"/>
-          </a:xfrm>
-        </p:grpSpPr>
-        <p:sp>
-          <p:nvSpPr>
-            <p:cNvPr id="40" name="矩形: 圆角 39">
-              <a:extLst>
-                <a:ext uri="{FF2B5EF4-FFF2-40B4-BE49-F238E27FC236}">
-                  <a16:creationId xmlns:a16="http://schemas.microsoft.com/office/drawing/2014/main" id="{A8D0C3AB-E202-43E4-BEAF-4BEECC661173}"/>
-                </a:ext>
-              </a:extLst>
-            </p:cNvPr>
-            <p:cNvSpPr/>
-            <p:nvPr/>
-          </p:nvSpPr>
-          <p:spPr>
-            <a:xfrm>
-              <a:off x="946867" y="4504477"/>
-              <a:ext cx="1080000" cy="432000"/>
-            </a:xfrm>
-            <a:prstGeom prst="roundRect">
-              <a:avLst/>
-            </a:prstGeom>
-            <a:solidFill>
-              <a:srgbClr val="00B0F0"/>
-            </a:solidFill>
-            <a:ln>
-              <a:solidFill>
-                <a:schemeClr val="tx1"/>
-              </a:solidFill>
-            </a:ln>
-          </p:spPr>
-          <p:style>
-            <a:lnRef idx="2">
-              <a:schemeClr val="accent1">
-                <a:shade val="50000"/>
-              </a:schemeClr>
-            </a:lnRef>
-            <a:fillRef idx="1">
-              <a:schemeClr val="accent1"/>
-            </a:fillRef>
-            <a:effectRef idx="0">
-              <a:schemeClr val="accent1"/>
-            </a:effectRef>
-            <a:fontRef idx="minor">
-              <a:schemeClr val="lt1"/>
-            </a:fontRef>
-          </p:style>
-          <p:txBody>
-            <a:bodyPr wrap="none" lIns="36000" tIns="36000" rIns="36000" bIns="36000" rtlCol="0" anchor="ctr" anchorCtr="0"/>
-            <a:lstStyle/>
-            <a:p>
-              <a:pPr algn="ctr"/>
-              <a:r>
-                <a:rPr lang="zh-CN" altLang="en-US" sz="1600" b="1">
-                  <a:solidFill>
-                    <a:schemeClr val="tx1"/>
-                  </a:solidFill>
-                  <a:latin typeface="微软雅黑" panose="020B0503020204020204" pitchFamily="34" charset="-122"/>
-                  <a:ea typeface="微软雅黑" panose="020B0503020204020204" pitchFamily="34" charset="-122"/>
-                </a:rPr>
-                <a:t>基金会成员</a:t>
-              </a:r>
-            </a:p>
-          </p:txBody>
-        </p:sp>
-        <p:sp>
-          <p:nvSpPr>
-            <p:cNvPr id="41" name="矩形: 圆角 40">
-              <a:extLst>
-                <a:ext uri="{FF2B5EF4-FFF2-40B4-BE49-F238E27FC236}">
-                  <a16:creationId xmlns:a16="http://schemas.microsoft.com/office/drawing/2014/main" id="{12CF0FD2-3CB4-4EED-B0B3-D0462E69AC74}"/>
-                </a:ext>
-              </a:extLst>
-            </p:cNvPr>
-            <p:cNvSpPr/>
-            <p:nvPr/>
-          </p:nvSpPr>
-          <p:spPr>
-            <a:xfrm>
-              <a:off x="2132751" y="4504477"/>
-              <a:ext cx="1080000" cy="432000"/>
-            </a:xfrm>
-            <a:prstGeom prst="roundRect">
-              <a:avLst/>
-            </a:prstGeom>
-            <a:solidFill>
-              <a:srgbClr val="00B0F0"/>
-            </a:solidFill>
-            <a:ln>
-              <a:solidFill>
-                <a:schemeClr val="tx1"/>
-              </a:solidFill>
-            </a:ln>
-          </p:spPr>
-          <p:style>
-            <a:lnRef idx="2">
-              <a:schemeClr val="accent1">
-                <a:shade val="50000"/>
-              </a:schemeClr>
-            </a:lnRef>
-            <a:fillRef idx="1">
-              <a:schemeClr val="accent1"/>
-            </a:fillRef>
-            <a:effectRef idx="0">
-              <a:schemeClr val="accent1"/>
-            </a:effectRef>
-            <a:fontRef idx="minor">
-              <a:schemeClr val="lt1"/>
-            </a:fontRef>
-          </p:style>
-          <p:txBody>
-            <a:bodyPr wrap="none" lIns="36000" tIns="36000" rIns="36000" bIns="36000" rtlCol="0" anchor="ctr" anchorCtr="0"/>
-            <a:lstStyle/>
-            <a:p>
-              <a:pPr algn="ctr"/>
-              <a:r>
-                <a:rPr lang="zh-CN" altLang="en-US" sz="1600" b="1">
-                  <a:solidFill>
-                    <a:schemeClr val="tx1"/>
-                  </a:solidFill>
-                  <a:latin typeface="微软雅黑" panose="020B0503020204020204" pitchFamily="34" charset="-122"/>
-                  <a:ea typeface="微软雅黑" panose="020B0503020204020204" pitchFamily="34" charset="-122"/>
-                </a:rPr>
-                <a:t>用户</a:t>
-              </a:r>
-            </a:p>
-          </p:txBody>
-        </p:sp>
-        <p:sp>
-          <p:nvSpPr>
-            <p:cNvPr id="42" name="矩形: 圆角 41">
-              <a:extLst>
-                <a:ext uri="{FF2B5EF4-FFF2-40B4-BE49-F238E27FC236}">
-                  <a16:creationId xmlns:a16="http://schemas.microsoft.com/office/drawing/2014/main" id="{6FE77B23-27BB-4BBA-B48C-03F739051E32}"/>
-                </a:ext>
-              </a:extLst>
-            </p:cNvPr>
-            <p:cNvSpPr/>
-            <p:nvPr/>
-          </p:nvSpPr>
-          <p:spPr>
-            <a:xfrm>
-              <a:off x="838244" y="4426880"/>
-              <a:ext cx="2455228" cy="583164"/>
-            </a:xfrm>
-            <a:prstGeom prst="roundRect">
-              <a:avLst>
-                <a:gd name="adj" fmla="val 5494"/>
-              </a:avLst>
-            </a:prstGeom>
-            <a:noFill/>
-            <a:ln>
-              <a:solidFill>
-                <a:schemeClr val="tx2"/>
-              </a:solidFill>
-              <a:prstDash val="dash"/>
-            </a:ln>
-          </p:spPr>
-          <p:style>
-            <a:lnRef idx="2">
-              <a:schemeClr val="accent1">
-                <a:shade val="50000"/>
-              </a:schemeClr>
-            </a:lnRef>
-            <a:fillRef idx="1">
-              <a:schemeClr val="accent1"/>
-            </a:fillRef>
-            <a:effectRef idx="0">
-              <a:schemeClr val="accent1"/>
-            </a:effectRef>
-            <a:fontRef idx="minor">
-              <a:schemeClr val="lt1"/>
-            </a:fontRef>
-          </p:style>
-          <p:txBody>
-            <a:bodyPr rtlCol="0" anchor="ctr"/>
-            <a:lstStyle/>
-            <a:p>
-              <a:pPr algn="ctr"/>
-              <a:endParaRPr lang="zh-CN" altLang="en-US" sz="1600">
-                <a:latin typeface="微软雅黑" panose="020B0503020204020204" pitchFamily="34" charset="-122"/>
-                <a:ea typeface="微软雅黑" panose="020B0503020204020204" pitchFamily="34" charset="-122"/>
-              </a:endParaRPr>
-            </a:p>
-          </p:txBody>
-        </p:sp>
-      </p:grpSp>
     </p:spTree>
     <p:extLst>
       <p:ext uri="{BB962C8B-B14F-4D97-AF65-F5344CB8AC3E}">

--- a/doc/06.藏书阁.pptx
+++ b/doc/06.藏书阁.pptx
@@ -9,9 +9,11 @@
     <p:sldId id="289" r:id="rId3"/>
     <p:sldId id="290" r:id="rId4"/>
     <p:sldId id="291" r:id="rId5"/>
-    <p:sldId id="277" r:id="rId6"/>
-    <p:sldId id="283" r:id="rId7"/>
-    <p:sldId id="292" r:id="rId8"/>
+    <p:sldId id="280" r:id="rId6"/>
+    <p:sldId id="277" r:id="rId7"/>
+    <p:sldId id="283" r:id="rId8"/>
+    <p:sldId id="292" r:id="rId9"/>
+    <p:sldId id="276" r:id="rId10"/>
   </p:sldIdLst>
   <p:sldSz cx="12192000" cy="6858000"/>
   <p:notesSz cx="6858000" cy="9144000"/>
@@ -5701,7 +5703,7 @@
         </p:nvCxnSpPr>
         <p:spPr>
           <a:xfrm flipH="1">
-            <a:off x="433388" y="866051"/>
+            <a:off x="433388" y="1006728"/>
             <a:ext cx="11325225" cy="1"/>
           </a:xfrm>
           <a:prstGeom prst="line">
@@ -5801,7 +5803,7 @@
         <p:spPr>
           <a:xfrm>
             <a:off x="712379" y="173975"/>
-            <a:ext cx="1826141" cy="584775"/>
+            <a:ext cx="1005403" cy="584775"/>
           </a:xfrm>
           <a:prstGeom prst="rect">
             <a:avLst/>
@@ -5819,17 +5821,17 @@
                 <a:latin typeface="Consolas" panose="020B0609020204030204" pitchFamily="49" charset="0"/>
                 <a:ea typeface="微软雅黑" panose="020B0503020204020204" pitchFamily="34" charset="-122"/>
               </a:rPr>
-              <a:t>创建作者</a:t>
-            </a:r>
-          </a:p>
-        </p:txBody>
-      </p:sp>
-      <p:sp>
-        <p:nvSpPr>
-          <p:cNvPr id="63" name="矩形: 圆角 62">
-            <a:extLst>
-              <a:ext uri="{FF2B5EF4-FFF2-40B4-BE49-F238E27FC236}">
-                <a16:creationId xmlns:a16="http://schemas.microsoft.com/office/drawing/2014/main" id="{A765B5A9-81A9-4DAB-9235-2C88A201A26E}"/>
+              <a:t>点评</a:t>
+            </a:r>
+          </a:p>
+        </p:txBody>
+      </p:sp>
+      <p:sp>
+        <p:nvSpPr>
+          <p:cNvPr id="7" name="矩形: 圆角 6">
+            <a:extLst>
+              <a:ext uri="{FF2B5EF4-FFF2-40B4-BE49-F238E27FC236}">
+                <a16:creationId xmlns:a16="http://schemas.microsoft.com/office/drawing/2014/main" id="{71721447-8D80-4D14-A7F6-747730FA491B}"/>
               </a:ext>
             </a:extLst>
           </p:cNvPr>
@@ -5838,190 +5840,8 @@
         </p:nvSpPr>
         <p:spPr>
           <a:xfrm>
-            <a:off x="4577427" y="1567461"/>
-            <a:ext cx="2016000" cy="648000"/>
-          </a:xfrm>
-          <a:prstGeom prst="roundRect">
-            <a:avLst/>
-          </a:prstGeom>
-          <a:solidFill>
-            <a:srgbClr val="00B050"/>
-          </a:solidFill>
-          <a:ln>
-            <a:solidFill>
-              <a:schemeClr val="tx1"/>
-            </a:solidFill>
-          </a:ln>
-        </p:spPr>
-        <p:style>
-          <a:lnRef idx="2">
-            <a:schemeClr val="accent1">
-              <a:shade val="50000"/>
-            </a:schemeClr>
-          </a:lnRef>
-          <a:fillRef idx="1">
-            <a:schemeClr val="accent1"/>
-          </a:fillRef>
-          <a:effectRef idx="0">
-            <a:schemeClr val="accent1"/>
-          </a:effectRef>
-          <a:fontRef idx="minor">
-            <a:schemeClr val="lt1"/>
-          </a:fontRef>
-        </p:style>
-        <p:txBody>
-          <a:bodyPr wrap="none" lIns="36000" tIns="36000" rIns="36000" bIns="36000" rtlCol="0" anchor="ctr" anchorCtr="0"/>
-          <a:lstStyle/>
-          <a:p>
-            <a:pPr algn="ctr"/>
-            <a:r>
-              <a:rPr lang="zh-CN" altLang="en-US" sz="1600" b="1">
-                <a:solidFill>
-                  <a:schemeClr val="tx1"/>
-                </a:solidFill>
-                <a:latin typeface="微软雅黑" panose="020B0503020204020204" pitchFamily="34" charset="-122"/>
-                <a:ea typeface="微软雅黑" panose="020B0503020204020204" pitchFamily="34" charset="-122"/>
-              </a:rPr>
-              <a:t>创建作者</a:t>
-            </a:r>
-            <a:endParaRPr lang="en-US" altLang="zh-CN" sz="1600" b="1">
-              <a:solidFill>
-                <a:schemeClr val="tx1"/>
-              </a:solidFill>
-              <a:latin typeface="微软雅黑" panose="020B0503020204020204" pitchFamily="34" charset="-122"/>
-              <a:ea typeface="微软雅黑" panose="020B0503020204020204" pitchFamily="34" charset="-122"/>
-            </a:endParaRPr>
-          </a:p>
-          <a:p>
-            <a:pPr algn="ctr"/>
-            <a:r>
-              <a:rPr lang="en-US" altLang="zh-CN" sz="1600" b="1">
-                <a:solidFill>
-                  <a:schemeClr val="tx1"/>
-                </a:solidFill>
-                <a:latin typeface="微软雅黑" panose="020B0503020204020204" pitchFamily="34" charset="-122"/>
-                <a:ea typeface="微软雅黑" panose="020B0503020204020204" pitchFamily="34" charset="-122"/>
-              </a:rPr>
-              <a:t>add_author</a:t>
-            </a:r>
-            <a:endParaRPr lang="zh-CN" altLang="en-US" sz="1600" b="1">
-              <a:solidFill>
-                <a:schemeClr val="tx1"/>
-              </a:solidFill>
-              <a:latin typeface="微软雅黑" panose="020B0503020204020204" pitchFamily="34" charset="-122"/>
-              <a:ea typeface="微软雅黑" panose="020B0503020204020204" pitchFamily="34" charset="-122"/>
-            </a:endParaRPr>
-          </a:p>
-        </p:txBody>
-      </p:sp>
-      <p:cxnSp>
-        <p:nvCxnSpPr>
-          <p:cNvPr id="74" name="直接箭头连接符 73">
-            <a:extLst>
-              <a:ext uri="{FF2B5EF4-FFF2-40B4-BE49-F238E27FC236}">
-                <a16:creationId xmlns:a16="http://schemas.microsoft.com/office/drawing/2014/main" id="{12BA6710-8A62-4D0A-9BCE-C0D69A76735B}"/>
-              </a:ext>
-            </a:extLst>
-          </p:cNvPr>
-          <p:cNvCxnSpPr>
-            <a:cxnSpLocks/>
-            <a:stCxn id="31" idx="3"/>
-            <a:endCxn id="63" idx="1"/>
-          </p:cNvCxnSpPr>
-          <p:nvPr/>
-        </p:nvCxnSpPr>
-        <p:spPr>
-          <a:xfrm>
-            <a:off x="1792379" y="1891461"/>
-            <a:ext cx="2785048" cy="0"/>
-          </a:xfrm>
-          <a:prstGeom prst="straightConnector1">
-            <a:avLst/>
-          </a:prstGeom>
-          <a:ln w="31750">
-            <a:solidFill>
-              <a:schemeClr val="tx1"/>
-            </a:solidFill>
-            <a:tailEnd type="triangle"/>
-          </a:ln>
-        </p:spPr>
-        <p:style>
-          <a:lnRef idx="1">
-            <a:schemeClr val="accent1"/>
-          </a:lnRef>
-          <a:fillRef idx="0">
-            <a:schemeClr val="accent1"/>
-          </a:fillRef>
-          <a:effectRef idx="0">
-            <a:schemeClr val="accent1"/>
-          </a:effectRef>
-          <a:fontRef idx="minor">
-            <a:schemeClr val="tx1"/>
-          </a:fontRef>
-        </p:style>
-      </p:cxnSp>
-      <p:cxnSp>
-        <p:nvCxnSpPr>
-          <p:cNvPr id="109" name="直接箭头连接符 108">
-            <a:extLst>
-              <a:ext uri="{FF2B5EF4-FFF2-40B4-BE49-F238E27FC236}">
-                <a16:creationId xmlns:a16="http://schemas.microsoft.com/office/drawing/2014/main" id="{1986FB04-0B2C-49B2-97F4-81933FD7C29D}"/>
-              </a:ext>
-            </a:extLst>
-          </p:cNvPr>
-          <p:cNvCxnSpPr>
-            <a:cxnSpLocks/>
-            <a:stCxn id="63" idx="3"/>
-            <a:endCxn id="118" idx="1"/>
-          </p:cNvCxnSpPr>
-          <p:nvPr/>
-        </p:nvCxnSpPr>
-        <p:spPr>
-          <a:xfrm>
-            <a:off x="6593427" y="1891461"/>
-            <a:ext cx="1672790" cy="0"/>
-          </a:xfrm>
-          <a:prstGeom prst="straightConnector1">
-            <a:avLst/>
-          </a:prstGeom>
-          <a:ln w="57150">
-            <a:solidFill>
-              <a:srgbClr val="FFC000"/>
-            </a:solidFill>
-            <a:tailEnd type="triangle"/>
-          </a:ln>
-        </p:spPr>
-        <p:style>
-          <a:lnRef idx="1">
-            <a:schemeClr val="accent1"/>
-          </a:lnRef>
-          <a:fillRef idx="0">
-            <a:schemeClr val="accent1"/>
-          </a:fillRef>
-          <a:effectRef idx="0">
-            <a:schemeClr val="accent1"/>
-          </a:effectRef>
-          <a:fontRef idx="minor">
-            <a:schemeClr val="tx1"/>
-          </a:fontRef>
-        </p:style>
-      </p:cxnSp>
-      <p:sp>
-        <p:nvSpPr>
-          <p:cNvPr id="118" name="矩形: 圆角 117">
-            <a:extLst>
-              <a:ext uri="{FF2B5EF4-FFF2-40B4-BE49-F238E27FC236}">
-                <a16:creationId xmlns:a16="http://schemas.microsoft.com/office/drawing/2014/main" id="{9431B602-ED82-4573-A9F0-FDFCE99889C6}"/>
-              </a:ext>
-            </a:extLst>
-          </p:cNvPr>
-          <p:cNvSpPr/>
-          <p:nvPr/>
-        </p:nvSpPr>
-        <p:spPr>
-          <a:xfrm>
-            <a:off x="8266217" y="1675461"/>
-            <a:ext cx="1728000" cy="432000"/>
+            <a:off x="712379" y="1431948"/>
+            <a:ext cx="2160000" cy="648000"/>
           </a:xfrm>
           <a:prstGeom prst="roundRect">
             <a:avLst/>
@@ -6059,24 +5879,51 @@
           <a:p>
             <a:pPr algn="ctr"/>
             <a:r>
-              <a:rPr lang="zh-CN" altLang="en-US" sz="1600" b="1">
+              <a:rPr lang="zh-CN" altLang="en-US" b="1">
                 <a:solidFill>
                   <a:schemeClr val="tx1"/>
                 </a:solidFill>
                 <a:latin typeface="微软雅黑" panose="020B0503020204020204" pitchFamily="34" charset="-122"/>
                 <a:ea typeface="微软雅黑" panose="020B0503020204020204" pitchFamily="34" charset="-122"/>
               </a:rPr>
-              <a:t>作者表</a:t>
-            </a:r>
-          </a:p>
-        </p:txBody>
-      </p:sp>
-      <p:sp>
-        <p:nvSpPr>
-          <p:cNvPr id="142" name="矩形: 圆角 141">
-            <a:extLst>
-              <a:ext uri="{FF2B5EF4-FFF2-40B4-BE49-F238E27FC236}">
-                <a16:creationId xmlns:a16="http://schemas.microsoft.com/office/drawing/2014/main" id="{F3A78CA0-5040-4F68-968F-7AEC07BA23A9}"/>
+              <a:t>点评表</a:t>
+            </a:r>
+            <a:endParaRPr lang="en-US" altLang="zh-CN" b="1">
+              <a:solidFill>
+                <a:schemeClr val="tx1"/>
+              </a:solidFill>
+              <a:latin typeface="微软雅黑" panose="020B0503020204020204" pitchFamily="34" charset="-122"/>
+              <a:ea typeface="微软雅黑" panose="020B0503020204020204" pitchFamily="34" charset="-122"/>
+            </a:endParaRPr>
+          </a:p>
+          <a:p>
+            <a:pPr algn="ctr"/>
+            <a:r>
+              <a:rPr lang="en-US" altLang="zh-CN" b="1">
+                <a:solidFill>
+                  <a:schemeClr val="tx1"/>
+                </a:solidFill>
+                <a:latin typeface="微软雅黑" panose="020B0503020204020204" pitchFamily="34" charset="-122"/>
+                <a:ea typeface="微软雅黑" panose="020B0503020204020204" pitchFamily="34" charset="-122"/>
+              </a:rPr>
+              <a:t>Comment</a:t>
+            </a:r>
+            <a:endParaRPr lang="zh-CN" altLang="en-US" b="1">
+              <a:solidFill>
+                <a:schemeClr val="tx1"/>
+              </a:solidFill>
+              <a:latin typeface="微软雅黑" panose="020B0503020204020204" pitchFamily="34" charset="-122"/>
+              <a:ea typeface="微软雅黑" panose="020B0503020204020204" pitchFamily="34" charset="-122"/>
+            </a:endParaRPr>
+          </a:p>
+        </p:txBody>
+      </p:sp>
+      <p:sp>
+        <p:nvSpPr>
+          <p:cNvPr id="8" name="矩形: 圆角 7">
+            <a:extLst>
+              <a:ext uri="{FF2B5EF4-FFF2-40B4-BE49-F238E27FC236}">
+                <a16:creationId xmlns:a16="http://schemas.microsoft.com/office/drawing/2014/main" id="{5D05D1D1-FFC8-4787-85FA-05E1A1ADB151}"/>
               </a:ext>
             </a:extLst>
           </p:cNvPr>
@@ -6085,21 +5932,20 @@
         </p:nvSpPr>
         <p:spPr>
           <a:xfrm>
-            <a:off x="8266217" y="4644949"/>
-            <a:ext cx="1728000" cy="432000"/>
+            <a:off x="712380" y="2088155"/>
+            <a:ext cx="2160000" cy="1002279"/>
           </a:xfrm>
           <a:prstGeom prst="roundRect">
-            <a:avLst/>
+            <a:avLst>
+              <a:gd name="adj" fmla="val 5494"/>
+            </a:avLst>
           </a:prstGeom>
-          <a:solidFill>
-            <a:schemeClr val="bg1">
-              <a:lumMod val="95000"/>
-            </a:schemeClr>
-          </a:solidFill>
+          <a:noFill/>
           <a:ln>
             <a:solidFill>
-              <a:schemeClr val="tx1"/>
+              <a:schemeClr val="tx2"/>
             </a:solidFill>
+            <a:prstDash val="dash"/>
           </a:ln>
         </p:spPr>
         <p:style>
@@ -6119,320 +5965,33 @@
           </a:fontRef>
         </p:style>
         <p:txBody>
-          <a:bodyPr wrap="none" lIns="36000" tIns="36000" rIns="36000" bIns="36000" rtlCol="0" anchor="ctr" anchorCtr="0"/>
+          <a:bodyPr rtlCol="0" anchor="b" anchorCtr="0"/>
           <a:lstStyle/>
           <a:p>
-            <a:pPr algn="ctr"/>
-            <a:r>
-              <a:rPr lang="zh-CN" altLang="en-US" sz="1600" b="1">
+            <a:r>
+              <a:rPr lang="zh-CN" altLang="en-US" sz="1400" b="1">
                 <a:solidFill>
                   <a:schemeClr val="tx1"/>
                 </a:solidFill>
                 <a:latin typeface="微软雅黑" panose="020B0503020204020204" pitchFamily="34" charset="-122"/>
                 <a:ea typeface="微软雅黑" panose="020B0503020204020204" pitchFamily="34" charset="-122"/>
               </a:rPr>
-              <a:t>作者表</a:t>
-            </a:r>
-          </a:p>
-        </p:txBody>
-      </p:sp>
-      <p:sp>
-        <p:nvSpPr>
-          <p:cNvPr id="144" name="矩形: 圆角 143">
-            <a:extLst>
-              <a:ext uri="{FF2B5EF4-FFF2-40B4-BE49-F238E27FC236}">
-                <a16:creationId xmlns:a16="http://schemas.microsoft.com/office/drawing/2014/main" id="{A5F7EE9F-DC03-40E9-8D3E-99A794219B42}"/>
-              </a:ext>
-            </a:extLst>
-          </p:cNvPr>
-          <p:cNvSpPr/>
-          <p:nvPr/>
-        </p:nvSpPr>
-        <p:spPr>
-          <a:xfrm>
-            <a:off x="4577427" y="4536949"/>
-            <a:ext cx="2016000" cy="648000"/>
-          </a:xfrm>
-          <a:prstGeom prst="roundRect">
-            <a:avLst/>
-          </a:prstGeom>
-          <a:solidFill>
-            <a:srgbClr val="00B050"/>
-          </a:solidFill>
-          <a:ln>
-            <a:solidFill>
-              <a:schemeClr val="tx1"/>
-            </a:solidFill>
-          </a:ln>
-        </p:spPr>
-        <p:style>
-          <a:lnRef idx="2">
-            <a:schemeClr val="accent1">
-              <a:shade val="50000"/>
-            </a:schemeClr>
-          </a:lnRef>
-          <a:fillRef idx="1">
-            <a:schemeClr val="accent1"/>
-          </a:fillRef>
-          <a:effectRef idx="0">
-            <a:schemeClr val="accent1"/>
-          </a:effectRef>
-          <a:fontRef idx="minor">
-            <a:schemeClr val="lt1"/>
-          </a:fontRef>
-        </p:style>
-        <p:txBody>
-          <a:bodyPr wrap="none" lIns="36000" tIns="36000" rIns="36000" bIns="36000" rtlCol="0" anchor="ctr" anchorCtr="0"/>
-          <a:lstStyle/>
-          <a:p>
-            <a:pPr algn="ctr"/>
-            <a:r>
-              <a:rPr lang="zh-CN" altLang="en-US" sz="1600" b="1">
+              <a:t>书籍</a:t>
+            </a:r>
+            <a:r>
+              <a:rPr lang="en-US" altLang="zh-CN" sz="1400" b="1">
                 <a:solidFill>
                   <a:schemeClr val="tx1"/>
                 </a:solidFill>
                 <a:latin typeface="微软雅黑" panose="020B0503020204020204" pitchFamily="34" charset="-122"/>
                 <a:ea typeface="微软雅黑" panose="020B0503020204020204" pitchFamily="34" charset="-122"/>
               </a:rPr>
-              <a:t>按条件查看</a:t>
-            </a:r>
-            <a:endParaRPr lang="en-US" altLang="zh-CN" sz="1600" b="1">
-              <a:solidFill>
-                <a:schemeClr val="tx1"/>
-              </a:solidFill>
-              <a:latin typeface="微软雅黑" panose="020B0503020204020204" pitchFamily="34" charset="-122"/>
-              <a:ea typeface="微软雅黑" panose="020B0503020204020204" pitchFamily="34" charset="-122"/>
-            </a:endParaRPr>
-          </a:p>
-          <a:p>
-            <a:pPr algn="ctr"/>
-            <a:r>
-              <a:rPr lang="en-US" altLang="zh-CN" sz="1600" b="1">
-                <a:solidFill>
-                  <a:schemeClr val="tx1"/>
-                </a:solidFill>
-                <a:latin typeface="微软雅黑" panose="020B0503020204020204" pitchFamily="34" charset="-122"/>
-                <a:ea typeface="微软雅黑" panose="020B0503020204020204" pitchFamily="34" charset="-122"/>
-              </a:rPr>
-              <a:t>list_author</a:t>
-            </a:r>
-            <a:endParaRPr lang="zh-CN" altLang="en-US" sz="1600" b="1">
-              <a:solidFill>
-                <a:schemeClr val="tx1"/>
-              </a:solidFill>
-              <a:latin typeface="微软雅黑" panose="020B0503020204020204" pitchFamily="34" charset="-122"/>
-              <a:ea typeface="微软雅黑" panose="020B0503020204020204" pitchFamily="34" charset="-122"/>
-            </a:endParaRPr>
-          </a:p>
-        </p:txBody>
-      </p:sp>
-      <p:cxnSp>
-        <p:nvCxnSpPr>
-          <p:cNvPr id="146" name="直接箭头连接符 145">
-            <a:extLst>
-              <a:ext uri="{FF2B5EF4-FFF2-40B4-BE49-F238E27FC236}">
-                <a16:creationId xmlns:a16="http://schemas.microsoft.com/office/drawing/2014/main" id="{C4E9BF6C-3EBC-421E-BE86-6EB7DDD1BB2E}"/>
-              </a:ext>
-            </a:extLst>
-          </p:cNvPr>
-          <p:cNvCxnSpPr>
-            <a:cxnSpLocks/>
-            <a:stCxn id="43" idx="3"/>
-            <a:endCxn id="144" idx="1"/>
-          </p:cNvCxnSpPr>
-          <p:nvPr/>
-        </p:nvCxnSpPr>
-        <p:spPr>
-          <a:xfrm>
-            <a:off x="1792379" y="4860949"/>
-            <a:ext cx="2785048" cy="0"/>
-          </a:xfrm>
-          <a:prstGeom prst="straightConnector1">
-            <a:avLst/>
-          </a:prstGeom>
-          <a:ln w="31750">
-            <a:solidFill>
-              <a:schemeClr val="tx1"/>
-            </a:solidFill>
-            <a:tailEnd type="triangle"/>
-          </a:ln>
-        </p:spPr>
-        <p:style>
-          <a:lnRef idx="1">
-            <a:schemeClr val="accent1"/>
-          </a:lnRef>
-          <a:fillRef idx="0">
-            <a:schemeClr val="accent1"/>
-          </a:fillRef>
-          <a:effectRef idx="0">
-            <a:schemeClr val="accent1"/>
-          </a:effectRef>
-          <a:fontRef idx="minor">
-            <a:schemeClr val="tx1"/>
-          </a:fontRef>
-        </p:style>
-      </p:cxnSp>
-      <p:cxnSp>
-        <p:nvCxnSpPr>
-          <p:cNvPr id="147" name="直接箭头连接符 146">
-            <a:extLst>
-              <a:ext uri="{FF2B5EF4-FFF2-40B4-BE49-F238E27FC236}">
-                <a16:creationId xmlns:a16="http://schemas.microsoft.com/office/drawing/2014/main" id="{B576DD94-22BF-46F2-9FCB-59970B3E4B9A}"/>
-              </a:ext>
-            </a:extLst>
-          </p:cNvPr>
-          <p:cNvCxnSpPr>
-            <a:cxnSpLocks/>
-            <a:stCxn id="142" idx="1"/>
-            <a:endCxn id="144" idx="3"/>
-          </p:cNvCxnSpPr>
-          <p:nvPr/>
-        </p:nvCxnSpPr>
-        <p:spPr>
-          <a:xfrm flipH="1">
-            <a:off x="6593427" y="4860949"/>
-            <a:ext cx="1672790" cy="0"/>
-          </a:xfrm>
-          <a:prstGeom prst="straightConnector1">
-            <a:avLst/>
-          </a:prstGeom>
-          <a:ln w="57150">
-            <a:solidFill>
-              <a:srgbClr val="FF0000"/>
-            </a:solidFill>
-            <a:tailEnd type="triangle"/>
-          </a:ln>
-        </p:spPr>
-        <p:style>
-          <a:lnRef idx="1">
-            <a:schemeClr val="accent1"/>
-          </a:lnRef>
-          <a:fillRef idx="0">
-            <a:schemeClr val="accent1"/>
-          </a:fillRef>
-          <a:effectRef idx="0">
-            <a:schemeClr val="accent1"/>
-          </a:effectRef>
-          <a:fontRef idx="minor">
-            <a:schemeClr val="tx1"/>
-          </a:fontRef>
-        </p:style>
-      </p:cxnSp>
-      <p:sp>
-        <p:nvSpPr>
-          <p:cNvPr id="31" name="矩形: 圆角 30">
-            <a:extLst>
-              <a:ext uri="{FF2B5EF4-FFF2-40B4-BE49-F238E27FC236}">
-                <a16:creationId xmlns:a16="http://schemas.microsoft.com/office/drawing/2014/main" id="{F0FA5229-4919-4E8C-8D28-86708259EE2B}"/>
-              </a:ext>
-            </a:extLst>
-          </p:cNvPr>
-          <p:cNvSpPr/>
-          <p:nvPr/>
-        </p:nvSpPr>
-        <p:spPr>
-          <a:xfrm>
-            <a:off x="712379" y="1675461"/>
-            <a:ext cx="1080000" cy="432000"/>
-          </a:xfrm>
-          <a:prstGeom prst="roundRect">
-            <a:avLst/>
-          </a:prstGeom>
-          <a:solidFill>
-            <a:srgbClr val="00B0F0"/>
-          </a:solidFill>
-          <a:ln>
-            <a:solidFill>
-              <a:schemeClr val="tx1"/>
-            </a:solidFill>
-          </a:ln>
-        </p:spPr>
-        <p:style>
-          <a:lnRef idx="2">
-            <a:schemeClr val="accent1">
-              <a:shade val="50000"/>
-            </a:schemeClr>
-          </a:lnRef>
-          <a:fillRef idx="1">
-            <a:schemeClr val="accent1"/>
-          </a:fillRef>
-          <a:effectRef idx="0">
-            <a:schemeClr val="accent1"/>
-          </a:effectRef>
-          <a:fontRef idx="minor">
-            <a:schemeClr val="lt1"/>
-          </a:fontRef>
-        </p:style>
-        <p:txBody>
-          <a:bodyPr wrap="none" lIns="36000" tIns="36000" rIns="36000" bIns="36000" rtlCol="0" anchor="ctr" anchorCtr="0"/>
-          <a:lstStyle/>
-          <a:p>
-            <a:pPr algn="ctr"/>
-            <a:r>
-              <a:rPr lang="zh-CN" altLang="en-US" sz="1600" b="1">
-                <a:solidFill>
-                  <a:schemeClr val="tx1"/>
-                </a:solidFill>
-                <a:latin typeface="微软雅黑" panose="020B0503020204020204" pitchFamily="34" charset="-122"/>
-                <a:ea typeface="微软雅黑" panose="020B0503020204020204" pitchFamily="34" charset="-122"/>
-              </a:rPr>
-              <a:t>基金会会员</a:t>
-            </a:r>
-          </a:p>
-        </p:txBody>
-      </p:sp>
-      <p:sp>
-        <p:nvSpPr>
-          <p:cNvPr id="43" name="矩形: 圆角 42">
-            <a:extLst>
-              <a:ext uri="{FF2B5EF4-FFF2-40B4-BE49-F238E27FC236}">
-                <a16:creationId xmlns:a16="http://schemas.microsoft.com/office/drawing/2014/main" id="{21FB57CC-79C6-4CE3-8B08-70CA2C2E0998}"/>
-              </a:ext>
-            </a:extLst>
-          </p:cNvPr>
-          <p:cNvSpPr/>
-          <p:nvPr/>
-        </p:nvSpPr>
-        <p:spPr>
-          <a:xfrm>
-            <a:off x="712379" y="4644949"/>
-            <a:ext cx="1080000" cy="432000"/>
-          </a:xfrm>
-          <a:prstGeom prst="roundRect">
-            <a:avLst/>
-          </a:prstGeom>
-          <a:solidFill>
-            <a:srgbClr val="00B0F0"/>
-          </a:solidFill>
-          <a:ln>
-            <a:solidFill>
-              <a:schemeClr val="tx1"/>
-            </a:solidFill>
-          </a:ln>
-        </p:spPr>
-        <p:style>
-          <a:lnRef idx="2">
-            <a:schemeClr val="accent1">
-              <a:shade val="50000"/>
-            </a:schemeClr>
-          </a:lnRef>
-          <a:fillRef idx="1">
-            <a:schemeClr val="accent1"/>
-          </a:fillRef>
-          <a:effectRef idx="0">
-            <a:schemeClr val="accent1"/>
-          </a:effectRef>
-          <a:fontRef idx="minor">
-            <a:schemeClr val="lt1"/>
-          </a:fontRef>
-        </p:style>
-        <p:txBody>
-          <a:bodyPr wrap="none" lIns="36000" tIns="36000" rIns="36000" bIns="36000" rtlCol="0" anchor="ctr" anchorCtr="0"/>
-          <a:lstStyle/>
-          <a:p>
-            <a:pPr algn="ctr"/>
-            <a:r>
-              <a:rPr lang="zh-CN" altLang="en-US" sz="1600" b="1">
+              <a:t>id</a:t>
+            </a:r>
+          </a:p>
+          <a:p>
+            <a:r>
+              <a:rPr lang="zh-CN" altLang="en-US" sz="1400" b="1">
                 <a:solidFill>
                   <a:schemeClr val="tx1"/>
                 </a:solidFill>
@@ -6441,13 +6000,61 @@
               </a:rPr>
               <a:t>用户</a:t>
             </a:r>
+            <a:r>
+              <a:rPr lang="en-US" altLang="zh-CN" sz="1400" b="1">
+                <a:solidFill>
+                  <a:schemeClr val="tx1"/>
+                </a:solidFill>
+                <a:latin typeface="微软雅黑" panose="020B0503020204020204" pitchFamily="34" charset="-122"/>
+                <a:ea typeface="微软雅黑" panose="020B0503020204020204" pitchFamily="34" charset="-122"/>
+              </a:rPr>
+              <a:t>id</a:t>
+            </a:r>
+          </a:p>
+          <a:p>
+            <a:r>
+              <a:rPr lang="zh-CN" altLang="en-US" sz="1400" b="1">
+                <a:solidFill>
+                  <a:schemeClr val="tx1"/>
+                </a:solidFill>
+                <a:latin typeface="微软雅黑" panose="020B0503020204020204" pitchFamily="34" charset="-122"/>
+                <a:ea typeface="微软雅黑" panose="020B0503020204020204" pitchFamily="34" charset="-122"/>
+              </a:rPr>
+              <a:t>评价</a:t>
+            </a:r>
+            <a:endParaRPr lang="en-US" altLang="zh-CN" sz="1400" b="1">
+              <a:solidFill>
+                <a:schemeClr val="tx1"/>
+              </a:solidFill>
+              <a:latin typeface="微软雅黑" panose="020B0503020204020204" pitchFamily="34" charset="-122"/>
+              <a:ea typeface="微软雅黑" panose="020B0503020204020204" pitchFamily="34" charset="-122"/>
+            </a:endParaRPr>
+          </a:p>
+          <a:p>
+            <a:r>
+              <a:rPr lang="zh-CN" altLang="en-US" sz="1400" b="1">
+                <a:solidFill>
+                  <a:schemeClr val="tx1"/>
+                </a:solidFill>
+                <a:latin typeface="微软雅黑" panose="020B0503020204020204" pitchFamily="34" charset="-122"/>
+                <a:ea typeface="微软雅黑" panose="020B0503020204020204" pitchFamily="34" charset="-122"/>
+              </a:rPr>
+              <a:t>时间戳</a:t>
+            </a:r>
+            <a:endParaRPr lang="en-US" altLang="zh-CN" sz="1400" b="1">
+              <a:solidFill>
+                <a:schemeClr val="tx1"/>
+              </a:solidFill>
+              <a:latin typeface="微软雅黑" panose="020B0503020204020204" pitchFamily="34" charset="-122"/>
+              <a:ea typeface="微软雅黑" panose="020B0503020204020204" pitchFamily="34" charset="-122"/>
+            </a:endParaRPr>
           </a:p>
         </p:txBody>
       </p:sp>
     </p:spTree>
     <p:extLst>
       <p:ext uri="{BB962C8B-B14F-4D97-AF65-F5344CB8AC3E}">
-        <p14:creationId xmlns:p14="http://schemas.microsoft.com/office/powerpoint/2010/main" val="1344706601"/>
+        <p14:creationId xmlns:p14="http://schemas.microsoft.com/office/powerpoint/2010/main" val="729152138"/>
       </p:ext>
     </p:extLst>
   </p:cSld>
@@ -6608,17 +6215,17 @@
                 <a:latin typeface="Consolas" panose="020B0609020204030204" pitchFamily="49" charset="0"/>
                 <a:ea typeface="微软雅黑" panose="020B0503020204020204" pitchFamily="34" charset="-122"/>
               </a:rPr>
-              <a:t>创建书籍</a:t>
-            </a:r>
-          </a:p>
-        </p:txBody>
-      </p:sp>
-      <p:sp>
-        <p:nvSpPr>
-          <p:cNvPr id="32" name="矩形: 圆角 31">
-            <a:extLst>
-              <a:ext uri="{FF2B5EF4-FFF2-40B4-BE49-F238E27FC236}">
-                <a16:creationId xmlns:a16="http://schemas.microsoft.com/office/drawing/2014/main" id="{5A00DBA1-C53E-4781-9BFA-39C8928CF350}"/>
+              <a:t>创建作者</a:t>
+            </a:r>
+          </a:p>
+        </p:txBody>
+      </p:sp>
+      <p:sp>
+        <p:nvSpPr>
+          <p:cNvPr id="63" name="矩形: 圆角 62">
+            <a:extLst>
+              <a:ext uri="{FF2B5EF4-FFF2-40B4-BE49-F238E27FC236}">
+                <a16:creationId xmlns:a16="http://schemas.microsoft.com/office/drawing/2014/main" id="{A765B5A9-81A9-4DAB-9235-2C88A201A26E}"/>
               </a:ext>
             </a:extLst>
           </p:cNvPr>
@@ -6671,7 +6278,7 @@
                 <a:latin typeface="微软雅黑" panose="020B0503020204020204" pitchFamily="34" charset="-122"/>
                 <a:ea typeface="微软雅黑" panose="020B0503020204020204" pitchFamily="34" charset="-122"/>
               </a:rPr>
-              <a:t>创建书籍</a:t>
+              <a:t>创建作者</a:t>
             </a:r>
             <a:endParaRPr lang="en-US" altLang="zh-CN" sz="1600" b="1">
               <a:solidFill>
@@ -6691,7 +6298,7 @@
                 <a:latin typeface="微软雅黑" panose="020B0503020204020204" pitchFamily="34" charset="-122"/>
                 <a:ea typeface="微软雅黑" panose="020B0503020204020204" pitchFamily="34" charset="-122"/>
               </a:rPr>
-              <a:t>add_book</a:t>
+              <a:t>add_author</a:t>
             </a:r>
             <a:endParaRPr lang="zh-CN" altLang="en-US" sz="1600" b="1">
               <a:solidFill>
@@ -6705,17 +6312,17 @@
       </p:sp>
       <p:cxnSp>
         <p:nvCxnSpPr>
-          <p:cNvPr id="36" name="直接箭头连接符 35">
-            <a:extLst>
-              <a:ext uri="{FF2B5EF4-FFF2-40B4-BE49-F238E27FC236}">
-                <a16:creationId xmlns:a16="http://schemas.microsoft.com/office/drawing/2014/main" id="{207FF027-26E8-4176-A113-BCD9FC61B11C}"/>
+          <p:cNvPr id="74" name="直接箭头连接符 73">
+            <a:extLst>
+              <a:ext uri="{FF2B5EF4-FFF2-40B4-BE49-F238E27FC236}">
+                <a16:creationId xmlns:a16="http://schemas.microsoft.com/office/drawing/2014/main" id="{12BA6710-8A62-4D0A-9BCE-C0D69A76735B}"/>
               </a:ext>
             </a:extLst>
           </p:cNvPr>
           <p:cNvCxnSpPr>
             <a:cxnSpLocks/>
             <a:stCxn id="31" idx="3"/>
-            <a:endCxn id="32" idx="1"/>
+            <a:endCxn id="63" idx="1"/>
           </p:cNvCxnSpPr>
           <p:nvPr/>
         </p:nvCxnSpPr>
@@ -6751,17 +6358,17 @@
       </p:cxnSp>
       <p:cxnSp>
         <p:nvCxnSpPr>
-          <p:cNvPr id="41" name="直接箭头连接符 40">
-            <a:extLst>
-              <a:ext uri="{FF2B5EF4-FFF2-40B4-BE49-F238E27FC236}">
-                <a16:creationId xmlns:a16="http://schemas.microsoft.com/office/drawing/2014/main" id="{4A8102AD-0EA9-48D7-A683-0727559777CF}"/>
+          <p:cNvPr id="109" name="直接箭头连接符 108">
+            <a:extLst>
+              <a:ext uri="{FF2B5EF4-FFF2-40B4-BE49-F238E27FC236}">
+                <a16:creationId xmlns:a16="http://schemas.microsoft.com/office/drawing/2014/main" id="{1986FB04-0B2C-49B2-97F4-81933FD7C29D}"/>
               </a:ext>
             </a:extLst>
           </p:cNvPr>
           <p:cNvCxnSpPr>
             <a:cxnSpLocks/>
-            <a:stCxn id="32" idx="3"/>
-            <a:endCxn id="42" idx="1"/>
+            <a:stCxn id="63" idx="3"/>
+            <a:endCxn id="118" idx="1"/>
           </p:cNvCxnSpPr>
           <p:nvPr/>
         </p:nvCxnSpPr>
@@ -6797,10 +6404,10 @@
       </p:cxnSp>
       <p:sp>
         <p:nvSpPr>
-          <p:cNvPr id="42" name="矩形: 圆角 41">
-            <a:extLst>
-              <a:ext uri="{FF2B5EF4-FFF2-40B4-BE49-F238E27FC236}">
-                <a16:creationId xmlns:a16="http://schemas.microsoft.com/office/drawing/2014/main" id="{83C7F451-396B-4CEC-AB8C-A2A55E5BB1EB}"/>
+          <p:cNvPr id="118" name="矩形: 圆角 117">
+            <a:extLst>
+              <a:ext uri="{FF2B5EF4-FFF2-40B4-BE49-F238E27FC236}">
+                <a16:creationId xmlns:a16="http://schemas.microsoft.com/office/drawing/2014/main" id="{9431B602-ED82-4573-A9F0-FDFCE99889C6}"/>
               </a:ext>
             </a:extLst>
           </p:cNvPr>
@@ -6855,17 +6462,17 @@
                 <a:latin typeface="微软雅黑" panose="020B0503020204020204" pitchFamily="34" charset="-122"/>
                 <a:ea typeface="微软雅黑" panose="020B0503020204020204" pitchFamily="34" charset="-122"/>
               </a:rPr>
-              <a:t>书籍表</a:t>
-            </a:r>
-          </a:p>
-        </p:txBody>
-      </p:sp>
-      <p:sp>
-        <p:nvSpPr>
-          <p:cNvPr id="43" name="矩形: 圆角 42">
-            <a:extLst>
-              <a:ext uri="{FF2B5EF4-FFF2-40B4-BE49-F238E27FC236}">
-                <a16:creationId xmlns:a16="http://schemas.microsoft.com/office/drawing/2014/main" id="{5D7BBEA4-D9FC-43E5-915A-EDDE22A12866}"/>
+              <a:t>作者表</a:t>
+            </a:r>
+          </a:p>
+        </p:txBody>
+      </p:sp>
+      <p:sp>
+        <p:nvSpPr>
+          <p:cNvPr id="142" name="矩形: 圆角 141">
+            <a:extLst>
+              <a:ext uri="{FF2B5EF4-FFF2-40B4-BE49-F238E27FC236}">
+                <a16:creationId xmlns:a16="http://schemas.microsoft.com/office/drawing/2014/main" id="{F3A78CA0-5040-4F68-968F-7AEC07BA23A9}"/>
               </a:ext>
             </a:extLst>
           </p:cNvPr>
@@ -6874,7 +6481,7 @@
         </p:nvSpPr>
         <p:spPr>
           <a:xfrm>
-            <a:off x="8266217" y="3459960"/>
+            <a:off x="8266217" y="4644949"/>
             <a:ext cx="1728000" cy="432000"/>
           </a:xfrm>
           <a:prstGeom prst="roundRect">
@@ -6920,17 +6527,17 @@
                 <a:latin typeface="微软雅黑" panose="020B0503020204020204" pitchFamily="34" charset="-122"/>
                 <a:ea typeface="微软雅黑" panose="020B0503020204020204" pitchFamily="34" charset="-122"/>
               </a:rPr>
-              <a:t>书籍表</a:t>
-            </a:r>
-          </a:p>
-        </p:txBody>
-      </p:sp>
-      <p:sp>
-        <p:nvSpPr>
-          <p:cNvPr id="44" name="矩形: 圆角 43">
-            <a:extLst>
-              <a:ext uri="{FF2B5EF4-FFF2-40B4-BE49-F238E27FC236}">
-                <a16:creationId xmlns:a16="http://schemas.microsoft.com/office/drawing/2014/main" id="{C809D448-1885-49B0-A837-7285742D2987}"/>
+              <a:t>作者表</a:t>
+            </a:r>
+          </a:p>
+        </p:txBody>
+      </p:sp>
+      <p:sp>
+        <p:nvSpPr>
+          <p:cNvPr id="144" name="矩形: 圆角 143">
+            <a:extLst>
+              <a:ext uri="{FF2B5EF4-FFF2-40B4-BE49-F238E27FC236}">
+                <a16:creationId xmlns:a16="http://schemas.microsoft.com/office/drawing/2014/main" id="{A5F7EE9F-DC03-40E9-8D3E-99A794219B42}"/>
               </a:ext>
             </a:extLst>
           </p:cNvPr>
@@ -6939,7 +6546,7 @@
         </p:nvSpPr>
         <p:spPr>
           <a:xfrm>
-            <a:off x="4577427" y="3351960"/>
+            <a:off x="4577427" y="4536949"/>
             <a:ext cx="2016000" cy="648000"/>
           </a:xfrm>
           <a:prstGeom prst="roundRect">
@@ -7003,7 +6610,7 @@
                 <a:latin typeface="微软雅黑" panose="020B0503020204020204" pitchFamily="34" charset="-122"/>
                 <a:ea typeface="微软雅黑" panose="020B0503020204020204" pitchFamily="34" charset="-122"/>
               </a:rPr>
-              <a:t>list_book</a:t>
+              <a:t>list_author</a:t>
             </a:r>
             <a:endParaRPr lang="zh-CN" altLang="en-US" sz="1600" b="1">
               <a:solidFill>
@@ -7017,23 +6624,23 @@
       </p:sp>
       <p:cxnSp>
         <p:nvCxnSpPr>
-          <p:cNvPr id="45" name="直接箭头连接符 44">
-            <a:extLst>
-              <a:ext uri="{FF2B5EF4-FFF2-40B4-BE49-F238E27FC236}">
-                <a16:creationId xmlns:a16="http://schemas.microsoft.com/office/drawing/2014/main" id="{B8A010D7-7214-4441-9011-8BF8A292DAF7}"/>
+          <p:cNvPr id="146" name="直接箭头连接符 145">
+            <a:extLst>
+              <a:ext uri="{FF2B5EF4-FFF2-40B4-BE49-F238E27FC236}">
+                <a16:creationId xmlns:a16="http://schemas.microsoft.com/office/drawing/2014/main" id="{C4E9BF6C-3EBC-421E-BE86-6EB7DDD1BB2E}"/>
               </a:ext>
             </a:extLst>
           </p:cNvPr>
           <p:cNvCxnSpPr>
             <a:cxnSpLocks/>
-            <a:stCxn id="33" idx="3"/>
-            <a:endCxn id="44" idx="1"/>
+            <a:stCxn id="43" idx="3"/>
+            <a:endCxn id="144" idx="1"/>
           </p:cNvCxnSpPr>
           <p:nvPr/>
         </p:nvCxnSpPr>
         <p:spPr>
           <a:xfrm>
-            <a:off x="1792379" y="3675960"/>
+            <a:off x="1792379" y="4860949"/>
             <a:ext cx="2785048" cy="0"/>
           </a:xfrm>
           <a:prstGeom prst="straightConnector1">
@@ -7063,23 +6670,23 @@
       </p:cxnSp>
       <p:cxnSp>
         <p:nvCxnSpPr>
-          <p:cNvPr id="46" name="直接箭头连接符 45">
-            <a:extLst>
-              <a:ext uri="{FF2B5EF4-FFF2-40B4-BE49-F238E27FC236}">
-                <a16:creationId xmlns:a16="http://schemas.microsoft.com/office/drawing/2014/main" id="{90902F97-1F8C-4123-A6F5-F5542E47C41B}"/>
+          <p:cNvPr id="147" name="直接箭头连接符 146">
+            <a:extLst>
+              <a:ext uri="{FF2B5EF4-FFF2-40B4-BE49-F238E27FC236}">
+                <a16:creationId xmlns:a16="http://schemas.microsoft.com/office/drawing/2014/main" id="{B576DD94-22BF-46F2-9FCB-59970B3E4B9A}"/>
               </a:ext>
             </a:extLst>
           </p:cNvPr>
           <p:cNvCxnSpPr>
             <a:cxnSpLocks/>
-            <a:stCxn id="43" idx="1"/>
-            <a:endCxn id="44" idx="3"/>
+            <a:stCxn id="142" idx="1"/>
+            <a:endCxn id="144" idx="3"/>
           </p:cNvCxnSpPr>
           <p:nvPr/>
         </p:nvCxnSpPr>
         <p:spPr>
           <a:xfrm flipH="1">
-            <a:off x="6593427" y="3675960"/>
+            <a:off x="6593427" y="4860949"/>
             <a:ext cx="1672790" cy="0"/>
           </a:xfrm>
           <a:prstGeom prst="straightConnector1">
@@ -7112,7 +6719,7 @@
           <p:cNvPr id="31" name="矩形: 圆角 30">
             <a:extLst>
               <a:ext uri="{FF2B5EF4-FFF2-40B4-BE49-F238E27FC236}">
-                <a16:creationId xmlns:a16="http://schemas.microsoft.com/office/drawing/2014/main" id="{D2994B0C-690F-47E0-9C98-FE9E41725699}"/>
+                <a16:creationId xmlns:a16="http://schemas.microsoft.com/office/drawing/2014/main" id="{F0FA5229-4919-4E8C-8D28-86708259EE2B}"/>
               </a:ext>
             </a:extLst>
           </p:cNvPr>
@@ -7172,10 +6779,10 @@
       </p:sp>
       <p:sp>
         <p:nvSpPr>
-          <p:cNvPr id="33" name="矩形: 圆角 32">
-            <a:extLst>
-              <a:ext uri="{FF2B5EF4-FFF2-40B4-BE49-F238E27FC236}">
-                <a16:creationId xmlns:a16="http://schemas.microsoft.com/office/drawing/2014/main" id="{27E30EAF-187A-4D3E-B3A9-B25A65EF9EF5}"/>
+          <p:cNvPr id="43" name="矩形: 圆角 42">
+            <a:extLst>
+              <a:ext uri="{FF2B5EF4-FFF2-40B4-BE49-F238E27FC236}">
+                <a16:creationId xmlns:a16="http://schemas.microsoft.com/office/drawing/2014/main" id="{21FB57CC-79C6-4CE3-8B08-70CA2C2E0998}"/>
               </a:ext>
             </a:extLst>
           </p:cNvPr>
@@ -7184,7 +6791,7 @@
         </p:nvSpPr>
         <p:spPr>
           <a:xfrm>
-            <a:off x="712379" y="3459960"/>
+            <a:off x="712379" y="4644949"/>
             <a:ext cx="1080000" cy="432000"/>
           </a:xfrm>
           <a:prstGeom prst="roundRect">
@@ -7236,7 +6843,7 @@
     </p:spTree>
     <p:extLst>
       <p:ext uri="{BB962C8B-B14F-4D97-AF65-F5344CB8AC3E}">
-        <p14:creationId xmlns:p14="http://schemas.microsoft.com/office/powerpoint/2010/main" val="1439815563"/>
+        <p14:creationId xmlns:p14="http://schemas.microsoft.com/office/powerpoint/2010/main" val="1344706601"/>
       </p:ext>
     </p:extLst>
   </p:cSld>
@@ -7379,7 +6986,7 @@
         <p:spPr>
           <a:xfrm>
             <a:off x="712379" y="173975"/>
-            <a:ext cx="1005403" cy="584775"/>
+            <a:ext cx="1826141" cy="584775"/>
           </a:xfrm>
           <a:prstGeom prst="rect">
             <a:avLst/>
@@ -7397,17 +7004,17 @@
                 <a:latin typeface="Consolas" panose="020B0609020204030204" pitchFamily="49" charset="0"/>
                 <a:ea typeface="微软雅黑" panose="020B0503020204020204" pitchFamily="34" charset="-122"/>
               </a:rPr>
-              <a:t>收藏</a:t>
-            </a:r>
-          </a:p>
-        </p:txBody>
-      </p:sp>
-      <p:sp>
-        <p:nvSpPr>
-          <p:cNvPr id="63" name="矩形: 圆角 62">
-            <a:extLst>
-              <a:ext uri="{FF2B5EF4-FFF2-40B4-BE49-F238E27FC236}">
-                <a16:creationId xmlns:a16="http://schemas.microsoft.com/office/drawing/2014/main" id="{A765B5A9-81A9-4DAB-9235-2C88A201A26E}"/>
+              <a:t>创建书籍</a:t>
+            </a:r>
+          </a:p>
+        </p:txBody>
+      </p:sp>
+      <p:sp>
+        <p:nvSpPr>
+          <p:cNvPr id="32" name="矩形: 圆角 31">
+            <a:extLst>
+              <a:ext uri="{FF2B5EF4-FFF2-40B4-BE49-F238E27FC236}">
+                <a16:creationId xmlns:a16="http://schemas.microsoft.com/office/drawing/2014/main" id="{5A00DBA1-C53E-4781-9BFA-39C8928CF350}"/>
               </a:ext>
             </a:extLst>
           </p:cNvPr>
@@ -7416,7 +7023,7 @@
         </p:nvSpPr>
         <p:spPr>
           <a:xfrm>
-            <a:off x="4567777" y="1659504"/>
+            <a:off x="4577427" y="1567461"/>
             <a:ext cx="2016000" cy="648000"/>
           </a:xfrm>
           <a:prstGeom prst="roundRect">
@@ -7460,7 +7067,7 @@
                 <a:latin typeface="微软雅黑" panose="020B0503020204020204" pitchFamily="34" charset="-122"/>
                 <a:ea typeface="微软雅黑" panose="020B0503020204020204" pitchFamily="34" charset="-122"/>
               </a:rPr>
-              <a:t>创建收藏</a:t>
+              <a:t>创建书籍</a:t>
             </a:r>
             <a:endParaRPr lang="en-US" altLang="zh-CN" sz="1600" b="1">
               <a:solidFill>
@@ -7480,7 +7087,7 @@
                 <a:latin typeface="微软雅黑" panose="020B0503020204020204" pitchFamily="34" charset="-122"/>
                 <a:ea typeface="微软雅黑" panose="020B0503020204020204" pitchFamily="34" charset="-122"/>
               </a:rPr>
-              <a:t>add_focus</a:t>
+              <a:t>add_book</a:t>
             </a:r>
             <a:endParaRPr lang="zh-CN" altLang="en-US" sz="1600" b="1">
               <a:solidFill>
@@ -7492,89 +7099,26 @@
           </a:p>
         </p:txBody>
       </p:sp>
-      <p:sp>
-        <p:nvSpPr>
-          <p:cNvPr id="72" name="矩形: 圆角 71">
-            <a:extLst>
-              <a:ext uri="{FF2B5EF4-FFF2-40B4-BE49-F238E27FC236}">
-                <a16:creationId xmlns:a16="http://schemas.microsoft.com/office/drawing/2014/main" id="{F090EA04-9B0E-47BE-A954-C335E6B1D1D7}"/>
-              </a:ext>
-            </a:extLst>
-          </p:cNvPr>
-          <p:cNvSpPr/>
-          <p:nvPr/>
-        </p:nvSpPr>
-        <p:spPr>
-          <a:xfrm>
-            <a:off x="714622" y="1767504"/>
-            <a:ext cx="1080000" cy="432000"/>
-          </a:xfrm>
-          <a:prstGeom prst="roundRect">
-            <a:avLst/>
-          </a:prstGeom>
-          <a:solidFill>
-            <a:srgbClr val="00B0F0"/>
-          </a:solidFill>
-          <a:ln>
-            <a:solidFill>
-              <a:schemeClr val="tx1"/>
-            </a:solidFill>
-          </a:ln>
-        </p:spPr>
-        <p:style>
-          <a:lnRef idx="2">
-            <a:schemeClr val="accent1">
-              <a:shade val="50000"/>
-            </a:schemeClr>
-          </a:lnRef>
-          <a:fillRef idx="1">
-            <a:schemeClr val="accent1"/>
-          </a:fillRef>
-          <a:effectRef idx="0">
-            <a:schemeClr val="accent1"/>
-          </a:effectRef>
-          <a:fontRef idx="minor">
-            <a:schemeClr val="lt1"/>
-          </a:fontRef>
-        </p:style>
-        <p:txBody>
-          <a:bodyPr wrap="none" lIns="36000" tIns="36000" rIns="36000" bIns="36000" rtlCol="0" anchor="ctr" anchorCtr="0"/>
-          <a:lstStyle/>
-          <a:p>
-            <a:pPr algn="ctr"/>
-            <a:r>
-              <a:rPr lang="zh-CN" altLang="en-US" sz="1600" b="1">
-                <a:solidFill>
-                  <a:schemeClr val="tx1"/>
-                </a:solidFill>
-                <a:latin typeface="微软雅黑" panose="020B0503020204020204" pitchFamily="34" charset="-122"/>
-                <a:ea typeface="微软雅黑" panose="020B0503020204020204" pitchFamily="34" charset="-122"/>
-              </a:rPr>
-              <a:t>用户</a:t>
-            </a:r>
-          </a:p>
-        </p:txBody>
-      </p:sp>
       <p:cxnSp>
         <p:nvCxnSpPr>
-          <p:cNvPr id="74" name="直接箭头连接符 73">
-            <a:extLst>
-              <a:ext uri="{FF2B5EF4-FFF2-40B4-BE49-F238E27FC236}">
-                <a16:creationId xmlns:a16="http://schemas.microsoft.com/office/drawing/2014/main" id="{12BA6710-8A62-4D0A-9BCE-C0D69A76735B}"/>
+          <p:cNvPr id="36" name="直接箭头连接符 35">
+            <a:extLst>
+              <a:ext uri="{FF2B5EF4-FFF2-40B4-BE49-F238E27FC236}">
+                <a16:creationId xmlns:a16="http://schemas.microsoft.com/office/drawing/2014/main" id="{207FF027-26E8-4176-A113-BCD9FC61B11C}"/>
               </a:ext>
             </a:extLst>
           </p:cNvPr>
           <p:cNvCxnSpPr>
             <a:cxnSpLocks/>
-            <a:stCxn id="72" idx="3"/>
-            <a:endCxn id="63" idx="1"/>
+            <a:stCxn id="31" idx="3"/>
+            <a:endCxn id="32" idx="1"/>
           </p:cNvCxnSpPr>
           <p:nvPr/>
         </p:nvCxnSpPr>
         <p:spPr>
           <a:xfrm>
-            <a:off x="1794622" y="1983504"/>
-            <a:ext cx="2773155" cy="0"/>
+            <a:off x="1792379" y="1891461"/>
+            <a:ext cx="2785048" cy="0"/>
           </a:xfrm>
           <a:prstGeom prst="straightConnector1">
             <a:avLst/>
@@ -7603,24 +7147,24 @@
       </p:cxnSp>
       <p:cxnSp>
         <p:nvCxnSpPr>
-          <p:cNvPr id="109" name="直接箭头连接符 108">
-            <a:extLst>
-              <a:ext uri="{FF2B5EF4-FFF2-40B4-BE49-F238E27FC236}">
-                <a16:creationId xmlns:a16="http://schemas.microsoft.com/office/drawing/2014/main" id="{1986FB04-0B2C-49B2-97F4-81933FD7C29D}"/>
+          <p:cNvPr id="41" name="直接箭头连接符 40">
+            <a:extLst>
+              <a:ext uri="{FF2B5EF4-FFF2-40B4-BE49-F238E27FC236}">
+                <a16:creationId xmlns:a16="http://schemas.microsoft.com/office/drawing/2014/main" id="{4A8102AD-0EA9-48D7-A683-0727559777CF}"/>
               </a:ext>
             </a:extLst>
           </p:cNvPr>
           <p:cNvCxnSpPr>
             <a:cxnSpLocks/>
-            <a:stCxn id="63" idx="3"/>
-            <a:endCxn id="118" idx="1"/>
+            <a:stCxn id="32" idx="3"/>
+            <a:endCxn id="42" idx="1"/>
           </p:cNvCxnSpPr>
           <p:nvPr/>
         </p:nvCxnSpPr>
         <p:spPr>
           <a:xfrm>
-            <a:off x="6583777" y="1983504"/>
-            <a:ext cx="1682440" cy="0"/>
+            <a:off x="6593427" y="1891461"/>
+            <a:ext cx="1672790" cy="0"/>
           </a:xfrm>
           <a:prstGeom prst="straightConnector1">
             <a:avLst/>
@@ -7649,10 +7193,10 @@
       </p:cxnSp>
       <p:sp>
         <p:nvSpPr>
-          <p:cNvPr id="118" name="矩形: 圆角 117">
-            <a:extLst>
-              <a:ext uri="{FF2B5EF4-FFF2-40B4-BE49-F238E27FC236}">
-                <a16:creationId xmlns:a16="http://schemas.microsoft.com/office/drawing/2014/main" id="{9431B602-ED82-4573-A9F0-FDFCE99889C6}"/>
+          <p:cNvPr id="42" name="矩形: 圆角 41">
+            <a:extLst>
+              <a:ext uri="{FF2B5EF4-FFF2-40B4-BE49-F238E27FC236}">
+                <a16:creationId xmlns:a16="http://schemas.microsoft.com/office/drawing/2014/main" id="{83C7F451-396B-4CEC-AB8C-A2A55E5BB1EB}"/>
               </a:ext>
             </a:extLst>
           </p:cNvPr>
@@ -7661,7 +7205,7 @@
         </p:nvSpPr>
         <p:spPr>
           <a:xfrm>
-            <a:off x="8266217" y="1767504"/>
+            <a:off x="8266217" y="1675461"/>
             <a:ext cx="1728000" cy="432000"/>
           </a:xfrm>
           <a:prstGeom prst="roundRect">
@@ -7707,17 +7251,17 @@
                 <a:latin typeface="微软雅黑" panose="020B0503020204020204" pitchFamily="34" charset="-122"/>
                 <a:ea typeface="微软雅黑" panose="020B0503020204020204" pitchFamily="34" charset="-122"/>
               </a:rPr>
-              <a:t>收藏表</a:t>
-            </a:r>
-          </a:p>
-        </p:txBody>
-      </p:sp>
-      <p:sp>
-        <p:nvSpPr>
-          <p:cNvPr id="23" name="矩形: 圆角 22">
-            <a:extLst>
-              <a:ext uri="{FF2B5EF4-FFF2-40B4-BE49-F238E27FC236}">
-                <a16:creationId xmlns:a16="http://schemas.microsoft.com/office/drawing/2014/main" id="{91F7C30B-B817-4C7F-A17C-A00AF9EC442B}"/>
+              <a:t>书籍表</a:t>
+            </a:r>
+          </a:p>
+        </p:txBody>
+      </p:sp>
+      <p:sp>
+        <p:nvSpPr>
+          <p:cNvPr id="43" name="矩形: 圆角 42">
+            <a:extLst>
+              <a:ext uri="{FF2B5EF4-FFF2-40B4-BE49-F238E27FC236}">
+                <a16:creationId xmlns:a16="http://schemas.microsoft.com/office/drawing/2014/main" id="{5D7BBEA4-D9FC-43E5-915A-EDDE22A12866}"/>
               </a:ext>
             </a:extLst>
           </p:cNvPr>
@@ -7726,371 +7270,7 @@
         </p:nvSpPr>
         <p:spPr>
           <a:xfrm>
-            <a:off x="4567777" y="4139232"/>
-            <a:ext cx="2016000" cy="648000"/>
-          </a:xfrm>
-          <a:prstGeom prst="roundRect">
-            <a:avLst/>
-          </a:prstGeom>
-          <a:solidFill>
-            <a:srgbClr val="00B050"/>
-          </a:solidFill>
-          <a:ln>
-            <a:solidFill>
-              <a:schemeClr val="tx1"/>
-            </a:solidFill>
-          </a:ln>
-        </p:spPr>
-        <p:style>
-          <a:lnRef idx="2">
-            <a:schemeClr val="accent1">
-              <a:shade val="50000"/>
-            </a:schemeClr>
-          </a:lnRef>
-          <a:fillRef idx="1">
-            <a:schemeClr val="accent1"/>
-          </a:fillRef>
-          <a:effectRef idx="0">
-            <a:schemeClr val="accent1"/>
-          </a:effectRef>
-          <a:fontRef idx="minor">
-            <a:schemeClr val="lt1"/>
-          </a:fontRef>
-        </p:style>
-        <p:txBody>
-          <a:bodyPr wrap="none" lIns="36000" tIns="36000" rIns="36000" bIns="36000" rtlCol="0" anchor="ctr" anchorCtr="0"/>
-          <a:lstStyle/>
-          <a:p>
-            <a:pPr algn="ctr"/>
-            <a:r>
-              <a:rPr lang="zh-CN" altLang="en-US" sz="1600" b="1">
-                <a:solidFill>
-                  <a:schemeClr val="tx1"/>
-                </a:solidFill>
-                <a:latin typeface="微软雅黑" panose="020B0503020204020204" pitchFamily="34" charset="-122"/>
-                <a:ea typeface="微软雅黑" panose="020B0503020204020204" pitchFamily="34" charset="-122"/>
-              </a:rPr>
-              <a:t>查找收藏</a:t>
-            </a:r>
-            <a:endParaRPr lang="en-US" altLang="zh-CN" sz="1600" b="1">
-              <a:solidFill>
-                <a:schemeClr val="tx1"/>
-              </a:solidFill>
-              <a:latin typeface="微软雅黑" panose="020B0503020204020204" pitchFamily="34" charset="-122"/>
-              <a:ea typeface="微软雅黑" panose="020B0503020204020204" pitchFamily="34" charset="-122"/>
-            </a:endParaRPr>
-          </a:p>
-          <a:p>
-            <a:pPr algn="ctr"/>
-            <a:r>
-              <a:rPr lang="en-US" altLang="zh-CN" sz="1600" b="1">
-                <a:solidFill>
-                  <a:schemeClr val="tx1"/>
-                </a:solidFill>
-                <a:latin typeface="微软雅黑" panose="020B0503020204020204" pitchFamily="34" charset="-122"/>
-                <a:ea typeface="微软雅黑" panose="020B0503020204020204" pitchFamily="34" charset="-122"/>
-              </a:rPr>
-              <a:t>is_focus</a:t>
-            </a:r>
-            <a:endParaRPr lang="zh-CN" altLang="en-US" sz="1600" b="1">
-              <a:solidFill>
-                <a:schemeClr val="tx1"/>
-              </a:solidFill>
-              <a:latin typeface="微软雅黑" panose="020B0503020204020204" pitchFamily="34" charset="-122"/>
-              <a:ea typeface="微软雅黑" panose="020B0503020204020204" pitchFamily="34" charset="-122"/>
-            </a:endParaRPr>
-          </a:p>
-        </p:txBody>
-      </p:sp>
-      <p:cxnSp>
-        <p:nvCxnSpPr>
-          <p:cNvPr id="25" name="直接箭头连接符 24">
-            <a:extLst>
-              <a:ext uri="{FF2B5EF4-FFF2-40B4-BE49-F238E27FC236}">
-                <a16:creationId xmlns:a16="http://schemas.microsoft.com/office/drawing/2014/main" id="{188086D4-4461-4F13-B5A8-C3898AF5F5BE}"/>
-              </a:ext>
-            </a:extLst>
-          </p:cNvPr>
-          <p:cNvCxnSpPr>
-            <a:cxnSpLocks/>
-            <a:stCxn id="43" idx="3"/>
-            <a:endCxn id="23" idx="1"/>
-          </p:cNvCxnSpPr>
-          <p:nvPr/>
-        </p:nvCxnSpPr>
-        <p:spPr>
-          <a:xfrm>
-            <a:off x="1792379" y="3988197"/>
-            <a:ext cx="2775398" cy="475035"/>
-          </a:xfrm>
-          <a:prstGeom prst="straightConnector1">
-            <a:avLst/>
-          </a:prstGeom>
-          <a:ln w="31750">
-            <a:solidFill>
-              <a:schemeClr val="tx1"/>
-            </a:solidFill>
-            <a:tailEnd type="triangle"/>
-          </a:ln>
-        </p:spPr>
-        <p:style>
-          <a:lnRef idx="1">
-            <a:schemeClr val="accent1"/>
-          </a:lnRef>
-          <a:fillRef idx="0">
-            <a:schemeClr val="accent1"/>
-          </a:fillRef>
-          <a:effectRef idx="0">
-            <a:schemeClr val="accent1"/>
-          </a:effectRef>
-          <a:fontRef idx="minor">
-            <a:schemeClr val="tx1"/>
-          </a:fontRef>
-        </p:style>
-      </p:cxnSp>
-      <p:cxnSp>
-        <p:nvCxnSpPr>
-          <p:cNvPr id="26" name="直接箭头连接符 25">
-            <a:extLst>
-              <a:ext uri="{FF2B5EF4-FFF2-40B4-BE49-F238E27FC236}">
-                <a16:creationId xmlns:a16="http://schemas.microsoft.com/office/drawing/2014/main" id="{EC9A40CE-BE3C-43E8-B3DA-4C0CEB688DB6}"/>
-              </a:ext>
-            </a:extLst>
-          </p:cNvPr>
-          <p:cNvCxnSpPr>
-            <a:cxnSpLocks/>
-            <a:stCxn id="30" idx="1"/>
-            <a:endCxn id="23" idx="3"/>
-          </p:cNvCxnSpPr>
-          <p:nvPr/>
-        </p:nvCxnSpPr>
-        <p:spPr>
-          <a:xfrm flipH="1">
-            <a:off x="6583777" y="3988197"/>
-            <a:ext cx="1682440" cy="475035"/>
-          </a:xfrm>
-          <a:prstGeom prst="straightConnector1">
-            <a:avLst/>
-          </a:prstGeom>
-          <a:ln w="57150">
-            <a:solidFill>
-              <a:srgbClr val="FF0000"/>
-            </a:solidFill>
-            <a:tailEnd type="triangle"/>
-          </a:ln>
-        </p:spPr>
-        <p:style>
-          <a:lnRef idx="1">
-            <a:schemeClr val="accent1"/>
-          </a:lnRef>
-          <a:fillRef idx="0">
-            <a:schemeClr val="accent1"/>
-          </a:fillRef>
-          <a:effectRef idx="0">
-            <a:schemeClr val="accent1"/>
-          </a:effectRef>
-          <a:fontRef idx="minor">
-            <a:schemeClr val="tx1"/>
-          </a:fontRef>
-        </p:style>
-      </p:cxnSp>
-      <p:sp>
-        <p:nvSpPr>
-          <p:cNvPr id="27" name="矩形: 圆角 26">
-            <a:extLst>
-              <a:ext uri="{FF2B5EF4-FFF2-40B4-BE49-F238E27FC236}">
-                <a16:creationId xmlns:a16="http://schemas.microsoft.com/office/drawing/2014/main" id="{C31774CB-8A87-4B97-BABE-266FD607DC7A}"/>
-              </a:ext>
-            </a:extLst>
-          </p:cNvPr>
-          <p:cNvSpPr/>
-          <p:nvPr/>
-        </p:nvSpPr>
-        <p:spPr>
-          <a:xfrm>
-            <a:off x="4567777" y="3302355"/>
-            <a:ext cx="2016000" cy="648000"/>
-          </a:xfrm>
-          <a:prstGeom prst="roundRect">
-            <a:avLst/>
-          </a:prstGeom>
-          <a:solidFill>
-            <a:srgbClr val="00B050"/>
-          </a:solidFill>
-          <a:ln>
-            <a:solidFill>
-              <a:schemeClr val="tx1"/>
-            </a:solidFill>
-          </a:ln>
-        </p:spPr>
-        <p:style>
-          <a:lnRef idx="2">
-            <a:schemeClr val="accent1">
-              <a:shade val="50000"/>
-            </a:schemeClr>
-          </a:lnRef>
-          <a:fillRef idx="1">
-            <a:schemeClr val="accent1"/>
-          </a:fillRef>
-          <a:effectRef idx="0">
-            <a:schemeClr val="accent1"/>
-          </a:effectRef>
-          <a:fontRef idx="minor">
-            <a:schemeClr val="lt1"/>
-          </a:fontRef>
-        </p:style>
-        <p:txBody>
-          <a:bodyPr wrap="none" lIns="36000" tIns="36000" rIns="36000" bIns="36000" rtlCol="0" anchor="ctr" anchorCtr="0"/>
-          <a:lstStyle/>
-          <a:p>
-            <a:pPr algn="ctr"/>
-            <a:r>
-              <a:rPr lang="zh-CN" altLang="en-US" sz="1600" b="1">
-                <a:solidFill>
-                  <a:schemeClr val="tx1"/>
-                </a:solidFill>
-                <a:latin typeface="微软雅黑" panose="020B0503020204020204" pitchFamily="34" charset="-122"/>
-                <a:ea typeface="微软雅黑" panose="020B0503020204020204" pitchFamily="34" charset="-122"/>
-              </a:rPr>
-              <a:t>查看所属</a:t>
-            </a:r>
-            <a:endParaRPr lang="en-US" altLang="zh-CN" sz="1600" b="1">
-              <a:solidFill>
-                <a:schemeClr val="tx1"/>
-              </a:solidFill>
-              <a:latin typeface="微软雅黑" panose="020B0503020204020204" pitchFamily="34" charset="-122"/>
-              <a:ea typeface="微软雅黑" panose="020B0503020204020204" pitchFamily="34" charset="-122"/>
-            </a:endParaRPr>
-          </a:p>
-          <a:p>
-            <a:pPr algn="ctr"/>
-            <a:r>
-              <a:rPr lang="en-US" altLang="zh-CN" sz="1600" b="1">
-                <a:solidFill>
-                  <a:schemeClr val="tx1"/>
-                </a:solidFill>
-                <a:latin typeface="微软雅黑" panose="020B0503020204020204" pitchFamily="34" charset="-122"/>
-                <a:ea typeface="微软雅黑" panose="020B0503020204020204" pitchFamily="34" charset="-122"/>
-              </a:rPr>
-              <a:t>list_focus</a:t>
-            </a:r>
-            <a:endParaRPr lang="zh-CN" altLang="en-US" sz="1600" b="1">
-              <a:solidFill>
-                <a:schemeClr val="tx1"/>
-              </a:solidFill>
-              <a:latin typeface="微软雅黑" panose="020B0503020204020204" pitchFamily="34" charset="-122"/>
-              <a:ea typeface="微软雅黑" panose="020B0503020204020204" pitchFamily="34" charset="-122"/>
-            </a:endParaRPr>
-          </a:p>
-        </p:txBody>
-      </p:sp>
-      <p:cxnSp>
-        <p:nvCxnSpPr>
-          <p:cNvPr id="28" name="直接箭头连接符 27">
-            <a:extLst>
-              <a:ext uri="{FF2B5EF4-FFF2-40B4-BE49-F238E27FC236}">
-                <a16:creationId xmlns:a16="http://schemas.microsoft.com/office/drawing/2014/main" id="{20E45BF9-2C32-43CC-8825-D9A5DCBC503D}"/>
-              </a:ext>
-            </a:extLst>
-          </p:cNvPr>
-          <p:cNvCxnSpPr>
-            <a:cxnSpLocks/>
-            <a:stCxn id="43" idx="3"/>
-            <a:endCxn id="27" idx="1"/>
-          </p:cNvCxnSpPr>
-          <p:nvPr/>
-        </p:nvCxnSpPr>
-        <p:spPr>
-          <a:xfrm flipV="1">
-            <a:off x="1792379" y="3626355"/>
-            <a:ext cx="2775398" cy="361842"/>
-          </a:xfrm>
-          <a:prstGeom prst="straightConnector1">
-            <a:avLst/>
-          </a:prstGeom>
-          <a:ln w="31750">
-            <a:solidFill>
-              <a:schemeClr val="tx1"/>
-            </a:solidFill>
-            <a:tailEnd type="triangle"/>
-          </a:ln>
-        </p:spPr>
-        <p:style>
-          <a:lnRef idx="1">
-            <a:schemeClr val="accent1"/>
-          </a:lnRef>
-          <a:fillRef idx="0">
-            <a:schemeClr val="accent1"/>
-          </a:fillRef>
-          <a:effectRef idx="0">
-            <a:schemeClr val="accent1"/>
-          </a:effectRef>
-          <a:fontRef idx="minor">
-            <a:schemeClr val="tx1"/>
-          </a:fontRef>
-        </p:style>
-      </p:cxnSp>
-      <p:cxnSp>
-        <p:nvCxnSpPr>
-          <p:cNvPr id="29" name="直接箭头连接符 28">
-            <a:extLst>
-              <a:ext uri="{FF2B5EF4-FFF2-40B4-BE49-F238E27FC236}">
-                <a16:creationId xmlns:a16="http://schemas.microsoft.com/office/drawing/2014/main" id="{AD423900-E8AF-47AE-8605-1E04A49C6E04}"/>
-              </a:ext>
-            </a:extLst>
-          </p:cNvPr>
-          <p:cNvCxnSpPr>
-            <a:cxnSpLocks/>
-            <a:stCxn id="30" idx="1"/>
-            <a:endCxn id="27" idx="3"/>
-          </p:cNvCxnSpPr>
-          <p:nvPr/>
-        </p:nvCxnSpPr>
-        <p:spPr>
-          <a:xfrm flipH="1" flipV="1">
-            <a:off x="6583777" y="3626355"/>
-            <a:ext cx="1682440" cy="361842"/>
-          </a:xfrm>
-          <a:prstGeom prst="straightConnector1">
-            <a:avLst/>
-          </a:prstGeom>
-          <a:ln w="57150">
-            <a:solidFill>
-              <a:srgbClr val="FF0000"/>
-            </a:solidFill>
-            <a:tailEnd type="triangle"/>
-          </a:ln>
-        </p:spPr>
-        <p:style>
-          <a:lnRef idx="1">
-            <a:schemeClr val="accent1"/>
-          </a:lnRef>
-          <a:fillRef idx="0">
-            <a:schemeClr val="accent1"/>
-          </a:fillRef>
-          <a:effectRef idx="0">
-            <a:schemeClr val="accent1"/>
-          </a:effectRef>
-          <a:fontRef idx="minor">
-            <a:schemeClr val="tx1"/>
-          </a:fontRef>
-        </p:style>
-      </p:cxnSp>
-      <p:sp>
-        <p:nvSpPr>
-          <p:cNvPr id="30" name="矩形: 圆角 29">
-            <a:extLst>
-              <a:ext uri="{FF2B5EF4-FFF2-40B4-BE49-F238E27FC236}">
-                <a16:creationId xmlns:a16="http://schemas.microsoft.com/office/drawing/2014/main" id="{87B66576-A858-4AD0-BBFF-DD48CEEBC239}"/>
-              </a:ext>
-            </a:extLst>
-          </p:cNvPr>
-          <p:cNvSpPr/>
-          <p:nvPr/>
-        </p:nvSpPr>
-        <p:spPr>
-          <a:xfrm>
-            <a:off x="8266217" y="3772197"/>
+            <a:off x="8266217" y="3459960"/>
             <a:ext cx="1728000" cy="432000"/>
           </a:xfrm>
           <a:prstGeom prst="roundRect">
@@ -8136,17 +7316,17 @@
                 <a:latin typeface="微软雅黑" panose="020B0503020204020204" pitchFamily="34" charset="-122"/>
                 <a:ea typeface="微软雅黑" panose="020B0503020204020204" pitchFamily="34" charset="-122"/>
               </a:rPr>
-              <a:t>收藏表</a:t>
-            </a:r>
-          </a:p>
-        </p:txBody>
-      </p:sp>
-      <p:sp>
-        <p:nvSpPr>
-          <p:cNvPr id="43" name="矩形: 圆角 42">
-            <a:extLst>
-              <a:ext uri="{FF2B5EF4-FFF2-40B4-BE49-F238E27FC236}">
-                <a16:creationId xmlns:a16="http://schemas.microsoft.com/office/drawing/2014/main" id="{675AED72-EDE1-4B9E-AAF3-98ACFD8C4FB3}"/>
+              <a:t>书籍表</a:t>
+            </a:r>
+          </a:p>
+        </p:txBody>
+      </p:sp>
+      <p:sp>
+        <p:nvSpPr>
+          <p:cNvPr id="44" name="矩形: 圆角 43">
+            <a:extLst>
+              <a:ext uri="{FF2B5EF4-FFF2-40B4-BE49-F238E27FC236}">
+                <a16:creationId xmlns:a16="http://schemas.microsoft.com/office/drawing/2014/main" id="{C809D448-1885-49B0-A837-7285742D2987}"/>
               </a:ext>
             </a:extLst>
           </p:cNvPr>
@@ -8155,7 +7335,189 @@
         </p:nvSpPr>
         <p:spPr>
           <a:xfrm>
-            <a:off x="712379" y="3772197"/>
+            <a:off x="4577427" y="3351960"/>
+            <a:ext cx="2016000" cy="648000"/>
+          </a:xfrm>
+          <a:prstGeom prst="roundRect">
+            <a:avLst/>
+          </a:prstGeom>
+          <a:solidFill>
+            <a:srgbClr val="00B050"/>
+          </a:solidFill>
+          <a:ln>
+            <a:solidFill>
+              <a:schemeClr val="tx1"/>
+            </a:solidFill>
+          </a:ln>
+        </p:spPr>
+        <p:style>
+          <a:lnRef idx="2">
+            <a:schemeClr val="accent1">
+              <a:shade val="50000"/>
+            </a:schemeClr>
+          </a:lnRef>
+          <a:fillRef idx="1">
+            <a:schemeClr val="accent1"/>
+          </a:fillRef>
+          <a:effectRef idx="0">
+            <a:schemeClr val="accent1"/>
+          </a:effectRef>
+          <a:fontRef idx="minor">
+            <a:schemeClr val="lt1"/>
+          </a:fontRef>
+        </p:style>
+        <p:txBody>
+          <a:bodyPr wrap="none" lIns="36000" tIns="36000" rIns="36000" bIns="36000" rtlCol="0" anchor="ctr" anchorCtr="0"/>
+          <a:lstStyle/>
+          <a:p>
+            <a:pPr algn="ctr"/>
+            <a:r>
+              <a:rPr lang="zh-CN" altLang="en-US" sz="1600" b="1">
+                <a:solidFill>
+                  <a:schemeClr val="tx1"/>
+                </a:solidFill>
+                <a:latin typeface="微软雅黑" panose="020B0503020204020204" pitchFamily="34" charset="-122"/>
+                <a:ea typeface="微软雅黑" panose="020B0503020204020204" pitchFamily="34" charset="-122"/>
+              </a:rPr>
+              <a:t>按条件查看</a:t>
+            </a:r>
+            <a:endParaRPr lang="en-US" altLang="zh-CN" sz="1600" b="1">
+              <a:solidFill>
+                <a:schemeClr val="tx1"/>
+              </a:solidFill>
+              <a:latin typeface="微软雅黑" panose="020B0503020204020204" pitchFamily="34" charset="-122"/>
+              <a:ea typeface="微软雅黑" panose="020B0503020204020204" pitchFamily="34" charset="-122"/>
+            </a:endParaRPr>
+          </a:p>
+          <a:p>
+            <a:pPr algn="ctr"/>
+            <a:r>
+              <a:rPr lang="en-US" altLang="zh-CN" sz="1600" b="1">
+                <a:solidFill>
+                  <a:schemeClr val="tx1"/>
+                </a:solidFill>
+                <a:latin typeface="微软雅黑" panose="020B0503020204020204" pitchFamily="34" charset="-122"/>
+                <a:ea typeface="微软雅黑" panose="020B0503020204020204" pitchFamily="34" charset="-122"/>
+              </a:rPr>
+              <a:t>list_book</a:t>
+            </a:r>
+            <a:endParaRPr lang="zh-CN" altLang="en-US" sz="1600" b="1">
+              <a:solidFill>
+                <a:schemeClr val="tx1"/>
+              </a:solidFill>
+              <a:latin typeface="微软雅黑" panose="020B0503020204020204" pitchFamily="34" charset="-122"/>
+              <a:ea typeface="微软雅黑" panose="020B0503020204020204" pitchFamily="34" charset="-122"/>
+            </a:endParaRPr>
+          </a:p>
+        </p:txBody>
+      </p:sp>
+      <p:cxnSp>
+        <p:nvCxnSpPr>
+          <p:cNvPr id="45" name="直接箭头连接符 44">
+            <a:extLst>
+              <a:ext uri="{FF2B5EF4-FFF2-40B4-BE49-F238E27FC236}">
+                <a16:creationId xmlns:a16="http://schemas.microsoft.com/office/drawing/2014/main" id="{B8A010D7-7214-4441-9011-8BF8A292DAF7}"/>
+              </a:ext>
+            </a:extLst>
+          </p:cNvPr>
+          <p:cNvCxnSpPr>
+            <a:cxnSpLocks/>
+            <a:stCxn id="33" idx="3"/>
+            <a:endCxn id="44" idx="1"/>
+          </p:cNvCxnSpPr>
+          <p:nvPr/>
+        </p:nvCxnSpPr>
+        <p:spPr>
+          <a:xfrm>
+            <a:off x="1792379" y="3675960"/>
+            <a:ext cx="2785048" cy="0"/>
+          </a:xfrm>
+          <a:prstGeom prst="straightConnector1">
+            <a:avLst/>
+          </a:prstGeom>
+          <a:ln w="31750">
+            <a:solidFill>
+              <a:schemeClr val="tx1"/>
+            </a:solidFill>
+            <a:tailEnd type="triangle"/>
+          </a:ln>
+        </p:spPr>
+        <p:style>
+          <a:lnRef idx="1">
+            <a:schemeClr val="accent1"/>
+          </a:lnRef>
+          <a:fillRef idx="0">
+            <a:schemeClr val="accent1"/>
+          </a:fillRef>
+          <a:effectRef idx="0">
+            <a:schemeClr val="accent1"/>
+          </a:effectRef>
+          <a:fontRef idx="minor">
+            <a:schemeClr val="tx1"/>
+          </a:fontRef>
+        </p:style>
+      </p:cxnSp>
+      <p:cxnSp>
+        <p:nvCxnSpPr>
+          <p:cNvPr id="46" name="直接箭头连接符 45">
+            <a:extLst>
+              <a:ext uri="{FF2B5EF4-FFF2-40B4-BE49-F238E27FC236}">
+                <a16:creationId xmlns:a16="http://schemas.microsoft.com/office/drawing/2014/main" id="{90902F97-1F8C-4123-A6F5-F5542E47C41B}"/>
+              </a:ext>
+            </a:extLst>
+          </p:cNvPr>
+          <p:cNvCxnSpPr>
+            <a:cxnSpLocks/>
+            <a:stCxn id="43" idx="1"/>
+            <a:endCxn id="44" idx="3"/>
+          </p:cNvCxnSpPr>
+          <p:nvPr/>
+        </p:nvCxnSpPr>
+        <p:spPr>
+          <a:xfrm flipH="1">
+            <a:off x="6593427" y="3675960"/>
+            <a:ext cx="1672790" cy="0"/>
+          </a:xfrm>
+          <a:prstGeom prst="straightConnector1">
+            <a:avLst/>
+          </a:prstGeom>
+          <a:ln w="57150">
+            <a:solidFill>
+              <a:srgbClr val="FF0000"/>
+            </a:solidFill>
+            <a:tailEnd type="triangle"/>
+          </a:ln>
+        </p:spPr>
+        <p:style>
+          <a:lnRef idx="1">
+            <a:schemeClr val="accent1"/>
+          </a:lnRef>
+          <a:fillRef idx="0">
+            <a:schemeClr val="accent1"/>
+          </a:fillRef>
+          <a:effectRef idx="0">
+            <a:schemeClr val="accent1"/>
+          </a:effectRef>
+          <a:fontRef idx="minor">
+            <a:schemeClr val="tx1"/>
+          </a:fontRef>
+        </p:style>
+      </p:cxnSp>
+      <p:sp>
+        <p:nvSpPr>
+          <p:cNvPr id="31" name="矩形: 圆角 30">
+            <a:extLst>
+              <a:ext uri="{FF2B5EF4-FFF2-40B4-BE49-F238E27FC236}">
+                <a16:creationId xmlns:a16="http://schemas.microsoft.com/office/drawing/2014/main" id="{D2994B0C-690F-47E0-9C98-FE9E41725699}"/>
+              </a:ext>
+            </a:extLst>
+          </p:cNvPr>
+          <p:cNvSpPr/>
+          <p:nvPr/>
+        </p:nvSpPr>
+        <p:spPr>
+          <a:xfrm>
+            <a:off x="712379" y="1675461"/>
             <a:ext cx="1080000" cy="432000"/>
           </a:xfrm>
           <a:prstGeom prst="roundRect">
@@ -8199,6 +7561,1040 @@
                 <a:latin typeface="微软雅黑" panose="020B0503020204020204" pitchFamily="34" charset="-122"/>
                 <a:ea typeface="微软雅黑" panose="020B0503020204020204" pitchFamily="34" charset="-122"/>
               </a:rPr>
+              <a:t>基金会会员</a:t>
+            </a:r>
+          </a:p>
+        </p:txBody>
+      </p:sp>
+      <p:sp>
+        <p:nvSpPr>
+          <p:cNvPr id="33" name="矩形: 圆角 32">
+            <a:extLst>
+              <a:ext uri="{FF2B5EF4-FFF2-40B4-BE49-F238E27FC236}">
+                <a16:creationId xmlns:a16="http://schemas.microsoft.com/office/drawing/2014/main" id="{27E30EAF-187A-4D3E-B3A9-B25A65EF9EF5}"/>
+              </a:ext>
+            </a:extLst>
+          </p:cNvPr>
+          <p:cNvSpPr/>
+          <p:nvPr/>
+        </p:nvSpPr>
+        <p:spPr>
+          <a:xfrm>
+            <a:off x="712379" y="3459960"/>
+            <a:ext cx="1080000" cy="432000"/>
+          </a:xfrm>
+          <a:prstGeom prst="roundRect">
+            <a:avLst/>
+          </a:prstGeom>
+          <a:solidFill>
+            <a:srgbClr val="00B0F0"/>
+          </a:solidFill>
+          <a:ln>
+            <a:solidFill>
+              <a:schemeClr val="tx1"/>
+            </a:solidFill>
+          </a:ln>
+        </p:spPr>
+        <p:style>
+          <a:lnRef idx="2">
+            <a:schemeClr val="accent1">
+              <a:shade val="50000"/>
+            </a:schemeClr>
+          </a:lnRef>
+          <a:fillRef idx="1">
+            <a:schemeClr val="accent1"/>
+          </a:fillRef>
+          <a:effectRef idx="0">
+            <a:schemeClr val="accent1"/>
+          </a:effectRef>
+          <a:fontRef idx="minor">
+            <a:schemeClr val="lt1"/>
+          </a:fontRef>
+        </p:style>
+        <p:txBody>
+          <a:bodyPr wrap="none" lIns="36000" tIns="36000" rIns="36000" bIns="36000" rtlCol="0" anchor="ctr" anchorCtr="0"/>
+          <a:lstStyle/>
+          <a:p>
+            <a:pPr algn="ctr"/>
+            <a:r>
+              <a:rPr lang="zh-CN" altLang="en-US" sz="1600" b="1">
+                <a:solidFill>
+                  <a:schemeClr val="tx1"/>
+                </a:solidFill>
+                <a:latin typeface="微软雅黑" panose="020B0503020204020204" pitchFamily="34" charset="-122"/>
+                <a:ea typeface="微软雅黑" panose="020B0503020204020204" pitchFamily="34" charset="-122"/>
+              </a:rPr>
+              <a:t>用户</a:t>
+            </a:r>
+          </a:p>
+        </p:txBody>
+      </p:sp>
+    </p:spTree>
+    <p:extLst>
+      <p:ext uri="{BB962C8B-B14F-4D97-AF65-F5344CB8AC3E}">
+        <p14:creationId xmlns:p14="http://schemas.microsoft.com/office/powerpoint/2010/main" val="1439815563"/>
+      </p:ext>
+    </p:extLst>
+  </p:cSld>
+  <p:clrMapOvr>
+    <a:masterClrMapping/>
+  </p:clrMapOvr>
+</p:sld>
+</file>
+
+<file path=ppt/slides/slide8.xml><?xml version="1.0" encoding="utf-8"?>
+<p:sld xmlns:a="http://schemas.openxmlformats.org/drawingml/2006/main" xmlns:r="http://schemas.openxmlformats.org/officeDocument/2006/relationships" xmlns:p="http://schemas.openxmlformats.org/presentationml/2006/main">
+  <p:cSld>
+    <p:spTree>
+      <p:nvGrpSpPr>
+        <p:cNvPr id="1" name=""/>
+        <p:cNvGrpSpPr/>
+        <p:nvPr/>
+      </p:nvGrpSpPr>
+      <p:grpSpPr>
+        <a:xfrm>
+          <a:off x="0" y="0"/>
+          <a:ext cx="0" cy="0"/>
+          <a:chOff x="0" y="0"/>
+          <a:chExt cx="0" cy="0"/>
+        </a:xfrm>
+      </p:grpSpPr>
+      <p:cxnSp>
+        <p:nvCxnSpPr>
+          <p:cNvPr id="239" name="直接连接符 238">
+            <a:extLst>
+              <a:ext uri="{FF2B5EF4-FFF2-40B4-BE49-F238E27FC236}">
+                <a16:creationId xmlns:a16="http://schemas.microsoft.com/office/drawing/2014/main" id="{05CC9636-A076-48A7-9A94-4E0212BA0C59}"/>
+              </a:ext>
+            </a:extLst>
+          </p:cNvPr>
+          <p:cNvCxnSpPr>
+            <a:cxnSpLocks/>
+          </p:cNvCxnSpPr>
+          <p:nvPr/>
+        </p:nvCxnSpPr>
+        <p:spPr>
+          <a:xfrm flipH="1">
+            <a:off x="433388" y="866051"/>
+            <a:ext cx="11325225" cy="1"/>
+          </a:xfrm>
+          <a:prstGeom prst="line">
+            <a:avLst/>
+          </a:prstGeom>
+          <a:ln w="19050">
+            <a:solidFill>
+              <a:srgbClr val="00576E"/>
+            </a:solidFill>
+          </a:ln>
+          <a:effectLst>
+            <a:outerShdw blurRad="50800" dist="12700" dir="5400000" algn="t" rotWithShape="0">
+              <a:prstClr val="black">
+                <a:alpha val="40000"/>
+              </a:prstClr>
+            </a:outerShdw>
+          </a:effectLst>
+        </p:spPr>
+        <p:style>
+          <a:lnRef idx="2">
+            <a:schemeClr val="accent1"/>
+          </a:lnRef>
+          <a:fillRef idx="0">
+            <a:schemeClr val="accent1"/>
+          </a:fillRef>
+          <a:effectRef idx="1">
+            <a:schemeClr val="accent1"/>
+          </a:effectRef>
+          <a:fontRef idx="minor">
+            <a:schemeClr val="tx1"/>
+          </a:fontRef>
+        </p:style>
+      </p:cxnSp>
+      <p:sp>
+        <p:nvSpPr>
+          <p:cNvPr id="240" name="矩形 239">
+            <a:extLst>
+              <a:ext uri="{FF2B5EF4-FFF2-40B4-BE49-F238E27FC236}">
+                <a16:creationId xmlns:a16="http://schemas.microsoft.com/office/drawing/2014/main" id="{CE6D800A-2E58-40A9-AF4D-2C92406102BA}"/>
+              </a:ext>
+            </a:extLst>
+          </p:cNvPr>
+          <p:cNvSpPr/>
+          <p:nvPr/>
+        </p:nvSpPr>
+        <p:spPr>
+          <a:xfrm>
+            <a:off x="471489" y="209549"/>
+            <a:ext cx="119062" cy="513626"/>
+          </a:xfrm>
+          <a:prstGeom prst="rect">
+            <a:avLst/>
+          </a:prstGeom>
+          <a:solidFill>
+            <a:srgbClr val="00576E"/>
+          </a:solidFill>
+        </p:spPr>
+        <p:style>
+          <a:lnRef idx="2">
+            <a:schemeClr val="accent1">
+              <a:shade val="50000"/>
+            </a:schemeClr>
+          </a:lnRef>
+          <a:fillRef idx="1">
+            <a:schemeClr val="accent1"/>
+          </a:fillRef>
+          <a:effectRef idx="0">
+            <a:schemeClr val="accent1"/>
+          </a:effectRef>
+          <a:fontRef idx="minor">
+            <a:schemeClr val="lt1"/>
+          </a:fontRef>
+        </p:style>
+        <p:txBody>
+          <a:bodyPr rtlCol="0" anchor="ctr"/>
+          <a:lstStyle/>
+          <a:p>
+            <a:pPr algn="ctr"/>
+            <a:endParaRPr lang="zh-CN" altLang="en-US">
+              <a:latin typeface="Consolas" panose="020B0609020204030204" pitchFamily="49" charset="0"/>
+            </a:endParaRPr>
+          </a:p>
+        </p:txBody>
+      </p:sp>
+      <p:sp>
+        <p:nvSpPr>
+          <p:cNvPr id="241" name="文本框 240">
+            <a:extLst>
+              <a:ext uri="{FF2B5EF4-FFF2-40B4-BE49-F238E27FC236}">
+                <a16:creationId xmlns:a16="http://schemas.microsoft.com/office/drawing/2014/main" id="{90ABBAE7-6707-4A6F-819E-32C1CFD4250B}"/>
+              </a:ext>
+            </a:extLst>
+          </p:cNvPr>
+          <p:cNvSpPr txBox="1"/>
+          <p:nvPr/>
+        </p:nvSpPr>
+        <p:spPr>
+          <a:xfrm>
+            <a:off x="712379" y="173975"/>
+            <a:ext cx="1005403" cy="584775"/>
+          </a:xfrm>
+          <a:prstGeom prst="rect">
+            <a:avLst/>
+          </a:prstGeom>
+          <a:noFill/>
+        </p:spPr>
+        <p:txBody>
+          <a:bodyPr wrap="none" rtlCol="0">
+            <a:spAutoFit/>
+          </a:bodyPr>
+          <a:lstStyle/>
+          <a:p>
+            <a:r>
+              <a:rPr lang="zh-CN" altLang="en-US" sz="3200" b="1">
+                <a:latin typeface="Consolas" panose="020B0609020204030204" pitchFamily="49" charset="0"/>
+                <a:ea typeface="微软雅黑" panose="020B0503020204020204" pitchFamily="34" charset="-122"/>
+              </a:rPr>
+              <a:t>收藏</a:t>
+            </a:r>
+          </a:p>
+        </p:txBody>
+      </p:sp>
+      <p:sp>
+        <p:nvSpPr>
+          <p:cNvPr id="63" name="矩形: 圆角 62">
+            <a:extLst>
+              <a:ext uri="{FF2B5EF4-FFF2-40B4-BE49-F238E27FC236}">
+                <a16:creationId xmlns:a16="http://schemas.microsoft.com/office/drawing/2014/main" id="{A765B5A9-81A9-4DAB-9235-2C88A201A26E}"/>
+              </a:ext>
+            </a:extLst>
+          </p:cNvPr>
+          <p:cNvSpPr/>
+          <p:nvPr/>
+        </p:nvSpPr>
+        <p:spPr>
+          <a:xfrm>
+            <a:off x="4567777" y="1659504"/>
+            <a:ext cx="2016000" cy="648000"/>
+          </a:xfrm>
+          <a:prstGeom prst="roundRect">
+            <a:avLst/>
+          </a:prstGeom>
+          <a:solidFill>
+            <a:srgbClr val="00B050"/>
+          </a:solidFill>
+          <a:ln>
+            <a:solidFill>
+              <a:schemeClr val="tx1"/>
+            </a:solidFill>
+          </a:ln>
+        </p:spPr>
+        <p:style>
+          <a:lnRef idx="2">
+            <a:schemeClr val="accent1">
+              <a:shade val="50000"/>
+            </a:schemeClr>
+          </a:lnRef>
+          <a:fillRef idx="1">
+            <a:schemeClr val="accent1"/>
+          </a:fillRef>
+          <a:effectRef idx="0">
+            <a:schemeClr val="accent1"/>
+          </a:effectRef>
+          <a:fontRef idx="minor">
+            <a:schemeClr val="lt1"/>
+          </a:fontRef>
+        </p:style>
+        <p:txBody>
+          <a:bodyPr wrap="none" lIns="36000" tIns="36000" rIns="36000" bIns="36000" rtlCol="0" anchor="ctr" anchorCtr="0"/>
+          <a:lstStyle/>
+          <a:p>
+            <a:pPr algn="ctr"/>
+            <a:r>
+              <a:rPr lang="zh-CN" altLang="en-US" sz="1600" b="1">
+                <a:solidFill>
+                  <a:schemeClr val="tx1"/>
+                </a:solidFill>
+                <a:latin typeface="微软雅黑" panose="020B0503020204020204" pitchFamily="34" charset="-122"/>
+                <a:ea typeface="微软雅黑" panose="020B0503020204020204" pitchFamily="34" charset="-122"/>
+              </a:rPr>
+              <a:t>创建收藏</a:t>
+            </a:r>
+            <a:endParaRPr lang="en-US" altLang="zh-CN" sz="1600" b="1">
+              <a:solidFill>
+                <a:schemeClr val="tx1"/>
+              </a:solidFill>
+              <a:latin typeface="微软雅黑" panose="020B0503020204020204" pitchFamily="34" charset="-122"/>
+              <a:ea typeface="微软雅黑" panose="020B0503020204020204" pitchFamily="34" charset="-122"/>
+            </a:endParaRPr>
+          </a:p>
+          <a:p>
+            <a:pPr algn="ctr"/>
+            <a:r>
+              <a:rPr lang="en-US" altLang="zh-CN" sz="1600" b="1">
+                <a:solidFill>
+                  <a:schemeClr val="tx1"/>
+                </a:solidFill>
+                <a:latin typeface="微软雅黑" panose="020B0503020204020204" pitchFamily="34" charset="-122"/>
+                <a:ea typeface="微软雅黑" panose="020B0503020204020204" pitchFamily="34" charset="-122"/>
+              </a:rPr>
+              <a:t>add_focus</a:t>
+            </a:r>
+            <a:endParaRPr lang="zh-CN" altLang="en-US" sz="1600" b="1">
+              <a:solidFill>
+                <a:schemeClr val="tx1"/>
+              </a:solidFill>
+              <a:latin typeface="微软雅黑" panose="020B0503020204020204" pitchFamily="34" charset="-122"/>
+              <a:ea typeface="微软雅黑" panose="020B0503020204020204" pitchFamily="34" charset="-122"/>
+            </a:endParaRPr>
+          </a:p>
+        </p:txBody>
+      </p:sp>
+      <p:sp>
+        <p:nvSpPr>
+          <p:cNvPr id="72" name="矩形: 圆角 71">
+            <a:extLst>
+              <a:ext uri="{FF2B5EF4-FFF2-40B4-BE49-F238E27FC236}">
+                <a16:creationId xmlns:a16="http://schemas.microsoft.com/office/drawing/2014/main" id="{F090EA04-9B0E-47BE-A954-C335E6B1D1D7}"/>
+              </a:ext>
+            </a:extLst>
+          </p:cNvPr>
+          <p:cNvSpPr/>
+          <p:nvPr/>
+        </p:nvSpPr>
+        <p:spPr>
+          <a:xfrm>
+            <a:off x="714622" y="1767504"/>
+            <a:ext cx="1080000" cy="432000"/>
+          </a:xfrm>
+          <a:prstGeom prst="roundRect">
+            <a:avLst/>
+          </a:prstGeom>
+          <a:solidFill>
+            <a:srgbClr val="00B0F0"/>
+          </a:solidFill>
+          <a:ln>
+            <a:solidFill>
+              <a:schemeClr val="tx1"/>
+            </a:solidFill>
+          </a:ln>
+        </p:spPr>
+        <p:style>
+          <a:lnRef idx="2">
+            <a:schemeClr val="accent1">
+              <a:shade val="50000"/>
+            </a:schemeClr>
+          </a:lnRef>
+          <a:fillRef idx="1">
+            <a:schemeClr val="accent1"/>
+          </a:fillRef>
+          <a:effectRef idx="0">
+            <a:schemeClr val="accent1"/>
+          </a:effectRef>
+          <a:fontRef idx="minor">
+            <a:schemeClr val="lt1"/>
+          </a:fontRef>
+        </p:style>
+        <p:txBody>
+          <a:bodyPr wrap="none" lIns="36000" tIns="36000" rIns="36000" bIns="36000" rtlCol="0" anchor="ctr" anchorCtr="0"/>
+          <a:lstStyle/>
+          <a:p>
+            <a:pPr algn="ctr"/>
+            <a:r>
+              <a:rPr lang="zh-CN" altLang="en-US" sz="1600" b="1">
+                <a:solidFill>
+                  <a:schemeClr val="tx1"/>
+                </a:solidFill>
+                <a:latin typeface="微软雅黑" panose="020B0503020204020204" pitchFamily="34" charset="-122"/>
+                <a:ea typeface="微软雅黑" panose="020B0503020204020204" pitchFamily="34" charset="-122"/>
+              </a:rPr>
+              <a:t>用户</a:t>
+            </a:r>
+          </a:p>
+        </p:txBody>
+      </p:sp>
+      <p:cxnSp>
+        <p:nvCxnSpPr>
+          <p:cNvPr id="74" name="直接箭头连接符 73">
+            <a:extLst>
+              <a:ext uri="{FF2B5EF4-FFF2-40B4-BE49-F238E27FC236}">
+                <a16:creationId xmlns:a16="http://schemas.microsoft.com/office/drawing/2014/main" id="{12BA6710-8A62-4D0A-9BCE-C0D69A76735B}"/>
+              </a:ext>
+            </a:extLst>
+          </p:cNvPr>
+          <p:cNvCxnSpPr>
+            <a:cxnSpLocks/>
+            <a:stCxn id="72" idx="3"/>
+            <a:endCxn id="63" idx="1"/>
+          </p:cNvCxnSpPr>
+          <p:nvPr/>
+        </p:nvCxnSpPr>
+        <p:spPr>
+          <a:xfrm>
+            <a:off x="1794622" y="1983504"/>
+            <a:ext cx="2773155" cy="0"/>
+          </a:xfrm>
+          <a:prstGeom prst="straightConnector1">
+            <a:avLst/>
+          </a:prstGeom>
+          <a:ln w="31750">
+            <a:solidFill>
+              <a:schemeClr val="tx1"/>
+            </a:solidFill>
+            <a:tailEnd type="triangle"/>
+          </a:ln>
+        </p:spPr>
+        <p:style>
+          <a:lnRef idx="1">
+            <a:schemeClr val="accent1"/>
+          </a:lnRef>
+          <a:fillRef idx="0">
+            <a:schemeClr val="accent1"/>
+          </a:fillRef>
+          <a:effectRef idx="0">
+            <a:schemeClr val="accent1"/>
+          </a:effectRef>
+          <a:fontRef idx="minor">
+            <a:schemeClr val="tx1"/>
+          </a:fontRef>
+        </p:style>
+      </p:cxnSp>
+      <p:cxnSp>
+        <p:nvCxnSpPr>
+          <p:cNvPr id="109" name="直接箭头连接符 108">
+            <a:extLst>
+              <a:ext uri="{FF2B5EF4-FFF2-40B4-BE49-F238E27FC236}">
+                <a16:creationId xmlns:a16="http://schemas.microsoft.com/office/drawing/2014/main" id="{1986FB04-0B2C-49B2-97F4-81933FD7C29D}"/>
+              </a:ext>
+            </a:extLst>
+          </p:cNvPr>
+          <p:cNvCxnSpPr>
+            <a:cxnSpLocks/>
+            <a:stCxn id="63" idx="3"/>
+            <a:endCxn id="118" idx="1"/>
+          </p:cNvCxnSpPr>
+          <p:nvPr/>
+        </p:nvCxnSpPr>
+        <p:spPr>
+          <a:xfrm>
+            <a:off x="6583777" y="1983504"/>
+            <a:ext cx="1682440" cy="0"/>
+          </a:xfrm>
+          <a:prstGeom prst="straightConnector1">
+            <a:avLst/>
+          </a:prstGeom>
+          <a:ln w="57150">
+            <a:solidFill>
+              <a:srgbClr val="FFC000"/>
+            </a:solidFill>
+            <a:tailEnd type="triangle"/>
+          </a:ln>
+        </p:spPr>
+        <p:style>
+          <a:lnRef idx="1">
+            <a:schemeClr val="accent1"/>
+          </a:lnRef>
+          <a:fillRef idx="0">
+            <a:schemeClr val="accent1"/>
+          </a:fillRef>
+          <a:effectRef idx="0">
+            <a:schemeClr val="accent1"/>
+          </a:effectRef>
+          <a:fontRef idx="minor">
+            <a:schemeClr val="tx1"/>
+          </a:fontRef>
+        </p:style>
+      </p:cxnSp>
+      <p:sp>
+        <p:nvSpPr>
+          <p:cNvPr id="118" name="矩形: 圆角 117">
+            <a:extLst>
+              <a:ext uri="{FF2B5EF4-FFF2-40B4-BE49-F238E27FC236}">
+                <a16:creationId xmlns:a16="http://schemas.microsoft.com/office/drawing/2014/main" id="{9431B602-ED82-4573-A9F0-FDFCE99889C6}"/>
+              </a:ext>
+            </a:extLst>
+          </p:cNvPr>
+          <p:cNvSpPr/>
+          <p:nvPr/>
+        </p:nvSpPr>
+        <p:spPr>
+          <a:xfrm>
+            <a:off x="8266217" y="1767504"/>
+            <a:ext cx="1728000" cy="432000"/>
+          </a:xfrm>
+          <a:prstGeom prst="roundRect">
+            <a:avLst/>
+          </a:prstGeom>
+          <a:solidFill>
+            <a:schemeClr val="bg1">
+              <a:lumMod val="95000"/>
+            </a:schemeClr>
+          </a:solidFill>
+          <a:ln>
+            <a:solidFill>
+              <a:schemeClr val="tx1"/>
+            </a:solidFill>
+          </a:ln>
+        </p:spPr>
+        <p:style>
+          <a:lnRef idx="2">
+            <a:schemeClr val="accent1">
+              <a:shade val="50000"/>
+            </a:schemeClr>
+          </a:lnRef>
+          <a:fillRef idx="1">
+            <a:schemeClr val="accent1"/>
+          </a:fillRef>
+          <a:effectRef idx="0">
+            <a:schemeClr val="accent1"/>
+          </a:effectRef>
+          <a:fontRef idx="minor">
+            <a:schemeClr val="lt1"/>
+          </a:fontRef>
+        </p:style>
+        <p:txBody>
+          <a:bodyPr wrap="none" lIns="36000" tIns="36000" rIns="36000" bIns="36000" rtlCol="0" anchor="ctr" anchorCtr="0"/>
+          <a:lstStyle/>
+          <a:p>
+            <a:pPr algn="ctr"/>
+            <a:r>
+              <a:rPr lang="zh-CN" altLang="en-US" sz="1600" b="1">
+                <a:solidFill>
+                  <a:schemeClr val="tx1"/>
+                </a:solidFill>
+                <a:latin typeface="微软雅黑" panose="020B0503020204020204" pitchFamily="34" charset="-122"/>
+                <a:ea typeface="微软雅黑" panose="020B0503020204020204" pitchFamily="34" charset="-122"/>
+              </a:rPr>
+              <a:t>收藏表</a:t>
+            </a:r>
+          </a:p>
+        </p:txBody>
+      </p:sp>
+      <p:sp>
+        <p:nvSpPr>
+          <p:cNvPr id="23" name="矩形: 圆角 22">
+            <a:extLst>
+              <a:ext uri="{FF2B5EF4-FFF2-40B4-BE49-F238E27FC236}">
+                <a16:creationId xmlns:a16="http://schemas.microsoft.com/office/drawing/2014/main" id="{91F7C30B-B817-4C7F-A17C-A00AF9EC442B}"/>
+              </a:ext>
+            </a:extLst>
+          </p:cNvPr>
+          <p:cNvSpPr/>
+          <p:nvPr/>
+        </p:nvSpPr>
+        <p:spPr>
+          <a:xfrm>
+            <a:off x="4567777" y="4139232"/>
+            <a:ext cx="2016000" cy="648000"/>
+          </a:xfrm>
+          <a:prstGeom prst="roundRect">
+            <a:avLst/>
+          </a:prstGeom>
+          <a:solidFill>
+            <a:srgbClr val="00B050"/>
+          </a:solidFill>
+          <a:ln>
+            <a:solidFill>
+              <a:schemeClr val="tx1"/>
+            </a:solidFill>
+          </a:ln>
+        </p:spPr>
+        <p:style>
+          <a:lnRef idx="2">
+            <a:schemeClr val="accent1">
+              <a:shade val="50000"/>
+            </a:schemeClr>
+          </a:lnRef>
+          <a:fillRef idx="1">
+            <a:schemeClr val="accent1"/>
+          </a:fillRef>
+          <a:effectRef idx="0">
+            <a:schemeClr val="accent1"/>
+          </a:effectRef>
+          <a:fontRef idx="minor">
+            <a:schemeClr val="lt1"/>
+          </a:fontRef>
+        </p:style>
+        <p:txBody>
+          <a:bodyPr wrap="none" lIns="36000" tIns="36000" rIns="36000" bIns="36000" rtlCol="0" anchor="ctr" anchorCtr="0"/>
+          <a:lstStyle/>
+          <a:p>
+            <a:pPr algn="ctr"/>
+            <a:r>
+              <a:rPr lang="zh-CN" altLang="en-US" sz="1600" b="1">
+                <a:solidFill>
+                  <a:schemeClr val="tx1"/>
+                </a:solidFill>
+                <a:latin typeface="微软雅黑" panose="020B0503020204020204" pitchFamily="34" charset="-122"/>
+                <a:ea typeface="微软雅黑" panose="020B0503020204020204" pitchFamily="34" charset="-122"/>
+              </a:rPr>
+              <a:t>查找收藏</a:t>
+            </a:r>
+            <a:endParaRPr lang="en-US" altLang="zh-CN" sz="1600" b="1">
+              <a:solidFill>
+                <a:schemeClr val="tx1"/>
+              </a:solidFill>
+              <a:latin typeface="微软雅黑" panose="020B0503020204020204" pitchFamily="34" charset="-122"/>
+              <a:ea typeface="微软雅黑" panose="020B0503020204020204" pitchFamily="34" charset="-122"/>
+            </a:endParaRPr>
+          </a:p>
+          <a:p>
+            <a:pPr algn="ctr"/>
+            <a:r>
+              <a:rPr lang="en-US" altLang="zh-CN" sz="1600" b="1">
+                <a:solidFill>
+                  <a:schemeClr val="tx1"/>
+                </a:solidFill>
+                <a:latin typeface="微软雅黑" panose="020B0503020204020204" pitchFamily="34" charset="-122"/>
+                <a:ea typeface="微软雅黑" panose="020B0503020204020204" pitchFamily="34" charset="-122"/>
+              </a:rPr>
+              <a:t>is_focus</a:t>
+            </a:r>
+            <a:endParaRPr lang="zh-CN" altLang="en-US" sz="1600" b="1">
+              <a:solidFill>
+                <a:schemeClr val="tx1"/>
+              </a:solidFill>
+              <a:latin typeface="微软雅黑" panose="020B0503020204020204" pitchFamily="34" charset="-122"/>
+              <a:ea typeface="微软雅黑" panose="020B0503020204020204" pitchFamily="34" charset="-122"/>
+            </a:endParaRPr>
+          </a:p>
+        </p:txBody>
+      </p:sp>
+      <p:cxnSp>
+        <p:nvCxnSpPr>
+          <p:cNvPr id="25" name="直接箭头连接符 24">
+            <a:extLst>
+              <a:ext uri="{FF2B5EF4-FFF2-40B4-BE49-F238E27FC236}">
+                <a16:creationId xmlns:a16="http://schemas.microsoft.com/office/drawing/2014/main" id="{188086D4-4461-4F13-B5A8-C3898AF5F5BE}"/>
+              </a:ext>
+            </a:extLst>
+          </p:cNvPr>
+          <p:cNvCxnSpPr>
+            <a:cxnSpLocks/>
+            <a:stCxn id="43" idx="3"/>
+            <a:endCxn id="23" idx="1"/>
+          </p:cNvCxnSpPr>
+          <p:nvPr/>
+        </p:nvCxnSpPr>
+        <p:spPr>
+          <a:xfrm>
+            <a:off x="1792379" y="3988197"/>
+            <a:ext cx="2775398" cy="475035"/>
+          </a:xfrm>
+          <a:prstGeom prst="straightConnector1">
+            <a:avLst/>
+          </a:prstGeom>
+          <a:ln w="31750">
+            <a:solidFill>
+              <a:schemeClr val="tx1"/>
+            </a:solidFill>
+            <a:tailEnd type="triangle"/>
+          </a:ln>
+        </p:spPr>
+        <p:style>
+          <a:lnRef idx="1">
+            <a:schemeClr val="accent1"/>
+          </a:lnRef>
+          <a:fillRef idx="0">
+            <a:schemeClr val="accent1"/>
+          </a:fillRef>
+          <a:effectRef idx="0">
+            <a:schemeClr val="accent1"/>
+          </a:effectRef>
+          <a:fontRef idx="minor">
+            <a:schemeClr val="tx1"/>
+          </a:fontRef>
+        </p:style>
+      </p:cxnSp>
+      <p:cxnSp>
+        <p:nvCxnSpPr>
+          <p:cNvPr id="26" name="直接箭头连接符 25">
+            <a:extLst>
+              <a:ext uri="{FF2B5EF4-FFF2-40B4-BE49-F238E27FC236}">
+                <a16:creationId xmlns:a16="http://schemas.microsoft.com/office/drawing/2014/main" id="{EC9A40CE-BE3C-43E8-B3DA-4C0CEB688DB6}"/>
+              </a:ext>
+            </a:extLst>
+          </p:cNvPr>
+          <p:cNvCxnSpPr>
+            <a:cxnSpLocks/>
+            <a:stCxn id="30" idx="1"/>
+            <a:endCxn id="23" idx="3"/>
+          </p:cNvCxnSpPr>
+          <p:nvPr/>
+        </p:nvCxnSpPr>
+        <p:spPr>
+          <a:xfrm flipH="1">
+            <a:off x="6583777" y="3988197"/>
+            <a:ext cx="1682440" cy="475035"/>
+          </a:xfrm>
+          <a:prstGeom prst="straightConnector1">
+            <a:avLst/>
+          </a:prstGeom>
+          <a:ln w="57150">
+            <a:solidFill>
+              <a:srgbClr val="FF0000"/>
+            </a:solidFill>
+            <a:tailEnd type="triangle"/>
+          </a:ln>
+        </p:spPr>
+        <p:style>
+          <a:lnRef idx="1">
+            <a:schemeClr val="accent1"/>
+          </a:lnRef>
+          <a:fillRef idx="0">
+            <a:schemeClr val="accent1"/>
+          </a:fillRef>
+          <a:effectRef idx="0">
+            <a:schemeClr val="accent1"/>
+          </a:effectRef>
+          <a:fontRef idx="minor">
+            <a:schemeClr val="tx1"/>
+          </a:fontRef>
+        </p:style>
+      </p:cxnSp>
+      <p:sp>
+        <p:nvSpPr>
+          <p:cNvPr id="27" name="矩形: 圆角 26">
+            <a:extLst>
+              <a:ext uri="{FF2B5EF4-FFF2-40B4-BE49-F238E27FC236}">
+                <a16:creationId xmlns:a16="http://schemas.microsoft.com/office/drawing/2014/main" id="{C31774CB-8A87-4B97-BABE-266FD607DC7A}"/>
+              </a:ext>
+            </a:extLst>
+          </p:cNvPr>
+          <p:cNvSpPr/>
+          <p:nvPr/>
+        </p:nvSpPr>
+        <p:spPr>
+          <a:xfrm>
+            <a:off x="4567777" y="3302355"/>
+            <a:ext cx="2016000" cy="648000"/>
+          </a:xfrm>
+          <a:prstGeom prst="roundRect">
+            <a:avLst/>
+          </a:prstGeom>
+          <a:solidFill>
+            <a:srgbClr val="00B050"/>
+          </a:solidFill>
+          <a:ln>
+            <a:solidFill>
+              <a:schemeClr val="tx1"/>
+            </a:solidFill>
+          </a:ln>
+        </p:spPr>
+        <p:style>
+          <a:lnRef idx="2">
+            <a:schemeClr val="accent1">
+              <a:shade val="50000"/>
+            </a:schemeClr>
+          </a:lnRef>
+          <a:fillRef idx="1">
+            <a:schemeClr val="accent1"/>
+          </a:fillRef>
+          <a:effectRef idx="0">
+            <a:schemeClr val="accent1"/>
+          </a:effectRef>
+          <a:fontRef idx="minor">
+            <a:schemeClr val="lt1"/>
+          </a:fontRef>
+        </p:style>
+        <p:txBody>
+          <a:bodyPr wrap="none" lIns="36000" tIns="36000" rIns="36000" bIns="36000" rtlCol="0" anchor="ctr" anchorCtr="0"/>
+          <a:lstStyle/>
+          <a:p>
+            <a:pPr algn="ctr"/>
+            <a:r>
+              <a:rPr lang="zh-CN" altLang="en-US" sz="1600" b="1">
+                <a:solidFill>
+                  <a:schemeClr val="tx1"/>
+                </a:solidFill>
+                <a:latin typeface="微软雅黑" panose="020B0503020204020204" pitchFamily="34" charset="-122"/>
+                <a:ea typeface="微软雅黑" panose="020B0503020204020204" pitchFamily="34" charset="-122"/>
+              </a:rPr>
+              <a:t>查看所属</a:t>
+            </a:r>
+            <a:endParaRPr lang="en-US" altLang="zh-CN" sz="1600" b="1">
+              <a:solidFill>
+                <a:schemeClr val="tx1"/>
+              </a:solidFill>
+              <a:latin typeface="微软雅黑" panose="020B0503020204020204" pitchFamily="34" charset="-122"/>
+              <a:ea typeface="微软雅黑" panose="020B0503020204020204" pitchFamily="34" charset="-122"/>
+            </a:endParaRPr>
+          </a:p>
+          <a:p>
+            <a:pPr algn="ctr"/>
+            <a:r>
+              <a:rPr lang="en-US" altLang="zh-CN" sz="1600" b="1">
+                <a:solidFill>
+                  <a:schemeClr val="tx1"/>
+                </a:solidFill>
+                <a:latin typeface="微软雅黑" panose="020B0503020204020204" pitchFamily="34" charset="-122"/>
+                <a:ea typeface="微软雅黑" panose="020B0503020204020204" pitchFamily="34" charset="-122"/>
+              </a:rPr>
+              <a:t>list_focus</a:t>
+            </a:r>
+            <a:endParaRPr lang="zh-CN" altLang="en-US" sz="1600" b="1">
+              <a:solidFill>
+                <a:schemeClr val="tx1"/>
+              </a:solidFill>
+              <a:latin typeface="微软雅黑" panose="020B0503020204020204" pitchFamily="34" charset="-122"/>
+              <a:ea typeface="微软雅黑" panose="020B0503020204020204" pitchFamily="34" charset="-122"/>
+            </a:endParaRPr>
+          </a:p>
+        </p:txBody>
+      </p:sp>
+      <p:cxnSp>
+        <p:nvCxnSpPr>
+          <p:cNvPr id="28" name="直接箭头连接符 27">
+            <a:extLst>
+              <a:ext uri="{FF2B5EF4-FFF2-40B4-BE49-F238E27FC236}">
+                <a16:creationId xmlns:a16="http://schemas.microsoft.com/office/drawing/2014/main" id="{20E45BF9-2C32-43CC-8825-D9A5DCBC503D}"/>
+              </a:ext>
+            </a:extLst>
+          </p:cNvPr>
+          <p:cNvCxnSpPr>
+            <a:cxnSpLocks/>
+            <a:stCxn id="43" idx="3"/>
+            <a:endCxn id="27" idx="1"/>
+          </p:cNvCxnSpPr>
+          <p:nvPr/>
+        </p:nvCxnSpPr>
+        <p:spPr>
+          <a:xfrm flipV="1">
+            <a:off x="1792379" y="3626355"/>
+            <a:ext cx="2775398" cy="361842"/>
+          </a:xfrm>
+          <a:prstGeom prst="straightConnector1">
+            <a:avLst/>
+          </a:prstGeom>
+          <a:ln w="31750">
+            <a:solidFill>
+              <a:schemeClr val="tx1"/>
+            </a:solidFill>
+            <a:tailEnd type="triangle"/>
+          </a:ln>
+        </p:spPr>
+        <p:style>
+          <a:lnRef idx="1">
+            <a:schemeClr val="accent1"/>
+          </a:lnRef>
+          <a:fillRef idx="0">
+            <a:schemeClr val="accent1"/>
+          </a:fillRef>
+          <a:effectRef idx="0">
+            <a:schemeClr val="accent1"/>
+          </a:effectRef>
+          <a:fontRef idx="minor">
+            <a:schemeClr val="tx1"/>
+          </a:fontRef>
+        </p:style>
+      </p:cxnSp>
+      <p:cxnSp>
+        <p:nvCxnSpPr>
+          <p:cNvPr id="29" name="直接箭头连接符 28">
+            <a:extLst>
+              <a:ext uri="{FF2B5EF4-FFF2-40B4-BE49-F238E27FC236}">
+                <a16:creationId xmlns:a16="http://schemas.microsoft.com/office/drawing/2014/main" id="{AD423900-E8AF-47AE-8605-1E04A49C6E04}"/>
+              </a:ext>
+            </a:extLst>
+          </p:cNvPr>
+          <p:cNvCxnSpPr>
+            <a:cxnSpLocks/>
+            <a:stCxn id="30" idx="1"/>
+            <a:endCxn id="27" idx="3"/>
+          </p:cNvCxnSpPr>
+          <p:nvPr/>
+        </p:nvCxnSpPr>
+        <p:spPr>
+          <a:xfrm flipH="1" flipV="1">
+            <a:off x="6583777" y="3626355"/>
+            <a:ext cx="1682440" cy="361842"/>
+          </a:xfrm>
+          <a:prstGeom prst="straightConnector1">
+            <a:avLst/>
+          </a:prstGeom>
+          <a:ln w="57150">
+            <a:solidFill>
+              <a:srgbClr val="FF0000"/>
+            </a:solidFill>
+            <a:tailEnd type="triangle"/>
+          </a:ln>
+        </p:spPr>
+        <p:style>
+          <a:lnRef idx="1">
+            <a:schemeClr val="accent1"/>
+          </a:lnRef>
+          <a:fillRef idx="0">
+            <a:schemeClr val="accent1"/>
+          </a:fillRef>
+          <a:effectRef idx="0">
+            <a:schemeClr val="accent1"/>
+          </a:effectRef>
+          <a:fontRef idx="minor">
+            <a:schemeClr val="tx1"/>
+          </a:fontRef>
+        </p:style>
+      </p:cxnSp>
+      <p:sp>
+        <p:nvSpPr>
+          <p:cNvPr id="30" name="矩形: 圆角 29">
+            <a:extLst>
+              <a:ext uri="{FF2B5EF4-FFF2-40B4-BE49-F238E27FC236}">
+                <a16:creationId xmlns:a16="http://schemas.microsoft.com/office/drawing/2014/main" id="{87B66576-A858-4AD0-BBFF-DD48CEEBC239}"/>
+              </a:ext>
+            </a:extLst>
+          </p:cNvPr>
+          <p:cNvSpPr/>
+          <p:nvPr/>
+        </p:nvSpPr>
+        <p:spPr>
+          <a:xfrm>
+            <a:off x="8266217" y="3772197"/>
+            <a:ext cx="1728000" cy="432000"/>
+          </a:xfrm>
+          <a:prstGeom prst="roundRect">
+            <a:avLst/>
+          </a:prstGeom>
+          <a:solidFill>
+            <a:schemeClr val="bg1">
+              <a:lumMod val="95000"/>
+            </a:schemeClr>
+          </a:solidFill>
+          <a:ln>
+            <a:solidFill>
+              <a:schemeClr val="tx1"/>
+            </a:solidFill>
+          </a:ln>
+        </p:spPr>
+        <p:style>
+          <a:lnRef idx="2">
+            <a:schemeClr val="accent1">
+              <a:shade val="50000"/>
+            </a:schemeClr>
+          </a:lnRef>
+          <a:fillRef idx="1">
+            <a:schemeClr val="accent1"/>
+          </a:fillRef>
+          <a:effectRef idx="0">
+            <a:schemeClr val="accent1"/>
+          </a:effectRef>
+          <a:fontRef idx="minor">
+            <a:schemeClr val="lt1"/>
+          </a:fontRef>
+        </p:style>
+        <p:txBody>
+          <a:bodyPr wrap="none" lIns="36000" tIns="36000" rIns="36000" bIns="36000" rtlCol="0" anchor="ctr" anchorCtr="0"/>
+          <a:lstStyle/>
+          <a:p>
+            <a:pPr algn="ctr"/>
+            <a:r>
+              <a:rPr lang="zh-CN" altLang="en-US" sz="1600" b="1">
+                <a:solidFill>
+                  <a:schemeClr val="tx1"/>
+                </a:solidFill>
+                <a:latin typeface="微软雅黑" panose="020B0503020204020204" pitchFamily="34" charset="-122"/>
+                <a:ea typeface="微软雅黑" panose="020B0503020204020204" pitchFamily="34" charset="-122"/>
+              </a:rPr>
+              <a:t>收藏表</a:t>
+            </a:r>
+          </a:p>
+        </p:txBody>
+      </p:sp>
+      <p:sp>
+        <p:nvSpPr>
+          <p:cNvPr id="43" name="矩形: 圆角 42">
+            <a:extLst>
+              <a:ext uri="{FF2B5EF4-FFF2-40B4-BE49-F238E27FC236}">
+                <a16:creationId xmlns:a16="http://schemas.microsoft.com/office/drawing/2014/main" id="{675AED72-EDE1-4B9E-AAF3-98ACFD8C4FB3}"/>
+              </a:ext>
+            </a:extLst>
+          </p:cNvPr>
+          <p:cNvSpPr/>
+          <p:nvPr/>
+        </p:nvSpPr>
+        <p:spPr>
+          <a:xfrm>
+            <a:off x="712379" y="3772197"/>
+            <a:ext cx="1080000" cy="432000"/>
+          </a:xfrm>
+          <a:prstGeom prst="roundRect">
+            <a:avLst/>
+          </a:prstGeom>
+          <a:solidFill>
+            <a:srgbClr val="00B0F0"/>
+          </a:solidFill>
+          <a:ln>
+            <a:solidFill>
+              <a:schemeClr val="tx1"/>
+            </a:solidFill>
+          </a:ln>
+        </p:spPr>
+        <p:style>
+          <a:lnRef idx="2">
+            <a:schemeClr val="accent1">
+              <a:shade val="50000"/>
+            </a:schemeClr>
+          </a:lnRef>
+          <a:fillRef idx="1">
+            <a:schemeClr val="accent1"/>
+          </a:fillRef>
+          <a:effectRef idx="0">
+            <a:schemeClr val="accent1"/>
+          </a:effectRef>
+          <a:fontRef idx="minor">
+            <a:schemeClr val="lt1"/>
+          </a:fontRef>
+        </p:style>
+        <p:txBody>
+          <a:bodyPr wrap="none" lIns="36000" tIns="36000" rIns="36000" bIns="36000" rtlCol="0" anchor="ctr" anchorCtr="0"/>
+          <a:lstStyle/>
+          <a:p>
+            <a:pPr algn="ctr"/>
+            <a:r>
+              <a:rPr lang="zh-CN" altLang="en-US" sz="1600" b="1">
+                <a:solidFill>
+                  <a:schemeClr val="tx1"/>
+                </a:solidFill>
+                <a:latin typeface="微软雅黑" panose="020B0503020204020204" pitchFamily="34" charset="-122"/>
+                <a:ea typeface="微软雅黑" panose="020B0503020204020204" pitchFamily="34" charset="-122"/>
+              </a:rPr>
               <a:t>用户</a:t>
             </a:r>
           </a:p>
@@ -8208,6 +8604,1338 @@
     <p:extLst>
       <p:ext uri="{BB962C8B-B14F-4D97-AF65-F5344CB8AC3E}">
         <p14:creationId xmlns:p14="http://schemas.microsoft.com/office/powerpoint/2010/main" val="2460578591"/>
+      </p:ext>
+    </p:extLst>
+  </p:cSld>
+  <p:clrMapOvr>
+    <a:masterClrMapping/>
+  </p:clrMapOvr>
+</p:sld>
+</file>
+
+<file path=ppt/slides/slide9.xml><?xml version="1.0" encoding="utf-8"?>
+<p:sld xmlns:a="http://schemas.openxmlformats.org/drawingml/2006/main" xmlns:r="http://schemas.openxmlformats.org/officeDocument/2006/relationships" xmlns:p="http://schemas.openxmlformats.org/presentationml/2006/main">
+  <p:cSld>
+    <p:spTree>
+      <p:nvGrpSpPr>
+        <p:cNvPr id="1" name=""/>
+        <p:cNvGrpSpPr/>
+        <p:nvPr/>
+      </p:nvGrpSpPr>
+      <p:grpSpPr>
+        <a:xfrm>
+          <a:off x="0" y="0"/>
+          <a:ext cx="0" cy="0"/>
+          <a:chOff x="0" y="0"/>
+          <a:chExt cx="0" cy="0"/>
+        </a:xfrm>
+      </p:grpSpPr>
+      <p:cxnSp>
+        <p:nvCxnSpPr>
+          <p:cNvPr id="239" name="直接连接符 238">
+            <a:extLst>
+              <a:ext uri="{FF2B5EF4-FFF2-40B4-BE49-F238E27FC236}">
+                <a16:creationId xmlns:a16="http://schemas.microsoft.com/office/drawing/2014/main" id="{05CC9636-A076-48A7-9A94-4E0212BA0C59}"/>
+              </a:ext>
+            </a:extLst>
+          </p:cNvPr>
+          <p:cNvCxnSpPr>
+            <a:cxnSpLocks/>
+          </p:cNvCxnSpPr>
+          <p:nvPr/>
+        </p:nvCxnSpPr>
+        <p:spPr>
+          <a:xfrm flipH="1">
+            <a:off x="433388" y="866051"/>
+            <a:ext cx="11325225" cy="1"/>
+          </a:xfrm>
+          <a:prstGeom prst="line">
+            <a:avLst/>
+          </a:prstGeom>
+          <a:ln w="19050">
+            <a:solidFill>
+              <a:srgbClr val="00576E"/>
+            </a:solidFill>
+          </a:ln>
+          <a:effectLst>
+            <a:outerShdw blurRad="50800" dist="12700" dir="5400000" algn="t" rotWithShape="0">
+              <a:prstClr val="black">
+                <a:alpha val="40000"/>
+              </a:prstClr>
+            </a:outerShdw>
+          </a:effectLst>
+        </p:spPr>
+        <p:style>
+          <a:lnRef idx="2">
+            <a:schemeClr val="accent1"/>
+          </a:lnRef>
+          <a:fillRef idx="0">
+            <a:schemeClr val="accent1"/>
+          </a:fillRef>
+          <a:effectRef idx="1">
+            <a:schemeClr val="accent1"/>
+          </a:effectRef>
+          <a:fontRef idx="minor">
+            <a:schemeClr val="tx1"/>
+          </a:fontRef>
+        </p:style>
+      </p:cxnSp>
+      <p:sp>
+        <p:nvSpPr>
+          <p:cNvPr id="240" name="矩形 239">
+            <a:extLst>
+              <a:ext uri="{FF2B5EF4-FFF2-40B4-BE49-F238E27FC236}">
+                <a16:creationId xmlns:a16="http://schemas.microsoft.com/office/drawing/2014/main" id="{CE6D800A-2E58-40A9-AF4D-2C92406102BA}"/>
+              </a:ext>
+            </a:extLst>
+          </p:cNvPr>
+          <p:cNvSpPr/>
+          <p:nvPr/>
+        </p:nvSpPr>
+        <p:spPr>
+          <a:xfrm>
+            <a:off x="471489" y="209549"/>
+            <a:ext cx="119062" cy="513626"/>
+          </a:xfrm>
+          <a:prstGeom prst="rect">
+            <a:avLst/>
+          </a:prstGeom>
+          <a:solidFill>
+            <a:srgbClr val="00576E"/>
+          </a:solidFill>
+        </p:spPr>
+        <p:style>
+          <a:lnRef idx="2">
+            <a:schemeClr val="accent1">
+              <a:shade val="50000"/>
+            </a:schemeClr>
+          </a:lnRef>
+          <a:fillRef idx="1">
+            <a:schemeClr val="accent1"/>
+          </a:fillRef>
+          <a:effectRef idx="0">
+            <a:schemeClr val="accent1"/>
+          </a:effectRef>
+          <a:fontRef idx="minor">
+            <a:schemeClr val="lt1"/>
+          </a:fontRef>
+        </p:style>
+        <p:txBody>
+          <a:bodyPr rtlCol="0" anchor="ctr"/>
+          <a:lstStyle/>
+          <a:p>
+            <a:pPr algn="ctr"/>
+            <a:endParaRPr lang="zh-CN" altLang="en-US">
+              <a:latin typeface="Consolas" panose="020B0609020204030204" pitchFamily="49" charset="0"/>
+            </a:endParaRPr>
+          </a:p>
+        </p:txBody>
+      </p:sp>
+      <p:sp>
+        <p:nvSpPr>
+          <p:cNvPr id="241" name="文本框 240">
+            <a:extLst>
+              <a:ext uri="{FF2B5EF4-FFF2-40B4-BE49-F238E27FC236}">
+                <a16:creationId xmlns:a16="http://schemas.microsoft.com/office/drawing/2014/main" id="{90ABBAE7-6707-4A6F-819E-32C1CFD4250B}"/>
+              </a:ext>
+            </a:extLst>
+          </p:cNvPr>
+          <p:cNvSpPr txBox="1"/>
+          <p:nvPr/>
+        </p:nvSpPr>
+        <p:spPr>
+          <a:xfrm>
+            <a:off x="712379" y="173975"/>
+            <a:ext cx="1005403" cy="584775"/>
+          </a:xfrm>
+          <a:prstGeom prst="rect">
+            <a:avLst/>
+          </a:prstGeom>
+          <a:noFill/>
+        </p:spPr>
+        <p:txBody>
+          <a:bodyPr wrap="none" rtlCol="0">
+            <a:spAutoFit/>
+          </a:bodyPr>
+          <a:lstStyle/>
+          <a:p>
+            <a:r>
+              <a:rPr lang="zh-CN" altLang="en-US" sz="3200" b="1">
+                <a:latin typeface="Consolas" panose="020B0609020204030204" pitchFamily="49" charset="0"/>
+                <a:ea typeface="微软雅黑" panose="020B0503020204020204" pitchFamily="34" charset="-122"/>
+              </a:rPr>
+              <a:t>点评</a:t>
+            </a:r>
+          </a:p>
+        </p:txBody>
+      </p:sp>
+      <p:sp>
+        <p:nvSpPr>
+          <p:cNvPr id="27" name="矩形: 圆角 26">
+            <a:extLst>
+              <a:ext uri="{FF2B5EF4-FFF2-40B4-BE49-F238E27FC236}">
+                <a16:creationId xmlns:a16="http://schemas.microsoft.com/office/drawing/2014/main" id="{F6E6B806-9332-4C07-8BB5-8113B1017FCC}"/>
+              </a:ext>
+            </a:extLst>
+          </p:cNvPr>
+          <p:cNvSpPr/>
+          <p:nvPr/>
+        </p:nvSpPr>
+        <p:spPr>
+          <a:xfrm>
+            <a:off x="3733466" y="4422817"/>
+            <a:ext cx="2448000" cy="648000"/>
+          </a:xfrm>
+          <a:prstGeom prst="roundRect">
+            <a:avLst/>
+          </a:prstGeom>
+          <a:solidFill>
+            <a:srgbClr val="00B050"/>
+          </a:solidFill>
+          <a:ln>
+            <a:solidFill>
+              <a:schemeClr val="tx1"/>
+            </a:solidFill>
+          </a:ln>
+        </p:spPr>
+        <p:style>
+          <a:lnRef idx="2">
+            <a:schemeClr val="accent1">
+              <a:shade val="50000"/>
+            </a:schemeClr>
+          </a:lnRef>
+          <a:fillRef idx="1">
+            <a:schemeClr val="accent1"/>
+          </a:fillRef>
+          <a:effectRef idx="0">
+            <a:schemeClr val="accent1"/>
+          </a:effectRef>
+          <a:fontRef idx="minor">
+            <a:schemeClr val="lt1"/>
+          </a:fontRef>
+        </p:style>
+        <p:txBody>
+          <a:bodyPr wrap="none" lIns="36000" tIns="36000" rIns="36000" bIns="36000" rtlCol="0" anchor="ctr" anchorCtr="0"/>
+          <a:lstStyle/>
+          <a:p>
+            <a:pPr algn="ctr"/>
+            <a:r>
+              <a:rPr lang="zh-CN" altLang="en-US" sz="1600" b="1">
+                <a:solidFill>
+                  <a:schemeClr val="tx1"/>
+                </a:solidFill>
+                <a:latin typeface="微软雅黑" panose="020B0503020204020204" pitchFamily="34" charset="-122"/>
+                <a:ea typeface="微软雅黑" panose="020B0503020204020204" pitchFamily="34" charset="-122"/>
+              </a:rPr>
+              <a:t>查找</a:t>
+            </a:r>
+            <a:endParaRPr lang="en-US" altLang="zh-CN" sz="1600" b="1">
+              <a:solidFill>
+                <a:schemeClr val="tx1"/>
+              </a:solidFill>
+              <a:latin typeface="微软雅黑" panose="020B0503020204020204" pitchFamily="34" charset="-122"/>
+              <a:ea typeface="微软雅黑" panose="020B0503020204020204" pitchFamily="34" charset="-122"/>
+            </a:endParaRPr>
+          </a:p>
+          <a:p>
+            <a:pPr algn="ctr"/>
+            <a:r>
+              <a:rPr lang="en-US" altLang="zh-CN" sz="1600" b="1">
+                <a:solidFill>
+                  <a:schemeClr val="tx1"/>
+                </a:solidFill>
+                <a:latin typeface="微软雅黑" panose="020B0503020204020204" pitchFamily="34" charset="-122"/>
+                <a:ea typeface="微软雅黑" panose="020B0503020204020204" pitchFamily="34" charset="-122"/>
+              </a:rPr>
+              <a:t>find_comment</a:t>
+            </a:r>
+            <a:endParaRPr lang="zh-CN" altLang="en-US" sz="1600" b="1">
+              <a:solidFill>
+                <a:schemeClr val="tx1"/>
+              </a:solidFill>
+              <a:latin typeface="微软雅黑" panose="020B0503020204020204" pitchFamily="34" charset="-122"/>
+              <a:ea typeface="微软雅黑" panose="020B0503020204020204" pitchFamily="34" charset="-122"/>
+            </a:endParaRPr>
+          </a:p>
+        </p:txBody>
+      </p:sp>
+      <p:sp>
+        <p:nvSpPr>
+          <p:cNvPr id="28" name="矩形: 圆角 27">
+            <a:extLst>
+              <a:ext uri="{FF2B5EF4-FFF2-40B4-BE49-F238E27FC236}">
+                <a16:creationId xmlns:a16="http://schemas.microsoft.com/office/drawing/2014/main" id="{9E4FD8AC-7340-4383-9813-A3BB3E315AA4}"/>
+              </a:ext>
+            </a:extLst>
+          </p:cNvPr>
+          <p:cNvSpPr/>
+          <p:nvPr/>
+        </p:nvSpPr>
+        <p:spPr>
+          <a:xfrm>
+            <a:off x="712379" y="4530817"/>
+            <a:ext cx="1080000" cy="432000"/>
+          </a:xfrm>
+          <a:prstGeom prst="roundRect">
+            <a:avLst/>
+          </a:prstGeom>
+          <a:solidFill>
+            <a:srgbClr val="00B0F0"/>
+          </a:solidFill>
+          <a:ln>
+            <a:solidFill>
+              <a:schemeClr val="tx1"/>
+            </a:solidFill>
+          </a:ln>
+        </p:spPr>
+        <p:style>
+          <a:lnRef idx="2">
+            <a:schemeClr val="accent1">
+              <a:shade val="50000"/>
+            </a:schemeClr>
+          </a:lnRef>
+          <a:fillRef idx="1">
+            <a:schemeClr val="accent1"/>
+          </a:fillRef>
+          <a:effectRef idx="0">
+            <a:schemeClr val="accent1"/>
+          </a:effectRef>
+          <a:fontRef idx="minor">
+            <a:schemeClr val="lt1"/>
+          </a:fontRef>
+        </p:style>
+        <p:txBody>
+          <a:bodyPr wrap="none" lIns="36000" tIns="36000" rIns="36000" bIns="36000" rtlCol="0" anchor="ctr" anchorCtr="0"/>
+          <a:lstStyle/>
+          <a:p>
+            <a:pPr algn="ctr"/>
+            <a:r>
+              <a:rPr lang="zh-CN" altLang="en-US" sz="1600" b="1">
+                <a:solidFill>
+                  <a:schemeClr val="tx1"/>
+                </a:solidFill>
+                <a:latin typeface="微软雅黑" panose="020B0503020204020204" pitchFamily="34" charset="-122"/>
+                <a:ea typeface="微软雅黑" panose="020B0503020204020204" pitchFamily="34" charset="-122"/>
+              </a:rPr>
+              <a:t>用户</a:t>
+            </a:r>
+          </a:p>
+        </p:txBody>
+      </p:sp>
+      <p:sp>
+        <p:nvSpPr>
+          <p:cNvPr id="31" name="矩形: 圆角 30">
+            <a:extLst>
+              <a:ext uri="{FF2B5EF4-FFF2-40B4-BE49-F238E27FC236}">
+                <a16:creationId xmlns:a16="http://schemas.microsoft.com/office/drawing/2014/main" id="{73362124-A8C6-4262-A9B4-DBF990B70BA1}"/>
+              </a:ext>
+            </a:extLst>
+          </p:cNvPr>
+          <p:cNvSpPr/>
+          <p:nvPr/>
+        </p:nvSpPr>
+        <p:spPr>
+          <a:xfrm>
+            <a:off x="712379" y="2122909"/>
+            <a:ext cx="1080000" cy="432000"/>
+          </a:xfrm>
+          <a:prstGeom prst="roundRect">
+            <a:avLst/>
+          </a:prstGeom>
+          <a:solidFill>
+            <a:srgbClr val="00B0F0"/>
+          </a:solidFill>
+          <a:ln>
+            <a:solidFill>
+              <a:schemeClr val="tx1"/>
+            </a:solidFill>
+          </a:ln>
+        </p:spPr>
+        <p:style>
+          <a:lnRef idx="2">
+            <a:schemeClr val="accent1">
+              <a:shade val="50000"/>
+            </a:schemeClr>
+          </a:lnRef>
+          <a:fillRef idx="1">
+            <a:schemeClr val="accent1"/>
+          </a:fillRef>
+          <a:effectRef idx="0">
+            <a:schemeClr val="accent1"/>
+          </a:effectRef>
+          <a:fontRef idx="minor">
+            <a:schemeClr val="lt1"/>
+          </a:fontRef>
+        </p:style>
+        <p:txBody>
+          <a:bodyPr wrap="none" lIns="36000" tIns="36000" rIns="36000" bIns="36000" rtlCol="0" anchor="ctr" anchorCtr="0"/>
+          <a:lstStyle/>
+          <a:p>
+            <a:pPr algn="ctr"/>
+            <a:r>
+              <a:rPr lang="zh-CN" altLang="en-US" sz="1600" b="1">
+                <a:solidFill>
+                  <a:schemeClr val="tx1"/>
+                </a:solidFill>
+                <a:latin typeface="微软雅黑" panose="020B0503020204020204" pitchFamily="34" charset="-122"/>
+                <a:ea typeface="微软雅黑" panose="020B0503020204020204" pitchFamily="34" charset="-122"/>
+              </a:rPr>
+              <a:t>用户</a:t>
+            </a:r>
+          </a:p>
+        </p:txBody>
+      </p:sp>
+      <p:sp>
+        <p:nvSpPr>
+          <p:cNvPr id="34" name="矩形: 圆角 33">
+            <a:extLst>
+              <a:ext uri="{FF2B5EF4-FFF2-40B4-BE49-F238E27FC236}">
+                <a16:creationId xmlns:a16="http://schemas.microsoft.com/office/drawing/2014/main" id="{B9C84B9C-A26C-45A0-A5D2-60420FBA28DD}"/>
+              </a:ext>
+            </a:extLst>
+          </p:cNvPr>
+          <p:cNvSpPr/>
+          <p:nvPr/>
+        </p:nvSpPr>
+        <p:spPr>
+          <a:xfrm>
+            <a:off x="712379" y="5412535"/>
+            <a:ext cx="1080000" cy="432000"/>
+          </a:xfrm>
+          <a:prstGeom prst="roundRect">
+            <a:avLst/>
+          </a:prstGeom>
+          <a:solidFill>
+            <a:srgbClr val="00B0F0"/>
+          </a:solidFill>
+          <a:ln>
+            <a:solidFill>
+              <a:schemeClr val="tx1"/>
+            </a:solidFill>
+          </a:ln>
+        </p:spPr>
+        <p:style>
+          <a:lnRef idx="2">
+            <a:schemeClr val="accent1">
+              <a:shade val="50000"/>
+            </a:schemeClr>
+          </a:lnRef>
+          <a:fillRef idx="1">
+            <a:schemeClr val="accent1"/>
+          </a:fillRef>
+          <a:effectRef idx="0">
+            <a:schemeClr val="accent1"/>
+          </a:effectRef>
+          <a:fontRef idx="minor">
+            <a:schemeClr val="lt1"/>
+          </a:fontRef>
+        </p:style>
+        <p:txBody>
+          <a:bodyPr wrap="none" lIns="36000" tIns="36000" rIns="36000" bIns="36000" rtlCol="0" anchor="ctr" anchorCtr="0"/>
+          <a:lstStyle/>
+          <a:p>
+            <a:pPr algn="ctr"/>
+            <a:r>
+              <a:rPr lang="zh-CN" altLang="en-US" sz="1600" b="1">
+                <a:solidFill>
+                  <a:schemeClr val="tx1"/>
+                </a:solidFill>
+                <a:latin typeface="微软雅黑" panose="020B0503020204020204" pitchFamily="34" charset="-122"/>
+                <a:ea typeface="微软雅黑" panose="020B0503020204020204" pitchFamily="34" charset="-122"/>
+              </a:rPr>
+              <a:t>基金会会员</a:t>
+            </a:r>
+          </a:p>
+        </p:txBody>
+      </p:sp>
+      <p:sp>
+        <p:nvSpPr>
+          <p:cNvPr id="35" name="矩形: 圆角 34">
+            <a:extLst>
+              <a:ext uri="{FF2B5EF4-FFF2-40B4-BE49-F238E27FC236}">
+                <a16:creationId xmlns:a16="http://schemas.microsoft.com/office/drawing/2014/main" id="{0ED5DDA2-8D4A-478C-87F3-C57A2D824329}"/>
+              </a:ext>
+            </a:extLst>
+          </p:cNvPr>
+          <p:cNvSpPr/>
+          <p:nvPr/>
+        </p:nvSpPr>
+        <p:spPr>
+          <a:xfrm>
+            <a:off x="3733466" y="5304535"/>
+            <a:ext cx="2448000" cy="648000"/>
+          </a:xfrm>
+          <a:prstGeom prst="roundRect">
+            <a:avLst/>
+          </a:prstGeom>
+          <a:solidFill>
+            <a:srgbClr val="00B050"/>
+          </a:solidFill>
+          <a:ln>
+            <a:solidFill>
+              <a:schemeClr val="tx1"/>
+            </a:solidFill>
+          </a:ln>
+        </p:spPr>
+        <p:style>
+          <a:lnRef idx="2">
+            <a:schemeClr val="accent1">
+              <a:shade val="50000"/>
+            </a:schemeClr>
+          </a:lnRef>
+          <a:fillRef idx="1">
+            <a:schemeClr val="accent1"/>
+          </a:fillRef>
+          <a:effectRef idx="0">
+            <a:schemeClr val="accent1"/>
+          </a:effectRef>
+          <a:fontRef idx="minor">
+            <a:schemeClr val="lt1"/>
+          </a:fontRef>
+        </p:style>
+        <p:txBody>
+          <a:bodyPr wrap="none" lIns="36000" tIns="36000" rIns="36000" bIns="36000" rtlCol="0" anchor="ctr" anchorCtr="0"/>
+          <a:lstStyle/>
+          <a:p>
+            <a:pPr algn="ctr"/>
+            <a:r>
+              <a:rPr lang="zh-CN" altLang="en-US" sz="1600" b="1">
+                <a:solidFill>
+                  <a:schemeClr val="tx1"/>
+                </a:solidFill>
+                <a:latin typeface="微软雅黑" panose="020B0503020204020204" pitchFamily="34" charset="-122"/>
+                <a:ea typeface="微软雅黑" panose="020B0503020204020204" pitchFamily="34" charset="-122"/>
+              </a:rPr>
+              <a:t>查看列表</a:t>
+            </a:r>
+            <a:endParaRPr lang="en-US" altLang="zh-CN" sz="1600" b="1">
+              <a:solidFill>
+                <a:schemeClr val="tx1"/>
+              </a:solidFill>
+              <a:latin typeface="微软雅黑" panose="020B0503020204020204" pitchFamily="34" charset="-122"/>
+              <a:ea typeface="微软雅黑" panose="020B0503020204020204" pitchFamily="34" charset="-122"/>
+            </a:endParaRPr>
+          </a:p>
+          <a:p>
+            <a:pPr algn="ctr"/>
+            <a:r>
+              <a:rPr lang="en-US" altLang="zh-CN" sz="1600" b="1">
+                <a:solidFill>
+                  <a:schemeClr val="tx1"/>
+                </a:solidFill>
+                <a:latin typeface="微软雅黑" panose="020B0503020204020204" pitchFamily="34" charset="-122"/>
+                <a:ea typeface="微软雅黑" panose="020B0503020204020204" pitchFamily="34" charset="-122"/>
+              </a:rPr>
+              <a:t>list_comment</a:t>
+            </a:r>
+            <a:endParaRPr lang="zh-CN" altLang="en-US" sz="1600" b="1">
+              <a:solidFill>
+                <a:schemeClr val="tx1"/>
+              </a:solidFill>
+              <a:latin typeface="微软雅黑" panose="020B0503020204020204" pitchFamily="34" charset="-122"/>
+              <a:ea typeface="微软雅黑" panose="020B0503020204020204" pitchFamily="34" charset="-122"/>
+            </a:endParaRPr>
+          </a:p>
+        </p:txBody>
+      </p:sp>
+      <p:cxnSp>
+        <p:nvCxnSpPr>
+          <p:cNvPr id="36" name="直接箭头连接符 35">
+            <a:extLst>
+              <a:ext uri="{FF2B5EF4-FFF2-40B4-BE49-F238E27FC236}">
+                <a16:creationId xmlns:a16="http://schemas.microsoft.com/office/drawing/2014/main" id="{7D0CE003-B619-434E-BD8A-556709049162}"/>
+              </a:ext>
+            </a:extLst>
+          </p:cNvPr>
+          <p:cNvCxnSpPr>
+            <a:cxnSpLocks/>
+            <a:stCxn id="40" idx="3"/>
+            <a:endCxn id="50" idx="1"/>
+          </p:cNvCxnSpPr>
+          <p:nvPr/>
+        </p:nvCxnSpPr>
+        <p:spPr>
+          <a:xfrm flipV="1">
+            <a:off x="6535495" y="2317516"/>
+            <a:ext cx="2308264" cy="3393"/>
+          </a:xfrm>
+          <a:prstGeom prst="straightConnector1">
+            <a:avLst/>
+          </a:prstGeom>
+          <a:ln w="57150">
+            <a:solidFill>
+              <a:srgbClr val="FFC000"/>
+            </a:solidFill>
+            <a:tailEnd type="triangle"/>
+          </a:ln>
+        </p:spPr>
+        <p:style>
+          <a:lnRef idx="1">
+            <a:schemeClr val="accent1"/>
+          </a:lnRef>
+          <a:fillRef idx="0">
+            <a:schemeClr val="accent1"/>
+          </a:fillRef>
+          <a:effectRef idx="0">
+            <a:schemeClr val="accent1"/>
+          </a:effectRef>
+          <a:fontRef idx="minor">
+            <a:schemeClr val="tx1"/>
+          </a:fontRef>
+        </p:style>
+      </p:cxnSp>
+      <p:grpSp>
+        <p:nvGrpSpPr>
+          <p:cNvPr id="37" name="组合 36">
+            <a:extLst>
+              <a:ext uri="{FF2B5EF4-FFF2-40B4-BE49-F238E27FC236}">
+                <a16:creationId xmlns:a16="http://schemas.microsoft.com/office/drawing/2014/main" id="{50100A4E-A630-4C07-B221-690C33ABCBAC}"/>
+              </a:ext>
+            </a:extLst>
+          </p:cNvPr>
+          <p:cNvGrpSpPr/>
+          <p:nvPr/>
+        </p:nvGrpSpPr>
+        <p:grpSpPr>
+          <a:xfrm>
+            <a:off x="3603890" y="1087837"/>
+            <a:ext cx="2931605" cy="2466144"/>
+            <a:chOff x="433387" y="3075121"/>
+            <a:chExt cx="2931605" cy="2466144"/>
+          </a:xfrm>
+        </p:grpSpPr>
+        <p:sp>
+          <p:nvSpPr>
+            <p:cNvPr id="40" name="矩形: 圆角 39">
+              <a:extLst>
+                <a:ext uri="{FF2B5EF4-FFF2-40B4-BE49-F238E27FC236}">
+                  <a16:creationId xmlns:a16="http://schemas.microsoft.com/office/drawing/2014/main" id="{9D3D4885-888C-4B70-ABAC-F601C9C2BBAC}"/>
+                </a:ext>
+              </a:extLst>
+            </p:cNvPr>
+            <p:cNvSpPr/>
+            <p:nvPr/>
+          </p:nvSpPr>
+          <p:spPr>
+            <a:xfrm>
+              <a:off x="433387" y="3075121"/>
+              <a:ext cx="2931605" cy="2466144"/>
+            </a:xfrm>
+            <a:prstGeom prst="roundRect">
+              <a:avLst>
+                <a:gd name="adj" fmla="val 5494"/>
+              </a:avLst>
+            </a:prstGeom>
+            <a:noFill/>
+            <a:ln>
+              <a:solidFill>
+                <a:schemeClr val="tx2"/>
+              </a:solidFill>
+              <a:prstDash val="dash"/>
+            </a:ln>
+          </p:spPr>
+          <p:style>
+            <a:lnRef idx="2">
+              <a:schemeClr val="accent1">
+                <a:shade val="50000"/>
+              </a:schemeClr>
+            </a:lnRef>
+            <a:fillRef idx="1">
+              <a:schemeClr val="accent1"/>
+            </a:fillRef>
+            <a:effectRef idx="0">
+              <a:schemeClr val="accent1"/>
+            </a:effectRef>
+            <a:fontRef idx="minor">
+              <a:schemeClr val="lt1"/>
+            </a:fontRef>
+          </p:style>
+          <p:txBody>
+            <a:bodyPr rtlCol="0" anchor="ctr"/>
+            <a:lstStyle/>
+            <a:p>
+              <a:pPr algn="ctr"/>
+              <a:endParaRPr lang="zh-CN" altLang="en-US" sz="1600">
+                <a:latin typeface="微软雅黑" panose="020B0503020204020204" pitchFamily="34" charset="-122"/>
+                <a:ea typeface="微软雅黑" panose="020B0503020204020204" pitchFamily="34" charset="-122"/>
+              </a:endParaRPr>
+            </a:p>
+          </p:txBody>
+        </p:sp>
+        <p:sp>
+          <p:nvSpPr>
+            <p:cNvPr id="41" name="矩形: 圆角 40">
+              <a:extLst>
+                <a:ext uri="{FF2B5EF4-FFF2-40B4-BE49-F238E27FC236}">
+                  <a16:creationId xmlns:a16="http://schemas.microsoft.com/office/drawing/2014/main" id="{CB82AF88-2AA5-42C0-9BBC-152E0344BF21}"/>
+                </a:ext>
+              </a:extLst>
+            </p:cNvPr>
+            <p:cNvSpPr/>
+            <p:nvPr/>
+          </p:nvSpPr>
+          <p:spPr>
+            <a:xfrm>
+              <a:off x="562963" y="3191865"/>
+              <a:ext cx="2664000" cy="648000"/>
+            </a:xfrm>
+            <a:prstGeom prst="roundRect">
+              <a:avLst/>
+            </a:prstGeom>
+            <a:solidFill>
+              <a:srgbClr val="00B050"/>
+            </a:solidFill>
+            <a:ln>
+              <a:solidFill>
+                <a:schemeClr val="tx1"/>
+              </a:solidFill>
+            </a:ln>
+          </p:spPr>
+          <p:style>
+            <a:lnRef idx="2">
+              <a:schemeClr val="accent1">
+                <a:shade val="50000"/>
+              </a:schemeClr>
+            </a:lnRef>
+            <a:fillRef idx="1">
+              <a:schemeClr val="accent1"/>
+            </a:fillRef>
+            <a:effectRef idx="0">
+              <a:schemeClr val="accent1"/>
+            </a:effectRef>
+            <a:fontRef idx="minor">
+              <a:schemeClr val="lt1"/>
+            </a:fontRef>
+          </p:style>
+          <p:txBody>
+            <a:bodyPr wrap="none" lIns="36000" tIns="36000" rIns="36000" bIns="36000" rtlCol="0" anchor="ctr" anchorCtr="0"/>
+            <a:lstStyle/>
+            <a:p>
+              <a:pPr algn="ctr"/>
+              <a:r>
+                <a:rPr lang="zh-CN" altLang="en-US" sz="1600" b="1">
+                  <a:solidFill>
+                    <a:schemeClr val="tx1"/>
+                  </a:solidFill>
+                  <a:latin typeface="微软雅黑" panose="020B0503020204020204" pitchFamily="34" charset="-122"/>
+                  <a:ea typeface="微软雅黑" panose="020B0503020204020204" pitchFamily="34" charset="-122"/>
+                </a:rPr>
+                <a:t>添加点评</a:t>
+              </a:r>
+              <a:endParaRPr lang="en-US" altLang="zh-CN" sz="1600" b="1">
+                <a:solidFill>
+                  <a:schemeClr val="tx1"/>
+                </a:solidFill>
+                <a:latin typeface="微软雅黑" panose="020B0503020204020204" pitchFamily="34" charset="-122"/>
+                <a:ea typeface="微软雅黑" panose="020B0503020204020204" pitchFamily="34" charset="-122"/>
+              </a:endParaRPr>
+            </a:p>
+            <a:p>
+              <a:pPr algn="ctr"/>
+              <a:r>
+                <a:rPr lang="en-US" altLang="zh-CN" sz="1600" b="1">
+                  <a:solidFill>
+                    <a:schemeClr val="tx1"/>
+                  </a:solidFill>
+                  <a:latin typeface="微软雅黑" panose="020B0503020204020204" pitchFamily="34" charset="-122"/>
+                  <a:ea typeface="微软雅黑" panose="020B0503020204020204" pitchFamily="34" charset="-122"/>
+                </a:rPr>
+                <a:t>add_comment</a:t>
+              </a:r>
+            </a:p>
+          </p:txBody>
+        </p:sp>
+        <p:sp>
+          <p:nvSpPr>
+            <p:cNvPr id="43" name="矩形: 圆角 42">
+              <a:extLst>
+                <a:ext uri="{FF2B5EF4-FFF2-40B4-BE49-F238E27FC236}">
+                  <a16:creationId xmlns:a16="http://schemas.microsoft.com/office/drawing/2014/main" id="{B3BD3F92-507F-4F5E-AB89-F8D51829F059}"/>
+                </a:ext>
+              </a:extLst>
+            </p:cNvPr>
+            <p:cNvSpPr/>
+            <p:nvPr/>
+          </p:nvSpPr>
+          <p:spPr>
+            <a:xfrm>
+              <a:off x="562963" y="3980800"/>
+              <a:ext cx="2664000" cy="648000"/>
+            </a:xfrm>
+            <a:prstGeom prst="roundRect">
+              <a:avLst/>
+            </a:prstGeom>
+            <a:solidFill>
+              <a:srgbClr val="00B050"/>
+            </a:solidFill>
+            <a:ln>
+              <a:solidFill>
+                <a:schemeClr val="tx1"/>
+              </a:solidFill>
+            </a:ln>
+          </p:spPr>
+          <p:style>
+            <a:lnRef idx="2">
+              <a:schemeClr val="accent1">
+                <a:shade val="50000"/>
+              </a:schemeClr>
+            </a:lnRef>
+            <a:fillRef idx="1">
+              <a:schemeClr val="accent1"/>
+            </a:fillRef>
+            <a:effectRef idx="0">
+              <a:schemeClr val="accent1"/>
+            </a:effectRef>
+            <a:fontRef idx="minor">
+              <a:schemeClr val="lt1"/>
+            </a:fontRef>
+          </p:style>
+          <p:txBody>
+            <a:bodyPr wrap="none" lIns="36000" tIns="36000" rIns="36000" bIns="36000" rtlCol="0" anchor="ctr" anchorCtr="0"/>
+            <a:lstStyle/>
+            <a:p>
+              <a:pPr algn="ctr"/>
+              <a:r>
+                <a:rPr lang="zh-CN" altLang="en-US" sz="1600" b="1">
+                  <a:solidFill>
+                    <a:schemeClr val="tx1"/>
+                  </a:solidFill>
+                  <a:latin typeface="微软雅黑" panose="020B0503020204020204" pitchFamily="34" charset="-122"/>
+                  <a:ea typeface="微软雅黑" panose="020B0503020204020204" pitchFamily="34" charset="-122"/>
+                </a:rPr>
+                <a:t>删除点评</a:t>
+              </a:r>
+              <a:endParaRPr lang="en-US" altLang="zh-CN" sz="1600" b="1">
+                <a:solidFill>
+                  <a:schemeClr val="tx1"/>
+                </a:solidFill>
+                <a:latin typeface="微软雅黑" panose="020B0503020204020204" pitchFamily="34" charset="-122"/>
+                <a:ea typeface="微软雅黑" panose="020B0503020204020204" pitchFamily="34" charset="-122"/>
+              </a:endParaRPr>
+            </a:p>
+            <a:p>
+              <a:pPr algn="ctr"/>
+              <a:r>
+                <a:rPr lang="en-US" altLang="zh-CN" sz="1600" b="1">
+                  <a:solidFill>
+                    <a:schemeClr val="tx1"/>
+                  </a:solidFill>
+                  <a:latin typeface="微软雅黑" panose="020B0503020204020204" pitchFamily="34" charset="-122"/>
+                  <a:ea typeface="微软雅黑" panose="020B0503020204020204" pitchFamily="34" charset="-122"/>
+                </a:rPr>
+                <a:t>delete_comment</a:t>
+              </a:r>
+            </a:p>
+          </p:txBody>
+        </p:sp>
+        <p:sp>
+          <p:nvSpPr>
+            <p:cNvPr id="47" name="矩形: 圆角 46">
+              <a:extLst>
+                <a:ext uri="{FF2B5EF4-FFF2-40B4-BE49-F238E27FC236}">
+                  <a16:creationId xmlns:a16="http://schemas.microsoft.com/office/drawing/2014/main" id="{5116B6B6-0E17-457E-BCC3-86A7A8D9B56C}"/>
+                </a:ext>
+              </a:extLst>
+            </p:cNvPr>
+            <p:cNvSpPr/>
+            <p:nvPr/>
+          </p:nvSpPr>
+          <p:spPr>
+            <a:xfrm>
+              <a:off x="562963" y="4769735"/>
+              <a:ext cx="2664000" cy="648000"/>
+            </a:xfrm>
+            <a:prstGeom prst="roundRect">
+              <a:avLst/>
+            </a:prstGeom>
+            <a:solidFill>
+              <a:srgbClr val="00B050"/>
+            </a:solidFill>
+            <a:ln>
+              <a:solidFill>
+                <a:schemeClr val="tx1"/>
+              </a:solidFill>
+            </a:ln>
+          </p:spPr>
+          <p:style>
+            <a:lnRef idx="2">
+              <a:schemeClr val="accent1">
+                <a:shade val="50000"/>
+              </a:schemeClr>
+            </a:lnRef>
+            <a:fillRef idx="1">
+              <a:schemeClr val="accent1"/>
+            </a:fillRef>
+            <a:effectRef idx="0">
+              <a:schemeClr val="accent1"/>
+            </a:effectRef>
+            <a:fontRef idx="minor">
+              <a:schemeClr val="lt1"/>
+            </a:fontRef>
+          </p:style>
+          <p:txBody>
+            <a:bodyPr wrap="none" lIns="36000" tIns="36000" rIns="36000" bIns="36000" rtlCol="0" anchor="ctr" anchorCtr="0"/>
+            <a:lstStyle/>
+            <a:p>
+              <a:pPr algn="ctr"/>
+              <a:r>
+                <a:rPr lang="zh-CN" altLang="en-US" sz="1600" b="1">
+                  <a:solidFill>
+                    <a:schemeClr val="tx1"/>
+                  </a:solidFill>
+                  <a:latin typeface="微软雅黑" panose="020B0503020204020204" pitchFamily="34" charset="-122"/>
+                  <a:ea typeface="微软雅黑" panose="020B0503020204020204" pitchFamily="34" charset="-122"/>
+                </a:rPr>
+                <a:t>修改点评</a:t>
+              </a:r>
+              <a:endParaRPr lang="en-US" altLang="zh-CN" sz="1600" b="1">
+                <a:solidFill>
+                  <a:schemeClr val="tx1"/>
+                </a:solidFill>
+                <a:latin typeface="微软雅黑" panose="020B0503020204020204" pitchFamily="34" charset="-122"/>
+                <a:ea typeface="微软雅黑" panose="020B0503020204020204" pitchFamily="34" charset="-122"/>
+              </a:endParaRPr>
+            </a:p>
+            <a:p>
+              <a:pPr algn="ctr"/>
+              <a:r>
+                <a:rPr lang="en-US" altLang="zh-CN" sz="1600" b="1">
+                  <a:solidFill>
+                    <a:schemeClr val="tx1"/>
+                  </a:solidFill>
+                  <a:latin typeface="微软雅黑" panose="020B0503020204020204" pitchFamily="34" charset="-122"/>
+                  <a:ea typeface="微软雅黑" panose="020B0503020204020204" pitchFamily="34" charset="-122"/>
+                </a:rPr>
+                <a:t>update_comment</a:t>
+              </a:r>
+            </a:p>
+          </p:txBody>
+        </p:sp>
+      </p:grpSp>
+      <p:cxnSp>
+        <p:nvCxnSpPr>
+          <p:cNvPr id="48" name="直接箭头连接符 47">
+            <a:extLst>
+              <a:ext uri="{FF2B5EF4-FFF2-40B4-BE49-F238E27FC236}">
+                <a16:creationId xmlns:a16="http://schemas.microsoft.com/office/drawing/2014/main" id="{98D67F11-3729-4E10-9A21-441CB9E03A8E}"/>
+              </a:ext>
+            </a:extLst>
+          </p:cNvPr>
+          <p:cNvCxnSpPr>
+            <a:cxnSpLocks/>
+            <a:stCxn id="31" idx="3"/>
+            <a:endCxn id="40" idx="1"/>
+          </p:cNvCxnSpPr>
+          <p:nvPr/>
+        </p:nvCxnSpPr>
+        <p:spPr>
+          <a:xfrm flipV="1">
+            <a:off x="1792379" y="2320909"/>
+            <a:ext cx="1811511" cy="18000"/>
+          </a:xfrm>
+          <a:prstGeom prst="straightConnector1">
+            <a:avLst/>
+          </a:prstGeom>
+          <a:ln w="31750">
+            <a:solidFill>
+              <a:schemeClr val="tx1"/>
+            </a:solidFill>
+            <a:tailEnd type="triangle"/>
+          </a:ln>
+        </p:spPr>
+        <p:style>
+          <a:lnRef idx="1">
+            <a:schemeClr val="accent1"/>
+          </a:lnRef>
+          <a:fillRef idx="0">
+            <a:schemeClr val="accent1"/>
+          </a:fillRef>
+          <a:effectRef idx="0">
+            <a:schemeClr val="accent1"/>
+          </a:effectRef>
+          <a:fontRef idx="minor">
+            <a:schemeClr val="tx1"/>
+          </a:fontRef>
+        </p:style>
+      </p:cxnSp>
+      <p:sp>
+        <p:nvSpPr>
+          <p:cNvPr id="50" name="矩形: 圆角 49">
+            <a:extLst>
+              <a:ext uri="{FF2B5EF4-FFF2-40B4-BE49-F238E27FC236}">
+                <a16:creationId xmlns:a16="http://schemas.microsoft.com/office/drawing/2014/main" id="{BCA4C6B7-731A-4B68-9265-B7380D9E4B5F}"/>
+              </a:ext>
+            </a:extLst>
+          </p:cNvPr>
+          <p:cNvSpPr/>
+          <p:nvPr/>
+        </p:nvSpPr>
+        <p:spPr>
+          <a:xfrm>
+            <a:off x="8843759" y="2101516"/>
+            <a:ext cx="1728000" cy="432000"/>
+          </a:xfrm>
+          <a:prstGeom prst="roundRect">
+            <a:avLst/>
+          </a:prstGeom>
+          <a:solidFill>
+            <a:schemeClr val="bg1">
+              <a:lumMod val="95000"/>
+            </a:schemeClr>
+          </a:solidFill>
+          <a:ln>
+            <a:solidFill>
+              <a:schemeClr val="tx1"/>
+            </a:solidFill>
+          </a:ln>
+        </p:spPr>
+        <p:style>
+          <a:lnRef idx="2">
+            <a:schemeClr val="accent1">
+              <a:shade val="50000"/>
+            </a:schemeClr>
+          </a:lnRef>
+          <a:fillRef idx="1">
+            <a:schemeClr val="accent1"/>
+          </a:fillRef>
+          <a:effectRef idx="0">
+            <a:schemeClr val="accent1"/>
+          </a:effectRef>
+          <a:fontRef idx="minor">
+            <a:schemeClr val="lt1"/>
+          </a:fontRef>
+        </p:style>
+        <p:txBody>
+          <a:bodyPr wrap="none" lIns="36000" tIns="36000" rIns="36000" bIns="36000" rtlCol="0" anchor="ctr" anchorCtr="0"/>
+          <a:lstStyle/>
+          <a:p>
+            <a:pPr algn="ctr"/>
+            <a:r>
+              <a:rPr lang="zh-CN" altLang="en-US" sz="1600" b="1">
+                <a:solidFill>
+                  <a:schemeClr val="tx1"/>
+                </a:solidFill>
+                <a:latin typeface="微软雅黑" panose="020B0503020204020204" pitchFamily="34" charset="-122"/>
+                <a:ea typeface="微软雅黑" panose="020B0503020204020204" pitchFamily="34" charset="-122"/>
+              </a:rPr>
+              <a:t>点评表</a:t>
+            </a:r>
+            <a:endParaRPr lang="en-US" altLang="zh-CN" sz="1600" b="1">
+              <a:solidFill>
+                <a:schemeClr val="tx1"/>
+              </a:solidFill>
+              <a:latin typeface="微软雅黑" panose="020B0503020204020204" pitchFamily="34" charset="-122"/>
+              <a:ea typeface="微软雅黑" panose="020B0503020204020204" pitchFamily="34" charset="-122"/>
+            </a:endParaRPr>
+          </a:p>
+        </p:txBody>
+      </p:sp>
+      <p:sp>
+        <p:nvSpPr>
+          <p:cNvPr id="51" name="矩形: 圆角 50">
+            <a:extLst>
+              <a:ext uri="{FF2B5EF4-FFF2-40B4-BE49-F238E27FC236}">
+                <a16:creationId xmlns:a16="http://schemas.microsoft.com/office/drawing/2014/main" id="{980FCA73-93A0-425B-9697-5FEB80001AFB}"/>
+              </a:ext>
+            </a:extLst>
+          </p:cNvPr>
+          <p:cNvSpPr/>
+          <p:nvPr/>
+        </p:nvSpPr>
+        <p:spPr>
+          <a:xfrm>
+            <a:off x="8843759" y="4920359"/>
+            <a:ext cx="1728000" cy="432000"/>
+          </a:xfrm>
+          <a:prstGeom prst="roundRect">
+            <a:avLst/>
+          </a:prstGeom>
+          <a:solidFill>
+            <a:schemeClr val="bg1">
+              <a:lumMod val="95000"/>
+            </a:schemeClr>
+          </a:solidFill>
+          <a:ln>
+            <a:solidFill>
+              <a:schemeClr val="tx1"/>
+            </a:solidFill>
+          </a:ln>
+        </p:spPr>
+        <p:style>
+          <a:lnRef idx="2">
+            <a:schemeClr val="accent1">
+              <a:shade val="50000"/>
+            </a:schemeClr>
+          </a:lnRef>
+          <a:fillRef idx="1">
+            <a:schemeClr val="accent1"/>
+          </a:fillRef>
+          <a:effectRef idx="0">
+            <a:schemeClr val="accent1"/>
+          </a:effectRef>
+          <a:fontRef idx="minor">
+            <a:schemeClr val="lt1"/>
+          </a:fontRef>
+        </p:style>
+        <p:txBody>
+          <a:bodyPr wrap="none" lIns="36000" tIns="36000" rIns="36000" bIns="36000" rtlCol="0" anchor="ctr" anchorCtr="0"/>
+          <a:lstStyle/>
+          <a:p>
+            <a:pPr algn="ctr"/>
+            <a:r>
+              <a:rPr lang="zh-CN" altLang="en-US" sz="1600" b="1">
+                <a:solidFill>
+                  <a:schemeClr val="tx1"/>
+                </a:solidFill>
+                <a:latin typeface="微软雅黑" panose="020B0503020204020204" pitchFamily="34" charset="-122"/>
+                <a:ea typeface="微软雅黑" panose="020B0503020204020204" pitchFamily="34" charset="-122"/>
+              </a:rPr>
+              <a:t>点评表</a:t>
+            </a:r>
+            <a:endParaRPr lang="en-US" altLang="zh-CN" sz="1600" b="1">
+              <a:solidFill>
+                <a:schemeClr val="tx1"/>
+              </a:solidFill>
+              <a:latin typeface="微软雅黑" panose="020B0503020204020204" pitchFamily="34" charset="-122"/>
+              <a:ea typeface="微软雅黑" panose="020B0503020204020204" pitchFamily="34" charset="-122"/>
+            </a:endParaRPr>
+          </a:p>
+        </p:txBody>
+      </p:sp>
+      <p:cxnSp>
+        <p:nvCxnSpPr>
+          <p:cNvPr id="52" name="直接箭头连接符 51">
+            <a:extLst>
+              <a:ext uri="{FF2B5EF4-FFF2-40B4-BE49-F238E27FC236}">
+                <a16:creationId xmlns:a16="http://schemas.microsoft.com/office/drawing/2014/main" id="{7B3475D4-95AB-4563-B791-FA5DCEBE5C32}"/>
+              </a:ext>
+            </a:extLst>
+          </p:cNvPr>
+          <p:cNvCxnSpPr>
+            <a:cxnSpLocks/>
+            <a:stCxn id="34" idx="3"/>
+            <a:endCxn id="35" idx="1"/>
+          </p:cNvCxnSpPr>
+          <p:nvPr/>
+        </p:nvCxnSpPr>
+        <p:spPr>
+          <a:xfrm>
+            <a:off x="1792379" y="5628535"/>
+            <a:ext cx="1941087" cy="0"/>
+          </a:xfrm>
+          <a:prstGeom prst="straightConnector1">
+            <a:avLst/>
+          </a:prstGeom>
+          <a:ln w="31750">
+            <a:solidFill>
+              <a:schemeClr val="tx1"/>
+            </a:solidFill>
+            <a:tailEnd type="triangle"/>
+          </a:ln>
+        </p:spPr>
+        <p:style>
+          <a:lnRef idx="1">
+            <a:schemeClr val="accent1"/>
+          </a:lnRef>
+          <a:fillRef idx="0">
+            <a:schemeClr val="accent1"/>
+          </a:fillRef>
+          <a:effectRef idx="0">
+            <a:schemeClr val="accent1"/>
+          </a:effectRef>
+          <a:fontRef idx="minor">
+            <a:schemeClr val="tx1"/>
+          </a:fontRef>
+        </p:style>
+      </p:cxnSp>
+      <p:cxnSp>
+        <p:nvCxnSpPr>
+          <p:cNvPr id="55" name="直接箭头连接符 54">
+            <a:extLst>
+              <a:ext uri="{FF2B5EF4-FFF2-40B4-BE49-F238E27FC236}">
+                <a16:creationId xmlns:a16="http://schemas.microsoft.com/office/drawing/2014/main" id="{CF8C53E0-FF1D-4AB8-9D3E-2AD0ED1DF14C}"/>
+              </a:ext>
+            </a:extLst>
+          </p:cNvPr>
+          <p:cNvCxnSpPr>
+            <a:cxnSpLocks/>
+            <a:stCxn id="28" idx="3"/>
+            <a:endCxn id="27" idx="1"/>
+          </p:cNvCxnSpPr>
+          <p:nvPr/>
+        </p:nvCxnSpPr>
+        <p:spPr>
+          <a:xfrm>
+            <a:off x="1792379" y="4746817"/>
+            <a:ext cx="1941087" cy="0"/>
+          </a:xfrm>
+          <a:prstGeom prst="straightConnector1">
+            <a:avLst/>
+          </a:prstGeom>
+          <a:ln w="31750">
+            <a:solidFill>
+              <a:schemeClr val="tx1"/>
+            </a:solidFill>
+            <a:tailEnd type="triangle"/>
+          </a:ln>
+        </p:spPr>
+        <p:style>
+          <a:lnRef idx="1">
+            <a:schemeClr val="accent1"/>
+          </a:lnRef>
+          <a:fillRef idx="0">
+            <a:schemeClr val="accent1"/>
+          </a:fillRef>
+          <a:effectRef idx="0">
+            <a:schemeClr val="accent1"/>
+          </a:effectRef>
+          <a:fontRef idx="minor">
+            <a:schemeClr val="tx1"/>
+          </a:fontRef>
+        </p:style>
+      </p:cxnSp>
+      <p:cxnSp>
+        <p:nvCxnSpPr>
+          <p:cNvPr id="57" name="直接箭头连接符 56">
+            <a:extLst>
+              <a:ext uri="{FF2B5EF4-FFF2-40B4-BE49-F238E27FC236}">
+                <a16:creationId xmlns:a16="http://schemas.microsoft.com/office/drawing/2014/main" id="{B6A463D9-2E4C-4345-B1B5-15F5FAB28DCE}"/>
+              </a:ext>
+            </a:extLst>
+          </p:cNvPr>
+          <p:cNvCxnSpPr>
+            <a:cxnSpLocks/>
+            <a:stCxn id="51" idx="1"/>
+            <a:endCxn id="35" idx="3"/>
+          </p:cNvCxnSpPr>
+          <p:nvPr/>
+        </p:nvCxnSpPr>
+        <p:spPr>
+          <a:xfrm flipH="1">
+            <a:off x="6181466" y="5136359"/>
+            <a:ext cx="2662293" cy="492176"/>
+          </a:xfrm>
+          <a:prstGeom prst="straightConnector1">
+            <a:avLst/>
+          </a:prstGeom>
+          <a:ln w="57150">
+            <a:solidFill>
+              <a:srgbClr val="FF0000"/>
+            </a:solidFill>
+            <a:tailEnd type="triangle"/>
+          </a:ln>
+        </p:spPr>
+        <p:style>
+          <a:lnRef idx="1">
+            <a:schemeClr val="accent1"/>
+          </a:lnRef>
+          <a:fillRef idx="0">
+            <a:schemeClr val="accent1"/>
+          </a:fillRef>
+          <a:effectRef idx="0">
+            <a:schemeClr val="accent1"/>
+          </a:effectRef>
+          <a:fontRef idx="minor">
+            <a:schemeClr val="tx1"/>
+          </a:fontRef>
+        </p:style>
+      </p:cxnSp>
+      <p:cxnSp>
+        <p:nvCxnSpPr>
+          <p:cNvPr id="58" name="直接箭头连接符 57">
+            <a:extLst>
+              <a:ext uri="{FF2B5EF4-FFF2-40B4-BE49-F238E27FC236}">
+                <a16:creationId xmlns:a16="http://schemas.microsoft.com/office/drawing/2014/main" id="{EAA5F136-F66A-4819-B332-522868A38B4A}"/>
+              </a:ext>
+            </a:extLst>
+          </p:cNvPr>
+          <p:cNvCxnSpPr>
+            <a:cxnSpLocks/>
+            <a:stCxn id="51" idx="1"/>
+            <a:endCxn id="27" idx="3"/>
+          </p:cNvCxnSpPr>
+          <p:nvPr/>
+        </p:nvCxnSpPr>
+        <p:spPr>
+          <a:xfrm flipH="1" flipV="1">
+            <a:off x="6181466" y="4746817"/>
+            <a:ext cx="2662293" cy="389542"/>
+          </a:xfrm>
+          <a:prstGeom prst="straightConnector1">
+            <a:avLst/>
+          </a:prstGeom>
+          <a:ln w="57150">
+            <a:solidFill>
+              <a:srgbClr val="FF0000"/>
+            </a:solidFill>
+            <a:tailEnd type="triangle"/>
+          </a:ln>
+        </p:spPr>
+        <p:style>
+          <a:lnRef idx="1">
+            <a:schemeClr val="accent1"/>
+          </a:lnRef>
+          <a:fillRef idx="0">
+            <a:schemeClr val="accent1"/>
+          </a:fillRef>
+          <a:effectRef idx="0">
+            <a:schemeClr val="accent1"/>
+          </a:effectRef>
+          <a:fontRef idx="minor">
+            <a:schemeClr val="tx1"/>
+          </a:fontRef>
+        </p:style>
+      </p:cxnSp>
+      <p:cxnSp>
+        <p:nvCxnSpPr>
+          <p:cNvPr id="29" name="直接箭头连接符 28">
+            <a:extLst>
+              <a:ext uri="{FF2B5EF4-FFF2-40B4-BE49-F238E27FC236}">
+                <a16:creationId xmlns:a16="http://schemas.microsoft.com/office/drawing/2014/main" id="{279819CC-8ACF-438A-B4AE-AAC89F71F91E}"/>
+              </a:ext>
+            </a:extLst>
+          </p:cNvPr>
+          <p:cNvCxnSpPr>
+            <a:cxnSpLocks/>
+            <a:stCxn id="28" idx="3"/>
+            <a:endCxn id="35" idx="1"/>
+          </p:cNvCxnSpPr>
+          <p:nvPr/>
+        </p:nvCxnSpPr>
+        <p:spPr>
+          <a:xfrm>
+            <a:off x="1792379" y="4746817"/>
+            <a:ext cx="1941087" cy="881718"/>
+          </a:xfrm>
+          <a:prstGeom prst="straightConnector1">
+            <a:avLst/>
+          </a:prstGeom>
+          <a:ln w="31750">
+            <a:solidFill>
+              <a:schemeClr val="tx1"/>
+            </a:solidFill>
+            <a:tailEnd type="triangle"/>
+          </a:ln>
+        </p:spPr>
+        <p:style>
+          <a:lnRef idx="1">
+            <a:schemeClr val="accent1"/>
+          </a:lnRef>
+          <a:fillRef idx="0">
+            <a:schemeClr val="accent1"/>
+          </a:fillRef>
+          <a:effectRef idx="0">
+            <a:schemeClr val="accent1"/>
+          </a:effectRef>
+          <a:fontRef idx="minor">
+            <a:schemeClr val="tx1"/>
+          </a:fontRef>
+        </p:style>
+      </p:cxnSp>
+    </p:spTree>
+    <p:extLst>
+      <p:ext uri="{BB962C8B-B14F-4D97-AF65-F5344CB8AC3E}">
+        <p14:creationId xmlns:p14="http://schemas.microsoft.com/office/powerpoint/2010/main" val="2610698062"/>
       </p:ext>
     </p:extLst>
   </p:cSld>

--- a/doc/06.藏书阁.pptx
+++ b/doc/06.藏书阁.pptx
@@ -279,7 +279,7 @@
           <a:p>
             <a:fld id="{1B7BBEA4-24BC-4F9A-BA49-26A596A24E96}" type="datetimeFigureOut">
               <a:rPr lang="zh-CN" altLang="en-US" smtClean="0"/>
-              <a:t>2021/4/17</a:t>
+              <a:t>2021/4/18</a:t>
             </a:fld>
             <a:endParaRPr lang="zh-CN" altLang="en-US"/>
           </a:p>
@@ -477,7 +477,7 @@
           <a:p>
             <a:fld id="{1B7BBEA4-24BC-4F9A-BA49-26A596A24E96}" type="datetimeFigureOut">
               <a:rPr lang="zh-CN" altLang="en-US" smtClean="0"/>
-              <a:t>2021/4/17</a:t>
+              <a:t>2021/4/18</a:t>
             </a:fld>
             <a:endParaRPr lang="zh-CN" altLang="en-US"/>
           </a:p>
@@ -685,7 +685,7 @@
           <a:p>
             <a:fld id="{1B7BBEA4-24BC-4F9A-BA49-26A596A24E96}" type="datetimeFigureOut">
               <a:rPr lang="zh-CN" altLang="en-US" smtClean="0"/>
-              <a:t>2021/4/17</a:t>
+              <a:t>2021/4/18</a:t>
             </a:fld>
             <a:endParaRPr lang="zh-CN" altLang="en-US"/>
           </a:p>
@@ -883,7 +883,7 @@
           <a:p>
             <a:fld id="{1B7BBEA4-24BC-4F9A-BA49-26A596A24E96}" type="datetimeFigureOut">
               <a:rPr lang="zh-CN" altLang="en-US" smtClean="0"/>
-              <a:t>2021/4/17</a:t>
+              <a:t>2021/4/18</a:t>
             </a:fld>
             <a:endParaRPr lang="zh-CN" altLang="en-US"/>
           </a:p>
@@ -1158,7 +1158,7 @@
           <a:p>
             <a:fld id="{1B7BBEA4-24BC-4F9A-BA49-26A596A24E96}" type="datetimeFigureOut">
               <a:rPr lang="zh-CN" altLang="en-US" smtClean="0"/>
-              <a:t>2021/4/17</a:t>
+              <a:t>2021/4/18</a:t>
             </a:fld>
             <a:endParaRPr lang="zh-CN" altLang="en-US"/>
           </a:p>
@@ -1423,7 +1423,7 @@
           <a:p>
             <a:fld id="{1B7BBEA4-24BC-4F9A-BA49-26A596A24E96}" type="datetimeFigureOut">
               <a:rPr lang="zh-CN" altLang="en-US" smtClean="0"/>
-              <a:t>2021/4/17</a:t>
+              <a:t>2021/4/18</a:t>
             </a:fld>
             <a:endParaRPr lang="zh-CN" altLang="en-US"/>
           </a:p>
@@ -1835,7 +1835,7 @@
           <a:p>
             <a:fld id="{1B7BBEA4-24BC-4F9A-BA49-26A596A24E96}" type="datetimeFigureOut">
               <a:rPr lang="zh-CN" altLang="en-US" smtClean="0"/>
-              <a:t>2021/4/17</a:t>
+              <a:t>2021/4/18</a:t>
             </a:fld>
             <a:endParaRPr lang="zh-CN" altLang="en-US"/>
           </a:p>
@@ -1976,7 +1976,7 @@
           <a:p>
             <a:fld id="{1B7BBEA4-24BC-4F9A-BA49-26A596A24E96}" type="datetimeFigureOut">
               <a:rPr lang="zh-CN" altLang="en-US" smtClean="0"/>
-              <a:t>2021/4/17</a:t>
+              <a:t>2021/4/18</a:t>
             </a:fld>
             <a:endParaRPr lang="zh-CN" altLang="en-US"/>
           </a:p>
@@ -2089,7 +2089,7 @@
           <a:p>
             <a:fld id="{1B7BBEA4-24BC-4F9A-BA49-26A596A24E96}" type="datetimeFigureOut">
               <a:rPr lang="zh-CN" altLang="en-US" smtClean="0"/>
-              <a:t>2021/4/17</a:t>
+              <a:t>2021/4/18</a:t>
             </a:fld>
             <a:endParaRPr lang="zh-CN" altLang="en-US"/>
           </a:p>
@@ -2400,7 +2400,7 @@
           <a:p>
             <a:fld id="{1B7BBEA4-24BC-4F9A-BA49-26A596A24E96}" type="datetimeFigureOut">
               <a:rPr lang="zh-CN" altLang="en-US" smtClean="0"/>
-              <a:t>2021/4/17</a:t>
+              <a:t>2021/4/18</a:t>
             </a:fld>
             <a:endParaRPr lang="zh-CN" altLang="en-US"/>
           </a:p>
@@ -2688,7 +2688,7 @@
           <a:p>
             <a:fld id="{1B7BBEA4-24BC-4F9A-BA49-26A596A24E96}" type="datetimeFigureOut">
               <a:rPr lang="zh-CN" altLang="en-US" smtClean="0"/>
-              <a:t>2021/4/17</a:t>
+              <a:t>2021/4/18</a:t>
             </a:fld>
             <a:endParaRPr lang="zh-CN" altLang="en-US"/>
           </a:p>
@@ -2929,7 +2929,7 @@
           <a:p>
             <a:fld id="{1B7BBEA4-24BC-4F9A-BA49-26A596A24E96}" type="datetimeFigureOut">
               <a:rPr lang="zh-CN" altLang="en-US" smtClean="0"/>
-              <a:t>2021/4/17</a:t>
+              <a:t>2021/4/18</a:t>
             </a:fld>
             <a:endParaRPr lang="zh-CN" altLang="en-US"/>
           </a:p>
@@ -3609,7 +3609,7 @@
         </p:nvGrpSpPr>
         <p:grpSpPr>
           <a:xfrm>
-            <a:off x="1199043" y="2938556"/>
+            <a:off x="1199043" y="3666344"/>
             <a:ext cx="6634783" cy="369332"/>
             <a:chOff x="1199043" y="4720702"/>
             <a:chExt cx="6634783" cy="369332"/>
@@ -4043,7 +4043,7 @@
         </p:nvGrpSpPr>
         <p:grpSpPr>
           <a:xfrm>
-            <a:off x="1628272" y="3456128"/>
+            <a:off x="1628272" y="4183916"/>
             <a:ext cx="6485472" cy="369332"/>
             <a:chOff x="1628272" y="3360729"/>
             <a:chExt cx="6485472" cy="369332"/>
@@ -4153,7 +4153,7 @@
         </p:nvGrpSpPr>
         <p:grpSpPr>
           <a:xfrm>
-            <a:off x="1628272" y="3880636"/>
+            <a:off x="1628272" y="4608424"/>
             <a:ext cx="6485472" cy="369332"/>
             <a:chOff x="1628272" y="3689578"/>
             <a:chExt cx="6485472" cy="369332"/>
@@ -4263,7 +4263,7 @@
         </p:nvGrpSpPr>
         <p:grpSpPr>
           <a:xfrm>
-            <a:off x="1628272" y="4305144"/>
+            <a:off x="1628272" y="5032932"/>
             <a:ext cx="6485472" cy="369332"/>
             <a:chOff x="1628272" y="4095130"/>
             <a:chExt cx="6485472" cy="369332"/>
@@ -4327,6 +4327,220 @@
           <p:spPr>
             <a:xfrm>
               <a:off x="1628272" y="4171796"/>
+              <a:ext cx="216000" cy="216000"/>
+            </a:xfrm>
+            <a:prstGeom prst="diamond">
+              <a:avLst/>
+            </a:prstGeom>
+          </p:spPr>
+          <p:style>
+            <a:lnRef idx="2">
+              <a:schemeClr val="accent1">
+                <a:shade val="50000"/>
+              </a:schemeClr>
+            </a:lnRef>
+            <a:fillRef idx="1">
+              <a:schemeClr val="accent1"/>
+            </a:fillRef>
+            <a:effectRef idx="0">
+              <a:schemeClr val="accent1"/>
+            </a:effectRef>
+            <a:fontRef idx="minor">
+              <a:schemeClr val="lt1"/>
+            </a:fontRef>
+          </p:style>
+          <p:txBody>
+            <a:bodyPr rtlCol="0" anchor="ctr"/>
+            <a:lstStyle/>
+            <a:p>
+              <a:pPr algn="ctr"/>
+              <a:endParaRPr lang="zh-CN" altLang="en-US"/>
+            </a:p>
+          </p:txBody>
+        </p:sp>
+      </p:grpSp>
+      <p:grpSp>
+        <p:nvGrpSpPr>
+          <p:cNvPr id="29" name="组合 28">
+            <a:extLst>
+              <a:ext uri="{FF2B5EF4-FFF2-40B4-BE49-F238E27FC236}">
+                <a16:creationId xmlns:a16="http://schemas.microsoft.com/office/drawing/2014/main" id="{3CCE55CA-146B-4A02-BDE4-C1EA849C1303}"/>
+              </a:ext>
+            </a:extLst>
+          </p:cNvPr>
+          <p:cNvGrpSpPr/>
+          <p:nvPr/>
+        </p:nvGrpSpPr>
+        <p:grpSpPr>
+          <a:xfrm>
+            <a:off x="1631381" y="2829421"/>
+            <a:ext cx="6485472" cy="369332"/>
+            <a:chOff x="1628272" y="2488205"/>
+            <a:chExt cx="6485472" cy="369332"/>
+          </a:xfrm>
+        </p:grpSpPr>
+        <p:sp>
+          <p:nvSpPr>
+            <p:cNvPr id="30" name="文本框 29">
+              <a:extLst>
+                <a:ext uri="{FF2B5EF4-FFF2-40B4-BE49-F238E27FC236}">
+                  <a16:creationId xmlns:a16="http://schemas.microsoft.com/office/drawing/2014/main" id="{A4332BD1-8C98-4F56-840C-2AE35692DB2E}"/>
+                </a:ext>
+              </a:extLst>
+            </p:cNvPr>
+            <p:cNvSpPr txBox="1"/>
+            <p:nvPr/>
+          </p:nvSpPr>
+          <p:spPr>
+            <a:xfrm>
+              <a:off x="2016190" y="2488205"/>
+              <a:ext cx="6097554" cy="369332"/>
+            </a:xfrm>
+            <a:prstGeom prst="rect">
+              <a:avLst/>
+            </a:prstGeom>
+            <a:noFill/>
+          </p:spPr>
+          <p:txBody>
+            <a:bodyPr wrap="square">
+              <a:spAutoFit/>
+            </a:bodyPr>
+            <a:lstStyle/>
+            <a:p>
+              <a:r>
+                <a:rPr lang="zh-CN" altLang="en-US" b="1">
+                  <a:latin typeface="Consolas" panose="020B0609020204030204" pitchFamily="49" charset="0"/>
+                  <a:ea typeface="微软雅黑" panose="020B0503020204020204" pitchFamily="34" charset="-122"/>
+                  <a:hlinkClick r:id="rId8" action="ppaction://hlinksldjump"/>
+                </a:rPr>
+                <a:t>点评</a:t>
+              </a:r>
+              <a:endParaRPr lang="zh-CN" altLang="en-US"/>
+            </a:p>
+          </p:txBody>
+        </p:sp>
+        <p:sp>
+          <p:nvSpPr>
+            <p:cNvPr id="31" name="菱形 30">
+              <a:extLst>
+                <a:ext uri="{FF2B5EF4-FFF2-40B4-BE49-F238E27FC236}">
+                  <a16:creationId xmlns:a16="http://schemas.microsoft.com/office/drawing/2014/main" id="{B039A18F-BE18-4FC1-9A29-FED3A803C16A}"/>
+                </a:ext>
+              </a:extLst>
+            </p:cNvPr>
+            <p:cNvSpPr/>
+            <p:nvPr/>
+          </p:nvSpPr>
+          <p:spPr>
+            <a:xfrm>
+              <a:off x="1628272" y="2564871"/>
+              <a:ext cx="216000" cy="216000"/>
+            </a:xfrm>
+            <a:prstGeom prst="diamond">
+              <a:avLst/>
+            </a:prstGeom>
+          </p:spPr>
+          <p:style>
+            <a:lnRef idx="2">
+              <a:schemeClr val="accent1">
+                <a:shade val="50000"/>
+              </a:schemeClr>
+            </a:lnRef>
+            <a:fillRef idx="1">
+              <a:schemeClr val="accent1"/>
+            </a:fillRef>
+            <a:effectRef idx="0">
+              <a:schemeClr val="accent1"/>
+            </a:effectRef>
+            <a:fontRef idx="minor">
+              <a:schemeClr val="lt1"/>
+            </a:fontRef>
+          </p:style>
+          <p:txBody>
+            <a:bodyPr rtlCol="0" anchor="ctr"/>
+            <a:lstStyle/>
+            <a:p>
+              <a:pPr algn="ctr"/>
+              <a:endParaRPr lang="zh-CN" altLang="en-US"/>
+            </a:p>
+          </p:txBody>
+        </p:sp>
+      </p:grpSp>
+      <p:grpSp>
+        <p:nvGrpSpPr>
+          <p:cNvPr id="35" name="组合 34">
+            <a:extLst>
+              <a:ext uri="{FF2B5EF4-FFF2-40B4-BE49-F238E27FC236}">
+                <a16:creationId xmlns:a16="http://schemas.microsoft.com/office/drawing/2014/main" id="{ECBE9985-0E23-494B-B9C7-33F6B20E43B1}"/>
+              </a:ext>
+            </a:extLst>
+          </p:cNvPr>
+          <p:cNvGrpSpPr/>
+          <p:nvPr/>
+        </p:nvGrpSpPr>
+        <p:grpSpPr>
+          <a:xfrm>
+            <a:off x="1628272" y="5402264"/>
+            <a:ext cx="6485472" cy="369332"/>
+            <a:chOff x="1628272" y="2488205"/>
+            <a:chExt cx="6485472" cy="369332"/>
+          </a:xfrm>
+        </p:grpSpPr>
+        <p:sp>
+          <p:nvSpPr>
+            <p:cNvPr id="36" name="文本框 35">
+              <a:extLst>
+                <a:ext uri="{FF2B5EF4-FFF2-40B4-BE49-F238E27FC236}">
+                  <a16:creationId xmlns:a16="http://schemas.microsoft.com/office/drawing/2014/main" id="{6B861F9C-721E-487F-8655-F4A1DFC2FC85}"/>
+                </a:ext>
+              </a:extLst>
+            </p:cNvPr>
+            <p:cNvSpPr txBox="1"/>
+            <p:nvPr/>
+          </p:nvSpPr>
+          <p:spPr>
+            <a:xfrm>
+              <a:off x="2016190" y="2488205"/>
+              <a:ext cx="6097554" cy="369332"/>
+            </a:xfrm>
+            <a:prstGeom prst="rect">
+              <a:avLst/>
+            </a:prstGeom>
+            <a:noFill/>
+          </p:spPr>
+          <p:txBody>
+            <a:bodyPr wrap="square">
+              <a:spAutoFit/>
+            </a:bodyPr>
+            <a:lstStyle/>
+            <a:p>
+              <a:r>
+                <a:rPr lang="zh-CN" altLang="en-US" b="1">
+                  <a:latin typeface="Consolas" panose="020B0609020204030204" pitchFamily="49" charset="0"/>
+                  <a:ea typeface="微软雅黑" panose="020B0503020204020204" pitchFamily="34" charset="-122"/>
+                  <a:hlinkClick r:id="rId9" action="ppaction://hlinksldjump"/>
+                </a:rPr>
+                <a:t>点评</a:t>
+              </a:r>
+              <a:endParaRPr lang="zh-CN" altLang="en-US"/>
+            </a:p>
+          </p:txBody>
+        </p:sp>
+        <p:sp>
+          <p:nvSpPr>
+            <p:cNvPr id="37" name="菱形 36">
+              <a:extLst>
+                <a:ext uri="{FF2B5EF4-FFF2-40B4-BE49-F238E27FC236}">
+                  <a16:creationId xmlns:a16="http://schemas.microsoft.com/office/drawing/2014/main" id="{17719819-0E5A-4CB6-904D-E16A0D368655}"/>
+                </a:ext>
+              </a:extLst>
+            </p:cNvPr>
+            <p:cNvSpPr/>
+            <p:nvPr/>
+          </p:nvSpPr>
+          <p:spPr>
+            <a:xfrm>
+              <a:off x="1628272" y="2564871"/>
               <a:ext cx="216000" cy="216000"/>
             </a:xfrm>
             <a:prstGeom prst="diamond">
